--- a/발표자료/발표자료.pptx
+++ b/발표자료/발표자료.pptx
@@ -1,20 +1,26 @@
 
 <file path=ppt/presentation.xml><?xml version="1.0" encoding="utf-8"?>
-<p:presentation xmlns:a="http://schemas.openxmlformats.org/drawingml/2006/main" xmlns:r="http://schemas.openxmlformats.org/officeDocument/2006/relationships" xmlns:p="http://schemas.openxmlformats.org/presentationml/2006/main">
+<p:presentation xmlns:r="http://schemas.openxmlformats.org/officeDocument/2006/relationships" xmlns:c="http://schemas.openxmlformats.org/drawingml/2006/chart" xmlns:a="http://schemas.openxmlformats.org/drawingml/2006/main" xmlns:dgm="http://schemas.openxmlformats.org/drawingml/2006/diagram" xmlns:dsp="http://schemas.microsoft.com/office/drawing/2008/diagram" xmlns:p="http://schemas.openxmlformats.org/presentationml/2006/main">
   <p:sldMasterIdLst>
-    <p:sldMasterId id="2147483662" r:id="rId1"/>
+    <p:sldMasterId id="2147483668" r:id="rId1"/>
   </p:sldMasterIdLst>
   <p:sldIdLst>
     <p:sldId id="268" r:id="rId2"/>
     <p:sldId id="269" r:id="rId3"/>
-    <p:sldId id="270" r:id="rId4"/>
-    <p:sldId id="271" r:id="rId5"/>
+    <p:sldId id="271" r:id="rId4"/>
+    <p:sldId id="270" r:id="rId5"/>
     <p:sldId id="272" r:id="rId6"/>
     <p:sldId id="273" r:id="rId7"/>
     <p:sldId id="278" r:id="rId8"/>
     <p:sldId id="279" r:id="rId9"/>
-    <p:sldId id="274" r:id="rId10"/>
-    <p:sldId id="277" r:id="rId11"/>
+    <p:sldId id="280" r:id="rId10"/>
+    <p:sldId id="274" r:id="rId11"/>
+    <p:sldId id="281" r:id="rId12"/>
+    <p:sldId id="282" r:id="rId13"/>
+    <p:sldId id="283" r:id="rId14"/>
+    <p:sldId id="284" r:id="rId15"/>
+    <p:sldId id="285" r:id="rId16"/>
+    <p:sldId id="277" r:id="rId17"/>
   </p:sldIdLst>
   <p:sldSz cx="12192000" cy="6858000"/>
   <p:notesSz cx="6858000" cy="9144000"/>
@@ -113,22 +119,6 @@
       </a:defRPr>
     </a:lvl9pPr>
   </p:defaultTextStyle>
-  <p:extLst>
-    <p:ext uri="{EFAFB233-063F-42B5-8137-9DF3F51BA10A}">
-      <p15:sldGuideLst xmlns:p15="http://schemas.microsoft.com/office/powerpoint/2012/main">
-        <p15:guide id="1" orient="horz" pos="2159">
-          <p15:clr>
-            <a:srgbClr val="A4A3A4"/>
-          </p15:clr>
-        </p15:guide>
-        <p15:guide id="2" pos="3839">
-          <p15:clr>
-            <a:srgbClr val="A4A3A4"/>
-          </p15:clr>
-        </p15:guide>
-      </p15:sldGuideLst>
-    </p:ext>
-  </p:extLst>
 </p:presentation>
 </file>
 
@@ -3697,6 +3687,1388 @@
 </file>
 
 <file path=ppt/slides/slide10.xml><?xml version="1.0" encoding="utf-8"?>
+<p:sld xmlns:r="http://schemas.openxmlformats.org/officeDocument/2006/relationships" xmlns:c="http://schemas.openxmlformats.org/drawingml/2006/chart" xmlns:a="http://schemas.openxmlformats.org/drawingml/2006/main" xmlns:dgm="http://schemas.openxmlformats.org/drawingml/2006/diagram" xmlns:dsp="http://schemas.microsoft.com/office/drawing/2008/diagram" xmlns:p="http://schemas.openxmlformats.org/presentationml/2006/main">
+  <p:cSld>
+    <p:spTree>
+      <p:nvGrpSpPr>
+        <p:cNvPr id="1" name=""/>
+        <p:cNvGrpSpPr/>
+        <p:nvPr/>
+      </p:nvGrpSpPr>
+      <p:grpSpPr>
+        <a:xfrm>
+          <a:off x="0" y="0"/>
+          <a:ext cx="0" cy="0"/>
+          <a:chOff x="0" y="0"/>
+          <a:chExt cx="0" cy="0"/>
+        </a:xfrm>
+      </p:grpSpPr>
+      <p:sp>
+        <p:nvSpPr>
+          <p:cNvPr id="23" name="직사각형 22"/>
+          <p:cNvSpPr/>
+          <p:nvPr/>
+        </p:nvSpPr>
+        <p:spPr>
+          <a:xfrm flipV="1">
+            <a:off x="557400" y="1001162"/>
+            <a:ext cx="11077200" cy="18000"/>
+          </a:xfrm>
+          <a:prstGeom prst="rect">
+            <a:avLst/>
+          </a:prstGeom>
+          <a:solidFill>
+            <a:srgbClr val="64decf"/>
+          </a:solidFill>
+          <a:ln>
+            <a:noFill/>
+          </a:ln>
+        </p:spPr>
+        <p:style>
+          <a:lnRef idx="2">
+            <a:schemeClr val="accent1">
+              <a:shade val="50000"/>
+            </a:schemeClr>
+          </a:lnRef>
+          <a:fillRef idx="1">
+            <a:schemeClr val="accent1"/>
+          </a:fillRef>
+          <a:effectRef idx="0">
+            <a:schemeClr val="accent1"/>
+          </a:effectRef>
+          <a:fontRef idx="minor">
+            <a:schemeClr val="lt1"/>
+          </a:fontRef>
+        </p:style>
+        <p:txBody>
+          <a:bodyPr anchor="ctr"/>
+          <a:lstStyle/>
+          <a:p>
+            <a:pPr algn="ctr">
+              <a:defRPr/>
+            </a:pPr>
+            <a:endParaRPr lang="ko-KR" altLang="en-US"/>
+          </a:p>
+        </p:txBody>
+      </p:sp>
+      <p:grpSp>
+        <p:nvGrpSpPr>
+          <p:cNvPr id="6" name="그룹 5"/>
+          <p:cNvGrpSpPr/>
+          <p:nvPr/>
+        </p:nvGrpSpPr>
+        <p:grpSpPr>
+          <a:xfrm rot="0">
+            <a:off x="4105427" y="188165"/>
+            <a:ext cx="3981147" cy="819580"/>
+            <a:chOff x="3819245" y="188165"/>
+            <a:chExt cx="3981147" cy="819580"/>
+          </a:xfrm>
+        </p:grpSpPr>
+        <p:sp>
+          <p:nvSpPr>
+            <p:cNvPr id="5" name="직사각형 4"/>
+            <p:cNvSpPr/>
+            <p:nvPr/>
+          </p:nvSpPr>
+          <p:spPr>
+            <a:xfrm>
+              <a:off x="4603102" y="366260"/>
+              <a:ext cx="3197290" cy="470035"/>
+            </a:xfrm>
+            <a:prstGeom prst="rect">
+              <a:avLst/>
+            </a:prstGeom>
+          </p:spPr>
+          <p:txBody>
+            <a:bodyPr wrap="square">
+              <a:spAutoFit/>
+            </a:bodyPr>
+            <a:lstStyle/>
+            <a:p>
+              <a:pPr lvl="0">
+                <a:defRPr/>
+              </a:pPr>
+              <a:r>
+                <a:rPr lang="ko-KR" altLang="en-US" sz="2500">
+                  <a:solidFill>
+                    <a:schemeClr val="tx1">
+                      <a:lumMod val="65000"/>
+                      <a:lumOff val="35000"/>
+                    </a:schemeClr>
+                  </a:solidFill>
+                  <a:latin typeface="KoPubWorld돋움체 Light"/>
+                  <a:ea typeface="KoPubWorld돋움체 Light"/>
+                  <a:cs typeface="KoPubWorld돋움체 Light"/>
+                </a:rPr>
+                <a:t>프로젝트 설계</a:t>
+              </a:r>
+              <a:endParaRPr lang="ko-KR" altLang="en-US" sz="2500">
+                <a:solidFill>
+                  <a:schemeClr val="tx1">
+                    <a:lumMod val="65000"/>
+                    <a:lumOff val="35000"/>
+                  </a:schemeClr>
+                </a:solidFill>
+                <a:latin typeface="KoPubWorld돋움체 Light"/>
+                <a:ea typeface="KoPubWorld돋움체 Light"/>
+                <a:cs typeface="KoPubWorld돋움체 Light"/>
+              </a:endParaRPr>
+            </a:p>
+          </p:txBody>
+        </p:sp>
+        <p:sp>
+          <p:nvSpPr>
+            <p:cNvPr id="24" name="TextBox 23"/>
+            <p:cNvSpPr txBox="1"/>
+            <p:nvPr/>
+          </p:nvSpPr>
+          <p:spPr>
+            <a:xfrm>
+              <a:off x="3819245" y="188165"/>
+              <a:ext cx="891388" cy="819580"/>
+            </a:xfrm>
+            <a:prstGeom prst="rect">
+              <a:avLst/>
+            </a:prstGeom>
+            <a:noFill/>
+          </p:spPr>
+          <p:txBody>
+            <a:bodyPr wrap="none">
+              <a:spAutoFit/>
+            </a:bodyPr>
+            <a:lstStyle/>
+            <a:p>
+              <a:pPr lvl="0">
+                <a:defRPr/>
+              </a:pPr>
+              <a:r>
+                <a:rPr lang="en-US" altLang="ko-KR" sz="4800" b="1">
+                  <a:solidFill>
+                    <a:srgbClr val="64decf"/>
+                  </a:solidFill>
+                  <a:latin typeface="KoPubWorld돋움체 Bold"/>
+                  <a:ea typeface="KoPubWorld돋움체 Bold"/>
+                  <a:cs typeface="KoPubWorld돋움체 Bold"/>
+                </a:rPr>
+                <a:t>05</a:t>
+              </a:r>
+              <a:endParaRPr lang="en-US" altLang="ko-KR" sz="4800" b="1">
+                <a:solidFill>
+                  <a:srgbClr val="64decf"/>
+                </a:solidFill>
+                <a:latin typeface="KoPubWorld돋움체 Bold"/>
+                <a:ea typeface="KoPubWorld돋움체 Bold"/>
+                <a:cs typeface="KoPubWorld돋움체 Bold"/>
+              </a:endParaRPr>
+            </a:p>
+          </p:txBody>
+        </p:sp>
+      </p:grpSp>
+      <p:pic>
+        <p:nvPicPr>
+          <p:cNvPr id="27" name=""/>
+          <p:cNvPicPr>
+            <a:picLocks noGrp="1" noChangeAspect="1"/>
+          </p:cNvPicPr>
+          <p:nvPr>
+            <p:ph idx="1"/>
+          </p:nvPr>
+        </p:nvPicPr>
+        <p:blipFill rotWithShape="1">
+          <a:blip r:embed="rId2"/>
+          <a:stretch>
+            <a:fillRect/>
+          </a:stretch>
+        </p:blipFill>
+        <p:spPr>
+          <a:xfrm>
+            <a:off x="2732454" y="1120069"/>
+            <a:ext cx="5898062" cy="5341808"/>
+          </a:xfrm>
+          <a:prstGeom prst="rect">
+            <a:avLst/>
+          </a:prstGeom>
+        </p:spPr>
+      </p:pic>
+    </p:spTree>
+  </p:cSld>
+  <p:clrMapOvr>
+    <a:masterClrMapping/>
+  </p:clrMapOvr>
+  <mc:AlternateContent xmlns:mc="http://schemas.openxmlformats.org/markup-compatibility/2006">
+    <mc:Choice xmlns:p14="http://schemas.microsoft.com/office/powerpoint/2010/main" Requires="p14">
+      <p:transition xmlns:mc="http://schemas.openxmlformats.org/markup-compatibility/2006" xmlns:p14="http://schemas.microsoft.com/office/powerpoint/2010/main" mc:Ignorable="p14" p14:dur="500"/>
+    </mc:Choice>
+    <mc:Fallback>
+      <p:transition/>
+    </mc:Fallback>
+  </mc:AlternateContent>
+</p:sld>
+</file>
+
+<file path=ppt/slides/slide11.xml><?xml version="1.0" encoding="utf-8"?>
+<p:sld xmlns:r="http://schemas.openxmlformats.org/officeDocument/2006/relationships" xmlns:c="http://schemas.openxmlformats.org/drawingml/2006/chart" xmlns:a="http://schemas.openxmlformats.org/drawingml/2006/main" xmlns:dgm="http://schemas.openxmlformats.org/drawingml/2006/diagram" xmlns:dsp="http://schemas.microsoft.com/office/drawing/2008/diagram" xmlns:p="http://schemas.openxmlformats.org/presentationml/2006/main">
+  <p:cSld>
+    <p:spTree>
+      <p:nvGrpSpPr>
+        <p:cNvPr id="1" name=""/>
+        <p:cNvGrpSpPr/>
+        <p:nvPr/>
+      </p:nvGrpSpPr>
+      <p:grpSpPr>
+        <a:xfrm>
+          <a:off x="0" y="0"/>
+          <a:ext cx="0" cy="0"/>
+          <a:chOff x="0" y="0"/>
+          <a:chExt cx="0" cy="0"/>
+        </a:xfrm>
+      </p:grpSpPr>
+      <p:sp>
+        <p:nvSpPr>
+          <p:cNvPr id="23" name="직사각형 22"/>
+          <p:cNvSpPr/>
+          <p:nvPr/>
+        </p:nvSpPr>
+        <p:spPr>
+          <a:xfrm flipV="1">
+            <a:off x="557400" y="1001162"/>
+            <a:ext cx="11077200" cy="18000"/>
+          </a:xfrm>
+          <a:prstGeom prst="rect">
+            <a:avLst/>
+          </a:prstGeom>
+          <a:solidFill>
+            <a:srgbClr val="64decf"/>
+          </a:solidFill>
+          <a:ln>
+            <a:noFill/>
+          </a:ln>
+        </p:spPr>
+        <p:style>
+          <a:lnRef idx="2">
+            <a:schemeClr val="accent1">
+              <a:shade val="50000"/>
+            </a:schemeClr>
+          </a:lnRef>
+          <a:fillRef idx="1">
+            <a:schemeClr val="accent1"/>
+          </a:fillRef>
+          <a:effectRef idx="0">
+            <a:schemeClr val="accent1"/>
+          </a:effectRef>
+          <a:fontRef idx="minor">
+            <a:schemeClr val="lt1"/>
+          </a:fontRef>
+        </p:style>
+        <p:txBody>
+          <a:bodyPr anchor="ctr"/>
+          <a:lstStyle/>
+          <a:p>
+            <a:pPr algn="ctr">
+              <a:defRPr/>
+            </a:pPr>
+            <a:endParaRPr lang="ko-KR" altLang="en-US"/>
+          </a:p>
+        </p:txBody>
+      </p:sp>
+      <p:grpSp>
+        <p:nvGrpSpPr>
+          <p:cNvPr id="6" name="그룹 5"/>
+          <p:cNvGrpSpPr/>
+          <p:nvPr/>
+        </p:nvGrpSpPr>
+        <p:grpSpPr>
+          <a:xfrm rot="0">
+            <a:off x="4105427" y="188165"/>
+            <a:ext cx="3981147" cy="819580"/>
+            <a:chOff x="3819245" y="188165"/>
+            <a:chExt cx="3981147" cy="819580"/>
+          </a:xfrm>
+        </p:grpSpPr>
+        <p:sp>
+          <p:nvSpPr>
+            <p:cNvPr id="5" name="직사각형 4"/>
+            <p:cNvSpPr/>
+            <p:nvPr/>
+          </p:nvSpPr>
+          <p:spPr>
+            <a:xfrm>
+              <a:off x="4603102" y="366260"/>
+              <a:ext cx="3197290" cy="470035"/>
+            </a:xfrm>
+            <a:prstGeom prst="rect">
+              <a:avLst/>
+            </a:prstGeom>
+          </p:spPr>
+          <p:txBody>
+            <a:bodyPr wrap="square">
+              <a:spAutoFit/>
+            </a:bodyPr>
+            <a:lstStyle/>
+            <a:p>
+              <a:pPr lvl="0">
+                <a:defRPr/>
+              </a:pPr>
+              <a:r>
+                <a:rPr lang="en-US" altLang="ko-KR" sz="2500">
+                  <a:solidFill>
+                    <a:schemeClr val="tx1">
+                      <a:lumMod val="65000"/>
+                      <a:lumOff val="35000"/>
+                    </a:schemeClr>
+                  </a:solidFill>
+                  <a:latin typeface="KoPubWorld돋움체 Light"/>
+                  <a:ea typeface="KoPubWorld돋움체 Light"/>
+                  <a:cs typeface="KoPubWorld돋움체 Light"/>
+                </a:rPr>
+                <a:t>DB </a:t>
+              </a:r>
+              <a:r>
+                <a:rPr lang="ko-KR" altLang="en-US" sz="2500">
+                  <a:solidFill>
+                    <a:schemeClr val="tx1">
+                      <a:lumMod val="65000"/>
+                      <a:lumOff val="35000"/>
+                    </a:schemeClr>
+                  </a:solidFill>
+                  <a:latin typeface="KoPubWorld돋움체 Light"/>
+                  <a:ea typeface="KoPubWorld돋움체 Light"/>
+                  <a:cs typeface="KoPubWorld돋움체 Light"/>
+                </a:rPr>
+                <a:t>명세서</a:t>
+              </a:r>
+              <a:endParaRPr lang="ko-KR" altLang="en-US" sz="2500">
+                <a:solidFill>
+                  <a:schemeClr val="tx1">
+                    <a:lumMod val="65000"/>
+                    <a:lumOff val="35000"/>
+                  </a:schemeClr>
+                </a:solidFill>
+                <a:latin typeface="KoPubWorld돋움체 Light"/>
+                <a:ea typeface="KoPubWorld돋움체 Light"/>
+                <a:cs typeface="KoPubWorld돋움체 Light"/>
+              </a:endParaRPr>
+            </a:p>
+          </p:txBody>
+        </p:sp>
+        <p:sp>
+          <p:nvSpPr>
+            <p:cNvPr id="24" name="TextBox 23"/>
+            <p:cNvSpPr txBox="1"/>
+            <p:nvPr/>
+          </p:nvSpPr>
+          <p:spPr>
+            <a:xfrm>
+              <a:off x="3819245" y="188165"/>
+              <a:ext cx="891388" cy="819580"/>
+            </a:xfrm>
+            <a:prstGeom prst="rect">
+              <a:avLst/>
+            </a:prstGeom>
+            <a:noFill/>
+          </p:spPr>
+          <p:txBody>
+            <a:bodyPr wrap="none">
+              <a:spAutoFit/>
+            </a:bodyPr>
+            <a:lstStyle/>
+            <a:p>
+              <a:pPr lvl="0">
+                <a:defRPr/>
+              </a:pPr>
+              <a:r>
+                <a:rPr lang="en-US" altLang="ko-KR" sz="4800" b="1">
+                  <a:solidFill>
+                    <a:srgbClr val="64decf"/>
+                  </a:solidFill>
+                  <a:latin typeface="KoPubWorld돋움체 Bold"/>
+                  <a:ea typeface="KoPubWorld돋움체 Bold"/>
+                  <a:cs typeface="KoPubWorld돋움체 Bold"/>
+                </a:rPr>
+                <a:t>06</a:t>
+              </a:r>
+              <a:endParaRPr lang="en-US" altLang="ko-KR" sz="4800" b="1">
+                <a:solidFill>
+                  <a:srgbClr val="64decf"/>
+                </a:solidFill>
+                <a:latin typeface="KoPubWorld돋움체 Bold"/>
+                <a:ea typeface="KoPubWorld돋움체 Bold"/>
+                <a:cs typeface="KoPubWorld돋움체 Bold"/>
+              </a:endParaRPr>
+            </a:p>
+          </p:txBody>
+        </p:sp>
+      </p:grpSp>
+      <p:pic>
+        <p:nvPicPr>
+          <p:cNvPr id="28" name=""/>
+          <p:cNvPicPr>
+            <a:picLocks noGrp="1" noChangeAspect="1"/>
+          </p:cNvPicPr>
+          <p:nvPr>
+            <p:ph idx="1"/>
+          </p:nvPr>
+        </p:nvPicPr>
+        <p:blipFill rotWithShape="1">
+          <a:blip r:embed="rId2"/>
+          <a:stretch>
+            <a:fillRect/>
+          </a:stretch>
+        </p:blipFill>
+        <p:spPr>
+          <a:xfrm>
+            <a:off x="2360099" y="1331736"/>
+            <a:ext cx="6678051" cy="4780666"/>
+          </a:xfrm>
+          <a:prstGeom prst="rect">
+            <a:avLst/>
+          </a:prstGeom>
+        </p:spPr>
+      </p:pic>
+    </p:spTree>
+  </p:cSld>
+  <p:clrMapOvr>
+    <a:masterClrMapping/>
+  </p:clrMapOvr>
+  <mc:AlternateContent xmlns:mc="http://schemas.openxmlformats.org/markup-compatibility/2006">
+    <mc:Choice xmlns:p14="http://schemas.microsoft.com/office/powerpoint/2010/main" Requires="p14">
+      <p:transition xmlns:mc="http://schemas.openxmlformats.org/markup-compatibility/2006" xmlns:p14="http://schemas.microsoft.com/office/powerpoint/2010/main" mc:Ignorable="p14" p14:dur="500"/>
+    </mc:Choice>
+    <mc:Fallback>
+      <p:transition/>
+    </mc:Fallback>
+  </mc:AlternateContent>
+</p:sld>
+</file>
+
+<file path=ppt/slides/slide12.xml><?xml version="1.0" encoding="utf-8"?>
+<p:sld xmlns:r="http://schemas.openxmlformats.org/officeDocument/2006/relationships" xmlns:c="http://schemas.openxmlformats.org/drawingml/2006/chart" xmlns:a="http://schemas.openxmlformats.org/drawingml/2006/main" xmlns:dgm="http://schemas.openxmlformats.org/drawingml/2006/diagram" xmlns:dsp="http://schemas.microsoft.com/office/drawing/2008/diagram" xmlns:p="http://schemas.openxmlformats.org/presentationml/2006/main">
+  <p:cSld>
+    <p:spTree>
+      <p:nvGrpSpPr>
+        <p:cNvPr id="1" name=""/>
+        <p:cNvGrpSpPr/>
+        <p:nvPr/>
+      </p:nvGrpSpPr>
+      <p:grpSpPr>
+        <a:xfrm>
+          <a:off x="0" y="0"/>
+          <a:ext cx="0" cy="0"/>
+          <a:chOff x="0" y="0"/>
+          <a:chExt cx="0" cy="0"/>
+        </a:xfrm>
+      </p:grpSpPr>
+      <p:sp>
+        <p:nvSpPr>
+          <p:cNvPr id="23" name="직사각형 22"/>
+          <p:cNvSpPr/>
+          <p:nvPr/>
+        </p:nvSpPr>
+        <p:spPr>
+          <a:xfrm flipV="1">
+            <a:off x="557400" y="1001162"/>
+            <a:ext cx="11077200" cy="18000"/>
+          </a:xfrm>
+          <a:prstGeom prst="rect">
+            <a:avLst/>
+          </a:prstGeom>
+          <a:solidFill>
+            <a:srgbClr val="64decf"/>
+          </a:solidFill>
+          <a:ln>
+            <a:noFill/>
+          </a:ln>
+        </p:spPr>
+        <p:style>
+          <a:lnRef idx="2">
+            <a:schemeClr val="accent1">
+              <a:shade val="50000"/>
+            </a:schemeClr>
+          </a:lnRef>
+          <a:fillRef idx="1">
+            <a:schemeClr val="accent1"/>
+          </a:fillRef>
+          <a:effectRef idx="0">
+            <a:schemeClr val="accent1"/>
+          </a:effectRef>
+          <a:fontRef idx="minor">
+            <a:schemeClr val="lt1"/>
+          </a:fontRef>
+        </p:style>
+        <p:txBody>
+          <a:bodyPr anchor="ctr"/>
+          <a:lstStyle/>
+          <a:p>
+            <a:pPr algn="ctr">
+              <a:defRPr/>
+            </a:pPr>
+            <a:endParaRPr lang="ko-KR" altLang="en-US"/>
+          </a:p>
+        </p:txBody>
+      </p:sp>
+      <p:grpSp>
+        <p:nvGrpSpPr>
+          <p:cNvPr id="6" name="그룹 5"/>
+          <p:cNvGrpSpPr/>
+          <p:nvPr/>
+        </p:nvGrpSpPr>
+        <p:grpSpPr>
+          <a:xfrm rot="0">
+            <a:off x="4105427" y="188165"/>
+            <a:ext cx="3981147" cy="819580"/>
+            <a:chOff x="3819245" y="188165"/>
+            <a:chExt cx="3981147" cy="819580"/>
+          </a:xfrm>
+        </p:grpSpPr>
+        <p:sp>
+          <p:nvSpPr>
+            <p:cNvPr id="5" name="직사각형 4"/>
+            <p:cNvSpPr/>
+            <p:nvPr/>
+          </p:nvSpPr>
+          <p:spPr>
+            <a:xfrm>
+              <a:off x="4603102" y="366260"/>
+              <a:ext cx="3197290" cy="470035"/>
+            </a:xfrm>
+            <a:prstGeom prst="rect">
+              <a:avLst/>
+            </a:prstGeom>
+          </p:spPr>
+          <p:txBody>
+            <a:bodyPr wrap="square">
+              <a:spAutoFit/>
+            </a:bodyPr>
+            <a:lstStyle/>
+            <a:p>
+              <a:pPr lvl="0">
+                <a:defRPr/>
+              </a:pPr>
+              <a:r>
+                <a:rPr lang="en-US" altLang="ko-KR" sz="2500">
+                  <a:solidFill>
+                    <a:schemeClr val="tx1">
+                      <a:lumMod val="65000"/>
+                      <a:lumOff val="35000"/>
+                    </a:schemeClr>
+                  </a:solidFill>
+                  <a:latin typeface="KoPubWorld돋움체 Light"/>
+                  <a:ea typeface="KoPubWorld돋움체 Light"/>
+                  <a:cs typeface="KoPubWorld돋움체 Light"/>
+                </a:rPr>
+                <a:t>DB </a:t>
+              </a:r>
+              <a:r>
+                <a:rPr lang="ko-KR" altLang="en-US" sz="2500">
+                  <a:solidFill>
+                    <a:schemeClr val="tx1">
+                      <a:lumMod val="65000"/>
+                      <a:lumOff val="35000"/>
+                    </a:schemeClr>
+                  </a:solidFill>
+                  <a:latin typeface="KoPubWorld돋움체 Light"/>
+                  <a:ea typeface="KoPubWorld돋움체 Light"/>
+                  <a:cs typeface="KoPubWorld돋움체 Light"/>
+                </a:rPr>
+                <a:t>명세서</a:t>
+              </a:r>
+              <a:endParaRPr lang="ko-KR" altLang="en-US" sz="2500">
+                <a:solidFill>
+                  <a:schemeClr val="tx1">
+                    <a:lumMod val="65000"/>
+                    <a:lumOff val="35000"/>
+                  </a:schemeClr>
+                </a:solidFill>
+                <a:latin typeface="KoPubWorld돋움체 Light"/>
+                <a:ea typeface="KoPubWorld돋움체 Light"/>
+                <a:cs typeface="KoPubWorld돋움체 Light"/>
+              </a:endParaRPr>
+            </a:p>
+          </p:txBody>
+        </p:sp>
+        <p:sp>
+          <p:nvSpPr>
+            <p:cNvPr id="24" name="TextBox 23"/>
+            <p:cNvSpPr txBox="1"/>
+            <p:nvPr/>
+          </p:nvSpPr>
+          <p:spPr>
+            <a:xfrm>
+              <a:off x="3819245" y="188165"/>
+              <a:ext cx="891388" cy="819580"/>
+            </a:xfrm>
+            <a:prstGeom prst="rect">
+              <a:avLst/>
+            </a:prstGeom>
+            <a:noFill/>
+          </p:spPr>
+          <p:txBody>
+            <a:bodyPr wrap="none">
+              <a:spAutoFit/>
+            </a:bodyPr>
+            <a:lstStyle/>
+            <a:p>
+              <a:pPr lvl="0">
+                <a:defRPr/>
+              </a:pPr>
+              <a:r>
+                <a:rPr lang="en-US" altLang="ko-KR" sz="4800" b="1">
+                  <a:solidFill>
+                    <a:srgbClr val="64decf"/>
+                  </a:solidFill>
+                  <a:latin typeface="KoPubWorld돋움체 Bold"/>
+                  <a:ea typeface="KoPubWorld돋움체 Bold"/>
+                  <a:cs typeface="KoPubWorld돋움체 Bold"/>
+                </a:rPr>
+                <a:t>06</a:t>
+              </a:r>
+              <a:endParaRPr lang="en-US" altLang="ko-KR" sz="4800" b="1">
+                <a:solidFill>
+                  <a:srgbClr val="64decf"/>
+                </a:solidFill>
+                <a:latin typeface="KoPubWorld돋움체 Bold"/>
+                <a:ea typeface="KoPubWorld돋움체 Bold"/>
+                <a:cs typeface="KoPubWorld돋움체 Bold"/>
+              </a:endParaRPr>
+            </a:p>
+          </p:txBody>
+        </p:sp>
+      </p:grpSp>
+      <p:pic>
+        <p:nvPicPr>
+          <p:cNvPr id="28" name=""/>
+          <p:cNvPicPr>
+            <a:picLocks noGrp="1" noChangeAspect="1"/>
+          </p:cNvPicPr>
+          <p:nvPr>
+            <p:ph idx="1"/>
+          </p:nvPr>
+        </p:nvPicPr>
+        <p:blipFill rotWithShape="1">
+          <a:blip r:embed="rId2"/>
+          <a:stretch>
+            <a:fillRect/>
+          </a:stretch>
+        </p:blipFill>
+        <p:spPr>
+          <a:xfrm>
+            <a:off x="2548673" y="1419930"/>
+            <a:ext cx="6433194" cy="4925274"/>
+          </a:xfrm>
+          <a:prstGeom prst="rect">
+            <a:avLst/>
+          </a:prstGeom>
+        </p:spPr>
+      </p:pic>
+    </p:spTree>
+  </p:cSld>
+  <p:clrMapOvr>
+    <a:masterClrMapping/>
+  </p:clrMapOvr>
+  <mc:AlternateContent xmlns:mc="http://schemas.openxmlformats.org/markup-compatibility/2006">
+    <mc:Choice xmlns:p14="http://schemas.microsoft.com/office/powerpoint/2010/main" Requires="p14">
+      <p:transition xmlns:mc="http://schemas.openxmlformats.org/markup-compatibility/2006" xmlns:p14="http://schemas.microsoft.com/office/powerpoint/2010/main" mc:Ignorable="p14" p14:dur="500"/>
+    </mc:Choice>
+    <mc:Fallback>
+      <p:transition/>
+    </mc:Fallback>
+  </mc:AlternateContent>
+</p:sld>
+</file>
+
+<file path=ppt/slides/slide13.xml><?xml version="1.0" encoding="utf-8"?>
+<p:sld xmlns:r="http://schemas.openxmlformats.org/officeDocument/2006/relationships" xmlns:c="http://schemas.openxmlformats.org/drawingml/2006/chart" xmlns:a="http://schemas.openxmlformats.org/drawingml/2006/main" xmlns:dgm="http://schemas.openxmlformats.org/drawingml/2006/diagram" xmlns:dsp="http://schemas.microsoft.com/office/drawing/2008/diagram" xmlns:p="http://schemas.openxmlformats.org/presentationml/2006/main">
+  <p:cSld>
+    <p:spTree>
+      <p:nvGrpSpPr>
+        <p:cNvPr id="1" name=""/>
+        <p:cNvGrpSpPr/>
+        <p:nvPr/>
+      </p:nvGrpSpPr>
+      <p:grpSpPr>
+        <a:xfrm>
+          <a:off x="0" y="0"/>
+          <a:ext cx="0" cy="0"/>
+          <a:chOff x="0" y="0"/>
+          <a:chExt cx="0" cy="0"/>
+        </a:xfrm>
+      </p:grpSpPr>
+      <p:sp>
+        <p:nvSpPr>
+          <p:cNvPr id="23" name="직사각형 22"/>
+          <p:cNvSpPr/>
+          <p:nvPr/>
+        </p:nvSpPr>
+        <p:spPr>
+          <a:xfrm flipV="1">
+            <a:off x="557400" y="1001162"/>
+            <a:ext cx="11077200" cy="18000"/>
+          </a:xfrm>
+          <a:prstGeom prst="rect">
+            <a:avLst/>
+          </a:prstGeom>
+          <a:solidFill>
+            <a:srgbClr val="64decf"/>
+          </a:solidFill>
+          <a:ln>
+            <a:noFill/>
+          </a:ln>
+        </p:spPr>
+        <p:style>
+          <a:lnRef idx="2">
+            <a:schemeClr val="accent1">
+              <a:shade val="50000"/>
+            </a:schemeClr>
+          </a:lnRef>
+          <a:fillRef idx="1">
+            <a:schemeClr val="accent1"/>
+          </a:fillRef>
+          <a:effectRef idx="0">
+            <a:schemeClr val="accent1"/>
+          </a:effectRef>
+          <a:fontRef idx="minor">
+            <a:schemeClr val="lt1"/>
+          </a:fontRef>
+        </p:style>
+        <p:txBody>
+          <a:bodyPr anchor="ctr"/>
+          <a:lstStyle/>
+          <a:p>
+            <a:pPr algn="ctr">
+              <a:defRPr/>
+            </a:pPr>
+            <a:endParaRPr lang="ko-KR" altLang="en-US"/>
+          </a:p>
+        </p:txBody>
+      </p:sp>
+      <p:grpSp>
+        <p:nvGrpSpPr>
+          <p:cNvPr id="6" name="그룹 5"/>
+          <p:cNvGrpSpPr/>
+          <p:nvPr/>
+        </p:nvGrpSpPr>
+        <p:grpSpPr>
+          <a:xfrm rot="0">
+            <a:off x="4105427" y="188165"/>
+            <a:ext cx="3981147" cy="819580"/>
+            <a:chOff x="3819245" y="188165"/>
+            <a:chExt cx="3981147" cy="819580"/>
+          </a:xfrm>
+        </p:grpSpPr>
+        <p:sp>
+          <p:nvSpPr>
+            <p:cNvPr id="5" name="직사각형 4"/>
+            <p:cNvSpPr/>
+            <p:nvPr/>
+          </p:nvSpPr>
+          <p:spPr>
+            <a:xfrm>
+              <a:off x="4603102" y="366260"/>
+              <a:ext cx="3197290" cy="470035"/>
+            </a:xfrm>
+            <a:prstGeom prst="rect">
+              <a:avLst/>
+            </a:prstGeom>
+          </p:spPr>
+          <p:txBody>
+            <a:bodyPr wrap="square">
+              <a:spAutoFit/>
+            </a:bodyPr>
+            <a:lstStyle/>
+            <a:p>
+              <a:pPr lvl="0">
+                <a:defRPr/>
+              </a:pPr>
+              <a:r>
+                <a:rPr lang="en-US" altLang="ko-KR" sz="2500">
+                  <a:solidFill>
+                    <a:schemeClr val="tx1">
+                      <a:lumMod val="65000"/>
+                      <a:lumOff val="35000"/>
+                    </a:schemeClr>
+                  </a:solidFill>
+                  <a:latin typeface="KoPubWorld돋움체 Light"/>
+                  <a:ea typeface="KoPubWorld돋움체 Light"/>
+                  <a:cs typeface="KoPubWorld돋움체 Light"/>
+                </a:rPr>
+                <a:t>DB </a:t>
+              </a:r>
+              <a:r>
+                <a:rPr lang="ko-KR" altLang="en-US" sz="2500">
+                  <a:solidFill>
+                    <a:schemeClr val="tx1">
+                      <a:lumMod val="65000"/>
+                      <a:lumOff val="35000"/>
+                    </a:schemeClr>
+                  </a:solidFill>
+                  <a:latin typeface="KoPubWorld돋움체 Light"/>
+                  <a:ea typeface="KoPubWorld돋움체 Light"/>
+                  <a:cs typeface="KoPubWorld돋움체 Light"/>
+                </a:rPr>
+                <a:t>명세서</a:t>
+              </a:r>
+              <a:endParaRPr lang="ko-KR" altLang="en-US" sz="2500">
+                <a:solidFill>
+                  <a:schemeClr val="tx1">
+                    <a:lumMod val="65000"/>
+                    <a:lumOff val="35000"/>
+                  </a:schemeClr>
+                </a:solidFill>
+                <a:latin typeface="KoPubWorld돋움체 Light"/>
+                <a:ea typeface="KoPubWorld돋움체 Light"/>
+                <a:cs typeface="KoPubWorld돋움체 Light"/>
+              </a:endParaRPr>
+            </a:p>
+          </p:txBody>
+        </p:sp>
+        <p:sp>
+          <p:nvSpPr>
+            <p:cNvPr id="24" name="TextBox 23"/>
+            <p:cNvSpPr txBox="1"/>
+            <p:nvPr/>
+          </p:nvSpPr>
+          <p:spPr>
+            <a:xfrm>
+              <a:off x="3819245" y="188165"/>
+              <a:ext cx="891388" cy="819580"/>
+            </a:xfrm>
+            <a:prstGeom prst="rect">
+              <a:avLst/>
+            </a:prstGeom>
+            <a:noFill/>
+          </p:spPr>
+          <p:txBody>
+            <a:bodyPr wrap="none">
+              <a:spAutoFit/>
+            </a:bodyPr>
+            <a:lstStyle/>
+            <a:p>
+              <a:pPr lvl="0">
+                <a:defRPr/>
+              </a:pPr>
+              <a:r>
+                <a:rPr lang="en-US" altLang="ko-KR" sz="4800" b="1">
+                  <a:solidFill>
+                    <a:srgbClr val="64decf"/>
+                  </a:solidFill>
+                  <a:latin typeface="KoPubWorld돋움체 Bold"/>
+                  <a:ea typeface="KoPubWorld돋움체 Bold"/>
+                  <a:cs typeface="KoPubWorld돋움체 Bold"/>
+                </a:rPr>
+                <a:t>06</a:t>
+              </a:r>
+              <a:endParaRPr lang="en-US" altLang="ko-KR" sz="4800" b="1">
+                <a:solidFill>
+                  <a:srgbClr val="64decf"/>
+                </a:solidFill>
+                <a:latin typeface="KoPubWorld돋움체 Bold"/>
+                <a:ea typeface="KoPubWorld돋움체 Bold"/>
+                <a:cs typeface="KoPubWorld돋움체 Bold"/>
+              </a:endParaRPr>
+            </a:p>
+          </p:txBody>
+        </p:sp>
+      </p:grpSp>
+      <p:pic>
+        <p:nvPicPr>
+          <p:cNvPr id="28" name=""/>
+          <p:cNvPicPr>
+            <a:picLocks noGrp="1" noChangeAspect="1"/>
+          </p:cNvPicPr>
+          <p:nvPr>
+            <p:ph idx="1"/>
+          </p:nvPr>
+        </p:nvPicPr>
+        <p:blipFill rotWithShape="1">
+          <a:blip r:embed="rId2"/>
+          <a:stretch>
+            <a:fillRect/>
+          </a:stretch>
+        </p:blipFill>
+        <p:spPr>
+          <a:xfrm>
+            <a:off x="2175658" y="1446388"/>
+            <a:ext cx="7214502" cy="4739528"/>
+          </a:xfrm>
+          <a:prstGeom prst="rect">
+            <a:avLst/>
+          </a:prstGeom>
+        </p:spPr>
+      </p:pic>
+    </p:spTree>
+  </p:cSld>
+  <p:clrMapOvr>
+    <a:masterClrMapping/>
+  </p:clrMapOvr>
+  <mc:AlternateContent xmlns:mc="http://schemas.openxmlformats.org/markup-compatibility/2006">
+    <mc:Choice xmlns:p14="http://schemas.microsoft.com/office/powerpoint/2010/main" Requires="p14">
+      <p:transition xmlns:mc="http://schemas.openxmlformats.org/markup-compatibility/2006" xmlns:p14="http://schemas.microsoft.com/office/powerpoint/2010/main" mc:Ignorable="p14" p14:dur="500"/>
+    </mc:Choice>
+    <mc:Fallback>
+      <p:transition/>
+    </mc:Fallback>
+  </mc:AlternateContent>
+</p:sld>
+</file>
+
+<file path=ppt/slides/slide14.xml><?xml version="1.0" encoding="utf-8"?>
+<p:sld xmlns:r="http://schemas.openxmlformats.org/officeDocument/2006/relationships" xmlns:c="http://schemas.openxmlformats.org/drawingml/2006/chart" xmlns:a="http://schemas.openxmlformats.org/drawingml/2006/main" xmlns:dgm="http://schemas.openxmlformats.org/drawingml/2006/diagram" xmlns:dsp="http://schemas.microsoft.com/office/drawing/2008/diagram" xmlns:p="http://schemas.openxmlformats.org/presentationml/2006/main">
+  <p:cSld>
+    <p:spTree>
+      <p:nvGrpSpPr>
+        <p:cNvPr id="1" name=""/>
+        <p:cNvGrpSpPr/>
+        <p:nvPr/>
+      </p:nvGrpSpPr>
+      <p:grpSpPr>
+        <a:xfrm>
+          <a:off x="0" y="0"/>
+          <a:ext cx="0" cy="0"/>
+          <a:chOff x="0" y="0"/>
+          <a:chExt cx="0" cy="0"/>
+        </a:xfrm>
+      </p:grpSpPr>
+      <p:sp>
+        <p:nvSpPr>
+          <p:cNvPr id="23" name="직사각형 22"/>
+          <p:cNvSpPr/>
+          <p:nvPr/>
+        </p:nvSpPr>
+        <p:spPr>
+          <a:xfrm flipV="1">
+            <a:off x="557400" y="1001162"/>
+            <a:ext cx="11077200" cy="18000"/>
+          </a:xfrm>
+          <a:prstGeom prst="rect">
+            <a:avLst/>
+          </a:prstGeom>
+          <a:solidFill>
+            <a:srgbClr val="64decf"/>
+          </a:solidFill>
+          <a:ln>
+            <a:noFill/>
+          </a:ln>
+        </p:spPr>
+        <p:style>
+          <a:lnRef idx="2">
+            <a:schemeClr val="accent1">
+              <a:shade val="50000"/>
+            </a:schemeClr>
+          </a:lnRef>
+          <a:fillRef idx="1">
+            <a:schemeClr val="accent1"/>
+          </a:fillRef>
+          <a:effectRef idx="0">
+            <a:schemeClr val="accent1"/>
+          </a:effectRef>
+          <a:fontRef idx="minor">
+            <a:schemeClr val="lt1"/>
+          </a:fontRef>
+        </p:style>
+        <p:txBody>
+          <a:bodyPr anchor="ctr"/>
+          <a:lstStyle/>
+          <a:p>
+            <a:pPr algn="ctr">
+              <a:defRPr/>
+            </a:pPr>
+            <a:endParaRPr lang="ko-KR" altLang="en-US"/>
+          </a:p>
+        </p:txBody>
+      </p:sp>
+      <p:grpSp>
+        <p:nvGrpSpPr>
+          <p:cNvPr id="6" name="그룹 5"/>
+          <p:cNvGrpSpPr/>
+          <p:nvPr/>
+        </p:nvGrpSpPr>
+        <p:grpSpPr>
+          <a:xfrm rot="0">
+            <a:off x="4105427" y="188165"/>
+            <a:ext cx="3981147" cy="819580"/>
+            <a:chOff x="3819245" y="188165"/>
+            <a:chExt cx="3981147" cy="819580"/>
+          </a:xfrm>
+        </p:grpSpPr>
+        <p:sp>
+          <p:nvSpPr>
+            <p:cNvPr id="5" name="직사각형 4"/>
+            <p:cNvSpPr/>
+            <p:nvPr/>
+          </p:nvSpPr>
+          <p:spPr>
+            <a:xfrm>
+              <a:off x="4603102" y="366260"/>
+              <a:ext cx="3197290" cy="470035"/>
+            </a:xfrm>
+            <a:prstGeom prst="rect">
+              <a:avLst/>
+            </a:prstGeom>
+          </p:spPr>
+          <p:txBody>
+            <a:bodyPr wrap="square">
+              <a:spAutoFit/>
+            </a:bodyPr>
+            <a:lstStyle/>
+            <a:p>
+              <a:pPr lvl="0">
+                <a:defRPr/>
+              </a:pPr>
+              <a:r>
+                <a:rPr lang="en-US" altLang="ko-KR" sz="2500">
+                  <a:solidFill>
+                    <a:schemeClr val="tx1">
+                      <a:lumMod val="65000"/>
+                      <a:lumOff val="35000"/>
+                    </a:schemeClr>
+                  </a:solidFill>
+                  <a:latin typeface="KoPubWorld돋움체 Light"/>
+                  <a:ea typeface="KoPubWorld돋움체 Light"/>
+                  <a:cs typeface="KoPubWorld돋움체 Light"/>
+                </a:rPr>
+                <a:t>DB </a:t>
+              </a:r>
+              <a:r>
+                <a:rPr lang="ko-KR" altLang="en-US" sz="2500">
+                  <a:solidFill>
+                    <a:schemeClr val="tx1">
+                      <a:lumMod val="65000"/>
+                      <a:lumOff val="35000"/>
+                    </a:schemeClr>
+                  </a:solidFill>
+                  <a:latin typeface="KoPubWorld돋움체 Light"/>
+                  <a:ea typeface="KoPubWorld돋움체 Light"/>
+                  <a:cs typeface="KoPubWorld돋움체 Light"/>
+                </a:rPr>
+                <a:t>명세서</a:t>
+              </a:r>
+              <a:endParaRPr lang="ko-KR" altLang="en-US" sz="2500">
+                <a:solidFill>
+                  <a:schemeClr val="tx1">
+                    <a:lumMod val="65000"/>
+                    <a:lumOff val="35000"/>
+                  </a:schemeClr>
+                </a:solidFill>
+                <a:latin typeface="KoPubWorld돋움체 Light"/>
+                <a:ea typeface="KoPubWorld돋움체 Light"/>
+                <a:cs typeface="KoPubWorld돋움체 Light"/>
+              </a:endParaRPr>
+            </a:p>
+          </p:txBody>
+        </p:sp>
+        <p:sp>
+          <p:nvSpPr>
+            <p:cNvPr id="24" name="TextBox 23"/>
+            <p:cNvSpPr txBox="1"/>
+            <p:nvPr/>
+          </p:nvSpPr>
+          <p:spPr>
+            <a:xfrm>
+              <a:off x="3819245" y="188165"/>
+              <a:ext cx="891388" cy="819580"/>
+            </a:xfrm>
+            <a:prstGeom prst="rect">
+              <a:avLst/>
+            </a:prstGeom>
+            <a:noFill/>
+          </p:spPr>
+          <p:txBody>
+            <a:bodyPr wrap="none">
+              <a:spAutoFit/>
+            </a:bodyPr>
+            <a:lstStyle/>
+            <a:p>
+              <a:pPr lvl="0">
+                <a:defRPr/>
+              </a:pPr>
+              <a:r>
+                <a:rPr lang="en-US" altLang="ko-KR" sz="4800" b="1">
+                  <a:solidFill>
+                    <a:srgbClr val="64decf"/>
+                  </a:solidFill>
+                  <a:latin typeface="KoPubWorld돋움체 Bold"/>
+                  <a:ea typeface="KoPubWorld돋움체 Bold"/>
+                  <a:cs typeface="KoPubWorld돋움체 Bold"/>
+                </a:rPr>
+                <a:t>06</a:t>
+              </a:r>
+              <a:endParaRPr lang="en-US" altLang="ko-KR" sz="4800" b="1">
+                <a:solidFill>
+                  <a:srgbClr val="64decf"/>
+                </a:solidFill>
+                <a:latin typeface="KoPubWorld돋움체 Bold"/>
+                <a:ea typeface="KoPubWorld돋움체 Bold"/>
+                <a:cs typeface="KoPubWorld돋움체 Bold"/>
+              </a:endParaRPr>
+            </a:p>
+          </p:txBody>
+        </p:sp>
+      </p:grpSp>
+      <p:pic>
+        <p:nvPicPr>
+          <p:cNvPr id="28" name=""/>
+          <p:cNvPicPr>
+            <a:picLocks noGrp="1" noChangeAspect="1"/>
+          </p:cNvPicPr>
+          <p:nvPr>
+            <p:ph idx="1"/>
+          </p:nvPr>
+        </p:nvPicPr>
+        <p:blipFill rotWithShape="1">
+          <a:blip r:embed="rId2"/>
+          <a:stretch>
+            <a:fillRect/>
+          </a:stretch>
+        </p:blipFill>
+        <p:spPr>
+          <a:xfrm>
+            <a:off x="2110189" y="1733313"/>
+            <a:ext cx="7951208" cy="3920540"/>
+          </a:xfrm>
+          <a:prstGeom prst="rect">
+            <a:avLst/>
+          </a:prstGeom>
+        </p:spPr>
+      </p:pic>
+    </p:spTree>
+  </p:cSld>
+  <p:clrMapOvr>
+    <a:masterClrMapping/>
+  </p:clrMapOvr>
+  <mc:AlternateContent xmlns:mc="http://schemas.openxmlformats.org/markup-compatibility/2006">
+    <mc:Choice xmlns:p14="http://schemas.microsoft.com/office/powerpoint/2010/main" Requires="p14">
+      <p:transition xmlns:mc="http://schemas.openxmlformats.org/markup-compatibility/2006" xmlns:p14="http://schemas.microsoft.com/office/powerpoint/2010/main" mc:Ignorable="p14" p14:dur="500"/>
+    </mc:Choice>
+    <mc:Fallback>
+      <p:transition/>
+    </mc:Fallback>
+  </mc:AlternateContent>
+</p:sld>
+</file>
+
+<file path=ppt/slides/slide15.xml><?xml version="1.0" encoding="utf-8"?>
+<p:sld xmlns:r="http://schemas.openxmlformats.org/officeDocument/2006/relationships" xmlns:c="http://schemas.openxmlformats.org/drawingml/2006/chart" xmlns:a="http://schemas.openxmlformats.org/drawingml/2006/main" xmlns:dgm="http://schemas.openxmlformats.org/drawingml/2006/diagram" xmlns:dsp="http://schemas.microsoft.com/office/drawing/2008/diagram" xmlns:p="http://schemas.openxmlformats.org/presentationml/2006/main">
+  <p:cSld>
+    <p:spTree>
+      <p:nvGrpSpPr>
+        <p:cNvPr id="1" name=""/>
+        <p:cNvGrpSpPr/>
+        <p:nvPr/>
+      </p:nvGrpSpPr>
+      <p:grpSpPr>
+        <a:xfrm>
+          <a:off x="0" y="0"/>
+          <a:ext cx="0" cy="0"/>
+          <a:chOff x="0" y="0"/>
+          <a:chExt cx="0" cy="0"/>
+        </a:xfrm>
+      </p:grpSpPr>
+      <p:sp>
+        <p:nvSpPr>
+          <p:cNvPr id="23" name="직사각형 22"/>
+          <p:cNvSpPr/>
+          <p:nvPr/>
+        </p:nvSpPr>
+        <p:spPr>
+          <a:xfrm flipV="1">
+            <a:off x="557400" y="1001162"/>
+            <a:ext cx="11077200" cy="18000"/>
+          </a:xfrm>
+          <a:prstGeom prst="rect">
+            <a:avLst/>
+          </a:prstGeom>
+          <a:solidFill>
+            <a:srgbClr val="64decf"/>
+          </a:solidFill>
+          <a:ln>
+            <a:noFill/>
+          </a:ln>
+        </p:spPr>
+        <p:style>
+          <a:lnRef idx="2">
+            <a:schemeClr val="accent1">
+              <a:shade val="50000"/>
+            </a:schemeClr>
+          </a:lnRef>
+          <a:fillRef idx="1">
+            <a:schemeClr val="accent1"/>
+          </a:fillRef>
+          <a:effectRef idx="0">
+            <a:schemeClr val="accent1"/>
+          </a:effectRef>
+          <a:fontRef idx="minor">
+            <a:schemeClr val="lt1"/>
+          </a:fontRef>
+        </p:style>
+        <p:txBody>
+          <a:bodyPr anchor="ctr"/>
+          <a:lstStyle/>
+          <a:p>
+            <a:pPr algn="ctr">
+              <a:defRPr/>
+            </a:pPr>
+            <a:endParaRPr lang="ko-KR" altLang="en-US"/>
+          </a:p>
+        </p:txBody>
+      </p:sp>
+      <p:grpSp>
+        <p:nvGrpSpPr>
+          <p:cNvPr id="6" name="그룹 5"/>
+          <p:cNvGrpSpPr/>
+          <p:nvPr/>
+        </p:nvGrpSpPr>
+        <p:grpSpPr>
+          <a:xfrm rot="0">
+            <a:off x="4105427" y="188165"/>
+            <a:ext cx="3981147" cy="819580"/>
+            <a:chOff x="3819245" y="188165"/>
+            <a:chExt cx="3981147" cy="819580"/>
+          </a:xfrm>
+        </p:grpSpPr>
+        <p:sp>
+          <p:nvSpPr>
+            <p:cNvPr id="5" name="직사각형 4"/>
+            <p:cNvSpPr/>
+            <p:nvPr/>
+          </p:nvSpPr>
+          <p:spPr>
+            <a:xfrm>
+              <a:off x="4603102" y="366260"/>
+              <a:ext cx="3197290" cy="470035"/>
+            </a:xfrm>
+            <a:prstGeom prst="rect">
+              <a:avLst/>
+            </a:prstGeom>
+          </p:spPr>
+          <p:txBody>
+            <a:bodyPr wrap="square">
+              <a:spAutoFit/>
+            </a:bodyPr>
+            <a:lstStyle/>
+            <a:p>
+              <a:pPr lvl="0">
+                <a:defRPr/>
+              </a:pPr>
+              <a:r>
+                <a:rPr lang="ko-KR" altLang="en-US" sz="2500">
+                  <a:solidFill>
+                    <a:schemeClr val="tx1">
+                      <a:lumMod val="65000"/>
+                      <a:lumOff val="35000"/>
+                    </a:schemeClr>
+                  </a:solidFill>
+                  <a:latin typeface="KoPubWorld돋움체 Light"/>
+                  <a:ea typeface="KoPubWorld돋움체 Light"/>
+                  <a:cs typeface="KoPubWorld돋움체 Light"/>
+                </a:rPr>
+                <a:t>기대효과</a:t>
+              </a:r>
+              <a:endParaRPr lang="ko-KR" altLang="en-US" sz="2500">
+                <a:solidFill>
+                  <a:schemeClr val="tx1">
+                    <a:lumMod val="65000"/>
+                    <a:lumOff val="35000"/>
+                  </a:schemeClr>
+                </a:solidFill>
+                <a:latin typeface="KoPubWorld돋움체 Light"/>
+                <a:ea typeface="KoPubWorld돋움체 Light"/>
+                <a:cs typeface="KoPubWorld돋움체 Light"/>
+              </a:endParaRPr>
+            </a:p>
+          </p:txBody>
+        </p:sp>
+        <p:sp>
+          <p:nvSpPr>
+            <p:cNvPr id="24" name="TextBox 23"/>
+            <p:cNvSpPr txBox="1"/>
+            <p:nvPr/>
+          </p:nvSpPr>
+          <p:spPr>
+            <a:xfrm>
+              <a:off x="3819245" y="188165"/>
+              <a:ext cx="891388" cy="819580"/>
+            </a:xfrm>
+            <a:prstGeom prst="rect">
+              <a:avLst/>
+            </a:prstGeom>
+            <a:noFill/>
+          </p:spPr>
+          <p:txBody>
+            <a:bodyPr wrap="none">
+              <a:spAutoFit/>
+            </a:bodyPr>
+            <a:lstStyle/>
+            <a:p>
+              <a:pPr lvl="0">
+                <a:defRPr/>
+              </a:pPr>
+              <a:r>
+                <a:rPr lang="en-US" altLang="ko-KR" sz="4800" b="1">
+                  <a:solidFill>
+                    <a:srgbClr val="64decf"/>
+                  </a:solidFill>
+                  <a:latin typeface="KoPubWorld돋움체 Bold"/>
+                  <a:ea typeface="KoPubWorld돋움체 Bold"/>
+                  <a:cs typeface="KoPubWorld돋움체 Bold"/>
+                </a:rPr>
+                <a:t>07</a:t>
+              </a:r>
+              <a:endParaRPr lang="en-US" altLang="ko-KR" sz="4800" b="1">
+                <a:solidFill>
+                  <a:srgbClr val="64decf"/>
+                </a:solidFill>
+                <a:latin typeface="KoPubWorld돋움체 Bold"/>
+                <a:ea typeface="KoPubWorld돋움체 Bold"/>
+                <a:cs typeface="KoPubWorld돋움체 Bold"/>
+              </a:endParaRPr>
+            </a:p>
+          </p:txBody>
+        </p:sp>
+      </p:grpSp>
+      <p:sp>
+        <p:nvSpPr>
+          <p:cNvPr id="28" name="내용 개체 틀 2"/>
+          <p:cNvSpPr>
+            <a:spLocks noGrp="1"/>
+          </p:cNvSpPr>
+          <p:nvPr>
+            <p:ph idx="1"/>
+          </p:nvPr>
+        </p:nvSpPr>
+        <p:spPr/>
+        <p:txBody>
+          <a:bodyPr/>
+          <a:lstStyle/>
+          <a:p>
+            <a:pPr>
+              <a:defRPr/>
+            </a:pPr>
+            <a:r>
+              <a:rPr lang="ko-KR" altLang="en-US"/>
+              <a:t/>
+            </a:r>
+            <a:endParaRPr lang="ko-KR" altLang="en-US"/>
+          </a:p>
+        </p:txBody>
+      </p:sp>
+    </p:spTree>
+  </p:cSld>
+  <p:clrMapOvr>
+    <a:masterClrMapping/>
+  </p:clrMapOvr>
+  <mc:AlternateContent xmlns:mc="http://schemas.openxmlformats.org/markup-compatibility/2006">
+    <mc:Choice xmlns:p14="http://schemas.microsoft.com/office/powerpoint/2010/main" Requires="p14">
+      <p:transition xmlns:mc="http://schemas.openxmlformats.org/markup-compatibility/2006" xmlns:p14="http://schemas.microsoft.com/office/powerpoint/2010/main" mc:Ignorable="p14" p14:dur="500"/>
+    </mc:Choice>
+    <mc:Fallback>
+      <p:transition/>
+    </mc:Fallback>
+  </mc:AlternateContent>
+</p:sld>
+</file>
+
+<file path=ppt/slides/slide16.xml><?xml version="1.0" encoding="utf-8"?>
 <p:sld xmlns:a="http://schemas.openxmlformats.org/drawingml/2006/main" xmlns:r="http://schemas.openxmlformats.org/officeDocument/2006/relationships" xmlns:p="http://schemas.openxmlformats.org/presentationml/2006/main">
   <p:cSld>
     <p:spTree>
@@ -4044,7 +5416,7 @@
 </file>
 
 <file path=ppt/slides/slide2.xml><?xml version="1.0" encoding="utf-8"?>
-<p:sld xmlns:a="http://schemas.openxmlformats.org/drawingml/2006/main" xmlns:r="http://schemas.openxmlformats.org/officeDocument/2006/relationships" xmlns:p="http://schemas.openxmlformats.org/presentationml/2006/main">
+<p:sld xmlns:r="http://schemas.openxmlformats.org/officeDocument/2006/relationships" xmlns:c="http://schemas.openxmlformats.org/drawingml/2006/chart" xmlns:a="http://schemas.openxmlformats.org/drawingml/2006/main" xmlns:dgm="http://schemas.openxmlformats.org/drawingml/2006/diagram" xmlns:dsp="http://schemas.microsoft.com/office/drawing/2008/diagram" xmlns:p="http://schemas.openxmlformats.org/presentationml/2006/main">
   <p:cSld>
     <p:spTree>
       <p:nvGrpSpPr>
@@ -4075,7 +5447,7 @@
             <a:avLst/>
           </a:prstGeom>
           <a:solidFill>
-            <a:srgbClr val="64DECF"/>
+            <a:srgbClr val="64decf"/>
           </a:solidFill>
           <a:ln>
             <a:noFill/>
@@ -4144,6 +5516,14 @@
               </a:rPr>
               <a:t>목         차</a:t>
             </a:r>
+            <a:endParaRPr lang="ko-KR" altLang="en-US" sz="2800" spc="600">
+              <a:solidFill>
+                <a:schemeClr val="bg1"/>
+              </a:solidFill>
+              <a:latin typeface="KoPubWorld돋움체 Light"/>
+              <a:ea typeface="KoPubWorld돋움체 Light"/>
+              <a:cs typeface="KoPubWorld돋움체 Light"/>
+            </a:endParaRPr>
           </a:p>
         </p:txBody>
       </p:sp>
@@ -4175,7 +5555,7 @@
             <a:r>
               <a:rPr lang="en-US" altLang="ko-KR" sz="6000" b="1">
                 <a:solidFill>
-                  <a:srgbClr val="64DECF">
+                  <a:srgbClr val="64decf">
                     <a:alpha val="16000"/>
                   </a:srgbClr>
                 </a:solidFill>
@@ -4187,7 +5567,7 @@
             </a:r>
             <a:endParaRPr lang="ko-KR" altLang="en-US" sz="6000" b="1">
               <a:solidFill>
-                <a:srgbClr val="64DECF">
+                <a:srgbClr val="64decf">
                   <a:alpha val="16000"/>
                 </a:srgbClr>
               </a:solidFill>
@@ -4205,11 +5585,11 @@
           <p:nvPr/>
         </p:nvGrpSpPr>
         <p:grpSpPr>
-          <a:xfrm>
-            <a:off x="3430943" y="2026503"/>
-            <a:ext cx="5413972" cy="830997"/>
+          <a:xfrm rot="0">
+            <a:off x="3095804" y="1409142"/>
+            <a:ext cx="6471247" cy="830997"/>
             <a:chOff x="3403338" y="2598003"/>
-            <a:chExt cx="5413972" cy="830997"/>
+            <a:chExt cx="6471247" cy="830997"/>
           </a:xfrm>
         </p:grpSpPr>
         <p:grpSp>
@@ -4219,11 +5599,11 @@
             <p:nvPr/>
           </p:nvGrpSpPr>
           <p:grpSpPr>
-            <a:xfrm>
+            <a:xfrm rot="0">
               <a:off x="3403338" y="2598003"/>
-              <a:ext cx="1989274" cy="830997"/>
+              <a:ext cx="2051647" cy="830997"/>
               <a:chOff x="3403338" y="2598003"/>
-              <a:chExt cx="1989274" cy="830997"/>
+              <a:chExt cx="2051647" cy="830997"/>
             </a:xfrm>
           </p:grpSpPr>
           <p:sp>
@@ -4254,7 +5634,7 @@
                 <a:r>
                   <a:rPr lang="en-US" altLang="ko-KR" sz="4800" b="1">
                     <a:solidFill>
-                      <a:srgbClr val="64DECF"/>
+                      <a:srgbClr val="64decf"/>
                     </a:solidFill>
                     <a:latin typeface="KoPubWorld돋움체 Bold"/>
                     <a:ea typeface="KoPubWorld돋움체 Bold"/>
@@ -4264,7 +5644,7 @@
                 </a:r>
                 <a:endParaRPr lang="ko-KR" altLang="en-US" sz="4800" b="1">
                   <a:solidFill>
-                    <a:srgbClr val="64DECF"/>
+                    <a:srgbClr val="64decf"/>
                   </a:solidFill>
                   <a:latin typeface="KoPubWorld돋움체 Bold"/>
                   <a:ea typeface="KoPubWorld돋움체 Bold"/>
@@ -4282,7 +5662,7 @@
             <p:spPr>
               <a:xfrm>
                 <a:off x="4182024" y="2820384"/>
-                <a:ext cx="1210588" cy="400110"/>
+                <a:ext cx="1272961" cy="387636"/>
               </a:xfrm>
               <a:prstGeom prst="rect">
                 <a:avLst/>
@@ -4310,8 +5690,19 @@
                     <a:ea typeface="KoPubWorld돋움체 Bold"/>
                     <a:cs typeface="KoPubWorld돋움체 Bold"/>
                   </a:rPr>
-                  <a:t>조원소개</a:t>
+                  <a:t>주제 소개</a:t>
                 </a:r>
+                <a:endParaRPr lang="ko-KR" altLang="en-US" sz="2000">
+                  <a:solidFill>
+                    <a:schemeClr val="tx1">
+                      <a:lumMod val="65000"/>
+                      <a:lumOff val="35000"/>
+                    </a:schemeClr>
+                  </a:solidFill>
+                  <a:latin typeface="KoPubWorld돋움체 Bold"/>
+                  <a:ea typeface="KoPubWorld돋움체 Bold"/>
+                  <a:cs typeface="KoPubWorld돋움체 Bold"/>
+                </a:endParaRPr>
               </a:p>
             </p:txBody>
           </p:sp>
@@ -4323,11 +5714,11 @@
             <p:nvPr/>
           </p:nvGrpSpPr>
           <p:grpSpPr>
-            <a:xfrm>
+            <a:xfrm rot="0">
               <a:off x="6454034" y="2598003"/>
-              <a:ext cx="2363276" cy="830997"/>
+              <a:ext cx="3420551" cy="830997"/>
               <a:chOff x="6454034" y="2598003"/>
-              <a:chExt cx="2363276" cy="830997"/>
+              <a:chExt cx="3420551" cy="830997"/>
             </a:xfrm>
           </p:grpSpPr>
           <p:sp>
@@ -4358,7 +5749,7 @@
                 <a:r>
                   <a:rPr lang="en-US" altLang="ko-KR" sz="4800" b="1">
                     <a:solidFill>
-                      <a:srgbClr val="64DECF"/>
+                      <a:srgbClr val="64decf"/>
                     </a:solidFill>
                     <a:latin typeface="KoPubWorld돋움체 Bold"/>
                     <a:ea typeface="KoPubWorld돋움체 Bold"/>
@@ -4368,7 +5759,7 @@
                 </a:r>
                 <a:endParaRPr lang="ko-KR" altLang="en-US" sz="4800" b="1">
                   <a:solidFill>
-                    <a:srgbClr val="64DECF"/>
+                    <a:srgbClr val="64decf"/>
                   </a:solidFill>
                   <a:latin typeface="KoPubWorld돋움체 Bold"/>
                   <a:ea typeface="KoPubWorld돋움체 Bold"/>
@@ -4385,8 +5776,8 @@
             </p:nvSpPr>
             <p:spPr>
               <a:xfrm>
-                <a:off x="7232720" y="2820384"/>
-                <a:ext cx="1584590" cy="387635"/>
+                <a:off x="7232719" y="2820384"/>
+                <a:ext cx="2641866" cy="387636"/>
               </a:xfrm>
               <a:prstGeom prst="rect">
                 <a:avLst/>
@@ -4394,7 +5785,7 @@
               <a:noFill/>
             </p:spPr>
             <p:txBody>
-              <a:bodyPr wrap="none">
+              <a:bodyPr wrap="square">
                 <a:spAutoFit/>
               </a:bodyPr>
               <a:lstStyle/>
@@ -4414,8 +5805,19 @@
                     <a:ea typeface="KoPubWorld돋움체 Light"/>
                     <a:cs typeface="KoPubWorld돋움체 Light"/>
                   </a:rPr>
-                  <a:t>주제 및 기능</a:t>
+                  <a:t>조원 소개 및 담당작업</a:t>
                 </a:r>
+                <a:endParaRPr lang="ko-KR" altLang="en-US" sz="2000">
+                  <a:solidFill>
+                    <a:schemeClr val="tx1">
+                      <a:lumMod val="65000"/>
+                      <a:lumOff val="35000"/>
+                    </a:schemeClr>
+                  </a:solidFill>
+                  <a:latin typeface="KoPubWorld돋움체 Light"/>
+                  <a:ea typeface="KoPubWorld돋움체 Light"/>
+                  <a:cs typeface="KoPubWorld돋움체 Light"/>
+                </a:endParaRPr>
               </a:p>
             </p:txBody>
           </p:sp>
@@ -4428,11 +5830,11 @@
           <p:nvPr/>
         </p:nvGrpSpPr>
         <p:grpSpPr>
-          <a:xfrm>
-            <a:off x="3430943" y="3404009"/>
-            <a:ext cx="5099647" cy="830997"/>
+          <a:xfrm rot="0">
+            <a:off x="3122262" y="2804286"/>
+            <a:ext cx="5023447" cy="830997"/>
             <a:chOff x="3403338" y="2598003"/>
-            <a:chExt cx="5099647" cy="830997"/>
+            <a:chExt cx="5023447" cy="830997"/>
           </a:xfrm>
         </p:grpSpPr>
         <p:grpSp>
@@ -4442,7 +5844,7 @@
             <p:nvPr/>
           </p:nvGrpSpPr>
           <p:grpSpPr>
-            <a:xfrm>
+            <a:xfrm rot="0">
               <a:off x="3403338" y="2598003"/>
               <a:ext cx="1975447" cy="830997"/>
               <a:chOff x="3403338" y="2598003"/>
@@ -4477,7 +5879,7 @@
                 <a:r>
                   <a:rPr lang="en-US" altLang="ko-KR" sz="4800" b="1">
                     <a:solidFill>
-                      <a:srgbClr val="64DECF"/>
+                      <a:srgbClr val="64decf"/>
                     </a:solidFill>
                     <a:latin typeface="KoPubWorld돋움체 Bold"/>
                     <a:ea typeface="KoPubWorld돋움체 Bold"/>
@@ -4487,7 +5889,7 @@
                 </a:r>
                 <a:endParaRPr lang="ko-KR" altLang="en-US" sz="4800" b="1">
                   <a:solidFill>
-                    <a:srgbClr val="64DECF"/>
+                    <a:srgbClr val="64decf"/>
                   </a:solidFill>
                   <a:latin typeface="KoPubWorld돋움체 Bold"/>
                   <a:ea typeface="KoPubWorld돋움체 Bold"/>
@@ -4533,8 +5935,19 @@
                     <a:ea typeface="KoPubWorld돋움체 Bold"/>
                     <a:cs typeface="KoPubWorld돋움체 Bold"/>
                   </a:rPr>
-                  <a:t>메인화면</a:t>
+                  <a:t>처음화면</a:t>
                 </a:r>
+                <a:endParaRPr lang="ko-KR" altLang="en-US" sz="2000">
+                  <a:solidFill>
+                    <a:schemeClr val="tx1">
+                      <a:lumMod val="65000"/>
+                      <a:lumOff val="35000"/>
+                    </a:schemeClr>
+                  </a:solidFill>
+                  <a:latin typeface="KoPubWorld돋움체 Bold"/>
+                  <a:ea typeface="KoPubWorld돋움체 Bold"/>
+                  <a:cs typeface="KoPubWorld돋움체 Bold"/>
+                </a:endParaRPr>
               </a:p>
             </p:txBody>
           </p:sp>
@@ -4546,11 +5959,11 @@
             <p:nvPr/>
           </p:nvGrpSpPr>
           <p:grpSpPr>
-            <a:xfrm>
+            <a:xfrm rot="0">
               <a:off x="6454034" y="2598003"/>
-              <a:ext cx="2048951" cy="830997"/>
+              <a:ext cx="1972751" cy="830997"/>
               <a:chOff x="6454034" y="2598003"/>
-              <a:chExt cx="2048951" cy="830997"/>
+              <a:chExt cx="1972751" cy="830997"/>
             </a:xfrm>
           </p:grpSpPr>
           <p:sp>
@@ -4581,7 +5994,7 @@
                 <a:r>
                   <a:rPr lang="en-US" altLang="ko-KR" sz="4800" b="1">
                     <a:solidFill>
-                      <a:srgbClr val="64DECF"/>
+                      <a:srgbClr val="64decf"/>
                     </a:solidFill>
                     <a:latin typeface="KoPubWorld돋움체 Bold"/>
                     <a:ea typeface="KoPubWorld돋움체 Bold"/>
@@ -4591,7 +6004,7 @@
                 </a:r>
                 <a:endParaRPr lang="ko-KR" altLang="en-US" sz="4800" b="1">
                   <a:solidFill>
-                    <a:srgbClr val="64DECF"/>
+                    <a:srgbClr val="64decf"/>
                   </a:solidFill>
                   <a:latin typeface="KoPubWorld돋움체 Bold"/>
                   <a:ea typeface="KoPubWorld돋움체 Bold"/>
@@ -4609,7 +6022,7 @@
             <p:spPr>
               <a:xfrm>
                 <a:off x="7232720" y="2810859"/>
-                <a:ext cx="1270265" cy="391255"/>
+                <a:ext cx="1194065" cy="391255"/>
               </a:xfrm>
               <a:prstGeom prst="rect">
                 <a:avLst/>
@@ -4637,8 +6050,19 @@
                     <a:ea typeface="KoPubWorld돋움체 Bold"/>
                     <a:cs typeface="KoPubWorld돋움체 Bold"/>
                   </a:rPr>
-                  <a:t>화면 상세</a:t>
+                  <a:t>개발환경</a:t>
                 </a:r>
+                <a:endParaRPr lang="ko-KR" altLang="en-US" sz="2000">
+                  <a:solidFill>
+                    <a:schemeClr val="tx1">
+                      <a:lumMod val="65000"/>
+                      <a:lumOff val="35000"/>
+                    </a:schemeClr>
+                  </a:solidFill>
+                  <a:latin typeface="KoPubWorld돋움체 Bold"/>
+                  <a:ea typeface="KoPubWorld돋움체 Bold"/>
+                  <a:cs typeface="KoPubWorld돋움체 Bold"/>
+                </a:endParaRPr>
               </a:p>
             </p:txBody>
           </p:sp>
@@ -4651,8 +6075,8 @@
           <p:nvPr/>
         </p:nvGrpSpPr>
         <p:grpSpPr>
-          <a:xfrm>
-            <a:off x="3441403" y="4776551"/>
+          <a:xfrm rot="0">
+            <a:off x="3132722" y="4176828"/>
             <a:ext cx="5238152" cy="830997"/>
             <a:chOff x="3403340" y="2598002"/>
             <a:chExt cx="4869434" cy="830997"/>
@@ -4665,7 +6089,7 @@
             <p:nvPr/>
           </p:nvGrpSpPr>
           <p:grpSpPr>
-            <a:xfrm>
+            <a:xfrm rot="0">
               <a:off x="3403340" y="2598002"/>
               <a:ext cx="2536488" cy="830997"/>
               <a:chOff x="3403338" y="2598002"/>
@@ -4700,7 +6124,7 @@
                 <a:r>
                   <a:rPr lang="en-US" altLang="ko-KR" sz="4800" b="1">
                     <a:solidFill>
-                      <a:srgbClr val="64DECF"/>
+                      <a:srgbClr val="64decf"/>
                     </a:solidFill>
                     <a:latin typeface="KoPubWorld돋움체 Bold"/>
                     <a:ea typeface="KoPubWorld돋움체 Bold"/>
@@ -4708,6 +6132,14 @@
                   </a:rPr>
                   <a:t>05</a:t>
                 </a:r>
+                <a:endParaRPr lang="en-US" altLang="ko-KR" sz="4800" b="1">
+                  <a:solidFill>
+                    <a:srgbClr val="64decf"/>
+                  </a:solidFill>
+                  <a:latin typeface="KoPubWorld돋움체 Bold"/>
+                  <a:ea typeface="KoPubWorld돋움체 Bold"/>
+                  <a:cs typeface="KoPubWorld돋움체 Bold"/>
+                </a:endParaRPr>
               </a:p>
             </p:txBody>
           </p:sp>
@@ -4750,6 +6182,17 @@
                   </a:rPr>
                   <a:t>프로젝트 설계</a:t>
                 </a:r>
+                <a:endParaRPr lang="ko-KR" altLang="en-US" sz="2000">
+                  <a:solidFill>
+                    <a:schemeClr val="tx1">
+                      <a:lumMod val="65000"/>
+                      <a:lumOff val="35000"/>
+                    </a:schemeClr>
+                  </a:solidFill>
+                  <a:latin typeface="KoPubWorld돋움체 Bold"/>
+                  <a:ea typeface="KoPubWorld돋움체 Bold"/>
+                  <a:cs typeface="KoPubWorld돋움체 Bold"/>
+                </a:endParaRPr>
               </a:p>
             </p:txBody>
           </p:sp>
@@ -4761,7 +6204,7 @@
             <p:nvPr/>
           </p:nvGrpSpPr>
           <p:grpSpPr>
-            <a:xfrm>
+            <a:xfrm rot="0">
               <a:off x="6223821" y="2598002"/>
               <a:ext cx="2048952" cy="830997"/>
               <a:chOff x="6223818" y="2598002"/>
@@ -4796,7 +6239,7 @@
                 <a:r>
                   <a:rPr lang="en-US" altLang="ko-KR" sz="4800" b="1">
                     <a:solidFill>
-                      <a:srgbClr val="64DECF"/>
+                      <a:srgbClr val="64decf"/>
                     </a:solidFill>
                     <a:latin typeface="KoPubWorld돋움체 Bold"/>
                     <a:ea typeface="KoPubWorld돋움체 Bold"/>
@@ -4804,6 +6247,14 @@
                   </a:rPr>
                   <a:t>06</a:t>
                 </a:r>
+                <a:endParaRPr lang="en-US" altLang="ko-KR" sz="4800" b="1">
+                  <a:solidFill>
+                    <a:srgbClr val="64decf"/>
+                  </a:solidFill>
+                  <a:latin typeface="KoPubWorld돋움체 Bold"/>
+                  <a:ea typeface="KoPubWorld돋움체 Bold"/>
+                  <a:cs typeface="KoPubWorld돋움체 Bold"/>
+                </a:endParaRPr>
               </a:p>
             </p:txBody>
           </p:sp>
@@ -4815,8 +6266,8 @@
             </p:nvSpPr>
             <p:spPr>
               <a:xfrm>
-                <a:off x="7002505" y="2810858"/>
-                <a:ext cx="1270265" cy="390312"/>
+                <a:off x="7002504" y="2810858"/>
+                <a:ext cx="1270265" cy="390313"/>
               </a:xfrm>
               <a:prstGeom prst="rect">
                 <a:avLst/>
@@ -4860,21 +6311,132 @@
                   </a:rPr>
                   <a:t>명세서</a:t>
                 </a:r>
+                <a:endParaRPr lang="ko-KR" altLang="en-US" sz="2000">
+                  <a:solidFill>
+                    <a:schemeClr val="tx1">
+                      <a:lumMod val="65000"/>
+                      <a:lumOff val="35000"/>
+                    </a:schemeClr>
+                  </a:solidFill>
+                  <a:latin typeface="KoPubWorld돋움체 Bold"/>
+                  <a:ea typeface="KoPubWorld돋움체 Bold"/>
+                  <a:cs typeface="KoPubWorld돋움체 Bold"/>
+                </a:endParaRPr>
               </a:p>
             </p:txBody>
           </p:sp>
         </p:grpSp>
       </p:grpSp>
+      <p:sp>
+        <p:nvSpPr>
+          <p:cNvPr id="45" name="TextBox 18"/>
+          <p:cNvSpPr txBox="1"/>
+          <p:nvPr/>
+        </p:nvSpPr>
+        <p:spPr>
+          <a:xfrm>
+            <a:off x="3161457" y="5461290"/>
+            <a:ext cx="943582" cy="830997"/>
+          </a:xfrm>
+          <a:prstGeom prst="rect">
+            <a:avLst/>
+          </a:prstGeom>
+          <a:noFill/>
+        </p:spPr>
+        <p:txBody>
+          <a:bodyPr wrap="square">
+            <a:spAutoFit/>
+          </a:bodyPr>
+          <a:lstStyle/>
+          <a:p>
+            <a:pPr lvl="0">
+              <a:defRPr/>
+            </a:pPr>
+            <a:r>
+              <a:rPr lang="en-US" altLang="ko-KR" sz="4800" b="1">
+                <a:solidFill>
+                  <a:srgbClr val="64decf"/>
+                </a:solidFill>
+                <a:latin typeface="KoPubWorld돋움체 Bold"/>
+                <a:ea typeface="KoPubWorld돋움체 Bold"/>
+                <a:cs typeface="KoPubWorld돋움체 Bold"/>
+              </a:rPr>
+              <a:t>07</a:t>
+            </a:r>
+            <a:endParaRPr lang="en-US" altLang="ko-KR" sz="4800" b="1">
+              <a:solidFill>
+                <a:srgbClr val="64decf"/>
+              </a:solidFill>
+              <a:latin typeface="KoPubWorld돋움체 Bold"/>
+              <a:ea typeface="KoPubWorld돋움체 Bold"/>
+              <a:cs typeface="KoPubWorld돋움체 Bold"/>
+            </a:endParaRPr>
+          </a:p>
+        </p:txBody>
+      </p:sp>
+      <p:sp>
+        <p:nvSpPr>
+          <p:cNvPr id="46" name="TextBox 19"/>
+          <p:cNvSpPr txBox="1"/>
+          <p:nvPr/>
+        </p:nvSpPr>
+        <p:spPr>
+          <a:xfrm>
+            <a:off x="3999106" y="5674146"/>
+            <a:ext cx="1366451" cy="391374"/>
+          </a:xfrm>
+          <a:prstGeom prst="rect">
+            <a:avLst/>
+          </a:prstGeom>
+          <a:noFill/>
+        </p:spPr>
+        <p:txBody>
+          <a:bodyPr wrap="square">
+            <a:spAutoFit/>
+          </a:bodyPr>
+          <a:lstStyle/>
+          <a:p>
+            <a:pPr lvl="0">
+              <a:defRPr/>
+            </a:pPr>
+            <a:r>
+              <a:rPr lang="ko-KR" altLang="en-US" sz="2000">
+                <a:solidFill>
+                  <a:schemeClr val="tx1">
+                    <a:lumMod val="65000"/>
+                    <a:lumOff val="35000"/>
+                  </a:schemeClr>
+                </a:solidFill>
+                <a:latin typeface="KoPubWorld돋움체 Bold"/>
+                <a:ea typeface="KoPubWorld돋움체 Bold"/>
+                <a:cs typeface="KoPubWorld돋움체 Bold"/>
+              </a:rPr>
+              <a:t>기대효과</a:t>
+            </a:r>
+            <a:endParaRPr lang="ko-KR" altLang="en-US" sz="2000">
+              <a:solidFill>
+                <a:schemeClr val="tx1">
+                  <a:lumMod val="65000"/>
+                  <a:lumOff val="35000"/>
+                </a:schemeClr>
+              </a:solidFill>
+              <a:latin typeface="KoPubWorld돋움체 Bold"/>
+              <a:ea typeface="KoPubWorld돋움체 Bold"/>
+              <a:cs typeface="KoPubWorld돋움체 Bold"/>
+            </a:endParaRPr>
+          </a:p>
+        </p:txBody>
+      </p:sp>
     </p:spTree>
   </p:cSld>
   <p:clrMapOvr>
     <a:masterClrMapping/>
   </p:clrMapOvr>
-  <mc:AlternateContent xmlns:mc="http://schemas.openxmlformats.org/markup-compatibility/2006" xmlns:p14="http://schemas.microsoft.com/office/powerpoint/2010/main">
-    <mc:Choice Requires="p14">
-      <p:transition/>
+  <mc:AlternateContent xmlns:mc="http://schemas.openxmlformats.org/markup-compatibility/2006">
+    <mc:Choice xmlns:p14="http://schemas.microsoft.com/office/powerpoint/2010/main" Requires="p14">
+      <p:transition xmlns:mc="http://schemas.openxmlformats.org/markup-compatibility/2006" xmlns:p14="http://schemas.microsoft.com/office/powerpoint/2010/main" mc:Ignorable="p14" p14:dur="500"/>
     </mc:Choice>
-    <mc:Fallback xmlns:dsp="http://schemas.microsoft.com/office/drawing/2008/diagram" xmlns:dgm="http://schemas.openxmlformats.org/drawingml/2006/diagram" xmlns:c="http://schemas.openxmlformats.org/drawingml/2006/chart" xmlns="">
+    <mc:Fallback>
       <p:transition/>
     </mc:Fallback>
   </mc:AlternateContent>
@@ -4882,7 +6444,7 @@
 </file>
 
 <file path=ppt/slides/slide3.xml><?xml version="1.0" encoding="utf-8"?>
-<p:sld xmlns:a="http://schemas.openxmlformats.org/drawingml/2006/main" xmlns:r="http://schemas.openxmlformats.org/officeDocument/2006/relationships" xmlns:p="http://schemas.openxmlformats.org/presentationml/2006/main">
+<p:sld xmlns:r="http://schemas.openxmlformats.org/officeDocument/2006/relationships" xmlns:c="http://schemas.openxmlformats.org/drawingml/2006/chart" xmlns:a="http://schemas.openxmlformats.org/drawingml/2006/main" xmlns:dgm="http://schemas.openxmlformats.org/drawingml/2006/diagram" xmlns:dsp="http://schemas.microsoft.com/office/drawing/2008/diagram" xmlns:p="http://schemas.openxmlformats.org/presentationml/2006/main">
   <p:cSld>
     <p:spTree>
       <p:nvGrpSpPr>
@@ -4900,20 +6462,20 @@
       </p:grpSpPr>
       <p:sp>
         <p:nvSpPr>
-          <p:cNvPr id="23" name="직사각형 22"/>
+          <p:cNvPr id="36" name="직사각형 35"/>
           <p:cNvSpPr/>
           <p:nvPr/>
         </p:nvSpPr>
         <p:spPr>
-          <a:xfrm flipV="1">
-            <a:off x="557400" y="1001162"/>
-            <a:ext cx="11077200" cy="18000"/>
+          <a:xfrm>
+            <a:off x="3569487" y="2178412"/>
+            <a:ext cx="6577445" cy="1007917"/>
           </a:xfrm>
           <a:prstGeom prst="rect">
             <a:avLst/>
           </a:prstGeom>
           <a:solidFill>
-            <a:srgbClr val="64DECF"/>
+            <a:schemeClr val="bg1"/>
           </a:solidFill>
           <a:ln>
             <a:noFill/>
@@ -4946,6 +6508,102 @@
           </a:p>
         </p:txBody>
       </p:sp>
+      <p:sp>
+        <p:nvSpPr>
+          <p:cNvPr id="30" name="타원 29"/>
+          <p:cNvSpPr/>
+          <p:nvPr/>
+        </p:nvSpPr>
+        <p:spPr>
+          <a:xfrm>
+            <a:off x="3020287" y="2133171"/>
+            <a:ext cx="1098401" cy="1098401"/>
+          </a:xfrm>
+          <a:prstGeom prst="ellipse">
+            <a:avLst/>
+          </a:prstGeom>
+          <a:solidFill>
+            <a:srgbClr val="64decf"/>
+          </a:solidFill>
+          <a:ln>
+            <a:noFill/>
+          </a:ln>
+        </p:spPr>
+        <p:style>
+          <a:lnRef idx="2">
+            <a:schemeClr val="accent1">
+              <a:shade val="50000"/>
+            </a:schemeClr>
+          </a:lnRef>
+          <a:fillRef idx="1">
+            <a:schemeClr val="accent1"/>
+          </a:fillRef>
+          <a:effectRef idx="0">
+            <a:schemeClr val="accent1"/>
+          </a:effectRef>
+          <a:fontRef idx="minor">
+            <a:schemeClr val="lt1"/>
+          </a:fontRef>
+        </p:style>
+        <p:txBody>
+          <a:bodyPr anchor="ctr"/>
+          <a:lstStyle/>
+          <a:p>
+            <a:pPr algn="ctr">
+              <a:defRPr/>
+            </a:pPr>
+            <a:endParaRPr lang="ko-KR" altLang="en-US"/>
+          </a:p>
+        </p:txBody>
+      </p:sp>
+      <p:sp>
+        <p:nvSpPr>
+          <p:cNvPr id="23" name="직사각형 22"/>
+          <p:cNvSpPr/>
+          <p:nvPr/>
+        </p:nvSpPr>
+        <p:spPr>
+          <a:xfrm flipV="1">
+            <a:off x="557400" y="1001162"/>
+            <a:ext cx="11077200" cy="18000"/>
+          </a:xfrm>
+          <a:prstGeom prst="rect">
+            <a:avLst/>
+          </a:prstGeom>
+          <a:solidFill>
+            <a:srgbClr val="64decf"/>
+          </a:solidFill>
+          <a:ln>
+            <a:noFill/>
+          </a:ln>
+        </p:spPr>
+        <p:style>
+          <a:lnRef idx="2">
+            <a:schemeClr val="accent1">
+              <a:shade val="50000"/>
+            </a:schemeClr>
+          </a:lnRef>
+          <a:fillRef idx="1">
+            <a:schemeClr val="accent1"/>
+          </a:fillRef>
+          <a:effectRef idx="0">
+            <a:schemeClr val="accent1"/>
+          </a:effectRef>
+          <a:fontRef idx="minor">
+            <a:schemeClr val="lt1"/>
+          </a:fontRef>
+        </p:style>
+        <p:txBody>
+          <a:bodyPr anchor="ctr"/>
+          <a:lstStyle/>
+          <a:p>
+            <a:pPr algn="ctr">
+              <a:defRPr/>
+            </a:pPr>
+            <a:endParaRPr lang="ko-KR" altLang="en-US"/>
+          </a:p>
+        </p:txBody>
+      </p:sp>
       <p:grpSp>
         <p:nvGrpSpPr>
           <p:cNvPr id="6" name="그룹 5"/>
@@ -4953,11 +6611,731 @@
           <p:nvPr/>
         </p:nvGrpSpPr>
         <p:grpSpPr>
+          <a:xfrm rot="0">
+            <a:off x="4105427" y="188165"/>
+            <a:ext cx="5483057" cy="1238680"/>
+            <a:chOff x="3819245" y="188165"/>
+            <a:chExt cx="3981147" cy="1166799"/>
+          </a:xfrm>
+        </p:grpSpPr>
+        <p:sp>
+          <p:nvSpPr>
+            <p:cNvPr id="5" name="직사각형 4"/>
+            <p:cNvSpPr/>
+            <p:nvPr/>
+          </p:nvSpPr>
+          <p:spPr>
+            <a:xfrm>
+              <a:off x="4603101" y="271008"/>
+              <a:ext cx="3197290" cy="581509"/>
+            </a:xfrm>
+            <a:prstGeom prst="rect">
+              <a:avLst/>
+            </a:prstGeom>
+          </p:spPr>
+          <p:txBody>
+            <a:bodyPr wrap="square">
+              <a:spAutoFit/>
+            </a:bodyPr>
+            <a:lstStyle/>
+            <a:p>
+              <a:pPr lvl="0">
+                <a:defRPr/>
+              </a:pPr>
+              <a:r>
+                <a:rPr lang="ko-KR" altLang="en-US" sz="3500">
+                  <a:solidFill>
+                    <a:schemeClr val="tx1">
+                      <a:lumMod val="65000"/>
+                      <a:lumOff val="35000"/>
+                    </a:schemeClr>
+                  </a:solidFill>
+                  <a:latin typeface="KoPubWorld돋움체 Light"/>
+                  <a:ea typeface="KoPubWorld돋움체 Light"/>
+                  <a:cs typeface="KoPubWorld돋움체 Light"/>
+                </a:rPr>
+                <a:t>주제 및 선정배경</a:t>
+              </a:r>
+              <a:endParaRPr lang="ko-KR" altLang="en-US" sz="3500">
+                <a:solidFill>
+                  <a:schemeClr val="tx1">
+                    <a:lumMod val="65000"/>
+                    <a:lumOff val="35000"/>
+                  </a:schemeClr>
+                </a:solidFill>
+                <a:latin typeface="KoPubWorld돋움체 Light"/>
+                <a:ea typeface="KoPubWorld돋움체 Light"/>
+                <a:cs typeface="KoPubWorld돋움체 Light"/>
+              </a:endParaRPr>
+            </a:p>
+          </p:txBody>
+        </p:sp>
+        <p:sp>
+          <p:nvSpPr>
+            <p:cNvPr id="24" name="TextBox 23"/>
+            <p:cNvSpPr txBox="1"/>
+            <p:nvPr/>
+          </p:nvSpPr>
+          <p:spPr>
+            <a:xfrm>
+              <a:off x="3819245" y="188165"/>
+              <a:ext cx="726049" cy="772019"/>
+            </a:xfrm>
+            <a:prstGeom prst="rect">
+              <a:avLst/>
+            </a:prstGeom>
+            <a:noFill/>
+          </p:spPr>
+          <p:txBody>
+            <a:bodyPr wrap="square">
+              <a:spAutoFit/>
+            </a:bodyPr>
+            <a:lstStyle/>
+            <a:p>
+              <a:pPr lvl="0">
+                <a:defRPr/>
+              </a:pPr>
+              <a:r>
+                <a:rPr lang="en-US" altLang="ko-KR" sz="4800" b="1">
+                  <a:solidFill>
+                    <a:srgbClr val="64decf"/>
+                  </a:solidFill>
+                  <a:latin typeface="KoPubWorld돋움체 Bold"/>
+                  <a:ea typeface="KoPubWorld돋움체 Bold"/>
+                  <a:cs typeface="KoPubWorld돋움체 Bold"/>
+                </a:rPr>
+                <a:t>01</a:t>
+              </a:r>
+              <a:endParaRPr lang="en-US" altLang="ko-KR" sz="4800" b="1">
+                <a:solidFill>
+                  <a:srgbClr val="64decf"/>
+                </a:solidFill>
+                <a:latin typeface="KoPubWorld돋움체 Bold"/>
+                <a:ea typeface="KoPubWorld돋움체 Bold"/>
+                <a:cs typeface="KoPubWorld돋움체 Bold"/>
+              </a:endParaRPr>
+            </a:p>
+          </p:txBody>
+        </p:sp>
+      </p:grpSp>
+      <p:pic>
+        <p:nvPicPr>
+          <p:cNvPr id="7" name="그림 6"/>
+          <p:cNvPicPr>
+            <a:picLocks noChangeAspect="1"/>
+          </p:cNvPicPr>
+          <p:nvPr/>
+        </p:nvPicPr>
+        <p:blipFill rotWithShape="1">
+          <a:blip r:embed="rId2">
+            <a:lum bright="70000" contrast="-70000"/>
+          </a:blip>
+          <a:stretch>
+            <a:fillRect/>
+          </a:stretch>
+        </p:blipFill>
+        <p:spPr>
           <a:xfrm>
-            <a:off x="4105427" y="188165"/>
-            <a:ext cx="3981147" cy="819580"/>
+            <a:off x="3306708" y="2419592"/>
+            <a:ext cx="525558" cy="525558"/>
+          </a:xfrm>
+          <a:prstGeom prst="rect">
+            <a:avLst/>
+          </a:prstGeom>
+        </p:spPr>
+      </p:pic>
+      <p:sp>
+        <p:nvSpPr>
+          <p:cNvPr id="37" name="TextBox 36"/>
+          <p:cNvSpPr txBox="1"/>
+          <p:nvPr/>
+        </p:nvSpPr>
+        <p:spPr>
+          <a:xfrm>
+            <a:off x="4295475" y="2383698"/>
+            <a:ext cx="4953600" cy="595804"/>
+          </a:xfrm>
+          <a:prstGeom prst="rect">
+            <a:avLst/>
+          </a:prstGeom>
+          <a:noFill/>
+        </p:spPr>
+        <p:txBody>
+          <a:bodyPr wrap="none">
+            <a:spAutoFit/>
+          </a:bodyPr>
+          <a:lstStyle/>
+          <a:p>
+            <a:pPr algn="ctr">
+              <a:defRPr/>
+            </a:pPr>
+            <a:r>
+              <a:rPr lang="ko-KR" altLang="en-US" sz="1400">
+                <a:solidFill>
+                  <a:schemeClr val="tx1">
+                    <a:lumMod val="65000"/>
+                    <a:lumOff val="35000"/>
+                  </a:schemeClr>
+                </a:solidFill>
+                <a:latin typeface="KoPubWorld돋움체 Light"/>
+                <a:ea typeface="KoPubWorld돋움체 Light"/>
+                <a:cs typeface="KoPubWorld돋움체 Light"/>
+              </a:rPr>
+              <a:t>대한민국 각 지역마다 유명한 관광지 모습을 볼 수 있고</a:t>
+            </a:r>
+            <a:endParaRPr lang="ko-KR" altLang="en-US" sz="1400">
+              <a:solidFill>
+                <a:schemeClr val="tx1">
+                  <a:lumMod val="65000"/>
+                  <a:lumOff val="35000"/>
+                </a:schemeClr>
+              </a:solidFill>
+              <a:latin typeface="KoPubWorld돋움체 Light"/>
+              <a:ea typeface="KoPubWorld돋움체 Light"/>
+              <a:cs typeface="KoPubWorld돋움체 Light"/>
+            </a:endParaRPr>
+          </a:p>
+          <a:p>
+            <a:pPr algn="ctr">
+              <a:lnSpc>
+                <a:spcPct val="150000"/>
+              </a:lnSpc>
+              <a:defRPr/>
+            </a:pPr>
+            <a:r>
+              <a:rPr lang="ko-KR" altLang="en-US" sz="1400">
+                <a:solidFill>
+                  <a:schemeClr val="tx1">
+                    <a:lumMod val="65000"/>
+                    <a:lumOff val="35000"/>
+                  </a:schemeClr>
+                </a:solidFill>
+                <a:latin typeface="KoPubWorld돋움체 Light"/>
+                <a:ea typeface="KoPubWorld돋움체 Light"/>
+                <a:cs typeface="KoPubWorld돋움체 Light"/>
+              </a:rPr>
+              <a:t>하나의 사이트만으로 대한민국을 알아볼 수 있는 사이트 제작</a:t>
+            </a:r>
+            <a:endParaRPr lang="ko-KR" altLang="en-US" sz="1400">
+              <a:solidFill>
+                <a:schemeClr val="tx1">
+                  <a:lumMod val="65000"/>
+                  <a:lumOff val="35000"/>
+                </a:schemeClr>
+              </a:solidFill>
+              <a:latin typeface="KoPubWorld돋움체 Light"/>
+              <a:ea typeface="KoPubWorld돋움체 Light"/>
+              <a:cs typeface="KoPubWorld돋움체 Light"/>
+            </a:endParaRPr>
+          </a:p>
+        </p:txBody>
+      </p:sp>
+      <p:sp>
+        <p:nvSpPr>
+          <p:cNvPr id="38" name="직사각형 37"/>
+          <p:cNvSpPr/>
+          <p:nvPr/>
+        </p:nvSpPr>
+        <p:spPr>
+          <a:xfrm>
+            <a:off x="3569487" y="3525349"/>
+            <a:ext cx="6577445" cy="1007917"/>
+          </a:xfrm>
+          <a:prstGeom prst="rect">
+            <a:avLst/>
+          </a:prstGeom>
+          <a:solidFill>
+            <a:schemeClr val="bg1"/>
+          </a:solidFill>
+          <a:ln>
+            <a:noFill/>
+          </a:ln>
+        </p:spPr>
+        <p:style>
+          <a:lnRef idx="2">
+            <a:schemeClr val="accent1">
+              <a:shade val="50000"/>
+            </a:schemeClr>
+          </a:lnRef>
+          <a:fillRef idx="1">
+            <a:schemeClr val="accent1"/>
+          </a:fillRef>
+          <a:effectRef idx="0">
+            <a:schemeClr val="accent1"/>
+          </a:effectRef>
+          <a:fontRef idx="minor">
+            <a:schemeClr val="lt1"/>
+          </a:fontRef>
+        </p:style>
+        <p:txBody>
+          <a:bodyPr anchor="ctr"/>
+          <a:lstStyle/>
+          <a:p>
+            <a:pPr algn="ctr">
+              <a:defRPr/>
+            </a:pPr>
+            <a:endParaRPr lang="ko-KR" altLang="en-US"/>
+          </a:p>
+        </p:txBody>
+      </p:sp>
+      <p:sp>
+        <p:nvSpPr>
+          <p:cNvPr id="31" name="타원 30"/>
+          <p:cNvSpPr/>
+          <p:nvPr/>
+        </p:nvSpPr>
+        <p:spPr>
+          <a:xfrm>
+            <a:off x="3020287" y="3466038"/>
+            <a:ext cx="1098401" cy="1098401"/>
+          </a:xfrm>
+          <a:prstGeom prst="ellipse">
+            <a:avLst/>
+          </a:prstGeom>
+          <a:solidFill>
+            <a:srgbClr val="64decf"/>
+          </a:solidFill>
+          <a:ln>
+            <a:noFill/>
+          </a:ln>
+        </p:spPr>
+        <p:style>
+          <a:lnRef idx="2">
+            <a:schemeClr val="accent1">
+              <a:shade val="50000"/>
+            </a:schemeClr>
+          </a:lnRef>
+          <a:fillRef idx="1">
+            <a:schemeClr val="accent1"/>
+          </a:fillRef>
+          <a:effectRef idx="0">
+            <a:schemeClr val="accent1"/>
+          </a:effectRef>
+          <a:fontRef idx="minor">
+            <a:schemeClr val="lt1"/>
+          </a:fontRef>
+        </p:style>
+        <p:txBody>
+          <a:bodyPr anchor="ctr"/>
+          <a:lstStyle/>
+          <a:p>
+            <a:pPr algn="ctr">
+              <a:defRPr/>
+            </a:pPr>
+            <a:endParaRPr lang="ko-KR" altLang="en-US">
+              <a:highlight>
+                <a:srgbClr val="ffff00"/>
+              </a:highlight>
+            </a:endParaRPr>
+          </a:p>
+        </p:txBody>
+      </p:sp>
+      <p:sp>
+        <p:nvSpPr>
+          <p:cNvPr id="40" name="직사각형 39"/>
+          <p:cNvSpPr/>
+          <p:nvPr/>
+        </p:nvSpPr>
+        <p:spPr>
+          <a:xfrm>
+            <a:off x="3569487" y="4847825"/>
+            <a:ext cx="6577445" cy="1007917"/>
+          </a:xfrm>
+          <a:prstGeom prst="rect">
+            <a:avLst/>
+          </a:prstGeom>
+          <a:solidFill>
+            <a:schemeClr val="bg1"/>
+          </a:solidFill>
+          <a:ln>
+            <a:noFill/>
+          </a:ln>
+        </p:spPr>
+        <p:style>
+          <a:lnRef idx="2">
+            <a:schemeClr val="accent1">
+              <a:shade val="50000"/>
+            </a:schemeClr>
+          </a:lnRef>
+          <a:fillRef idx="1">
+            <a:schemeClr val="accent1"/>
+          </a:fillRef>
+          <a:effectRef idx="0">
+            <a:schemeClr val="accent1"/>
+          </a:effectRef>
+          <a:fontRef idx="minor">
+            <a:schemeClr val="lt1"/>
+          </a:fontRef>
+        </p:style>
+        <p:txBody>
+          <a:bodyPr anchor="ctr"/>
+          <a:lstStyle/>
+          <a:p>
+            <a:pPr algn="ctr">
+              <a:defRPr/>
+            </a:pPr>
+            <a:endParaRPr lang="ko-KR" altLang="en-US"/>
+          </a:p>
+        </p:txBody>
+      </p:sp>
+      <p:sp>
+        <p:nvSpPr>
+          <p:cNvPr id="41" name="TextBox 40"/>
+          <p:cNvSpPr txBox="1"/>
+          <p:nvPr/>
+        </p:nvSpPr>
+        <p:spPr>
+          <a:xfrm>
+            <a:off x="4674587" y="3731405"/>
+            <a:ext cx="4195379" cy="595804"/>
+          </a:xfrm>
+          <a:prstGeom prst="rect">
+            <a:avLst/>
+          </a:prstGeom>
+          <a:noFill/>
+        </p:spPr>
+        <p:txBody>
+          <a:bodyPr wrap="none">
+            <a:spAutoFit/>
+          </a:bodyPr>
+          <a:lstStyle/>
+          <a:p>
+            <a:pPr algn="ctr">
+              <a:defRPr/>
+            </a:pPr>
+            <a:r>
+              <a:rPr lang="ko-KR" altLang="en-US" sz="1400">
+                <a:solidFill>
+                  <a:schemeClr val="tx1">
+                    <a:lumMod val="65000"/>
+                    <a:lumOff val="35000"/>
+                  </a:schemeClr>
+                </a:solidFill>
+                <a:latin typeface="KoPubWorld돋움체 Light"/>
+                <a:ea typeface="KoPubWorld돋움체 Light"/>
+                <a:cs typeface="KoPubWorld돋움체 Light"/>
+              </a:rPr>
+              <a:t>전국 관광지를 소개함으로 써 여행 사전조사 효율을</a:t>
+            </a:r>
+            <a:endParaRPr lang="ko-KR" altLang="en-US" sz="1400">
+              <a:solidFill>
+                <a:schemeClr val="tx1">
+                  <a:lumMod val="65000"/>
+                  <a:lumOff val="35000"/>
+                </a:schemeClr>
+              </a:solidFill>
+              <a:latin typeface="KoPubWorld돋움체 Light"/>
+              <a:ea typeface="KoPubWorld돋움체 Light"/>
+              <a:cs typeface="KoPubWorld돋움체 Light"/>
+            </a:endParaRPr>
+          </a:p>
+          <a:p>
+            <a:pPr algn="ctr">
+              <a:lnSpc>
+                <a:spcPct val="150000"/>
+              </a:lnSpc>
+              <a:defRPr/>
+            </a:pPr>
+            <a:r>
+              <a:rPr lang="ko-KR" altLang="en-US" sz="1400">
+                <a:solidFill>
+                  <a:schemeClr val="tx1">
+                    <a:lumMod val="65000"/>
+                    <a:lumOff val="35000"/>
+                  </a:schemeClr>
+                </a:solidFill>
+                <a:latin typeface="KoPubWorld돋움체 Light"/>
+                <a:ea typeface="KoPubWorld돋움체 Light"/>
+                <a:cs typeface="KoPubWorld돋움체 Light"/>
+              </a:rPr>
+              <a:t>극대화 할 수 있고 </a:t>
+            </a:r>
+            <a:endParaRPr lang="ko-KR" altLang="en-US" sz="1400">
+              <a:solidFill>
+                <a:schemeClr val="tx1">
+                  <a:lumMod val="65000"/>
+                  <a:lumOff val="35000"/>
+                </a:schemeClr>
+              </a:solidFill>
+              <a:latin typeface="KoPubWorld돋움체 Light"/>
+              <a:ea typeface="KoPubWorld돋움체 Light"/>
+              <a:cs typeface="KoPubWorld돋움체 Light"/>
+            </a:endParaRPr>
+          </a:p>
+        </p:txBody>
+      </p:sp>
+      <p:sp>
+        <p:nvSpPr>
+          <p:cNvPr id="32" name="타원 31"/>
+          <p:cNvSpPr/>
+          <p:nvPr/>
+        </p:nvSpPr>
+        <p:spPr>
+          <a:xfrm>
+            <a:off x="3020287" y="4798905"/>
+            <a:ext cx="1098401" cy="1098401"/>
+          </a:xfrm>
+          <a:prstGeom prst="ellipse">
+            <a:avLst/>
+          </a:prstGeom>
+          <a:solidFill>
+            <a:srgbClr val="64decf"/>
+          </a:solidFill>
+          <a:ln>
+            <a:noFill/>
+          </a:ln>
+        </p:spPr>
+        <p:style>
+          <a:lnRef idx="2">
+            <a:schemeClr val="accent1">
+              <a:shade val="50000"/>
+            </a:schemeClr>
+          </a:lnRef>
+          <a:fillRef idx="1">
+            <a:schemeClr val="accent1"/>
+          </a:fillRef>
+          <a:effectRef idx="0">
+            <a:schemeClr val="accent1"/>
+          </a:effectRef>
+          <a:fontRef idx="minor">
+            <a:schemeClr val="lt1"/>
+          </a:fontRef>
+        </p:style>
+        <p:txBody>
+          <a:bodyPr anchor="ctr"/>
+          <a:lstStyle/>
+          <a:p>
+            <a:pPr algn="ctr">
+              <a:defRPr/>
+            </a:pPr>
+            <a:endParaRPr lang="ko-KR" altLang="en-US"/>
+          </a:p>
+        </p:txBody>
+      </p:sp>
+      <p:sp>
+        <p:nvSpPr>
+          <p:cNvPr id="39" name="TextBox 38"/>
+          <p:cNvSpPr txBox="1"/>
+          <p:nvPr/>
+        </p:nvSpPr>
+        <p:spPr>
+          <a:xfrm>
+            <a:off x="4580981" y="5050203"/>
+            <a:ext cx="4554452" cy="523220"/>
+          </a:xfrm>
+          <a:prstGeom prst="rect">
+            <a:avLst/>
+          </a:prstGeom>
+          <a:noFill/>
+        </p:spPr>
+        <p:txBody>
+          <a:bodyPr wrap="none">
+            <a:spAutoFit/>
+          </a:bodyPr>
+          <a:lstStyle/>
+          <a:p>
+            <a:pPr algn="ctr">
+              <a:defRPr/>
+            </a:pPr>
+            <a:r>
+              <a:rPr lang="ko-KR" altLang="en-US" sz="1400">
+                <a:solidFill>
+                  <a:schemeClr val="tx1">
+                    <a:lumMod val="65000"/>
+                    <a:lumOff val="35000"/>
+                  </a:schemeClr>
+                </a:solidFill>
+                <a:latin typeface="KoPubWorld돋움체 Light"/>
+                <a:ea typeface="KoPubWorld돋움체 Light"/>
+                <a:cs typeface="KoPubWorld돋움체 Light"/>
+              </a:rPr>
+              <a:t>매달 대한민국에 들어오는 외국인 관광객 수를 제공하여</a:t>
+            </a:r>
+            <a:endParaRPr lang="ko-KR" altLang="en-US" sz="1400">
+              <a:solidFill>
+                <a:schemeClr val="tx1">
+                  <a:lumMod val="65000"/>
+                  <a:lumOff val="35000"/>
+                </a:schemeClr>
+              </a:solidFill>
+              <a:latin typeface="KoPubWorld돋움체 Light"/>
+              <a:ea typeface="KoPubWorld돋움체 Light"/>
+              <a:cs typeface="KoPubWorld돋움체 Light"/>
+            </a:endParaRPr>
+          </a:p>
+          <a:p>
+            <a:pPr algn="ctr">
+              <a:defRPr/>
+            </a:pPr>
+            <a:r>
+              <a:rPr lang="ko-KR" altLang="en-US" sz="1400">
+                <a:solidFill>
+                  <a:schemeClr val="tx1">
+                    <a:lumMod val="65000"/>
+                    <a:lumOff val="35000"/>
+                  </a:schemeClr>
+                </a:solidFill>
+                <a:latin typeface="KoPubWorld돋움체 Light"/>
+                <a:ea typeface="KoPubWorld돋움체 Light"/>
+                <a:cs typeface="KoPubWorld돋움체 Light"/>
+              </a:rPr>
+              <a:t>인기있는 계절을 알 수 있게 함</a:t>
+            </a:r>
+            <a:endParaRPr lang="en-US" altLang="ko-KR" sz="1400">
+              <a:solidFill>
+                <a:schemeClr val="tx1">
+                  <a:lumMod val="65000"/>
+                  <a:lumOff val="35000"/>
+                </a:schemeClr>
+              </a:solidFill>
+              <a:latin typeface="KoPubWorld돋움체 Light"/>
+              <a:ea typeface="KoPubWorld돋움체 Light"/>
+              <a:cs typeface="KoPubWorld돋움체 Light"/>
+            </a:endParaRPr>
+          </a:p>
+        </p:txBody>
+      </p:sp>
+      <p:pic>
+        <p:nvPicPr>
+          <p:cNvPr id="18" name="그래픽 17" descr="إضافة 단색으로 채워진"/>
+          <p:cNvPicPr>
+            <a:picLocks noChangeAspect="1"/>
+          </p:cNvPicPr>
+          <p:nvPr/>
+        </p:nvPicPr>
+        <p:blipFill rotWithShape="1">
+          <a:blip r:embed="rId3"/>
+          <a:stretch>
+            <a:fillRect/>
+          </a:stretch>
+        </p:blipFill>
+        <p:spPr>
+          <a:xfrm>
+            <a:off x="3225575" y="5004195"/>
+            <a:ext cx="687820" cy="687820"/>
+          </a:xfrm>
+          <a:prstGeom prst="rect">
+            <a:avLst/>
+          </a:prstGeom>
+        </p:spPr>
+      </p:pic>
+      <p:pic>
+        <p:nvPicPr>
+          <p:cNvPr id="42" name="그래픽 41" descr="إضافة 단색으로 채워진"/>
+          <p:cNvPicPr>
+            <a:picLocks noChangeAspect="1"/>
+          </p:cNvPicPr>
+          <p:nvPr/>
+        </p:nvPicPr>
+        <p:blipFill rotWithShape="1">
+          <a:blip r:embed="rId4"/>
+          <a:stretch>
+            <a:fillRect/>
+          </a:stretch>
+        </p:blipFill>
+        <p:spPr>
+          <a:xfrm>
+            <a:off x="3225575" y="3685069"/>
+            <a:ext cx="687820" cy="687820"/>
+          </a:xfrm>
+          <a:prstGeom prst="rect">
+            <a:avLst/>
+          </a:prstGeom>
+        </p:spPr>
+      </p:pic>
+    </p:spTree>
+  </p:cSld>
+  <p:clrMapOvr>
+    <a:masterClrMapping/>
+  </p:clrMapOvr>
+  <mc:AlternateContent xmlns:mc="http://schemas.openxmlformats.org/markup-compatibility/2006">
+    <mc:Choice xmlns:p14="http://schemas.microsoft.com/office/powerpoint/2010/main" Requires="p14">
+      <p:transition xmlns:mc="http://schemas.openxmlformats.org/markup-compatibility/2006" xmlns:p14="http://schemas.microsoft.com/office/powerpoint/2010/main" mc:Ignorable="p14" p14:dur="500"/>
+    </mc:Choice>
+    <mc:Fallback>
+      <p:transition/>
+    </mc:Fallback>
+  </mc:AlternateContent>
+</p:sld>
+</file>
+
+<file path=ppt/slides/slide4.xml><?xml version="1.0" encoding="utf-8"?>
+<p:sld xmlns:r="http://schemas.openxmlformats.org/officeDocument/2006/relationships" xmlns:c="http://schemas.openxmlformats.org/drawingml/2006/chart" xmlns:a="http://schemas.openxmlformats.org/drawingml/2006/main" xmlns:dgm="http://schemas.openxmlformats.org/drawingml/2006/diagram" xmlns:dsp="http://schemas.microsoft.com/office/drawing/2008/diagram" xmlns:p="http://schemas.openxmlformats.org/presentationml/2006/main">
+  <p:cSld>
+    <p:spTree>
+      <p:nvGrpSpPr>
+        <p:cNvPr id="1" name=""/>
+        <p:cNvGrpSpPr/>
+        <p:nvPr/>
+      </p:nvGrpSpPr>
+      <p:grpSpPr>
+        <a:xfrm>
+          <a:off x="0" y="0"/>
+          <a:ext cx="0" cy="0"/>
+          <a:chOff x="0" y="0"/>
+          <a:chExt cx="0" cy="0"/>
+        </a:xfrm>
+      </p:grpSpPr>
+      <p:sp>
+        <p:nvSpPr>
+          <p:cNvPr id="23" name="직사각형 22"/>
+          <p:cNvSpPr/>
+          <p:nvPr/>
+        </p:nvSpPr>
+        <p:spPr>
+          <a:xfrm flipV="1">
+            <a:off x="557400" y="1001162"/>
+            <a:ext cx="11077200" cy="18000"/>
+          </a:xfrm>
+          <a:prstGeom prst="rect">
+            <a:avLst/>
+          </a:prstGeom>
+          <a:solidFill>
+            <a:srgbClr val="64decf"/>
+          </a:solidFill>
+          <a:ln>
+            <a:noFill/>
+          </a:ln>
+        </p:spPr>
+        <p:style>
+          <a:lnRef idx="2">
+            <a:schemeClr val="accent1">
+              <a:shade val="50000"/>
+            </a:schemeClr>
+          </a:lnRef>
+          <a:fillRef idx="1">
+            <a:schemeClr val="accent1"/>
+          </a:fillRef>
+          <a:effectRef idx="0">
+            <a:schemeClr val="accent1"/>
+          </a:effectRef>
+          <a:fontRef idx="minor">
+            <a:schemeClr val="lt1"/>
+          </a:fontRef>
+        </p:style>
+        <p:txBody>
+          <a:bodyPr anchor="ctr"/>
+          <a:lstStyle/>
+          <a:p>
+            <a:pPr algn="ctr">
+              <a:defRPr/>
+            </a:pPr>
+            <a:endParaRPr lang="ko-KR" altLang="en-US"/>
+          </a:p>
+        </p:txBody>
+      </p:sp>
+      <p:grpSp>
+        <p:nvGrpSpPr>
+          <p:cNvPr id="6" name="그룹 5"/>
+          <p:cNvGrpSpPr/>
+          <p:nvPr/>
+        </p:nvGrpSpPr>
+        <p:grpSpPr>
+          <a:xfrm rot="0">
+            <a:off x="3105302" y="188165"/>
+            <a:ext cx="5991981" cy="1238680"/>
             <a:chOff x="3819245" y="188165"/>
-            <a:chExt cx="3981147" cy="819580"/>
+            <a:chExt cx="3981147" cy="1238680"/>
           </a:xfrm>
         </p:grpSpPr>
         <p:sp>
@@ -4969,7 +7347,7 @@
           <p:spPr>
             <a:xfrm>
               <a:off x="4603102" y="271010"/>
-              <a:ext cx="3197290" cy="622435"/>
+              <a:ext cx="3197289" cy="622435"/>
             </a:xfrm>
             <a:prstGeom prst="rect">
               <a:avLst/>
@@ -4996,8 +7374,19 @@
                   <a:ea typeface="KoPubWorld돋움체 Bold"/>
                   <a:cs typeface="KoPubWorld돋움체 Bold"/>
                 </a:rPr>
-                <a:t> 조원 소개</a:t>
+                <a:t> 조원 소개 및 담당 작업</a:t>
               </a:r>
+              <a:endParaRPr lang="ko-KR" altLang="en-US" sz="3500">
+                <a:solidFill>
+                  <a:schemeClr val="tx1">
+                    <a:lumMod val="65000"/>
+                    <a:lumOff val="35000"/>
+                  </a:schemeClr>
+                </a:solidFill>
+                <a:latin typeface="KoPubWorld돋움체 Bold"/>
+                <a:ea typeface="KoPubWorld돋움체 Bold"/>
+                <a:cs typeface="KoPubWorld돋움체 Bold"/>
+              </a:endParaRPr>
             </a:p>
           </p:txBody>
         </p:sp>
@@ -5010,7 +7399,7 @@
           <p:spPr>
             <a:xfrm>
               <a:off x="3819245" y="188165"/>
-              <a:ext cx="891388" cy="819580"/>
+              <a:ext cx="891387" cy="819580"/>
             </a:xfrm>
             <a:prstGeom prst="rect">
               <a:avLst/>
@@ -5018,7 +7407,7 @@
             <a:noFill/>
           </p:spPr>
           <p:txBody>
-            <a:bodyPr wrap="none">
+            <a:bodyPr wrap="square">
               <a:spAutoFit/>
             </a:bodyPr>
             <a:lstStyle/>
@@ -5029,14 +7418,22 @@
               <a:r>
                 <a:rPr lang="en-US" altLang="ko-KR" sz="4800" b="1">
                   <a:solidFill>
-                    <a:srgbClr val="64DECF"/>
+                    <a:srgbClr val="64decf"/>
                   </a:solidFill>
                   <a:latin typeface="KoPubWorld돋움체 Bold"/>
                   <a:ea typeface="KoPubWorld돋움체 Bold"/>
                   <a:cs typeface="KoPubWorld돋움체 Bold"/>
                 </a:rPr>
-                <a:t>01</a:t>
+                <a:t>02</a:t>
               </a:r>
+              <a:endParaRPr lang="en-US" altLang="ko-KR" sz="4800" b="1">
+                <a:solidFill>
+                  <a:srgbClr val="64decf"/>
+                </a:solidFill>
+                <a:latin typeface="KoPubWorld돋움체 Bold"/>
+                <a:ea typeface="KoPubWorld돋움체 Bold"/>
+                <a:cs typeface="KoPubWorld돋움체 Bold"/>
+              </a:endParaRPr>
             </a:p>
           </p:txBody>
         </p:sp>
@@ -5048,7 +7445,7 @@
           <p:nvPr/>
         </p:nvGrpSpPr>
         <p:grpSpPr>
-          <a:xfrm>
+          <a:xfrm rot="0">
             <a:off x="2077493" y="2425628"/>
             <a:ext cx="8037014" cy="2669547"/>
             <a:chOff x="2192615" y="2425628"/>
@@ -5070,7 +7467,7 @@
               <a:avLst/>
             </a:prstGeom>
             <a:solidFill>
-              <a:srgbClr val="64DECF">
+              <a:srgbClr val="64decf">
                 <a:alpha val="22000"/>
               </a:srgbClr>
             </a:solidFill>
@@ -5120,7 +7517,7 @@
               <a:avLst/>
             </a:prstGeom>
             <a:solidFill>
-              <a:srgbClr val="64DECF"/>
+              <a:srgbClr val="64decf"/>
             </a:solidFill>
             <a:ln w="31750">
               <a:solidFill>
@@ -5193,6 +7590,14 @@
                 </a:rPr>
                 <a:t>조원</a:t>
               </a:r>
+              <a:endParaRPr lang="ko-KR" altLang="en-US" sz="2000" b="1">
+                <a:solidFill>
+                  <a:schemeClr val="bg1"/>
+                </a:solidFill>
+                <a:latin typeface="KoPubWorld돋움체 Light"/>
+                <a:ea typeface="KoPubWorld돋움체 Light"/>
+                <a:cs typeface="KoPubWorld돋움체 Light"/>
+              </a:endParaRPr>
             </a:p>
           </p:txBody>
         </p:sp>
@@ -5245,6 +7650,14 @@
                 </a:rPr>
                 <a:t>한 승 철</a:t>
               </a:r>
+              <a:endParaRPr lang="ko-KR" altLang="en-US" sz="2500">
+                <a:solidFill>
+                  <a:schemeClr val="bg1"/>
+                </a:solidFill>
+                <a:latin typeface="KoPubWorld돋움체 Light"/>
+                <a:ea typeface="KoPubWorld돋움체 Light"/>
+                <a:cs typeface="KoPubWorld돋움체 Light"/>
+              </a:endParaRPr>
             </a:p>
           </p:txBody>
         </p:sp>
@@ -5284,6 +7697,14 @@
                 </a:rPr>
                 <a:t>…………………………</a:t>
               </a:r>
+              <a:endParaRPr lang="en-US" altLang="ko-KR" sz="1200">
+                <a:solidFill>
+                  <a:schemeClr val="bg1"/>
+                </a:solidFill>
+                <a:latin typeface="KoPubWorld돋움체 Bold"/>
+                <a:ea typeface="KoPubWorld돋움체 Bold"/>
+                <a:cs typeface="KoPubWorld돋움체 Bold"/>
+              </a:endParaRPr>
             </a:p>
             <a:p>
               <a:pPr algn="ctr">
@@ -5315,7 +7736,7 @@
               <a:avLst/>
             </a:prstGeom>
             <a:solidFill>
-              <a:srgbClr val="64DECF">
+              <a:srgbClr val="64decf">
                 <a:alpha val="22000"/>
               </a:srgbClr>
             </a:solidFill>
@@ -5365,7 +7786,7 @@
               <a:avLst/>
             </a:prstGeom>
             <a:solidFill>
-              <a:srgbClr val="64DECF"/>
+              <a:srgbClr val="64decf"/>
             </a:solidFill>
             <a:ln w="31750">
               <a:solidFill>
@@ -5438,6 +7859,14 @@
                 </a:rPr>
                 <a:t>조장</a:t>
               </a:r>
+              <a:endParaRPr lang="ko-KR" altLang="en-US" sz="2000" b="1">
+                <a:solidFill>
+                  <a:schemeClr val="bg1"/>
+                </a:solidFill>
+                <a:latin typeface="KoPubWorld돋움체 Bold"/>
+                <a:ea typeface="KoPubWorld돋움체 Bold"/>
+                <a:cs typeface="KoPubWorld돋움체 Bold"/>
+              </a:endParaRPr>
             </a:p>
           </p:txBody>
         </p:sp>
@@ -5490,6 +7919,14 @@
                 </a:rPr>
                 <a:t>고 명 수</a:t>
               </a:r>
+              <a:endParaRPr lang="ko-KR" altLang="en-US" sz="2500">
+                <a:solidFill>
+                  <a:schemeClr val="bg1"/>
+                </a:solidFill>
+                <a:latin typeface="KoPubWorld돋움체 Light"/>
+                <a:ea typeface="KoPubWorld돋움체 Light"/>
+                <a:cs typeface="KoPubWorld돋움체 Light"/>
+              </a:endParaRPr>
             </a:p>
           </p:txBody>
         </p:sp>
@@ -5529,6 +7966,14 @@
                 </a:rPr>
                 <a:t>…………………………</a:t>
               </a:r>
+              <a:endParaRPr lang="en-US" altLang="ko-KR" sz="1200">
+                <a:solidFill>
+                  <a:schemeClr val="bg1"/>
+                </a:solidFill>
+                <a:latin typeface="KoPubWorld돋움체 Bold"/>
+                <a:ea typeface="KoPubWorld돋움체 Bold"/>
+                <a:cs typeface="KoPubWorld돋움체 Bold"/>
+              </a:endParaRPr>
             </a:p>
             <a:p>
               <a:pPr algn="ctr">
@@ -5560,7 +8005,7 @@
               <a:avLst/>
             </a:prstGeom>
             <a:solidFill>
-              <a:srgbClr val="64DECF">
+              <a:srgbClr val="64decf">
                 <a:alpha val="22000"/>
               </a:srgbClr>
             </a:solidFill>
@@ -5610,7 +8055,7 @@
               <a:avLst/>
             </a:prstGeom>
             <a:solidFill>
-              <a:srgbClr val="64DECF"/>
+              <a:srgbClr val="64decf"/>
             </a:solidFill>
             <a:ln w="31750">
               <a:solidFill>
@@ -5683,6 +8128,14 @@
                 </a:rPr>
                 <a:t>조원</a:t>
               </a:r>
+              <a:endParaRPr lang="ko-KR" altLang="en-US" sz="2000" b="1">
+                <a:solidFill>
+                  <a:schemeClr val="bg1"/>
+                </a:solidFill>
+                <a:latin typeface="KoPubWorld돋움체 Light"/>
+                <a:ea typeface="KoPubWorld돋움체 Light"/>
+                <a:cs typeface="KoPubWorld돋움체 Light"/>
+              </a:endParaRPr>
             </a:p>
           </p:txBody>
         </p:sp>
@@ -5735,6 +8188,14 @@
                 </a:rPr>
                 <a:t>김 승 진</a:t>
               </a:r>
+              <a:endParaRPr lang="ko-KR" altLang="en-US" sz="2500">
+                <a:solidFill>
+                  <a:schemeClr val="bg1"/>
+                </a:solidFill>
+                <a:latin typeface="KoPubWorld돋움체 Light"/>
+                <a:ea typeface="KoPubWorld돋움체 Light"/>
+                <a:cs typeface="KoPubWorld돋움체 Light"/>
+              </a:endParaRPr>
             </a:p>
           </p:txBody>
         </p:sp>
@@ -5774,6 +8235,14 @@
                 </a:rPr>
                 <a:t>…………………………</a:t>
               </a:r>
+              <a:endParaRPr lang="en-US" altLang="ko-KR" sz="1200">
+                <a:solidFill>
+                  <a:schemeClr val="bg1"/>
+                </a:solidFill>
+                <a:latin typeface="KoPubWorld돋움체 Bold"/>
+                <a:ea typeface="KoPubWorld돋움체 Bold"/>
+                <a:cs typeface="KoPubWorld돋움체 Bold"/>
+              </a:endParaRPr>
             </a:p>
             <a:p>
               <a:pPr algn="ctr">
@@ -5796,753 +8265,11 @@
   <p:clrMapOvr>
     <a:masterClrMapping/>
   </p:clrMapOvr>
-  <mc:AlternateContent xmlns:mc="http://schemas.openxmlformats.org/markup-compatibility/2006" xmlns:p14="http://schemas.microsoft.com/office/powerpoint/2010/main">
-    <mc:Choice Requires="p14">
-      <p:transition/>
+  <mc:AlternateContent xmlns:mc="http://schemas.openxmlformats.org/markup-compatibility/2006">
+    <mc:Choice xmlns:p14="http://schemas.microsoft.com/office/powerpoint/2010/main" Requires="p14">
+      <p:transition xmlns:mc="http://schemas.openxmlformats.org/markup-compatibility/2006" xmlns:p14="http://schemas.microsoft.com/office/powerpoint/2010/main" mc:Ignorable="p14" p14:dur="500"/>
     </mc:Choice>
-    <mc:Fallback xmlns:dsp="http://schemas.microsoft.com/office/drawing/2008/diagram" xmlns:dgm="http://schemas.openxmlformats.org/drawingml/2006/diagram" xmlns:c="http://schemas.openxmlformats.org/drawingml/2006/chart" xmlns="">
-      <p:transition/>
-    </mc:Fallback>
-  </mc:AlternateContent>
-</p:sld>
-</file>
-
-<file path=ppt/slides/slide4.xml><?xml version="1.0" encoding="utf-8"?>
-<p:sld xmlns:a="http://schemas.openxmlformats.org/drawingml/2006/main" xmlns:r="http://schemas.openxmlformats.org/officeDocument/2006/relationships" xmlns:p="http://schemas.openxmlformats.org/presentationml/2006/main">
-  <p:cSld>
-    <p:spTree>
-      <p:nvGrpSpPr>
-        <p:cNvPr id="1" name=""/>
-        <p:cNvGrpSpPr/>
-        <p:nvPr/>
-      </p:nvGrpSpPr>
-      <p:grpSpPr>
-        <a:xfrm>
-          <a:off x="0" y="0"/>
-          <a:ext cx="0" cy="0"/>
-          <a:chOff x="0" y="0"/>
-          <a:chExt cx="0" cy="0"/>
-        </a:xfrm>
-      </p:grpSpPr>
-      <p:sp>
-        <p:nvSpPr>
-          <p:cNvPr id="36" name="직사각형 35"/>
-          <p:cNvSpPr/>
-          <p:nvPr/>
-        </p:nvSpPr>
-        <p:spPr>
-          <a:xfrm>
-            <a:off x="3569487" y="2178412"/>
-            <a:ext cx="6577445" cy="1007917"/>
-          </a:xfrm>
-          <a:prstGeom prst="rect">
-            <a:avLst/>
-          </a:prstGeom>
-          <a:solidFill>
-            <a:schemeClr val="bg1"/>
-          </a:solidFill>
-          <a:ln>
-            <a:noFill/>
-          </a:ln>
-        </p:spPr>
-        <p:style>
-          <a:lnRef idx="2">
-            <a:schemeClr val="accent1">
-              <a:shade val="50000"/>
-            </a:schemeClr>
-          </a:lnRef>
-          <a:fillRef idx="1">
-            <a:schemeClr val="accent1"/>
-          </a:fillRef>
-          <a:effectRef idx="0">
-            <a:schemeClr val="accent1"/>
-          </a:effectRef>
-          <a:fontRef idx="minor">
-            <a:schemeClr val="lt1"/>
-          </a:fontRef>
-        </p:style>
-        <p:txBody>
-          <a:bodyPr anchor="ctr"/>
-          <a:lstStyle/>
-          <a:p>
-            <a:pPr algn="ctr">
-              <a:defRPr/>
-            </a:pPr>
-            <a:endParaRPr lang="ko-KR" altLang="en-US"/>
-          </a:p>
-        </p:txBody>
-      </p:sp>
-      <p:sp>
-        <p:nvSpPr>
-          <p:cNvPr id="30" name="타원 29"/>
-          <p:cNvSpPr/>
-          <p:nvPr/>
-        </p:nvSpPr>
-        <p:spPr>
-          <a:xfrm>
-            <a:off x="3020287" y="2133171"/>
-            <a:ext cx="1098401" cy="1098401"/>
-          </a:xfrm>
-          <a:prstGeom prst="ellipse">
-            <a:avLst/>
-          </a:prstGeom>
-          <a:solidFill>
-            <a:srgbClr val="64DECF"/>
-          </a:solidFill>
-          <a:ln>
-            <a:noFill/>
-          </a:ln>
-        </p:spPr>
-        <p:style>
-          <a:lnRef idx="2">
-            <a:schemeClr val="accent1">
-              <a:shade val="50000"/>
-            </a:schemeClr>
-          </a:lnRef>
-          <a:fillRef idx="1">
-            <a:schemeClr val="accent1"/>
-          </a:fillRef>
-          <a:effectRef idx="0">
-            <a:schemeClr val="accent1"/>
-          </a:effectRef>
-          <a:fontRef idx="minor">
-            <a:schemeClr val="lt1"/>
-          </a:fontRef>
-        </p:style>
-        <p:txBody>
-          <a:bodyPr anchor="ctr"/>
-          <a:lstStyle/>
-          <a:p>
-            <a:pPr algn="ctr">
-              <a:defRPr/>
-            </a:pPr>
-            <a:endParaRPr lang="ko-KR" altLang="en-US"/>
-          </a:p>
-        </p:txBody>
-      </p:sp>
-      <p:sp>
-        <p:nvSpPr>
-          <p:cNvPr id="23" name="직사각형 22"/>
-          <p:cNvSpPr/>
-          <p:nvPr/>
-        </p:nvSpPr>
-        <p:spPr>
-          <a:xfrm flipV="1">
-            <a:off x="557400" y="1001162"/>
-            <a:ext cx="11077200" cy="18000"/>
-          </a:xfrm>
-          <a:prstGeom prst="rect">
-            <a:avLst/>
-          </a:prstGeom>
-          <a:solidFill>
-            <a:srgbClr val="64DECF"/>
-          </a:solidFill>
-          <a:ln>
-            <a:noFill/>
-          </a:ln>
-        </p:spPr>
-        <p:style>
-          <a:lnRef idx="2">
-            <a:schemeClr val="accent1">
-              <a:shade val="50000"/>
-            </a:schemeClr>
-          </a:lnRef>
-          <a:fillRef idx="1">
-            <a:schemeClr val="accent1"/>
-          </a:fillRef>
-          <a:effectRef idx="0">
-            <a:schemeClr val="accent1"/>
-          </a:effectRef>
-          <a:fontRef idx="minor">
-            <a:schemeClr val="lt1"/>
-          </a:fontRef>
-        </p:style>
-        <p:txBody>
-          <a:bodyPr anchor="ctr"/>
-          <a:lstStyle/>
-          <a:p>
-            <a:pPr algn="ctr">
-              <a:defRPr/>
-            </a:pPr>
-            <a:endParaRPr lang="ko-KR" altLang="en-US"/>
-          </a:p>
-        </p:txBody>
-      </p:sp>
-      <p:grpSp>
-        <p:nvGrpSpPr>
-          <p:cNvPr id="6" name="그룹 5"/>
-          <p:cNvGrpSpPr/>
-          <p:nvPr/>
-        </p:nvGrpSpPr>
-        <p:grpSpPr>
-          <a:xfrm>
-            <a:off x="4105427" y="188165"/>
-            <a:ext cx="4887744" cy="1329550"/>
-            <a:chOff x="3819245" y="188165"/>
-            <a:chExt cx="3981147" cy="1252396"/>
-          </a:xfrm>
-        </p:grpSpPr>
-        <p:sp>
-          <p:nvSpPr>
-            <p:cNvPr id="5" name="직사각형 4"/>
-            <p:cNvSpPr/>
-            <p:nvPr/>
-          </p:nvSpPr>
-          <p:spPr>
-            <a:xfrm>
-              <a:off x="4603102" y="271010"/>
-              <a:ext cx="3197290" cy="1169551"/>
-            </a:xfrm>
-            <a:prstGeom prst="rect">
-              <a:avLst/>
-            </a:prstGeom>
-          </p:spPr>
-          <p:txBody>
-            <a:bodyPr wrap="square">
-              <a:spAutoFit/>
-            </a:bodyPr>
-            <a:lstStyle/>
-            <a:p>
-              <a:pPr lvl="0">
-                <a:defRPr/>
-              </a:pPr>
-              <a:r>
-                <a:rPr lang="ko-KR" altLang="en-US" sz="3500">
-                  <a:solidFill>
-                    <a:schemeClr val="tx1">
-                      <a:lumMod val="65000"/>
-                      <a:lumOff val="35000"/>
-                    </a:schemeClr>
-                  </a:solidFill>
-                  <a:latin typeface="KoPubWorld돋움체 Light"/>
-                  <a:ea typeface="KoPubWorld돋움체 Light"/>
-                  <a:cs typeface="KoPubWorld돋움체 Light"/>
-                </a:rPr>
-                <a:t>주제 선정  및 배경</a:t>
-              </a:r>
-            </a:p>
-          </p:txBody>
-        </p:sp>
-        <p:sp>
-          <p:nvSpPr>
-            <p:cNvPr id="24" name="TextBox 23"/>
-            <p:cNvSpPr txBox="1"/>
-            <p:nvPr/>
-          </p:nvSpPr>
-          <p:spPr>
-            <a:xfrm>
-              <a:off x="3819245" y="188165"/>
-              <a:ext cx="891388" cy="819580"/>
-            </a:xfrm>
-            <a:prstGeom prst="rect">
-              <a:avLst/>
-            </a:prstGeom>
-            <a:noFill/>
-          </p:spPr>
-          <p:txBody>
-            <a:bodyPr wrap="none">
-              <a:spAutoFit/>
-            </a:bodyPr>
-            <a:lstStyle/>
-            <a:p>
-              <a:pPr lvl="0">
-                <a:defRPr/>
-              </a:pPr>
-              <a:r>
-                <a:rPr lang="en-US" altLang="ko-KR" sz="4800" b="1">
-                  <a:solidFill>
-                    <a:srgbClr val="64DECF"/>
-                  </a:solidFill>
-                  <a:latin typeface="KoPubWorld돋움체 Bold"/>
-                  <a:ea typeface="KoPubWorld돋움체 Bold"/>
-                  <a:cs typeface="KoPubWorld돋움체 Bold"/>
-                </a:rPr>
-                <a:t>02</a:t>
-              </a:r>
-            </a:p>
-          </p:txBody>
-        </p:sp>
-      </p:grpSp>
-      <p:pic>
-        <p:nvPicPr>
-          <p:cNvPr id="7" name="그림 6"/>
-          <p:cNvPicPr>
-            <a:picLocks noChangeAspect="1"/>
-          </p:cNvPicPr>
-          <p:nvPr/>
-        </p:nvPicPr>
-        <p:blipFill rotWithShape="1">
-          <a:blip r:embed="rId2">
-            <a:lum bright="70000" contrast="-70000"/>
-          </a:blip>
-          <a:stretch>
-            <a:fillRect/>
-          </a:stretch>
-        </p:blipFill>
-        <p:spPr>
-          <a:xfrm>
-            <a:off x="3306708" y="2419592"/>
-            <a:ext cx="525558" cy="525558"/>
-          </a:xfrm>
-          <a:prstGeom prst="rect">
-            <a:avLst/>
-          </a:prstGeom>
-        </p:spPr>
-      </p:pic>
-      <p:sp>
-        <p:nvSpPr>
-          <p:cNvPr id="37" name="TextBox 36"/>
-          <p:cNvSpPr txBox="1"/>
-          <p:nvPr/>
-        </p:nvSpPr>
-        <p:spPr>
-          <a:xfrm>
-            <a:off x="4295475" y="2383698"/>
-            <a:ext cx="4953600" cy="595804"/>
-          </a:xfrm>
-          <a:prstGeom prst="rect">
-            <a:avLst/>
-          </a:prstGeom>
-          <a:noFill/>
-        </p:spPr>
-        <p:txBody>
-          <a:bodyPr wrap="none">
-            <a:spAutoFit/>
-          </a:bodyPr>
-          <a:lstStyle/>
-          <a:p>
-            <a:pPr algn="ctr">
-              <a:defRPr/>
-            </a:pPr>
-            <a:r>
-              <a:rPr lang="ko-KR" altLang="en-US" sz="1400">
-                <a:solidFill>
-                  <a:schemeClr val="tx1">
-                    <a:lumMod val="65000"/>
-                    <a:lumOff val="35000"/>
-                  </a:schemeClr>
-                </a:solidFill>
-                <a:latin typeface="KoPubWorld돋움체 Light"/>
-                <a:ea typeface="KoPubWorld돋움체 Light"/>
-                <a:cs typeface="KoPubWorld돋움체 Light"/>
-              </a:rPr>
-              <a:t>대한민국 각 지역마다 유명한 관광지 모습을 볼 수 있고</a:t>
-            </a:r>
-          </a:p>
-          <a:p>
-            <a:pPr algn="ctr">
-              <a:lnSpc>
-                <a:spcPct val="150000"/>
-              </a:lnSpc>
-              <a:defRPr/>
-            </a:pPr>
-            <a:r>
-              <a:rPr lang="ko-KR" altLang="en-US" sz="1400">
-                <a:solidFill>
-                  <a:schemeClr val="tx1">
-                    <a:lumMod val="65000"/>
-                    <a:lumOff val="35000"/>
-                  </a:schemeClr>
-                </a:solidFill>
-                <a:latin typeface="KoPubWorld돋움체 Light"/>
-                <a:ea typeface="KoPubWorld돋움체 Light"/>
-                <a:cs typeface="KoPubWorld돋움체 Light"/>
-              </a:rPr>
-              <a:t>하나의 사이트만으로 대한민국을 알아볼 수 있는 사이트 제작</a:t>
-            </a:r>
-          </a:p>
-        </p:txBody>
-      </p:sp>
-      <p:sp>
-        <p:nvSpPr>
-          <p:cNvPr id="38" name="직사각형 37"/>
-          <p:cNvSpPr/>
-          <p:nvPr/>
-        </p:nvSpPr>
-        <p:spPr>
-          <a:xfrm>
-            <a:off x="3569487" y="3525349"/>
-            <a:ext cx="6577445" cy="1007917"/>
-          </a:xfrm>
-          <a:prstGeom prst="rect">
-            <a:avLst/>
-          </a:prstGeom>
-          <a:solidFill>
-            <a:schemeClr val="bg1"/>
-          </a:solidFill>
-          <a:ln>
-            <a:noFill/>
-          </a:ln>
-        </p:spPr>
-        <p:style>
-          <a:lnRef idx="2">
-            <a:schemeClr val="accent1">
-              <a:shade val="50000"/>
-            </a:schemeClr>
-          </a:lnRef>
-          <a:fillRef idx="1">
-            <a:schemeClr val="accent1"/>
-          </a:fillRef>
-          <a:effectRef idx="0">
-            <a:schemeClr val="accent1"/>
-          </a:effectRef>
-          <a:fontRef idx="minor">
-            <a:schemeClr val="lt1"/>
-          </a:fontRef>
-        </p:style>
-        <p:txBody>
-          <a:bodyPr anchor="ctr"/>
-          <a:lstStyle/>
-          <a:p>
-            <a:pPr algn="ctr">
-              <a:defRPr/>
-            </a:pPr>
-            <a:endParaRPr lang="ko-KR" altLang="en-US"/>
-          </a:p>
-        </p:txBody>
-      </p:sp>
-      <p:sp>
-        <p:nvSpPr>
-          <p:cNvPr id="31" name="타원 30"/>
-          <p:cNvSpPr/>
-          <p:nvPr/>
-        </p:nvSpPr>
-        <p:spPr>
-          <a:xfrm>
-            <a:off x="3020287" y="3466038"/>
-            <a:ext cx="1098401" cy="1098401"/>
-          </a:xfrm>
-          <a:prstGeom prst="ellipse">
-            <a:avLst/>
-          </a:prstGeom>
-          <a:solidFill>
-            <a:srgbClr val="64DECF"/>
-          </a:solidFill>
-          <a:ln>
-            <a:noFill/>
-          </a:ln>
-        </p:spPr>
-        <p:style>
-          <a:lnRef idx="2">
-            <a:schemeClr val="accent1">
-              <a:shade val="50000"/>
-            </a:schemeClr>
-          </a:lnRef>
-          <a:fillRef idx="1">
-            <a:schemeClr val="accent1"/>
-          </a:fillRef>
-          <a:effectRef idx="0">
-            <a:schemeClr val="accent1"/>
-          </a:effectRef>
-          <a:fontRef idx="minor">
-            <a:schemeClr val="lt1"/>
-          </a:fontRef>
-        </p:style>
-        <p:txBody>
-          <a:bodyPr anchor="ctr"/>
-          <a:lstStyle/>
-          <a:p>
-            <a:pPr algn="ctr">
-              <a:defRPr/>
-            </a:pPr>
-            <a:endParaRPr lang="ko-KR" altLang="en-US">
-              <a:highlight>
-                <a:srgbClr val="FFFF00"/>
-              </a:highlight>
-            </a:endParaRPr>
-          </a:p>
-        </p:txBody>
-      </p:sp>
-      <p:sp>
-        <p:nvSpPr>
-          <p:cNvPr id="40" name="직사각형 39"/>
-          <p:cNvSpPr/>
-          <p:nvPr/>
-        </p:nvSpPr>
-        <p:spPr>
-          <a:xfrm>
-            <a:off x="3569487" y="4847825"/>
-            <a:ext cx="6577445" cy="1007917"/>
-          </a:xfrm>
-          <a:prstGeom prst="rect">
-            <a:avLst/>
-          </a:prstGeom>
-          <a:solidFill>
-            <a:schemeClr val="bg1"/>
-          </a:solidFill>
-          <a:ln>
-            <a:noFill/>
-          </a:ln>
-        </p:spPr>
-        <p:style>
-          <a:lnRef idx="2">
-            <a:schemeClr val="accent1">
-              <a:shade val="50000"/>
-            </a:schemeClr>
-          </a:lnRef>
-          <a:fillRef idx="1">
-            <a:schemeClr val="accent1"/>
-          </a:fillRef>
-          <a:effectRef idx="0">
-            <a:schemeClr val="accent1"/>
-          </a:effectRef>
-          <a:fontRef idx="minor">
-            <a:schemeClr val="lt1"/>
-          </a:fontRef>
-        </p:style>
-        <p:txBody>
-          <a:bodyPr anchor="ctr"/>
-          <a:lstStyle/>
-          <a:p>
-            <a:pPr algn="ctr">
-              <a:defRPr/>
-            </a:pPr>
-            <a:endParaRPr lang="ko-KR" altLang="en-US"/>
-          </a:p>
-        </p:txBody>
-      </p:sp>
-      <p:sp>
-        <p:nvSpPr>
-          <p:cNvPr id="41" name="TextBox 40"/>
-          <p:cNvSpPr txBox="1"/>
-          <p:nvPr/>
-        </p:nvSpPr>
-        <p:spPr>
-          <a:xfrm>
-            <a:off x="4674587" y="3731405"/>
-            <a:ext cx="4195379" cy="595804"/>
-          </a:xfrm>
-          <a:prstGeom prst="rect">
-            <a:avLst/>
-          </a:prstGeom>
-          <a:noFill/>
-        </p:spPr>
-        <p:txBody>
-          <a:bodyPr wrap="none">
-            <a:spAutoFit/>
-          </a:bodyPr>
-          <a:lstStyle/>
-          <a:p>
-            <a:pPr algn="ctr">
-              <a:defRPr/>
-            </a:pPr>
-            <a:r>
-              <a:rPr lang="ko-KR" altLang="en-US" sz="1400">
-                <a:solidFill>
-                  <a:schemeClr val="tx1">
-                    <a:lumMod val="65000"/>
-                    <a:lumOff val="35000"/>
-                  </a:schemeClr>
-                </a:solidFill>
-                <a:latin typeface="KoPubWorld돋움체 Light"/>
-                <a:ea typeface="KoPubWorld돋움체 Light"/>
-                <a:cs typeface="KoPubWorld돋움체 Light"/>
-              </a:rPr>
-              <a:t>전국 관광지를 소개함으로 써 여행 사전조사 효율을</a:t>
-            </a:r>
-          </a:p>
-          <a:p>
-            <a:pPr algn="ctr">
-              <a:lnSpc>
-                <a:spcPct val="150000"/>
-              </a:lnSpc>
-              <a:defRPr/>
-            </a:pPr>
-            <a:r>
-              <a:rPr lang="ko-KR" altLang="en-US" sz="1400">
-                <a:solidFill>
-                  <a:schemeClr val="tx1">
-                    <a:lumMod val="65000"/>
-                    <a:lumOff val="35000"/>
-                  </a:schemeClr>
-                </a:solidFill>
-                <a:latin typeface="KoPubWorld돋움체 Light"/>
-                <a:ea typeface="KoPubWorld돋움체 Light"/>
-                <a:cs typeface="KoPubWorld돋움체 Light"/>
-              </a:rPr>
-              <a:t>극대화 할 수 있고 </a:t>
-            </a:r>
-          </a:p>
-        </p:txBody>
-      </p:sp>
-      <p:sp>
-        <p:nvSpPr>
-          <p:cNvPr id="32" name="타원 31"/>
-          <p:cNvSpPr/>
-          <p:nvPr/>
-        </p:nvSpPr>
-        <p:spPr>
-          <a:xfrm>
-            <a:off x="3020287" y="4798905"/>
-            <a:ext cx="1098401" cy="1098401"/>
-          </a:xfrm>
-          <a:prstGeom prst="ellipse">
-            <a:avLst/>
-          </a:prstGeom>
-          <a:solidFill>
-            <a:srgbClr val="64DECF"/>
-          </a:solidFill>
-          <a:ln>
-            <a:noFill/>
-          </a:ln>
-        </p:spPr>
-        <p:style>
-          <a:lnRef idx="2">
-            <a:schemeClr val="accent1">
-              <a:shade val="50000"/>
-            </a:schemeClr>
-          </a:lnRef>
-          <a:fillRef idx="1">
-            <a:schemeClr val="accent1"/>
-          </a:fillRef>
-          <a:effectRef idx="0">
-            <a:schemeClr val="accent1"/>
-          </a:effectRef>
-          <a:fontRef idx="minor">
-            <a:schemeClr val="lt1"/>
-          </a:fontRef>
-        </p:style>
-        <p:txBody>
-          <a:bodyPr anchor="ctr"/>
-          <a:lstStyle/>
-          <a:p>
-            <a:pPr algn="ctr">
-              <a:defRPr/>
-            </a:pPr>
-            <a:endParaRPr lang="ko-KR" altLang="en-US"/>
-          </a:p>
-        </p:txBody>
-      </p:sp>
-      <p:sp>
-        <p:nvSpPr>
-          <p:cNvPr id="39" name="TextBox 38"/>
-          <p:cNvSpPr txBox="1"/>
-          <p:nvPr/>
-        </p:nvSpPr>
-        <p:spPr>
-          <a:xfrm>
-            <a:off x="4580981" y="5050203"/>
-            <a:ext cx="4554452" cy="523220"/>
-          </a:xfrm>
-          <a:prstGeom prst="rect">
-            <a:avLst/>
-          </a:prstGeom>
-          <a:noFill/>
-        </p:spPr>
-        <p:txBody>
-          <a:bodyPr wrap="none">
-            <a:spAutoFit/>
-          </a:bodyPr>
-          <a:lstStyle/>
-          <a:p>
-            <a:pPr algn="ctr">
-              <a:defRPr/>
-            </a:pPr>
-            <a:r>
-              <a:rPr lang="ko-KR" altLang="en-US" sz="1400">
-                <a:solidFill>
-                  <a:schemeClr val="tx1">
-                    <a:lumMod val="65000"/>
-                    <a:lumOff val="35000"/>
-                  </a:schemeClr>
-                </a:solidFill>
-                <a:latin typeface="KoPubWorld돋움체 Light"/>
-                <a:ea typeface="KoPubWorld돋움체 Light"/>
-                <a:cs typeface="KoPubWorld돋움체 Light"/>
-              </a:rPr>
-              <a:t>매달 대한민국에 들어오는 외국인 관광객 수를 제공하여</a:t>
-            </a:r>
-          </a:p>
-          <a:p>
-            <a:pPr algn="ctr">
-              <a:defRPr/>
-            </a:pPr>
-            <a:r>
-              <a:rPr lang="ko-KR" altLang="en-US" sz="1400">
-                <a:solidFill>
-                  <a:schemeClr val="tx1">
-                    <a:lumMod val="65000"/>
-                    <a:lumOff val="35000"/>
-                  </a:schemeClr>
-                </a:solidFill>
-                <a:latin typeface="KoPubWorld돋움체 Light"/>
-                <a:ea typeface="KoPubWorld돋움체 Light"/>
-                <a:cs typeface="KoPubWorld돋움체 Light"/>
-              </a:rPr>
-              <a:t>인기있는 계절을 알 수 있게 함</a:t>
-            </a:r>
-            <a:endParaRPr lang="en-US" altLang="ko-KR" sz="1400">
-              <a:solidFill>
-                <a:schemeClr val="tx1">
-                  <a:lumMod val="65000"/>
-                  <a:lumOff val="35000"/>
-                </a:schemeClr>
-              </a:solidFill>
-              <a:latin typeface="KoPubWorld돋움체 Light"/>
-              <a:ea typeface="KoPubWorld돋움체 Light"/>
-              <a:cs typeface="KoPubWorld돋움체 Light"/>
-            </a:endParaRPr>
-          </a:p>
-        </p:txBody>
-      </p:sp>
-      <p:pic>
-        <p:nvPicPr>
-          <p:cNvPr id="18" name="그래픽 17" descr="إضافة 단색으로 채워진"/>
-          <p:cNvPicPr>
-            <a:picLocks noChangeAspect="1"/>
-          </p:cNvPicPr>
-          <p:nvPr/>
-        </p:nvPicPr>
-        <p:blipFill rotWithShape="1">
-          <a:blip r:embed="rId3"/>
-          <a:stretch>
-            <a:fillRect/>
-          </a:stretch>
-        </p:blipFill>
-        <p:spPr>
-          <a:xfrm>
-            <a:off x="3225575" y="5004195"/>
-            <a:ext cx="687820" cy="687820"/>
-          </a:xfrm>
-          <a:prstGeom prst="rect">
-            <a:avLst/>
-          </a:prstGeom>
-        </p:spPr>
-      </p:pic>
-      <p:pic>
-        <p:nvPicPr>
-          <p:cNvPr id="42" name="그래픽 41" descr="إضافة 단색으로 채워진"/>
-          <p:cNvPicPr>
-            <a:picLocks noChangeAspect="1"/>
-          </p:cNvPicPr>
-          <p:nvPr/>
-        </p:nvPicPr>
-        <p:blipFill rotWithShape="1">
-          <a:blip r:embed="rId3"/>
-          <a:stretch>
-            <a:fillRect/>
-          </a:stretch>
-        </p:blipFill>
-        <p:spPr>
-          <a:xfrm>
-            <a:off x="3225575" y="3685069"/>
-            <a:ext cx="687820" cy="687820"/>
-          </a:xfrm>
-          <a:prstGeom prst="rect">
-            <a:avLst/>
-          </a:prstGeom>
-        </p:spPr>
-      </p:pic>
-    </p:spTree>
-  </p:cSld>
-  <p:clrMapOvr>
-    <a:masterClrMapping/>
-  </p:clrMapOvr>
-  <mc:AlternateContent xmlns:mc="http://schemas.openxmlformats.org/markup-compatibility/2006" xmlns:p14="http://schemas.microsoft.com/office/powerpoint/2010/main">
-    <mc:Choice Requires="p14">
-      <p:transition/>
-    </mc:Choice>
-    <mc:Fallback xmlns:dsp="http://schemas.microsoft.com/office/drawing/2008/diagram" xmlns:dgm="http://schemas.openxmlformats.org/drawingml/2006/diagram" xmlns:c="http://schemas.openxmlformats.org/drawingml/2006/chart" xmlns="">
+    <mc:Fallback>
       <p:transition/>
     </mc:Fallback>
   </mc:AlternateContent>
@@ -8244,7 +9971,7 @@
 </file>
 
 <file path=ppt/slides/slide9.xml><?xml version="1.0" encoding="utf-8"?>
-<p:sld xmlns:a="http://schemas.openxmlformats.org/drawingml/2006/main" xmlns:r="http://schemas.openxmlformats.org/officeDocument/2006/relationships" xmlns:p="http://schemas.openxmlformats.org/presentationml/2006/main">
+<p:sld xmlns:r="http://schemas.openxmlformats.org/officeDocument/2006/relationships" xmlns:c="http://schemas.openxmlformats.org/drawingml/2006/chart" xmlns:a="http://schemas.openxmlformats.org/drawingml/2006/main" xmlns:dgm="http://schemas.openxmlformats.org/drawingml/2006/diagram" xmlns:dsp="http://schemas.microsoft.com/office/drawing/2008/diagram" xmlns:p="http://schemas.openxmlformats.org/presentationml/2006/main">
   <p:cSld>
     <p:spTree>
       <p:nvGrpSpPr>
@@ -8275,7 +10002,7 @@
             <a:avLst/>
           </a:prstGeom>
           <a:solidFill>
-            <a:srgbClr val="64DECF"/>
+            <a:srgbClr val="64decf"/>
           </a:solidFill>
           <a:ln>
             <a:noFill/>
@@ -8315,7 +10042,7 @@
           <p:nvPr/>
         </p:nvGrpSpPr>
         <p:grpSpPr>
-          <a:xfrm>
+          <a:xfrm rot="0">
             <a:off x="4105427" y="188165"/>
             <a:ext cx="3981147" cy="819580"/>
             <a:chOff x="3819245" y="188165"/>
@@ -8358,8 +10085,19 @@
                   <a:ea typeface="KoPubWorld돋움체 Light"/>
                   <a:cs typeface="KoPubWorld돋움체 Light"/>
                 </a:rPr>
-                <a:t>프로젝트 설계</a:t>
+                <a:t>개발 환경</a:t>
               </a:r>
+              <a:endParaRPr lang="ko-KR" altLang="en-US" sz="2500">
+                <a:solidFill>
+                  <a:schemeClr val="tx1">
+                    <a:lumMod val="65000"/>
+                    <a:lumOff val="35000"/>
+                  </a:schemeClr>
+                </a:solidFill>
+                <a:latin typeface="KoPubWorld돋움체 Light"/>
+                <a:ea typeface="KoPubWorld돋움체 Light"/>
+                <a:cs typeface="KoPubWorld돋움체 Light"/>
+              </a:endParaRPr>
             </a:p>
           </p:txBody>
         </p:sp>
@@ -8391,39 +10129,116 @@
               <a:r>
                 <a:rPr lang="en-US" altLang="ko-KR" sz="4800" b="1">
                   <a:solidFill>
-                    <a:srgbClr val="64DECF"/>
+                    <a:srgbClr val="64decf"/>
                   </a:solidFill>
                   <a:latin typeface="KoPubWorld돋움체 Bold"/>
                   <a:ea typeface="KoPubWorld돋움체 Bold"/>
                   <a:cs typeface="KoPubWorld돋움체 Bold"/>
                 </a:rPr>
-                <a:t>05</a:t>
+                <a:t>04</a:t>
               </a:r>
+              <a:endParaRPr lang="en-US" altLang="ko-KR" sz="4800" b="1">
+                <a:solidFill>
+                  <a:srgbClr val="64decf"/>
+                </a:solidFill>
+                <a:latin typeface="KoPubWorld돋움체 Bold"/>
+                <a:ea typeface="KoPubWorld돋움체 Bold"/>
+                <a:cs typeface="KoPubWorld돋움체 Bold"/>
+              </a:endParaRPr>
             </a:p>
           </p:txBody>
         </p:sp>
       </p:grpSp>
       <p:pic>
         <p:nvPicPr>
-          <p:cNvPr id="26" name="내용 개체 틀 25"/>
+          <p:cNvPr id="33" name=""/>
           <p:cNvPicPr>
-            <a:picLocks noGrp="1" noChangeAspect="1"/>
+            <a:picLocks noChangeAspect="1"/>
           </p:cNvPicPr>
-          <p:nvPr>
-            <p:ph idx="1"/>
-          </p:nvPr>
+          <p:nvPr/>
         </p:nvPicPr>
         <p:blipFill rotWithShape="1">
           <a:blip r:embed="rId2"/>
-          <a:srcRect/>
           <a:stretch>
             <a:fillRect/>
           </a:stretch>
         </p:blipFill>
         <p:spPr>
           <a:xfrm>
-            <a:off x="2208230" y="1176274"/>
-            <a:ext cx="7775540" cy="5540655"/>
+            <a:off x="1711998" y="1588911"/>
+            <a:ext cx="3028950" cy="1504950"/>
+          </a:xfrm>
+          <a:prstGeom prst="rect">
+            <a:avLst/>
+          </a:prstGeom>
+        </p:spPr>
+      </p:pic>
+      <p:pic>
+        <p:nvPicPr>
+          <p:cNvPr id="34" name=""/>
+          <p:cNvPicPr>
+            <a:picLocks noChangeAspect="1"/>
+          </p:cNvPicPr>
+          <p:nvPr/>
+        </p:nvPicPr>
+        <p:blipFill rotWithShape="1">
+          <a:blip r:embed="rId3"/>
+          <a:stretch>
+            <a:fillRect/>
+          </a:stretch>
+        </p:blipFill>
+        <p:spPr>
+          <a:xfrm>
+            <a:off x="6371631" y="1636183"/>
+            <a:ext cx="2886075" cy="1581150"/>
+          </a:xfrm>
+          <a:prstGeom prst="rect">
+            <a:avLst/>
+          </a:prstGeom>
+        </p:spPr>
+      </p:pic>
+      <p:pic>
+        <p:nvPicPr>
+          <p:cNvPr id="35" name=""/>
+          <p:cNvPicPr>
+            <a:picLocks noChangeAspect="1"/>
+          </p:cNvPicPr>
+          <p:nvPr/>
+        </p:nvPicPr>
+        <p:blipFill rotWithShape="1">
+          <a:blip r:embed="rId4"/>
+          <a:stretch>
+            <a:fillRect/>
+          </a:stretch>
+        </p:blipFill>
+        <p:spPr>
+          <a:xfrm>
+            <a:off x="2200980" y="3429000"/>
+            <a:ext cx="1581150" cy="2895600"/>
+          </a:xfrm>
+          <a:prstGeom prst="rect">
+            <a:avLst/>
+          </a:prstGeom>
+        </p:spPr>
+      </p:pic>
+      <p:pic>
+        <p:nvPicPr>
+          <p:cNvPr id="36" name=""/>
+          <p:cNvPicPr>
+            <a:picLocks noChangeAspect="1"/>
+          </p:cNvPicPr>
+          <p:nvPr/>
+        </p:nvPicPr>
+        <p:blipFill rotWithShape="1">
+          <a:blip r:embed="rId5"/>
+          <a:stretch>
+            <a:fillRect/>
+          </a:stretch>
+        </p:blipFill>
+        <p:spPr>
+          <a:xfrm>
+            <a:off x="6535385" y="4121150"/>
+            <a:ext cx="2543175" cy="1790700"/>
           </a:xfrm>
           <a:prstGeom prst="rect">
             <a:avLst/>
@@ -8435,11 +10250,11 @@
   <p:clrMapOvr>
     <a:masterClrMapping/>
   </p:clrMapOvr>
-  <mc:AlternateContent xmlns:mc="http://schemas.openxmlformats.org/markup-compatibility/2006" xmlns:p14="http://schemas.microsoft.com/office/powerpoint/2010/main">
-    <mc:Choice Requires="p14">
-      <p:transition/>
+  <mc:AlternateContent xmlns:mc="http://schemas.openxmlformats.org/markup-compatibility/2006">
+    <mc:Choice xmlns:p14="http://schemas.microsoft.com/office/powerpoint/2010/main" Requires="p14">
+      <p:transition xmlns:mc="http://schemas.openxmlformats.org/markup-compatibility/2006" xmlns:p14="http://schemas.microsoft.com/office/powerpoint/2010/main" mc:Ignorable="p14" p14:dur="500"/>
     </mc:Choice>
-    <mc:Fallback xmlns:dsp="http://schemas.microsoft.com/office/drawing/2008/diagram" xmlns:dgm="http://schemas.openxmlformats.org/drawingml/2006/diagram" xmlns:c="http://schemas.openxmlformats.org/drawingml/2006/chart" xmlns="">
+    <mc:Fallback>
       <p:transition/>
     </mc:Fallback>
   </mc:AlternateContent>
@@ -8447,44 +10262,44 @@
 </file>
 
 <file path=ppt/theme/theme1.xml><?xml version="1.0" encoding="utf-8"?>
-<a:theme xmlns:a="http://schemas.openxmlformats.org/drawingml/2006/main" name="Office 테마">
+<a:theme xmlns:r="http://schemas.openxmlformats.org/officeDocument/2006/relationships" xmlns:c="http://schemas.openxmlformats.org/drawingml/2006/chart" xmlns:dgm="http://schemas.openxmlformats.org/drawingml/2006/diagram" xmlns:dsp="http://schemas.microsoft.com/office/drawing/2008/diagram" xmlns:a="http://schemas.openxmlformats.org/drawingml/2006/main" xmlns:pic="http://schemas.openxmlformats.org/drawingml/2006/picture" xmlns:wp="http://schemas.openxmlformats.org/drawingml/2006/wordprocessingDrawing" xmlns:xdr="http://schemas.openxmlformats.org/drawingml/2006/spreadsheetDrawing" xmlns:lc="http://schemas.openxmlformats.org/drawingml/2006/lockedCanvas" xmlns:p="http://schemas.openxmlformats.org/presentationml/2006/main" name="Office 테마">
   <a:themeElements>
     <a:clrScheme name="Office">
       <a:dk1>
         <a:sysClr val="windowText" lastClr="000000"/>
       </a:dk1>
       <a:lt1>
-        <a:sysClr val="window" lastClr="FFFFFF"/>
+        <a:sysClr val="window" lastClr="ffffff"/>
       </a:lt1>
       <a:dk2>
-        <a:srgbClr val="44546A"/>
+        <a:srgbClr val="44546a"/>
       </a:dk2>
       <a:lt2>
-        <a:srgbClr val="E7E6E6"/>
+        <a:srgbClr val="e7e6e6"/>
       </a:lt2>
       <a:accent1>
-        <a:srgbClr val="4472C4"/>
+        <a:srgbClr val="4472c4"/>
       </a:accent1>
       <a:accent2>
-        <a:srgbClr val="ED7D31"/>
+        <a:srgbClr val="ed7d31"/>
       </a:accent2>
       <a:accent3>
-        <a:srgbClr val="A5A5A5"/>
+        <a:srgbClr val="a5a5a5"/>
       </a:accent3>
       <a:accent4>
-        <a:srgbClr val="FFC000"/>
+        <a:srgbClr val="ffc000"/>
       </a:accent4>
       <a:accent5>
-        <a:srgbClr val="5B9BD5"/>
+        <a:srgbClr val="5b9bd5"/>
       </a:accent5>
       <a:accent6>
-        <a:srgbClr val="70AD47"/>
+        <a:srgbClr val="70ad47"/>
       </a:accent6>
       <a:hlink>
-        <a:srgbClr val="0563C1"/>
+        <a:srgbClr val="0563c1"/>
       </a:hlink>
       <a:folHlink>
-        <a:srgbClr val="954F72"/>
+        <a:srgbClr val="954f72"/>
       </a:folHlink>
     </a:clrScheme>
     <a:fontScheme name="Office">
@@ -8731,7 +10546,5 @@
       </a:bgFillStyleLst>
     </a:fmtScheme>
   </a:themeElements>
-  <a:objectDefaults/>
-  <a:extraClrSchemeLst/>
 </a:theme>
 </file>
--- a/발표자료/발표자료.pptx
+++ b/발표자료/발표자료.pptx
@@ -1,6 +1,6 @@
 
 <file path=ppt/presentation.xml><?xml version="1.0" encoding="utf-8"?>
-<p:presentation xmlns:r="http://schemas.openxmlformats.org/officeDocument/2006/relationships" xmlns:c="http://schemas.openxmlformats.org/drawingml/2006/chart" xmlns:a="http://schemas.openxmlformats.org/drawingml/2006/main" xmlns:dgm="http://schemas.openxmlformats.org/drawingml/2006/diagram" xmlns:dsp="http://schemas.microsoft.com/office/drawing/2008/diagram" xmlns:p="http://schemas.openxmlformats.org/presentationml/2006/main">
+<p:presentation xmlns:a="http://schemas.openxmlformats.org/drawingml/2006/main" xmlns:r="http://schemas.openxmlformats.org/officeDocument/2006/relationships" xmlns:p="http://schemas.openxmlformats.org/presentationml/2006/main">
   <p:sldMasterIdLst>
     <p:sldMasterId id="2147483668" r:id="rId1"/>
   </p:sldMasterIdLst>
@@ -9,16 +9,16 @@
     <p:sldId id="269" r:id="rId3"/>
     <p:sldId id="271" r:id="rId4"/>
     <p:sldId id="270" r:id="rId5"/>
-    <p:sldId id="272" r:id="rId6"/>
-    <p:sldId id="273" r:id="rId7"/>
-    <p:sldId id="278" r:id="rId8"/>
-    <p:sldId id="279" r:id="rId9"/>
-    <p:sldId id="280" r:id="rId10"/>
-    <p:sldId id="274" r:id="rId11"/>
-    <p:sldId id="281" r:id="rId12"/>
-    <p:sldId id="282" r:id="rId13"/>
-    <p:sldId id="283" r:id="rId14"/>
-    <p:sldId id="284" r:id="rId15"/>
+    <p:sldId id="286" r:id="rId6"/>
+    <p:sldId id="272" r:id="rId7"/>
+    <p:sldId id="280" r:id="rId8"/>
+    <p:sldId id="273" r:id="rId9"/>
+    <p:sldId id="274" r:id="rId10"/>
+    <p:sldId id="281" r:id="rId11"/>
+    <p:sldId id="282" r:id="rId12"/>
+    <p:sldId id="283" r:id="rId13"/>
+    <p:sldId id="284" r:id="rId14"/>
+    <p:sldId id="287" r:id="rId15"/>
     <p:sldId id="285" r:id="rId16"/>
     <p:sldId id="277" r:id="rId17"/>
   </p:sldIdLst>
@@ -119,7 +119,1163 @@
       </a:defRPr>
     </a:lvl9pPr>
   </p:defaultTextStyle>
+  <p:extLst>
+    <p:ext uri="{EFAFB233-063F-42B5-8137-9DF3F51BA10A}">
+      <p15:sldGuideLst xmlns:p15="http://schemas.microsoft.com/office/powerpoint/2012/main">
+        <p15:guide id="1" orient="horz" pos="2158">
+          <p15:clr>
+            <a:srgbClr val="A4A3A4"/>
+          </p15:clr>
+        </p15:guide>
+        <p15:guide id="2" pos="3839">
+          <p15:clr>
+            <a:srgbClr val="A4A3A4"/>
+          </p15:clr>
+        </p15:guide>
+      </p15:sldGuideLst>
+    </p:ext>
+  </p:extLst>
 </p:presentation>
+</file>
+
+<file path=ppt/revisionInfo.xml><?xml version="1.0" encoding="utf-8"?>
+<p1510:revInfo xmlns:a="http://schemas.openxmlformats.org/drawingml/2006/main" xmlns:r="http://schemas.openxmlformats.org/officeDocument/2006/relationships" xmlns:p1510="http://schemas.microsoft.com/office/powerpoint/2015/10/main">
+  <p1510:revLst>
+    <p1510:client id="{C09C1362-5E11-47C4-BDB4-F99D570DDF20}" v="67" dt="2021-12-20T16:10:35.865"/>
+  </p1510:revLst>
+</p1510:revInfo>
+</file>
+
+<file path=ppt/changesInfos/changesInfo1.xml><?xml version="1.0" encoding="utf-8"?>
+<pc:chgInfo xmlns:a="http://schemas.openxmlformats.org/drawingml/2006/main" xmlns:r="http://schemas.openxmlformats.org/officeDocument/2006/relationships" xmlns:ac="http://schemas.microsoft.com/office/drawing/2013/main/command" xmlns:pc="http://schemas.microsoft.com/office/powerpoint/2013/main/command">
+  <pc:docChgLst>
+    <pc:chgData name="김 승진" userId="c8f5d984e988fa03" providerId="LiveId" clId="{C09C1362-5E11-47C4-BDB4-F99D570DDF20}"/>
+    <pc:docChg chg="undo custSel addSld delSld modSld sldOrd">
+      <pc:chgData name="김 승진" userId="c8f5d984e988fa03" providerId="LiveId" clId="{C09C1362-5E11-47C4-BDB4-F99D570DDF20}" dt="2021-12-20T16:10:37.420" v="749" actId="478"/>
+      <pc:docMkLst>
+        <pc:docMk/>
+      </pc:docMkLst>
+      <pc:sldChg chg="addSp modSp mod">
+        <pc:chgData name="김 승진" userId="c8f5d984e988fa03" providerId="LiveId" clId="{C09C1362-5E11-47C4-BDB4-F99D570DDF20}" dt="2021-12-20T16:10:19.847" v="721" actId="14100"/>
+        <pc:sldMkLst>
+          <pc:docMk/>
+          <pc:sldMk cId="0" sldId="269"/>
+        </pc:sldMkLst>
+        <pc:spChg chg="mod">
+          <ac:chgData name="김 승진" userId="c8f5d984e988fa03" providerId="LiveId" clId="{C09C1362-5E11-47C4-BDB4-F99D570DDF20}" dt="2021-12-20T13:43:57.165" v="20"/>
+          <ac:spMkLst>
+            <pc:docMk/>
+            <pc:sldMk cId="0" sldId="269"/>
+            <ac:spMk id="27" creationId="{00000000-0000-0000-0000-000000000000}"/>
+          </ac:spMkLst>
+        </pc:spChg>
+        <pc:spChg chg="mod">
+          <ac:chgData name="김 승진" userId="c8f5d984e988fa03" providerId="LiveId" clId="{C09C1362-5E11-47C4-BDB4-F99D570DDF20}" dt="2021-12-20T16:05:19.623" v="639"/>
+          <ac:spMkLst>
+            <pc:docMk/>
+            <pc:sldMk cId="0" sldId="269"/>
+            <ac:spMk id="34" creationId="{00000000-0000-0000-0000-000000000000}"/>
+          </ac:spMkLst>
+        </pc:spChg>
+        <pc:spChg chg="mod">
+          <ac:chgData name="김 승진" userId="c8f5d984e988fa03" providerId="LiveId" clId="{C09C1362-5E11-47C4-BDB4-F99D570DDF20}" dt="2021-12-20T16:05:51.090" v="684"/>
+          <ac:spMkLst>
+            <pc:docMk/>
+            <pc:sldMk cId="0" sldId="269"/>
+            <ac:spMk id="37" creationId="{00000000-0000-0000-0000-000000000000}"/>
+          </ac:spMkLst>
+        </pc:spChg>
+        <pc:spChg chg="mod">
+          <ac:chgData name="김 승진" userId="c8f5d984e988fa03" providerId="LiveId" clId="{C09C1362-5E11-47C4-BDB4-F99D570DDF20}" dt="2021-12-20T14:44:58.215" v="420" actId="1076"/>
+          <ac:spMkLst>
+            <pc:docMk/>
+            <pc:sldMk cId="0" sldId="269"/>
+            <ac:spMk id="45" creationId="{00000000-0000-0000-0000-000000000000}"/>
+          </ac:spMkLst>
+        </pc:spChg>
+        <pc:spChg chg="mod">
+          <ac:chgData name="김 승진" userId="c8f5d984e988fa03" providerId="LiveId" clId="{C09C1362-5E11-47C4-BDB4-F99D570DDF20}" dt="2021-12-20T16:10:19.847" v="721" actId="14100"/>
+          <ac:spMkLst>
+            <pc:docMk/>
+            <pc:sldMk cId="0" sldId="269"/>
+            <ac:spMk id="46" creationId="{00000000-0000-0000-0000-000000000000}"/>
+          </ac:spMkLst>
+        </pc:spChg>
+        <pc:spChg chg="add mod">
+          <ac:chgData name="김 승진" userId="c8f5d984e988fa03" providerId="LiveId" clId="{C09C1362-5E11-47C4-BDB4-F99D570DDF20}" dt="2021-12-20T16:08:33.916" v="696" actId="20577"/>
+          <ac:spMkLst>
+            <pc:docMk/>
+            <pc:sldMk cId="0" sldId="269"/>
+            <ac:spMk id="47" creationId="{7EFD3C77-621B-4274-9F02-E424E5A0B36C}"/>
+          </ac:spMkLst>
+        </pc:spChg>
+        <pc:spChg chg="add mod">
+          <ac:chgData name="김 승진" userId="c8f5d984e988fa03" providerId="LiveId" clId="{C09C1362-5E11-47C4-BDB4-F99D570DDF20}" dt="2021-12-20T16:08:23.694" v="692" actId="1076"/>
+          <ac:spMkLst>
+            <pc:docMk/>
+            <pc:sldMk cId="0" sldId="269"/>
+            <ac:spMk id="48" creationId="{47A866EF-4A00-4238-AF45-AD68252B88E2}"/>
+          </ac:spMkLst>
+        </pc:spChg>
+        <pc:grpChg chg="mod">
+          <ac:chgData name="김 승진" userId="c8f5d984e988fa03" providerId="LiveId" clId="{C09C1362-5E11-47C4-BDB4-F99D570DDF20}" dt="2021-12-20T14:44:48.751" v="419" actId="1076"/>
+          <ac:grpSpMkLst>
+            <pc:docMk/>
+            <pc:sldMk cId="0" sldId="269"/>
+            <ac:grpSpMk id="38" creationId="{00000000-0000-0000-0000-000000000000}"/>
+          </ac:grpSpMkLst>
+        </pc:grpChg>
+      </pc:sldChg>
+      <pc:sldChg chg="addSp delSp modSp mod">
+        <pc:chgData name="김 승진" userId="c8f5d984e988fa03" providerId="LiveId" clId="{C09C1362-5E11-47C4-BDB4-F99D570DDF20}" dt="2021-12-20T15:17:12.565" v="619" actId="1076"/>
+        <pc:sldMkLst>
+          <pc:docMk/>
+          <pc:sldMk cId="0" sldId="271"/>
+        </pc:sldMkLst>
+        <pc:spChg chg="mod">
+          <ac:chgData name="김 승진" userId="c8f5d984e988fa03" providerId="LiveId" clId="{C09C1362-5E11-47C4-BDB4-F99D570DDF20}" dt="2021-12-20T15:16:54.347" v="613"/>
+          <ac:spMkLst>
+            <pc:docMk/>
+            <pc:sldMk cId="0" sldId="271"/>
+            <ac:spMk id="41" creationId="{00000000-0000-0000-0000-000000000000}"/>
+          </ac:spMkLst>
+        </pc:spChg>
+        <pc:picChg chg="del">
+          <ac:chgData name="김 승진" userId="c8f5d984e988fa03" providerId="LiveId" clId="{C09C1362-5E11-47C4-BDB4-F99D570DDF20}" dt="2021-12-20T15:17:09.139" v="617" actId="478"/>
+          <ac:picMkLst>
+            <pc:docMk/>
+            <pc:sldMk cId="0" sldId="271"/>
+            <ac:picMk id="18" creationId="{00000000-0000-0000-0000-000000000000}"/>
+          </ac:picMkLst>
+        </pc:picChg>
+        <pc:picChg chg="add mod">
+          <ac:chgData name="김 승진" userId="c8f5d984e988fa03" providerId="LiveId" clId="{C09C1362-5E11-47C4-BDB4-F99D570DDF20}" dt="2021-12-20T15:17:07.157" v="616" actId="1076"/>
+          <ac:picMkLst>
+            <pc:docMk/>
+            <pc:sldMk cId="0" sldId="271"/>
+            <ac:picMk id="19" creationId="{B4ADF835-7E6D-48F5-83DF-8011405F63C6}"/>
+          </ac:picMkLst>
+        </pc:picChg>
+        <pc:picChg chg="add mod">
+          <ac:chgData name="김 승진" userId="c8f5d984e988fa03" providerId="LiveId" clId="{C09C1362-5E11-47C4-BDB4-F99D570DDF20}" dt="2021-12-20T15:17:12.565" v="619" actId="1076"/>
+          <ac:picMkLst>
+            <pc:docMk/>
+            <pc:sldMk cId="0" sldId="271"/>
+            <ac:picMk id="20" creationId="{8CE1F195-978B-461D-97CD-D80FD2149AE0}"/>
+          </ac:picMkLst>
+        </pc:picChg>
+        <pc:picChg chg="del">
+          <ac:chgData name="김 승진" userId="c8f5d984e988fa03" providerId="LiveId" clId="{C09C1362-5E11-47C4-BDB4-F99D570DDF20}" dt="2021-12-20T15:17:02.968" v="614" actId="478"/>
+          <ac:picMkLst>
+            <pc:docMk/>
+            <pc:sldMk cId="0" sldId="271"/>
+            <ac:picMk id="42" creationId="{00000000-0000-0000-0000-000000000000}"/>
+          </ac:picMkLst>
+        </pc:picChg>
+      </pc:sldChg>
+      <pc:sldChg chg="delSp modSp mod">
+        <pc:chgData name="김 승진" userId="c8f5d984e988fa03" providerId="LiveId" clId="{C09C1362-5E11-47C4-BDB4-F99D570DDF20}" dt="2021-12-20T13:51:35.460" v="225" actId="20577"/>
+        <pc:sldMkLst>
+          <pc:docMk/>
+          <pc:sldMk cId="0" sldId="272"/>
+        </pc:sldMkLst>
+        <pc:spChg chg="mod">
+          <ac:chgData name="김 승진" userId="c8f5d984e988fa03" providerId="LiveId" clId="{C09C1362-5E11-47C4-BDB4-F99D570DDF20}" dt="2021-12-20T13:48:06.049" v="50" actId="1076"/>
+          <ac:spMkLst>
+            <pc:docMk/>
+            <pc:sldMk cId="0" sldId="272"/>
+            <ac:spMk id="11" creationId="{00000000-0000-0000-0000-000000000000}"/>
+          </ac:spMkLst>
+        </pc:spChg>
+        <pc:spChg chg="mod">
+          <ac:chgData name="김 승진" userId="c8f5d984e988fa03" providerId="LiveId" clId="{C09C1362-5E11-47C4-BDB4-F99D570DDF20}" dt="2021-12-20T13:48:06.049" v="50" actId="1076"/>
+          <ac:spMkLst>
+            <pc:docMk/>
+            <pc:sldMk cId="0" sldId="272"/>
+            <ac:spMk id="12" creationId="{00000000-0000-0000-0000-000000000000}"/>
+          </ac:spMkLst>
+        </pc:spChg>
+        <pc:spChg chg="del">
+          <ac:chgData name="김 승진" userId="c8f5d984e988fa03" providerId="LiveId" clId="{C09C1362-5E11-47C4-BDB4-F99D570DDF20}" dt="2021-12-20T13:47:48.140" v="43" actId="478"/>
+          <ac:spMkLst>
+            <pc:docMk/>
+            <pc:sldMk cId="0" sldId="272"/>
+            <ac:spMk id="16" creationId="{00000000-0000-0000-0000-000000000000}"/>
+          </ac:spMkLst>
+        </pc:spChg>
+        <pc:spChg chg="del mod">
+          <ac:chgData name="김 승진" userId="c8f5d984e988fa03" providerId="LiveId" clId="{C09C1362-5E11-47C4-BDB4-F99D570DDF20}" dt="2021-12-20T13:47:52.845" v="47" actId="478"/>
+          <ac:spMkLst>
+            <pc:docMk/>
+            <pc:sldMk cId="0" sldId="272"/>
+            <ac:spMk id="17" creationId="{00000000-0000-0000-0000-000000000000}"/>
+          </ac:spMkLst>
+        </pc:spChg>
+        <pc:spChg chg="del">
+          <ac:chgData name="김 승진" userId="c8f5d984e988fa03" providerId="LiveId" clId="{C09C1362-5E11-47C4-BDB4-F99D570DDF20}" dt="2021-12-20T13:47:51.683" v="45" actId="478"/>
+          <ac:spMkLst>
+            <pc:docMk/>
+            <pc:sldMk cId="0" sldId="272"/>
+            <ac:spMk id="18" creationId="{00000000-0000-0000-0000-000000000000}"/>
+          </ac:spMkLst>
+        </pc:spChg>
+        <pc:spChg chg="del">
+          <ac:chgData name="김 승진" userId="c8f5d984e988fa03" providerId="LiveId" clId="{C09C1362-5E11-47C4-BDB4-F99D570DDF20}" dt="2021-12-20T13:47:50.963" v="44" actId="478"/>
+          <ac:spMkLst>
+            <pc:docMk/>
+            <pc:sldMk cId="0" sldId="272"/>
+            <ac:spMk id="20" creationId="{00000000-0000-0000-0000-000000000000}"/>
+          </ac:spMkLst>
+        </pc:spChg>
+        <pc:spChg chg="mod">
+          <ac:chgData name="김 승진" userId="c8f5d984e988fa03" providerId="LiveId" clId="{C09C1362-5E11-47C4-BDB4-F99D570DDF20}" dt="2021-12-20T13:48:06.049" v="50" actId="1076"/>
+          <ac:spMkLst>
+            <pc:docMk/>
+            <pc:sldMk cId="0" sldId="272"/>
+            <ac:spMk id="30" creationId="{00000000-0000-0000-0000-000000000000}"/>
+          </ac:spMkLst>
+        </pc:spChg>
+        <pc:spChg chg="mod">
+          <ac:chgData name="김 승진" userId="c8f5d984e988fa03" providerId="LiveId" clId="{C09C1362-5E11-47C4-BDB4-F99D570DDF20}" dt="2021-12-20T13:48:06.049" v="50" actId="1076"/>
+          <ac:spMkLst>
+            <pc:docMk/>
+            <pc:sldMk cId="0" sldId="272"/>
+            <ac:spMk id="31" creationId="{00000000-0000-0000-0000-000000000000}"/>
+          </ac:spMkLst>
+        </pc:spChg>
+        <pc:spChg chg="mod">
+          <ac:chgData name="김 승진" userId="c8f5d984e988fa03" providerId="LiveId" clId="{C09C1362-5E11-47C4-BDB4-F99D570DDF20}" dt="2021-12-20T13:48:06.049" v="50" actId="1076"/>
+          <ac:spMkLst>
+            <pc:docMk/>
+            <pc:sldMk cId="0" sldId="272"/>
+            <ac:spMk id="36" creationId="{00000000-0000-0000-0000-000000000000}"/>
+          </ac:spMkLst>
+        </pc:spChg>
+        <pc:spChg chg="mod">
+          <ac:chgData name="김 승진" userId="c8f5d984e988fa03" providerId="LiveId" clId="{C09C1362-5E11-47C4-BDB4-F99D570DDF20}" dt="2021-12-20T13:49:00.048" v="90" actId="20577"/>
+          <ac:spMkLst>
+            <pc:docMk/>
+            <pc:sldMk cId="0" sldId="272"/>
+            <ac:spMk id="37" creationId="{00000000-0000-0000-0000-000000000000}"/>
+          </ac:spMkLst>
+        </pc:spChg>
+        <pc:spChg chg="mod">
+          <ac:chgData name="김 승진" userId="c8f5d984e988fa03" providerId="LiveId" clId="{C09C1362-5E11-47C4-BDB4-F99D570DDF20}" dt="2021-12-20T13:48:06.049" v="50" actId="1076"/>
+          <ac:spMkLst>
+            <pc:docMk/>
+            <pc:sldMk cId="0" sldId="272"/>
+            <ac:spMk id="38" creationId="{00000000-0000-0000-0000-000000000000}"/>
+          </ac:spMkLst>
+        </pc:spChg>
+        <pc:spChg chg="mod">
+          <ac:chgData name="김 승진" userId="c8f5d984e988fa03" providerId="LiveId" clId="{C09C1362-5E11-47C4-BDB4-F99D570DDF20}" dt="2021-12-20T13:51:35.460" v="225" actId="20577"/>
+          <ac:spMkLst>
+            <pc:docMk/>
+            <pc:sldMk cId="0" sldId="272"/>
+            <ac:spMk id="39" creationId="{00000000-0000-0000-0000-000000000000}"/>
+          </ac:spMkLst>
+        </pc:spChg>
+        <pc:picChg chg="mod">
+          <ac:chgData name="김 승진" userId="c8f5d984e988fa03" providerId="LiveId" clId="{C09C1362-5E11-47C4-BDB4-F99D570DDF20}" dt="2021-12-20T13:48:06.049" v="50" actId="1076"/>
+          <ac:picMkLst>
+            <pc:docMk/>
+            <pc:sldMk cId="0" sldId="272"/>
+            <ac:picMk id="8" creationId="{00000000-0000-0000-0000-000000000000}"/>
+          </ac:picMkLst>
+        </pc:picChg>
+        <pc:picChg chg="mod">
+          <ac:chgData name="김 승진" userId="c8f5d984e988fa03" providerId="LiveId" clId="{C09C1362-5E11-47C4-BDB4-F99D570DDF20}" dt="2021-12-20T13:48:06.049" v="50" actId="1076"/>
+          <ac:picMkLst>
+            <pc:docMk/>
+            <pc:sldMk cId="0" sldId="272"/>
+            <ac:picMk id="10" creationId="{00000000-0000-0000-0000-000000000000}"/>
+          </ac:picMkLst>
+        </pc:picChg>
+        <pc:picChg chg="del">
+          <ac:chgData name="김 승진" userId="c8f5d984e988fa03" providerId="LiveId" clId="{C09C1362-5E11-47C4-BDB4-F99D570DDF20}" dt="2021-12-20T13:48:09.358" v="51" actId="478"/>
+          <ac:picMkLst>
+            <pc:docMk/>
+            <pc:sldMk cId="0" sldId="272"/>
+            <ac:picMk id="19" creationId="{00000000-0000-0000-0000-000000000000}"/>
+          </ac:picMkLst>
+        </pc:picChg>
+      </pc:sldChg>
+      <pc:sldChg chg="addSp delSp modSp mod">
+        <pc:chgData name="김 승진" userId="c8f5d984e988fa03" providerId="LiveId" clId="{C09C1362-5E11-47C4-BDB4-F99D570DDF20}" dt="2021-12-20T15:12:30.229" v="475" actId="20577"/>
+        <pc:sldMkLst>
+          <pc:docMk/>
+          <pc:sldMk cId="0" sldId="273"/>
+        </pc:sldMkLst>
+        <pc:spChg chg="add del mod">
+          <ac:chgData name="김 승진" userId="c8f5d984e988fa03" providerId="LiveId" clId="{C09C1362-5E11-47C4-BDB4-F99D570DDF20}" dt="2021-12-20T14:35:27.220" v="293" actId="478"/>
+          <ac:spMkLst>
+            <pc:docMk/>
+            <pc:sldMk cId="0" sldId="273"/>
+            <ac:spMk id="11" creationId="{AE4417EA-6203-4D6C-9E7F-44044A71473E}"/>
+          </ac:spMkLst>
+        </pc:spChg>
+        <pc:spChg chg="add mod">
+          <ac:chgData name="김 승진" userId="c8f5d984e988fa03" providerId="LiveId" clId="{C09C1362-5E11-47C4-BDB4-F99D570DDF20}" dt="2021-12-20T15:12:30.229" v="475" actId="20577"/>
+          <ac:spMkLst>
+            <pc:docMk/>
+            <pc:sldMk cId="0" sldId="273"/>
+            <ac:spMk id="14" creationId="{F34C6690-5A8F-46E7-AE9D-51A08C569BEB}"/>
+          </ac:spMkLst>
+        </pc:spChg>
+        <pc:spChg chg="mod">
+          <ac:chgData name="김 승진" userId="c8f5d984e988fa03" providerId="LiveId" clId="{C09C1362-5E11-47C4-BDB4-F99D570DDF20}" dt="2021-12-20T14:44:18.121" v="398" actId="20577"/>
+          <ac:spMkLst>
+            <pc:docMk/>
+            <pc:sldMk cId="0" sldId="273"/>
+            <ac:spMk id="24" creationId="{00000000-0000-0000-0000-000000000000}"/>
+          </ac:spMkLst>
+        </pc:spChg>
+        <pc:spChg chg="mod">
+          <ac:chgData name="김 승진" userId="c8f5d984e988fa03" providerId="LiveId" clId="{C09C1362-5E11-47C4-BDB4-F99D570DDF20}" dt="2021-12-20T15:12:23.530" v="471" actId="20577"/>
+          <ac:spMkLst>
+            <pc:docMk/>
+            <pc:sldMk cId="0" sldId="273"/>
+            <ac:spMk id="29" creationId="{00000000-0000-0000-0000-000000000000}"/>
+          </ac:spMkLst>
+        </pc:spChg>
+        <pc:picChg chg="del">
+          <ac:chgData name="김 승진" userId="c8f5d984e988fa03" providerId="LiveId" clId="{C09C1362-5E11-47C4-BDB4-F99D570DDF20}" dt="2021-12-20T14:01:45.045" v="226" actId="478"/>
+          <ac:picMkLst>
+            <pc:docMk/>
+            <pc:sldMk cId="0" sldId="273"/>
+            <ac:picMk id="3" creationId="{00000000-0000-0000-0000-000000000000}"/>
+          </ac:picMkLst>
+        </pc:picChg>
+        <pc:picChg chg="add mod">
+          <ac:chgData name="김 승진" userId="c8f5d984e988fa03" providerId="LiveId" clId="{C09C1362-5E11-47C4-BDB4-F99D570DDF20}" dt="2021-12-20T15:11:58.426" v="459" actId="1076"/>
+          <ac:picMkLst>
+            <pc:docMk/>
+            <pc:sldMk cId="0" sldId="273"/>
+            <ac:picMk id="4" creationId="{BD32BBAF-3372-465D-83AA-B6B45F343B9A}"/>
+          </ac:picMkLst>
+        </pc:picChg>
+        <pc:picChg chg="add del mod">
+          <ac:chgData name="김 승진" userId="c8f5d984e988fa03" providerId="LiveId" clId="{C09C1362-5E11-47C4-BDB4-F99D570DDF20}" dt="2021-12-20T14:35:28.489" v="294" actId="478"/>
+          <ac:picMkLst>
+            <pc:docMk/>
+            <pc:sldMk cId="0" sldId="273"/>
+            <ac:picMk id="10" creationId="{A59E15B0-46FF-44CC-B824-4B92CA3CF83A}"/>
+          </ac:picMkLst>
+        </pc:picChg>
+        <pc:picChg chg="add del mod">
+          <ac:chgData name="김 승진" userId="c8f5d984e988fa03" providerId="LiveId" clId="{C09C1362-5E11-47C4-BDB4-F99D570DDF20}" dt="2021-12-20T14:35:29.925" v="295" actId="478"/>
+          <ac:picMkLst>
+            <pc:docMk/>
+            <pc:sldMk cId="0" sldId="273"/>
+            <ac:picMk id="12" creationId="{954680DF-B8C8-4333-9BA4-132A70D26A29}"/>
+          </ac:picMkLst>
+        </pc:picChg>
+        <pc:picChg chg="add del mod">
+          <ac:chgData name="김 승진" userId="c8f5d984e988fa03" providerId="LiveId" clId="{C09C1362-5E11-47C4-BDB4-F99D570DDF20}" dt="2021-12-20T14:35:30.227" v="296" actId="478"/>
+          <ac:picMkLst>
+            <pc:docMk/>
+            <pc:sldMk cId="0" sldId="273"/>
+            <ac:picMk id="13" creationId="{FD1A537F-4E40-411C-971A-A4CCF27236B1}"/>
+          </ac:picMkLst>
+        </pc:picChg>
+        <pc:picChg chg="add mod">
+          <ac:chgData name="김 승진" userId="c8f5d984e988fa03" providerId="LiveId" clId="{C09C1362-5E11-47C4-BDB4-F99D570DDF20}" dt="2021-12-20T14:36:10.564" v="310" actId="1076"/>
+          <ac:picMkLst>
+            <pc:docMk/>
+            <pc:sldMk cId="0" sldId="273"/>
+            <ac:picMk id="15" creationId="{7D901869-CE42-4141-B84F-C0C8713645B5}"/>
+          </ac:picMkLst>
+        </pc:picChg>
+        <pc:picChg chg="add mod">
+          <ac:chgData name="김 승진" userId="c8f5d984e988fa03" providerId="LiveId" clId="{C09C1362-5E11-47C4-BDB4-F99D570DDF20}" dt="2021-12-20T14:36:29.196" v="316" actId="1076"/>
+          <ac:picMkLst>
+            <pc:docMk/>
+            <pc:sldMk cId="0" sldId="273"/>
+            <ac:picMk id="16" creationId="{970F4935-E96B-4D30-9439-D0F886E81208}"/>
+          </ac:picMkLst>
+        </pc:picChg>
+        <pc:picChg chg="add mod">
+          <ac:chgData name="김 승진" userId="c8f5d984e988fa03" providerId="LiveId" clId="{C09C1362-5E11-47C4-BDB4-F99D570DDF20}" dt="2021-12-20T14:36:49.933" v="324" actId="1076"/>
+          <ac:picMkLst>
+            <pc:docMk/>
+            <pc:sldMk cId="0" sldId="273"/>
+            <ac:picMk id="17" creationId="{7F1E1999-80AF-4545-B148-C52E74557387}"/>
+          </ac:picMkLst>
+        </pc:picChg>
+      </pc:sldChg>
+      <pc:sldChg chg="addSp delSp modSp del mod">
+        <pc:chgData name="김 승진" userId="c8f5d984e988fa03" providerId="LiveId" clId="{C09C1362-5E11-47C4-BDB4-F99D570DDF20}" dt="2021-12-20T14:37:11.574" v="325" actId="47"/>
+        <pc:sldMkLst>
+          <pc:docMk/>
+          <pc:sldMk cId="0" sldId="278"/>
+        </pc:sldMkLst>
+        <pc:spChg chg="mod">
+          <ac:chgData name="김 승진" userId="c8f5d984e988fa03" providerId="LiveId" clId="{C09C1362-5E11-47C4-BDB4-F99D570DDF20}" dt="2021-12-20T14:35:21.890" v="292" actId="1076"/>
+          <ac:spMkLst>
+            <pc:docMk/>
+            <pc:sldMk cId="0" sldId="278"/>
+            <ac:spMk id="29" creationId="{00000000-0000-0000-0000-000000000000}"/>
+          </ac:spMkLst>
+        </pc:spChg>
+        <pc:picChg chg="add del mod">
+          <ac:chgData name="김 승진" userId="c8f5d984e988fa03" providerId="LiveId" clId="{C09C1362-5E11-47C4-BDB4-F99D570DDF20}" dt="2021-12-20T14:36:18.012" v="312" actId="478"/>
+          <ac:picMkLst>
+            <pc:docMk/>
+            <pc:sldMk cId="0" sldId="278"/>
+            <ac:picMk id="8" creationId="{BF273B2C-20AC-4A5E-BEF3-1134942D7A74}"/>
+          </ac:picMkLst>
+        </pc:picChg>
+        <pc:picChg chg="mod">
+          <ac:chgData name="김 승진" userId="c8f5d984e988fa03" providerId="LiveId" clId="{C09C1362-5E11-47C4-BDB4-F99D570DDF20}" dt="2021-12-20T14:35:19.811" v="291" actId="1076"/>
+          <ac:picMkLst>
+            <pc:docMk/>
+            <pc:sldMk cId="0" sldId="278"/>
+            <ac:picMk id="30" creationId="{00000000-0000-0000-0000-000000000000}"/>
+          </ac:picMkLst>
+        </pc:picChg>
+      </pc:sldChg>
+      <pc:sldChg chg="del">
+        <pc:chgData name="김 승진" userId="c8f5d984e988fa03" providerId="LiveId" clId="{C09C1362-5E11-47C4-BDB4-F99D570DDF20}" dt="2021-12-20T14:37:13.553" v="326" actId="47"/>
+        <pc:sldMkLst>
+          <pc:docMk/>
+          <pc:sldMk cId="0" sldId="279"/>
+        </pc:sldMkLst>
+      </pc:sldChg>
+      <pc:sldChg chg="addSp delSp modSp mod ord">
+        <pc:chgData name="김 승진" userId="c8f5d984e988fa03" providerId="LiveId" clId="{C09C1362-5E11-47C4-BDB4-F99D570DDF20}" dt="2021-12-20T14:44:13.099" v="396" actId="20577"/>
+        <pc:sldMkLst>
+          <pc:docMk/>
+          <pc:sldMk cId="0" sldId="280"/>
+        </pc:sldMkLst>
+        <pc:spChg chg="add del mod">
+          <ac:chgData name="김 승진" userId="c8f5d984e988fa03" providerId="LiveId" clId="{C09C1362-5E11-47C4-BDB4-F99D570DDF20}" dt="2021-12-20T14:38:32.511" v="332"/>
+          <ac:spMkLst>
+            <pc:docMk/>
+            <pc:sldMk cId="0" sldId="280"/>
+            <ac:spMk id="15" creationId="{ED7C4647-29DB-4FD8-94A0-92DF2AA9B6C7}"/>
+          </ac:spMkLst>
+        </pc:spChg>
+        <pc:spChg chg="add del mod">
+          <ac:chgData name="김 승진" userId="c8f5d984e988fa03" providerId="LiveId" clId="{C09C1362-5E11-47C4-BDB4-F99D570DDF20}" dt="2021-12-20T14:38:32.511" v="332"/>
+          <ac:spMkLst>
+            <pc:docMk/>
+            <pc:sldMk cId="0" sldId="280"/>
+            <ac:spMk id="16" creationId="{9798B6F6-25D6-44E0-BC57-F1D00A7FE2D2}"/>
+          </ac:spMkLst>
+        </pc:spChg>
+        <pc:spChg chg="add del mod">
+          <ac:chgData name="김 승진" userId="c8f5d984e988fa03" providerId="LiveId" clId="{C09C1362-5E11-47C4-BDB4-F99D570DDF20}" dt="2021-12-20T14:38:32.511" v="332"/>
+          <ac:spMkLst>
+            <pc:docMk/>
+            <pc:sldMk cId="0" sldId="280"/>
+            <ac:spMk id="17" creationId="{90DBE2B3-AB7F-4501-B8A7-0D51ABA6E13B}"/>
+          </ac:spMkLst>
+        </pc:spChg>
+        <pc:spChg chg="add del mod">
+          <ac:chgData name="김 승진" userId="c8f5d984e988fa03" providerId="LiveId" clId="{C09C1362-5E11-47C4-BDB4-F99D570DDF20}" dt="2021-12-20T14:38:32.511" v="332"/>
+          <ac:spMkLst>
+            <pc:docMk/>
+            <pc:sldMk cId="0" sldId="280"/>
+            <ac:spMk id="18" creationId="{C74F8F11-0CA0-4039-A514-FDC0BEAB54A0}"/>
+          </ac:spMkLst>
+        </pc:spChg>
+        <pc:spChg chg="add del mod">
+          <ac:chgData name="김 승진" userId="c8f5d984e988fa03" providerId="LiveId" clId="{C09C1362-5E11-47C4-BDB4-F99D570DDF20}" dt="2021-12-20T14:38:32.511" v="332"/>
+          <ac:spMkLst>
+            <pc:docMk/>
+            <pc:sldMk cId="0" sldId="280"/>
+            <ac:spMk id="19" creationId="{3E279CE4-9A85-4FE0-AE68-445CD0881DDE}"/>
+          </ac:spMkLst>
+        </pc:spChg>
+        <pc:spChg chg="add del mod">
+          <ac:chgData name="김 승진" userId="c8f5d984e988fa03" providerId="LiveId" clId="{C09C1362-5E11-47C4-BDB4-F99D570DDF20}" dt="2021-12-20T14:38:32.511" v="332"/>
+          <ac:spMkLst>
+            <pc:docMk/>
+            <pc:sldMk cId="0" sldId="280"/>
+            <ac:spMk id="20" creationId="{B1FE5AC4-D9D3-48F5-815E-CA89CF8FA104}"/>
+          </ac:spMkLst>
+        </pc:spChg>
+        <pc:spChg chg="add del mod">
+          <ac:chgData name="김 승진" userId="c8f5d984e988fa03" providerId="LiveId" clId="{C09C1362-5E11-47C4-BDB4-F99D570DDF20}" dt="2021-12-20T14:38:32.511" v="332"/>
+          <ac:spMkLst>
+            <pc:docMk/>
+            <pc:sldMk cId="0" sldId="280"/>
+            <ac:spMk id="21" creationId="{4B50F4B0-5796-4849-BF63-D2182B5A93A0}"/>
+          </ac:spMkLst>
+        </pc:spChg>
+        <pc:spChg chg="add del mod">
+          <ac:chgData name="김 승진" userId="c8f5d984e988fa03" providerId="LiveId" clId="{C09C1362-5E11-47C4-BDB4-F99D570DDF20}" dt="2021-12-20T14:38:32.511" v="332"/>
+          <ac:spMkLst>
+            <pc:docMk/>
+            <pc:sldMk cId="0" sldId="280"/>
+            <ac:spMk id="22" creationId="{8F583DE8-4ABB-4E3D-90E0-2F2596580ED9}"/>
+          </ac:spMkLst>
+        </pc:spChg>
+        <pc:spChg chg="mod">
+          <ac:chgData name="김 승진" userId="c8f5d984e988fa03" providerId="LiveId" clId="{C09C1362-5E11-47C4-BDB4-F99D570DDF20}" dt="2021-12-20T14:44:13.099" v="396" actId="20577"/>
+          <ac:spMkLst>
+            <pc:docMk/>
+            <pc:sldMk cId="0" sldId="280"/>
+            <ac:spMk id="24" creationId="{00000000-0000-0000-0000-000000000000}"/>
+          </ac:spMkLst>
+        </pc:spChg>
+        <pc:spChg chg="add del mod">
+          <ac:chgData name="김 승진" userId="c8f5d984e988fa03" providerId="LiveId" clId="{C09C1362-5E11-47C4-BDB4-F99D570DDF20}" dt="2021-12-20T14:38:32.511" v="332"/>
+          <ac:spMkLst>
+            <pc:docMk/>
+            <pc:sldMk cId="0" sldId="280"/>
+            <ac:spMk id="25" creationId="{F46AE38B-6A9D-4F15-9BAF-70CF85E28CF0}"/>
+          </ac:spMkLst>
+        </pc:spChg>
+        <pc:spChg chg="add del mod">
+          <ac:chgData name="김 승진" userId="c8f5d984e988fa03" providerId="LiveId" clId="{C09C1362-5E11-47C4-BDB4-F99D570DDF20}" dt="2021-12-20T14:38:32.511" v="332"/>
+          <ac:spMkLst>
+            <pc:docMk/>
+            <pc:sldMk cId="0" sldId="280"/>
+            <ac:spMk id="26" creationId="{C0A400F5-E16C-4003-90FC-6FEDC2B91F84}"/>
+          </ac:spMkLst>
+        </pc:spChg>
+        <pc:spChg chg="add del mod">
+          <ac:chgData name="김 승진" userId="c8f5d984e988fa03" providerId="LiveId" clId="{C09C1362-5E11-47C4-BDB4-F99D570DDF20}" dt="2021-12-20T14:38:32.511" v="332"/>
+          <ac:spMkLst>
+            <pc:docMk/>
+            <pc:sldMk cId="0" sldId="280"/>
+            <ac:spMk id="27" creationId="{4FBBC006-8679-46E0-B211-2D4EE85CEC06}"/>
+          </ac:spMkLst>
+        </pc:spChg>
+        <pc:spChg chg="add del mod">
+          <ac:chgData name="김 승진" userId="c8f5d984e988fa03" providerId="LiveId" clId="{C09C1362-5E11-47C4-BDB4-F99D570DDF20}" dt="2021-12-20T14:38:51.033" v="340"/>
+          <ac:spMkLst>
+            <pc:docMk/>
+            <pc:sldMk cId="0" sldId="280"/>
+            <ac:spMk id="37" creationId="{2C25E99C-05C2-497A-9A8D-4ECB3444D464}"/>
+          </ac:spMkLst>
+        </pc:spChg>
+        <pc:spChg chg="add del mod">
+          <ac:chgData name="김 승진" userId="c8f5d984e988fa03" providerId="LiveId" clId="{C09C1362-5E11-47C4-BDB4-F99D570DDF20}" dt="2021-12-20T14:38:51.033" v="340"/>
+          <ac:spMkLst>
+            <pc:docMk/>
+            <pc:sldMk cId="0" sldId="280"/>
+            <ac:spMk id="38" creationId="{24AEC04E-1D32-4221-B7AF-E03D21E25ED1}"/>
+          </ac:spMkLst>
+        </pc:spChg>
+        <pc:spChg chg="add del mod">
+          <ac:chgData name="김 승진" userId="c8f5d984e988fa03" providerId="LiveId" clId="{C09C1362-5E11-47C4-BDB4-F99D570DDF20}" dt="2021-12-20T14:38:51.033" v="340"/>
+          <ac:spMkLst>
+            <pc:docMk/>
+            <pc:sldMk cId="0" sldId="280"/>
+            <ac:spMk id="39" creationId="{FEF8A8F9-4101-410B-9B8B-FBBDE154A108}"/>
+          </ac:spMkLst>
+        </pc:spChg>
+        <pc:spChg chg="add del mod">
+          <ac:chgData name="김 승진" userId="c8f5d984e988fa03" providerId="LiveId" clId="{C09C1362-5E11-47C4-BDB4-F99D570DDF20}" dt="2021-12-20T14:38:51.033" v="340"/>
+          <ac:spMkLst>
+            <pc:docMk/>
+            <pc:sldMk cId="0" sldId="280"/>
+            <ac:spMk id="40" creationId="{EFAFDAED-4094-46ED-B196-78CCA5ACC72C}"/>
+          </ac:spMkLst>
+        </pc:spChg>
+        <pc:spChg chg="add del mod">
+          <ac:chgData name="김 승진" userId="c8f5d984e988fa03" providerId="LiveId" clId="{C09C1362-5E11-47C4-BDB4-F99D570DDF20}" dt="2021-12-20T14:38:51.033" v="340"/>
+          <ac:spMkLst>
+            <pc:docMk/>
+            <pc:sldMk cId="0" sldId="280"/>
+            <ac:spMk id="41" creationId="{B0E4091D-E0D3-457F-8878-C3FF7918B300}"/>
+          </ac:spMkLst>
+        </pc:spChg>
+        <pc:spChg chg="add del mod">
+          <ac:chgData name="김 승진" userId="c8f5d984e988fa03" providerId="LiveId" clId="{C09C1362-5E11-47C4-BDB4-F99D570DDF20}" dt="2021-12-20T14:38:51.033" v="340"/>
+          <ac:spMkLst>
+            <pc:docMk/>
+            <pc:sldMk cId="0" sldId="280"/>
+            <ac:spMk id="42" creationId="{4BC9FE6F-DB6D-4620-8774-D26AF65CB41B}"/>
+          </ac:spMkLst>
+        </pc:spChg>
+        <pc:spChg chg="add del mod">
+          <ac:chgData name="김 승진" userId="c8f5d984e988fa03" providerId="LiveId" clId="{C09C1362-5E11-47C4-BDB4-F99D570DDF20}" dt="2021-12-20T14:38:51.033" v="340"/>
+          <ac:spMkLst>
+            <pc:docMk/>
+            <pc:sldMk cId="0" sldId="280"/>
+            <ac:spMk id="43" creationId="{902CE3A8-C873-437E-9AE7-4C0527CD335B}"/>
+          </ac:spMkLst>
+        </pc:spChg>
+        <pc:spChg chg="add del mod">
+          <ac:chgData name="김 승진" userId="c8f5d984e988fa03" providerId="LiveId" clId="{C09C1362-5E11-47C4-BDB4-F99D570DDF20}" dt="2021-12-20T14:38:51.033" v="340"/>
+          <ac:spMkLst>
+            <pc:docMk/>
+            <pc:sldMk cId="0" sldId="280"/>
+            <ac:spMk id="44" creationId="{14CA2298-140F-45C8-A91B-3EF6180311FF}"/>
+          </ac:spMkLst>
+        </pc:spChg>
+        <pc:spChg chg="add del mod">
+          <ac:chgData name="김 승진" userId="c8f5d984e988fa03" providerId="LiveId" clId="{C09C1362-5E11-47C4-BDB4-F99D570DDF20}" dt="2021-12-20T14:38:51.033" v="340"/>
+          <ac:spMkLst>
+            <pc:docMk/>
+            <pc:sldMk cId="0" sldId="280"/>
+            <ac:spMk id="45" creationId="{7A3FDD5E-80E6-45FF-8800-7F0A689169C6}"/>
+          </ac:spMkLst>
+        </pc:spChg>
+        <pc:spChg chg="add del mod">
+          <ac:chgData name="김 승진" userId="c8f5d984e988fa03" providerId="LiveId" clId="{C09C1362-5E11-47C4-BDB4-F99D570DDF20}" dt="2021-12-20T14:38:51.033" v="340"/>
+          <ac:spMkLst>
+            <pc:docMk/>
+            <pc:sldMk cId="0" sldId="280"/>
+            <ac:spMk id="46" creationId="{1653DC4A-442A-48FA-994B-4A8A651CDF6D}"/>
+          </ac:spMkLst>
+        </pc:spChg>
+        <pc:spChg chg="add del mod">
+          <ac:chgData name="김 승진" userId="c8f5d984e988fa03" providerId="LiveId" clId="{C09C1362-5E11-47C4-BDB4-F99D570DDF20}" dt="2021-12-20T14:38:51.033" v="340"/>
+          <ac:spMkLst>
+            <pc:docMk/>
+            <pc:sldMk cId="0" sldId="280"/>
+            <ac:spMk id="47" creationId="{2264F483-447A-434F-9823-07BC2C20F448}"/>
+          </ac:spMkLst>
+        </pc:spChg>
+        <pc:spChg chg="add del mod">
+          <ac:chgData name="김 승진" userId="c8f5d984e988fa03" providerId="LiveId" clId="{C09C1362-5E11-47C4-BDB4-F99D570DDF20}" dt="2021-12-20T14:40:16.742" v="367" actId="478"/>
+          <ac:spMkLst>
+            <pc:docMk/>
+            <pc:sldMk cId="0" sldId="280"/>
+            <ac:spMk id="53" creationId="{9D9B9381-EC65-4204-B2A5-6EDC888ED0B4}"/>
+          </ac:spMkLst>
+        </pc:spChg>
+        <pc:spChg chg="add del mod">
+          <ac:chgData name="김 승진" userId="c8f5d984e988fa03" providerId="LiveId" clId="{C09C1362-5E11-47C4-BDB4-F99D570DDF20}" dt="2021-12-20T14:39:26.157" v="352" actId="478"/>
+          <ac:spMkLst>
+            <pc:docMk/>
+            <pc:sldMk cId="0" sldId="280"/>
+            <ac:spMk id="54" creationId="{26334A3E-8571-446D-88CA-B7EDF27928FA}"/>
+          </ac:spMkLst>
+        </pc:spChg>
+        <pc:spChg chg="add del mod">
+          <ac:chgData name="김 승진" userId="c8f5d984e988fa03" providerId="LiveId" clId="{C09C1362-5E11-47C4-BDB4-F99D570DDF20}" dt="2021-12-20T14:40:16.742" v="367" actId="478"/>
+          <ac:spMkLst>
+            <pc:docMk/>
+            <pc:sldMk cId="0" sldId="280"/>
+            <ac:spMk id="55" creationId="{1AFAB316-5E8C-47BA-954F-AC3B22A3E563}"/>
+          </ac:spMkLst>
+        </pc:spChg>
+        <pc:spChg chg="add del mod">
+          <ac:chgData name="김 승진" userId="c8f5d984e988fa03" providerId="LiveId" clId="{C09C1362-5E11-47C4-BDB4-F99D570DDF20}" dt="2021-12-20T14:40:16.742" v="367" actId="478"/>
+          <ac:spMkLst>
+            <pc:docMk/>
+            <pc:sldMk cId="0" sldId="280"/>
+            <ac:spMk id="56" creationId="{58E37CBE-7488-4B07-A57A-D7BA6FD1EDF4}"/>
+          </ac:spMkLst>
+        </pc:spChg>
+        <pc:spChg chg="add del mod">
+          <ac:chgData name="김 승진" userId="c8f5d984e988fa03" providerId="LiveId" clId="{C09C1362-5E11-47C4-BDB4-F99D570DDF20}" dt="2021-12-20T14:40:16.742" v="367" actId="478"/>
+          <ac:spMkLst>
+            <pc:docMk/>
+            <pc:sldMk cId="0" sldId="280"/>
+            <ac:spMk id="57" creationId="{02A931E5-4CDF-4573-8825-92D6B4B6266E}"/>
+          </ac:spMkLst>
+        </pc:spChg>
+        <pc:spChg chg="add del mod">
+          <ac:chgData name="김 승진" userId="c8f5d984e988fa03" providerId="LiveId" clId="{C09C1362-5E11-47C4-BDB4-F99D570DDF20}" dt="2021-12-20T14:40:16.742" v="367" actId="478"/>
+          <ac:spMkLst>
+            <pc:docMk/>
+            <pc:sldMk cId="0" sldId="280"/>
+            <ac:spMk id="58" creationId="{0CAC4E02-684D-4F87-AE41-C6A7D1ABCF87}"/>
+          </ac:spMkLst>
+        </pc:spChg>
+        <pc:spChg chg="add del mod">
+          <ac:chgData name="김 승진" userId="c8f5d984e988fa03" providerId="LiveId" clId="{C09C1362-5E11-47C4-BDB4-F99D570DDF20}" dt="2021-12-20T14:40:18.042" v="368" actId="478"/>
+          <ac:spMkLst>
+            <pc:docMk/>
+            <pc:sldMk cId="0" sldId="280"/>
+            <ac:spMk id="59" creationId="{E8511897-A874-459E-A095-9A0D287F8180}"/>
+          </ac:spMkLst>
+        </pc:spChg>
+        <pc:spChg chg="add del mod">
+          <ac:chgData name="김 승진" userId="c8f5d984e988fa03" providerId="LiveId" clId="{C09C1362-5E11-47C4-BDB4-F99D570DDF20}" dt="2021-12-20T14:40:18.042" v="368" actId="478"/>
+          <ac:spMkLst>
+            <pc:docMk/>
+            <pc:sldMk cId="0" sldId="280"/>
+            <ac:spMk id="60" creationId="{369648D8-BEE6-4901-AF37-EBA4983A8DDB}"/>
+          </ac:spMkLst>
+        </pc:spChg>
+        <pc:spChg chg="add del mod">
+          <ac:chgData name="김 승진" userId="c8f5d984e988fa03" providerId="LiveId" clId="{C09C1362-5E11-47C4-BDB4-F99D570DDF20}" dt="2021-12-20T14:40:18.813" v="369" actId="478"/>
+          <ac:spMkLst>
+            <pc:docMk/>
+            <pc:sldMk cId="0" sldId="280"/>
+            <ac:spMk id="61" creationId="{4CA43BF7-01E9-45DD-A5FC-869E02F2FC14}"/>
+          </ac:spMkLst>
+        </pc:spChg>
+        <pc:spChg chg="add del mod">
+          <ac:chgData name="김 승진" userId="c8f5d984e988fa03" providerId="LiveId" clId="{C09C1362-5E11-47C4-BDB4-F99D570DDF20}" dt="2021-12-20T14:40:16.742" v="367" actId="478"/>
+          <ac:spMkLst>
+            <pc:docMk/>
+            <pc:sldMk cId="0" sldId="280"/>
+            <ac:spMk id="62" creationId="{53240955-EED2-49D5-8D0F-4B9D3E573B21}"/>
+          </ac:spMkLst>
+        </pc:spChg>
+        <pc:spChg chg="add del mod">
+          <ac:chgData name="김 승진" userId="c8f5d984e988fa03" providerId="LiveId" clId="{C09C1362-5E11-47C4-BDB4-F99D570DDF20}" dt="2021-12-20T14:40:19.631" v="370" actId="478"/>
+          <ac:spMkLst>
+            <pc:docMk/>
+            <pc:sldMk cId="0" sldId="280"/>
+            <ac:spMk id="63" creationId="{D81182B9-978B-4C9C-A0EF-82C39F078560}"/>
+          </ac:spMkLst>
+        </pc:spChg>
+        <pc:spChg chg="add del mod">
+          <ac:chgData name="김 승진" userId="c8f5d984e988fa03" providerId="LiveId" clId="{C09C1362-5E11-47C4-BDB4-F99D570DDF20}" dt="2021-12-20T14:40:18.042" v="368" actId="478"/>
+          <ac:spMkLst>
+            <pc:docMk/>
+            <pc:sldMk cId="0" sldId="280"/>
+            <ac:spMk id="64" creationId="{A401F271-7682-4C56-B958-5CCB49AD9DA8}"/>
+          </ac:spMkLst>
+        </pc:spChg>
+        <pc:spChg chg="add del mod">
+          <ac:chgData name="김 승진" userId="c8f5d984e988fa03" providerId="LiveId" clId="{C09C1362-5E11-47C4-BDB4-F99D570DDF20}" dt="2021-12-20T14:40:13.730" v="366"/>
+          <ac:spMkLst>
+            <pc:docMk/>
+            <pc:sldMk cId="0" sldId="280"/>
+            <ac:spMk id="65" creationId="{BD1EDF90-DC0D-4B42-9E3B-E75194B1E749}"/>
+          </ac:spMkLst>
+        </pc:spChg>
+        <pc:spChg chg="add del mod">
+          <ac:chgData name="김 승진" userId="c8f5d984e988fa03" providerId="LiveId" clId="{C09C1362-5E11-47C4-BDB4-F99D570DDF20}" dt="2021-12-20T14:40:13.730" v="366"/>
+          <ac:spMkLst>
+            <pc:docMk/>
+            <pc:sldMk cId="0" sldId="280"/>
+            <ac:spMk id="66" creationId="{29634686-B433-4816-B0C0-A3015FD4EEF3}"/>
+          </ac:spMkLst>
+        </pc:spChg>
+        <pc:spChg chg="add del mod">
+          <ac:chgData name="김 승진" userId="c8f5d984e988fa03" providerId="LiveId" clId="{C09C1362-5E11-47C4-BDB4-F99D570DDF20}" dt="2021-12-20T14:40:13.730" v="366"/>
+          <ac:spMkLst>
+            <pc:docMk/>
+            <pc:sldMk cId="0" sldId="280"/>
+            <ac:spMk id="67" creationId="{380819D6-FBE5-4B92-BFBD-524941065FD3}"/>
+          </ac:spMkLst>
+        </pc:spChg>
+        <pc:spChg chg="add del mod">
+          <ac:chgData name="김 승진" userId="c8f5d984e988fa03" providerId="LiveId" clId="{C09C1362-5E11-47C4-BDB4-F99D570DDF20}" dt="2021-12-20T14:40:13.730" v="366"/>
+          <ac:spMkLst>
+            <pc:docMk/>
+            <pc:sldMk cId="0" sldId="280"/>
+            <ac:spMk id="68" creationId="{23E5A49B-14F3-4E6C-AB0F-37EDCF03752F}"/>
+          </ac:spMkLst>
+        </pc:spChg>
+        <pc:spChg chg="add del mod">
+          <ac:chgData name="김 승진" userId="c8f5d984e988fa03" providerId="LiveId" clId="{C09C1362-5E11-47C4-BDB4-F99D570DDF20}" dt="2021-12-20T14:40:13.730" v="366"/>
+          <ac:spMkLst>
+            <pc:docMk/>
+            <pc:sldMk cId="0" sldId="280"/>
+            <ac:spMk id="69" creationId="{313AF824-6A18-43AE-8637-EA8E5D8D5B6B}"/>
+          </ac:spMkLst>
+        </pc:spChg>
+        <pc:spChg chg="add del mod">
+          <ac:chgData name="김 승진" userId="c8f5d984e988fa03" providerId="LiveId" clId="{C09C1362-5E11-47C4-BDB4-F99D570DDF20}" dt="2021-12-20T14:40:13.730" v="366"/>
+          <ac:spMkLst>
+            <pc:docMk/>
+            <pc:sldMk cId="0" sldId="280"/>
+            <ac:spMk id="70" creationId="{A1209CA0-0A65-4EED-A6C0-A6D43280996F}"/>
+          </ac:spMkLst>
+        </pc:spChg>
+        <pc:spChg chg="add del mod">
+          <ac:chgData name="김 승진" userId="c8f5d984e988fa03" providerId="LiveId" clId="{C09C1362-5E11-47C4-BDB4-F99D570DDF20}" dt="2021-12-20T14:40:13.730" v="366"/>
+          <ac:spMkLst>
+            <pc:docMk/>
+            <pc:sldMk cId="0" sldId="280"/>
+            <ac:spMk id="71" creationId="{90CE10F4-D830-405A-97E2-FF59B5A654DB}"/>
+          </ac:spMkLst>
+        </pc:spChg>
+        <pc:spChg chg="add del mod">
+          <ac:chgData name="김 승진" userId="c8f5d984e988fa03" providerId="LiveId" clId="{C09C1362-5E11-47C4-BDB4-F99D570DDF20}" dt="2021-12-20T14:40:13.730" v="366"/>
+          <ac:spMkLst>
+            <pc:docMk/>
+            <pc:sldMk cId="0" sldId="280"/>
+            <ac:spMk id="72" creationId="{D6788047-EF32-4B90-B24F-CB6AAA838FC8}"/>
+          </ac:spMkLst>
+        </pc:spChg>
+        <pc:spChg chg="add del mod">
+          <ac:chgData name="김 승진" userId="c8f5d984e988fa03" providerId="LiveId" clId="{C09C1362-5E11-47C4-BDB4-F99D570DDF20}" dt="2021-12-20T14:40:13.730" v="366"/>
+          <ac:spMkLst>
+            <pc:docMk/>
+            <pc:sldMk cId="0" sldId="280"/>
+            <ac:spMk id="73" creationId="{2DF4A39D-9A75-4790-A78C-0CC643732591}"/>
+          </ac:spMkLst>
+        </pc:spChg>
+        <pc:spChg chg="add mod">
+          <ac:chgData name="김 승진" userId="c8f5d984e988fa03" providerId="LiveId" clId="{C09C1362-5E11-47C4-BDB4-F99D570DDF20}" dt="2021-12-20T14:41:34.228" v="386" actId="1076"/>
+          <ac:spMkLst>
+            <pc:docMk/>
+            <pc:sldMk cId="0" sldId="280"/>
+            <ac:spMk id="74" creationId="{38F32B9D-DC4A-4EA0-B602-71FD80ABCA40}"/>
+          </ac:spMkLst>
+        </pc:spChg>
+        <pc:spChg chg="add mod">
+          <ac:chgData name="김 승진" userId="c8f5d984e988fa03" providerId="LiveId" clId="{C09C1362-5E11-47C4-BDB4-F99D570DDF20}" dt="2021-12-20T14:41:30.435" v="385" actId="1076"/>
+          <ac:spMkLst>
+            <pc:docMk/>
+            <pc:sldMk cId="0" sldId="280"/>
+            <ac:spMk id="75" creationId="{D0F73127-1C5A-4227-9653-25F19BB09BDE}"/>
+          </ac:spMkLst>
+        </pc:spChg>
+        <pc:spChg chg="add mod">
+          <ac:chgData name="김 승진" userId="c8f5d984e988fa03" providerId="LiveId" clId="{C09C1362-5E11-47C4-BDB4-F99D570DDF20}" dt="2021-12-20T14:41:30.435" v="385" actId="1076"/>
+          <ac:spMkLst>
+            <pc:docMk/>
+            <pc:sldMk cId="0" sldId="280"/>
+            <ac:spMk id="76" creationId="{EBC1F91F-8721-4A09-8B4A-D5682EEF444F}"/>
+          </ac:spMkLst>
+        </pc:spChg>
+        <pc:spChg chg="add mod">
+          <ac:chgData name="김 승진" userId="c8f5d984e988fa03" providerId="LiveId" clId="{C09C1362-5E11-47C4-BDB4-F99D570DDF20}" dt="2021-12-20T14:41:30.435" v="385" actId="1076"/>
+          <ac:spMkLst>
+            <pc:docMk/>
+            <pc:sldMk cId="0" sldId="280"/>
+            <ac:spMk id="77" creationId="{1ED78EB4-8A30-434A-8924-761D963CC9FA}"/>
+          </ac:spMkLst>
+        </pc:spChg>
+        <pc:spChg chg="add mod">
+          <ac:chgData name="김 승진" userId="c8f5d984e988fa03" providerId="LiveId" clId="{C09C1362-5E11-47C4-BDB4-F99D570DDF20}" dt="2021-12-20T14:41:30.435" v="385" actId="1076"/>
+          <ac:spMkLst>
+            <pc:docMk/>
+            <pc:sldMk cId="0" sldId="280"/>
+            <ac:spMk id="78" creationId="{AD70ED4A-AA7A-4CA0-BD5D-9E32E0FB21D3}"/>
+          </ac:spMkLst>
+        </pc:spChg>
+        <pc:spChg chg="add mod">
+          <ac:chgData name="김 승진" userId="c8f5d984e988fa03" providerId="LiveId" clId="{C09C1362-5E11-47C4-BDB4-F99D570DDF20}" dt="2021-12-20T14:41:30.435" v="385" actId="1076"/>
+          <ac:spMkLst>
+            <pc:docMk/>
+            <pc:sldMk cId="0" sldId="280"/>
+            <ac:spMk id="79" creationId="{04EFEAD2-B072-4ABF-B368-12977B19D804}"/>
+          </ac:spMkLst>
+        </pc:spChg>
+        <pc:spChg chg="add mod">
+          <ac:chgData name="김 승진" userId="c8f5d984e988fa03" providerId="LiveId" clId="{C09C1362-5E11-47C4-BDB4-F99D570DDF20}" dt="2021-12-20T14:41:34.228" v="386" actId="1076"/>
+          <ac:spMkLst>
+            <pc:docMk/>
+            <pc:sldMk cId="0" sldId="280"/>
+            <ac:spMk id="80" creationId="{8945FA30-4C0B-469B-BF7D-6A89D9B5DBF6}"/>
+          </ac:spMkLst>
+        </pc:spChg>
+        <pc:spChg chg="add mod">
+          <ac:chgData name="김 승진" userId="c8f5d984e988fa03" providerId="LiveId" clId="{C09C1362-5E11-47C4-BDB4-F99D570DDF20}" dt="2021-12-20T14:41:34.228" v="386" actId="1076"/>
+          <ac:spMkLst>
+            <pc:docMk/>
+            <pc:sldMk cId="0" sldId="280"/>
+            <ac:spMk id="81" creationId="{6571A95D-6DEB-4D8A-B19A-D5AC7A7CE76D}"/>
+          </ac:spMkLst>
+        </pc:spChg>
+        <pc:spChg chg="add mod">
+          <ac:chgData name="김 승진" userId="c8f5d984e988fa03" providerId="LiveId" clId="{C09C1362-5E11-47C4-BDB4-F99D570DDF20}" dt="2021-12-20T14:41:34.228" v="386" actId="1076"/>
+          <ac:spMkLst>
+            <pc:docMk/>
+            <pc:sldMk cId="0" sldId="280"/>
+            <ac:spMk id="82" creationId="{8D464676-6A40-41FC-B32F-16C11B0E1EEC}"/>
+          </ac:spMkLst>
+        </pc:spChg>
+        <pc:spChg chg="add mod">
+          <ac:chgData name="김 승진" userId="c8f5d984e988fa03" providerId="LiveId" clId="{C09C1362-5E11-47C4-BDB4-F99D570DDF20}" dt="2021-12-20T14:43:13.718" v="391" actId="14100"/>
+          <ac:spMkLst>
+            <pc:docMk/>
+            <pc:sldMk cId="0" sldId="280"/>
+            <ac:spMk id="83" creationId="{332E2401-24D1-4C3D-BA2E-056FB88FC470}"/>
+          </ac:spMkLst>
+        </pc:spChg>
+        <pc:spChg chg="add mod">
+          <ac:chgData name="김 승진" userId="c8f5d984e988fa03" providerId="LiveId" clId="{C09C1362-5E11-47C4-BDB4-F99D570DDF20}" dt="2021-12-20T14:43:28.364" v="394" actId="207"/>
+          <ac:spMkLst>
+            <pc:docMk/>
+            <pc:sldMk cId="0" sldId="280"/>
+            <ac:spMk id="84" creationId="{D7B08B17-200F-4159-B080-60D847765235}"/>
+          </ac:spMkLst>
+        </pc:spChg>
+        <pc:grpChg chg="add del mod">
+          <ac:chgData name="김 승진" userId="c8f5d984e988fa03" providerId="LiveId" clId="{C09C1362-5E11-47C4-BDB4-F99D570DDF20}" dt="2021-12-20T14:38:32.511" v="332"/>
+          <ac:grpSpMkLst>
+            <pc:docMk/>
+            <pc:sldMk cId="0" sldId="280"/>
+            <ac:grpSpMk id="10" creationId="{356D4695-CC79-4DE9-9501-8E98FA7E89EE}"/>
+          </ac:grpSpMkLst>
+        </pc:grpChg>
+        <pc:grpChg chg="mod">
+          <ac:chgData name="김 승진" userId="c8f5d984e988fa03" providerId="LiveId" clId="{C09C1362-5E11-47C4-BDB4-F99D570DDF20}" dt="2021-12-20T14:38:29.424" v="331"/>
+          <ac:grpSpMkLst>
+            <pc:docMk/>
+            <pc:sldMk cId="0" sldId="280"/>
+            <ac:grpSpMk id="11" creationId="{A0D6A265-70F1-4A68-8F10-FC781C341C80}"/>
+          </ac:grpSpMkLst>
+        </pc:grpChg>
+        <pc:grpChg chg="mod">
+          <ac:chgData name="김 승진" userId="c8f5d984e988fa03" providerId="LiveId" clId="{C09C1362-5E11-47C4-BDB4-F99D570DDF20}" dt="2021-12-20T14:38:29.424" v="331"/>
+          <ac:grpSpMkLst>
+            <pc:docMk/>
+            <pc:sldMk cId="0" sldId="280"/>
+            <ac:grpSpMk id="12" creationId="{DBA330F2-D148-41D7-984A-C1A63CA09D1B}"/>
+          </ac:grpSpMkLst>
+        </pc:grpChg>
+        <pc:grpChg chg="add del mod">
+          <ac:chgData name="김 승진" userId="c8f5d984e988fa03" providerId="LiveId" clId="{C09C1362-5E11-47C4-BDB4-F99D570DDF20}" dt="2021-12-20T14:38:51.033" v="340"/>
+          <ac:grpSpMkLst>
+            <pc:docMk/>
+            <pc:sldMk cId="0" sldId="280"/>
+            <ac:grpSpMk id="28" creationId="{D7973696-7CB3-42E2-BF52-3F035D21403B}"/>
+          </ac:grpSpMkLst>
+        </pc:grpChg>
+        <pc:grpChg chg="mod">
+          <ac:chgData name="김 승진" userId="c8f5d984e988fa03" providerId="LiveId" clId="{C09C1362-5E11-47C4-BDB4-F99D570DDF20}" dt="2021-12-20T14:38:33.126" v="333"/>
+          <ac:grpSpMkLst>
+            <pc:docMk/>
+            <pc:sldMk cId="0" sldId="280"/>
+            <ac:grpSpMk id="29" creationId="{E830653E-F8A7-40F8-8726-3F7D60DA5D52}"/>
+          </ac:grpSpMkLst>
+        </pc:grpChg>
+        <pc:grpChg chg="mod">
+          <ac:chgData name="김 승진" userId="c8f5d984e988fa03" providerId="LiveId" clId="{C09C1362-5E11-47C4-BDB4-F99D570DDF20}" dt="2021-12-20T14:38:33.126" v="333"/>
+          <ac:grpSpMkLst>
+            <pc:docMk/>
+            <pc:sldMk cId="0" sldId="280"/>
+            <ac:grpSpMk id="30" creationId="{D2461075-D1C4-4F39-AA70-B7326081D5E9}"/>
+          </ac:grpSpMkLst>
+        </pc:grpChg>
+        <pc:grpChg chg="add del mod">
+          <ac:chgData name="김 승진" userId="c8f5d984e988fa03" providerId="LiveId" clId="{C09C1362-5E11-47C4-BDB4-F99D570DDF20}" dt="2021-12-20T14:40:21.887" v="371" actId="478"/>
+          <ac:grpSpMkLst>
+            <pc:docMk/>
+            <pc:sldMk cId="0" sldId="280"/>
+            <ac:grpSpMk id="48" creationId="{E3C021DC-CFF2-46B3-B580-C5654C4BEA52}"/>
+          </ac:grpSpMkLst>
+        </pc:grpChg>
+        <pc:grpChg chg="mod">
+          <ac:chgData name="김 승진" userId="c8f5d984e988fa03" providerId="LiveId" clId="{C09C1362-5E11-47C4-BDB4-F99D570DDF20}" dt="2021-12-20T14:38:58.318" v="345"/>
+          <ac:grpSpMkLst>
+            <pc:docMk/>
+            <pc:sldMk cId="0" sldId="280"/>
+            <ac:grpSpMk id="49" creationId="{29E296E3-8FA8-408D-AC83-C4B0CE9520E1}"/>
+          </ac:grpSpMkLst>
+        </pc:grpChg>
+        <pc:grpChg chg="mod">
+          <ac:chgData name="김 승진" userId="c8f5d984e988fa03" providerId="LiveId" clId="{C09C1362-5E11-47C4-BDB4-F99D570DDF20}" dt="2021-12-20T14:38:58.318" v="345"/>
+          <ac:grpSpMkLst>
+            <pc:docMk/>
+            <pc:sldMk cId="0" sldId="280"/>
+            <ac:grpSpMk id="50" creationId="{B99B3CCF-B762-42FA-97A8-35C4433D439E}"/>
+          </ac:grpSpMkLst>
+        </pc:grpChg>
+        <pc:picChg chg="mod">
+          <ac:chgData name="김 승진" userId="c8f5d984e988fa03" providerId="LiveId" clId="{C09C1362-5E11-47C4-BDB4-F99D570DDF20}" dt="2021-12-20T14:38:29.424" v="331"/>
+          <ac:picMkLst>
+            <pc:docMk/>
+            <pc:sldMk cId="0" sldId="280"/>
+            <ac:picMk id="13" creationId="{672D9291-E7FD-4A9C-BDB6-17B58B4B0B91}"/>
+          </ac:picMkLst>
+        </pc:picChg>
+        <pc:picChg chg="mod">
+          <ac:chgData name="김 승진" userId="c8f5d984e988fa03" providerId="LiveId" clId="{C09C1362-5E11-47C4-BDB4-F99D570DDF20}" dt="2021-12-20T14:38:29.424" v="331"/>
+          <ac:picMkLst>
+            <pc:docMk/>
+            <pc:sldMk cId="0" sldId="280"/>
+            <ac:picMk id="14" creationId="{E348EBFF-A05C-49B4-99CF-53479CFF1E3C}"/>
+          </ac:picMkLst>
+        </pc:picChg>
+        <pc:picChg chg="mod">
+          <ac:chgData name="김 승진" userId="c8f5d984e988fa03" providerId="LiveId" clId="{C09C1362-5E11-47C4-BDB4-F99D570DDF20}" dt="2021-12-20T14:38:33.126" v="333"/>
+          <ac:picMkLst>
+            <pc:docMk/>
+            <pc:sldMk cId="0" sldId="280"/>
+            <ac:picMk id="31" creationId="{5157A1FD-C7F8-4CE3-856C-5BDB26648B3E}"/>
+          </ac:picMkLst>
+        </pc:picChg>
+        <pc:picChg chg="mod">
+          <ac:chgData name="김 승진" userId="c8f5d984e988fa03" providerId="LiveId" clId="{C09C1362-5E11-47C4-BDB4-F99D570DDF20}" dt="2021-12-20T14:38:33.126" v="333"/>
+          <ac:picMkLst>
+            <pc:docMk/>
+            <pc:sldMk cId="0" sldId="280"/>
+            <ac:picMk id="32" creationId="{583AB167-18E3-40FA-A068-C8DFBF2BEAFC}"/>
+          </ac:picMkLst>
+        </pc:picChg>
+        <pc:picChg chg="del">
+          <ac:chgData name="김 승진" userId="c8f5d984e988fa03" providerId="LiveId" clId="{C09C1362-5E11-47C4-BDB4-F99D570DDF20}" dt="2021-12-20T14:38:53.021" v="341" actId="478"/>
+          <ac:picMkLst>
+            <pc:docMk/>
+            <pc:sldMk cId="0" sldId="280"/>
+            <ac:picMk id="33" creationId="{00000000-0000-0000-0000-000000000000}"/>
+          </ac:picMkLst>
+        </pc:picChg>
+        <pc:picChg chg="del">
+          <ac:chgData name="김 승진" userId="c8f5d984e988fa03" providerId="LiveId" clId="{C09C1362-5E11-47C4-BDB4-F99D570DDF20}" dt="2021-12-20T14:38:53.317" v="342" actId="478"/>
+          <ac:picMkLst>
+            <pc:docMk/>
+            <pc:sldMk cId="0" sldId="280"/>
+            <ac:picMk id="34" creationId="{00000000-0000-0000-0000-000000000000}"/>
+          </ac:picMkLst>
+        </pc:picChg>
+        <pc:picChg chg="del">
+          <ac:chgData name="김 승진" userId="c8f5d984e988fa03" providerId="LiveId" clId="{C09C1362-5E11-47C4-BDB4-F99D570DDF20}" dt="2021-12-20T14:38:54.148" v="343" actId="478"/>
+          <ac:picMkLst>
+            <pc:docMk/>
+            <pc:sldMk cId="0" sldId="280"/>
+            <ac:picMk id="35" creationId="{00000000-0000-0000-0000-000000000000}"/>
+          </ac:picMkLst>
+        </pc:picChg>
+        <pc:picChg chg="del">
+          <ac:chgData name="김 승진" userId="c8f5d984e988fa03" providerId="LiveId" clId="{C09C1362-5E11-47C4-BDB4-F99D570DDF20}" dt="2021-12-20T14:38:54.443" v="344" actId="478"/>
+          <ac:picMkLst>
+            <pc:docMk/>
+            <pc:sldMk cId="0" sldId="280"/>
+            <ac:picMk id="36" creationId="{00000000-0000-0000-0000-000000000000}"/>
+          </ac:picMkLst>
+        </pc:picChg>
+        <pc:picChg chg="mod">
+          <ac:chgData name="김 승진" userId="c8f5d984e988fa03" providerId="LiveId" clId="{C09C1362-5E11-47C4-BDB4-F99D570DDF20}" dt="2021-12-20T14:38:58.318" v="345"/>
+          <ac:picMkLst>
+            <pc:docMk/>
+            <pc:sldMk cId="0" sldId="280"/>
+            <ac:picMk id="51" creationId="{9EFE3F97-ABF3-49C1-91E7-B92F56D10491}"/>
+          </ac:picMkLst>
+        </pc:picChg>
+        <pc:picChg chg="mod">
+          <ac:chgData name="김 승진" userId="c8f5d984e988fa03" providerId="LiveId" clId="{C09C1362-5E11-47C4-BDB4-F99D570DDF20}" dt="2021-12-20T14:38:58.318" v="345"/>
+          <ac:picMkLst>
+            <pc:docMk/>
+            <pc:sldMk cId="0" sldId="280"/>
+            <ac:picMk id="52" creationId="{AAFA8EDC-0C21-4824-A716-675AF4913F39}"/>
+          </ac:picMkLst>
+        </pc:picChg>
+      </pc:sldChg>
+      <pc:sldChg chg="addSp delSp modSp mod">
+        <pc:chgData name="김 승진" userId="c8f5d984e988fa03" providerId="LiveId" clId="{C09C1362-5E11-47C4-BDB4-F99D570DDF20}" dt="2021-12-20T16:07:18.016" v="690" actId="20577"/>
+        <pc:sldMkLst>
+          <pc:docMk/>
+          <pc:sldMk cId="0" sldId="285"/>
+        </pc:sldMkLst>
+        <pc:spChg chg="add mod">
+          <ac:chgData name="김 승진" userId="c8f5d984e988fa03" providerId="LiveId" clId="{C09C1362-5E11-47C4-BDB4-F99D570DDF20}" dt="2021-12-20T15:15:12.444" v="478" actId="1076"/>
+          <ac:spMkLst>
+            <pc:docMk/>
+            <pc:sldMk cId="0" sldId="285"/>
+            <ac:spMk id="7" creationId="{4E64B74B-2B42-4C98-A2EE-E13D1544C8EE}"/>
+          </ac:spMkLst>
+        </pc:spChg>
+        <pc:spChg chg="add mod">
+          <ac:chgData name="김 승진" userId="c8f5d984e988fa03" providerId="LiveId" clId="{C09C1362-5E11-47C4-BDB4-F99D570DDF20}" dt="2021-12-20T15:15:12.444" v="478" actId="1076"/>
+          <ac:spMkLst>
+            <pc:docMk/>
+            <pc:sldMk cId="0" sldId="285"/>
+            <ac:spMk id="8" creationId="{248E4B3F-638E-48C2-9C73-7BC5CFFD852B}"/>
+          </ac:spMkLst>
+        </pc:spChg>
+        <pc:spChg chg="add mod">
+          <ac:chgData name="김 승진" userId="c8f5d984e988fa03" providerId="LiveId" clId="{C09C1362-5E11-47C4-BDB4-F99D570DDF20}" dt="2021-12-20T15:15:12.444" v="478" actId="1076"/>
+          <ac:spMkLst>
+            <pc:docMk/>
+            <pc:sldMk cId="0" sldId="285"/>
+            <ac:spMk id="9" creationId="{8C94CE95-B055-4BB4-BCD7-9350C1CD4D21}"/>
+          </ac:spMkLst>
+        </pc:spChg>
+        <pc:spChg chg="add mod">
+          <ac:chgData name="김 승진" userId="c8f5d984e988fa03" providerId="LiveId" clId="{C09C1362-5E11-47C4-BDB4-F99D570DDF20}" dt="2021-12-20T16:07:18.016" v="690" actId="20577"/>
+          <ac:spMkLst>
+            <pc:docMk/>
+            <pc:sldMk cId="0" sldId="285"/>
+            <ac:spMk id="10" creationId="{86AC2236-FAAC-4366-892B-509A6F7268CD}"/>
+          </ac:spMkLst>
+        </pc:spChg>
+        <pc:spChg chg="add mod">
+          <ac:chgData name="김 승진" userId="c8f5d984e988fa03" providerId="LiveId" clId="{C09C1362-5E11-47C4-BDB4-F99D570DDF20}" dt="2021-12-20T15:15:12.444" v="478" actId="1076"/>
+          <ac:spMkLst>
+            <pc:docMk/>
+            <pc:sldMk cId="0" sldId="285"/>
+            <ac:spMk id="11" creationId="{6A8FACB3-2F58-4DC3-A240-9146FE2474B1}"/>
+          </ac:spMkLst>
+        </pc:spChg>
+        <pc:spChg chg="add mod">
+          <ac:chgData name="김 승진" userId="c8f5d984e988fa03" providerId="LiveId" clId="{C09C1362-5E11-47C4-BDB4-F99D570DDF20}" dt="2021-12-20T15:15:12.444" v="478" actId="1076"/>
+          <ac:spMkLst>
+            <pc:docMk/>
+            <pc:sldMk cId="0" sldId="285"/>
+            <ac:spMk id="12" creationId="{040EDFB7-8B31-47A3-BC76-F5DBC1ED2C95}"/>
+          </ac:spMkLst>
+        </pc:spChg>
+        <pc:spChg chg="del">
+          <ac:chgData name="김 승진" userId="c8f5d984e988fa03" providerId="LiveId" clId="{C09C1362-5E11-47C4-BDB4-F99D570DDF20}" dt="2021-12-20T15:15:06.732" v="476" actId="478"/>
+          <ac:spMkLst>
+            <pc:docMk/>
+            <pc:sldMk cId="0" sldId="285"/>
+            <ac:spMk id="28" creationId="{00000000-0000-0000-0000-000000000000}"/>
+          </ac:spMkLst>
+        </pc:spChg>
+        <pc:picChg chg="add mod">
+          <ac:chgData name="김 승진" userId="c8f5d984e988fa03" providerId="LiveId" clId="{C09C1362-5E11-47C4-BDB4-F99D570DDF20}" dt="2021-12-20T15:15:12.444" v="478" actId="1076"/>
+          <ac:picMkLst>
+            <pc:docMk/>
+            <pc:sldMk cId="0" sldId="285"/>
+            <ac:picMk id="13" creationId="{AAF441F2-5F52-4558-994C-C145AF719A83}"/>
+          </ac:picMkLst>
+        </pc:picChg>
+        <pc:picChg chg="add mod">
+          <ac:chgData name="김 승진" userId="c8f5d984e988fa03" providerId="LiveId" clId="{C09C1362-5E11-47C4-BDB4-F99D570DDF20}" dt="2021-12-20T15:15:12.444" v="478" actId="1076"/>
+          <ac:picMkLst>
+            <pc:docMk/>
+            <pc:sldMk cId="0" sldId="285"/>
+            <ac:picMk id="14" creationId="{EC35058D-4962-4829-9994-9605AE3E21F7}"/>
+          </ac:picMkLst>
+        </pc:picChg>
+      </pc:sldChg>
+      <pc:sldChg chg="addSp delSp modSp add mod">
+        <pc:chgData name="김 승진" userId="c8f5d984e988fa03" providerId="LiveId" clId="{C09C1362-5E11-47C4-BDB4-F99D570DDF20}" dt="2021-12-20T13:47:07.854" v="38" actId="207"/>
+        <pc:sldMkLst>
+          <pc:docMk/>
+          <pc:sldMk cId="752749270" sldId="286"/>
+        </pc:sldMkLst>
+        <pc:grpChg chg="del mod">
+          <ac:chgData name="김 승진" userId="c8f5d984e988fa03" providerId="LiveId" clId="{C09C1362-5E11-47C4-BDB4-F99D570DDF20}" dt="2021-12-20T13:44:26.167" v="24" actId="478"/>
+          <ac:grpSpMkLst>
+            <pc:docMk/>
+            <pc:sldMk cId="752749270" sldId="286"/>
+            <ac:grpSpMk id="3" creationId="{00000000-0000-0000-0000-000000000000}"/>
+          </ac:grpSpMkLst>
+        </pc:grpChg>
+        <pc:graphicFrameChg chg="add mod modGraphic">
+          <ac:chgData name="김 승진" userId="c8f5d984e988fa03" providerId="LiveId" clId="{C09C1362-5E11-47C4-BDB4-F99D570DDF20}" dt="2021-12-20T13:47:07.854" v="38" actId="207"/>
+          <ac:graphicFrameMkLst>
+            <pc:docMk/>
+            <pc:sldMk cId="752749270" sldId="286"/>
+            <ac:graphicFrameMk id="25" creationId="{1B6FA2CE-22F6-491A-A098-8FC33931AA62}"/>
+          </ac:graphicFrameMkLst>
+        </pc:graphicFrameChg>
+      </pc:sldChg>
+      <pc:sldChg chg="addSp delSp modSp add mod">
+        <pc:chgData name="김 승진" userId="c8f5d984e988fa03" providerId="LiveId" clId="{C09C1362-5E11-47C4-BDB4-F99D570DDF20}" dt="2021-12-20T16:10:37.420" v="749" actId="478"/>
+        <pc:sldMkLst>
+          <pc:docMk/>
+          <pc:sldMk cId="2341586349" sldId="287"/>
+        </pc:sldMkLst>
+        <pc:spChg chg="add del mod">
+          <ac:chgData name="김 승진" userId="c8f5d984e988fa03" providerId="LiveId" clId="{C09C1362-5E11-47C4-BDB4-F99D570DDF20}" dt="2021-12-20T16:10:37.420" v="749" actId="478"/>
+          <ac:spMkLst>
+            <pc:docMk/>
+            <pc:sldMk cId="2341586349" sldId="287"/>
+            <ac:spMk id="3" creationId="{9A61EE8A-277A-4C9E-A1CA-3D9ABA18D6B3}"/>
+          </ac:spMkLst>
+        </pc:spChg>
+        <pc:spChg chg="mod">
+          <ac:chgData name="김 승진" userId="c8f5d984e988fa03" providerId="LiveId" clId="{C09C1362-5E11-47C4-BDB4-F99D570DDF20}" dt="2021-12-20T16:10:35.864" v="748"/>
+          <ac:spMkLst>
+            <pc:docMk/>
+            <pc:sldMk cId="2341586349" sldId="287"/>
+            <ac:spMk id="5" creationId="{00000000-0000-0000-0000-000000000000}"/>
+          </ac:spMkLst>
+        </pc:spChg>
+        <pc:picChg chg="del">
+          <ac:chgData name="김 승진" userId="c8f5d984e988fa03" providerId="LiveId" clId="{C09C1362-5E11-47C4-BDB4-F99D570DDF20}" dt="2021-12-20T16:10:27.507" v="723" actId="478"/>
+          <ac:picMkLst>
+            <pc:docMk/>
+            <pc:sldMk cId="2341586349" sldId="287"/>
+            <ac:picMk id="28" creationId="{00000000-0000-0000-0000-000000000000}"/>
+          </ac:picMkLst>
+        </pc:picChg>
+      </pc:sldChg>
+    </pc:docChg>
+  </pc:docChgLst>
+</pc:chgInfo>
 </file>
 
 <file path=ppt/slideLayouts/slideLayout1.xml><?xml version="1.0" encoding="utf-8"?>
@@ -269,7 +1425,7 @@
           <a:p>
             <a:fld id="{B441A2CC-AD33-4BEB-BEDF-7117FCB0AF3A}" type="datetimeFigureOut">
               <a:rPr lang="ko-KR" altLang="en-US" smtClean="0"/>
-              <a:t>2021-11-25</a:t>
+              <a:t>2021-12-20</a:t>
             </a:fld>
             <a:endParaRPr lang="ko-KR" altLang="en-US"/>
           </a:p>
@@ -467,7 +1623,7 @@
           <a:p>
             <a:fld id="{B441A2CC-AD33-4BEB-BEDF-7117FCB0AF3A}" type="datetimeFigureOut">
               <a:rPr lang="ko-KR" altLang="en-US" smtClean="0"/>
-              <a:t>2021-11-25</a:t>
+              <a:t>2021-12-20</a:t>
             </a:fld>
             <a:endParaRPr lang="ko-KR" altLang="en-US"/>
           </a:p>
@@ -675,7 +1831,7 @@
           <a:p>
             <a:fld id="{B441A2CC-AD33-4BEB-BEDF-7117FCB0AF3A}" type="datetimeFigureOut">
               <a:rPr lang="ko-KR" altLang="en-US" smtClean="0"/>
-              <a:t>2021-11-25</a:t>
+              <a:t>2021-12-20</a:t>
             </a:fld>
             <a:endParaRPr lang="ko-KR" altLang="en-US"/>
           </a:p>
@@ -873,7 +2029,7 @@
           <a:p>
             <a:fld id="{B441A2CC-AD33-4BEB-BEDF-7117FCB0AF3A}" type="datetimeFigureOut">
               <a:rPr lang="ko-KR" altLang="en-US" smtClean="0"/>
-              <a:t>2021-11-25</a:t>
+              <a:t>2021-12-20</a:t>
             </a:fld>
             <a:endParaRPr lang="ko-KR" altLang="en-US"/>
           </a:p>
@@ -1148,7 +2304,7 @@
           <a:p>
             <a:fld id="{B441A2CC-AD33-4BEB-BEDF-7117FCB0AF3A}" type="datetimeFigureOut">
               <a:rPr lang="ko-KR" altLang="en-US" smtClean="0"/>
-              <a:t>2021-11-25</a:t>
+              <a:t>2021-12-20</a:t>
             </a:fld>
             <a:endParaRPr lang="ko-KR" altLang="en-US"/>
           </a:p>
@@ -1413,7 +2569,7 @@
           <a:p>
             <a:fld id="{B441A2CC-AD33-4BEB-BEDF-7117FCB0AF3A}" type="datetimeFigureOut">
               <a:rPr lang="ko-KR" altLang="en-US" smtClean="0"/>
-              <a:t>2021-11-25</a:t>
+              <a:t>2021-12-20</a:t>
             </a:fld>
             <a:endParaRPr lang="ko-KR" altLang="en-US"/>
           </a:p>
@@ -1825,7 +2981,7 @@
           <a:p>
             <a:fld id="{B441A2CC-AD33-4BEB-BEDF-7117FCB0AF3A}" type="datetimeFigureOut">
               <a:rPr lang="ko-KR" altLang="en-US" smtClean="0"/>
-              <a:t>2021-11-25</a:t>
+              <a:t>2021-12-20</a:t>
             </a:fld>
             <a:endParaRPr lang="ko-KR" altLang="en-US"/>
           </a:p>
@@ -1966,7 +3122,7 @@
           <a:p>
             <a:fld id="{B441A2CC-AD33-4BEB-BEDF-7117FCB0AF3A}" type="datetimeFigureOut">
               <a:rPr lang="ko-KR" altLang="en-US" smtClean="0"/>
-              <a:t>2021-11-25</a:t>
+              <a:t>2021-12-20</a:t>
             </a:fld>
             <a:endParaRPr lang="ko-KR" altLang="en-US"/>
           </a:p>
@@ -2079,7 +3235,7 @@
           <a:p>
             <a:fld id="{B441A2CC-AD33-4BEB-BEDF-7117FCB0AF3A}" type="datetimeFigureOut">
               <a:rPr lang="ko-KR" altLang="en-US" smtClean="0"/>
-              <a:t>2021-11-25</a:t>
+              <a:t>2021-12-20</a:t>
             </a:fld>
             <a:endParaRPr lang="ko-KR" altLang="en-US"/>
           </a:p>
@@ -2390,7 +3546,7 @@
           <a:p>
             <a:fld id="{B441A2CC-AD33-4BEB-BEDF-7117FCB0AF3A}" type="datetimeFigureOut">
               <a:rPr lang="ko-KR" altLang="en-US" smtClean="0"/>
-              <a:t>2021-11-25</a:t>
+              <a:t>2021-12-20</a:t>
             </a:fld>
             <a:endParaRPr lang="ko-KR" altLang="en-US"/>
           </a:p>
@@ -2678,7 +3834,7 @@
           <a:p>
             <a:fld id="{B441A2CC-AD33-4BEB-BEDF-7117FCB0AF3A}" type="datetimeFigureOut">
               <a:rPr lang="ko-KR" altLang="en-US" smtClean="0"/>
-              <a:t>2021-11-25</a:t>
+              <a:t>2021-12-20</a:t>
             </a:fld>
             <a:endParaRPr lang="ko-KR" altLang="en-US"/>
           </a:p>
@@ -2925,7 +4081,7 @@
           <a:p>
             <a:fld id="{B441A2CC-AD33-4BEB-BEDF-7117FCB0AF3A}" type="datetimeFigureOut">
               <a:rPr lang="ko-KR" altLang="en-US" smtClean="0"/>
-              <a:t>2021-11-25</a:t>
+              <a:t>2021-12-20</a:t>
             </a:fld>
             <a:endParaRPr lang="ko-KR" altLang="en-US"/>
           </a:p>
@@ -3679,7 +4835,7 @@
     <mc:Choice Requires="p14">
       <p:transition/>
     </mc:Choice>
-    <mc:Fallback xmlns:dsp="http://schemas.microsoft.com/office/drawing/2008/diagram" xmlns:dgm="http://schemas.openxmlformats.org/drawingml/2006/diagram" xmlns:c="http://schemas.openxmlformats.org/drawingml/2006/chart" xmlns="">
+    <mc:Fallback xmlns="" xmlns:c="http://schemas.openxmlformats.org/drawingml/2006/chart" xmlns:dgm="http://schemas.openxmlformats.org/drawingml/2006/diagram" xmlns:dsp="http://schemas.microsoft.com/office/drawing/2008/diagram">
       <p:transition/>
     </mc:Fallback>
   </mc:AlternateContent>
@@ -3687,7 +4843,7 @@
 </file>
 
 <file path=ppt/slides/slide10.xml><?xml version="1.0" encoding="utf-8"?>
-<p:sld xmlns:r="http://schemas.openxmlformats.org/officeDocument/2006/relationships" xmlns:c="http://schemas.openxmlformats.org/drawingml/2006/chart" xmlns:a="http://schemas.openxmlformats.org/drawingml/2006/main" xmlns:dgm="http://schemas.openxmlformats.org/drawingml/2006/diagram" xmlns:dsp="http://schemas.microsoft.com/office/drawing/2008/diagram" xmlns:p="http://schemas.openxmlformats.org/presentationml/2006/main">
+<p:sld xmlns:a="http://schemas.openxmlformats.org/drawingml/2006/main" xmlns:r="http://schemas.openxmlformats.org/officeDocument/2006/relationships" xmlns:p="http://schemas.openxmlformats.org/presentationml/2006/main">
   <p:cSld>
     <p:spTree>
       <p:nvGrpSpPr>
@@ -3718,7 +4874,7 @@
             <a:avLst/>
           </a:prstGeom>
           <a:solidFill>
-            <a:srgbClr val="64decf"/>
+            <a:srgbClr val="64DECF"/>
           </a:solidFill>
           <a:ln>
             <a:noFill/>
@@ -3758,228 +4914,7 @@
           <p:nvPr/>
         </p:nvGrpSpPr>
         <p:grpSpPr>
-          <a:xfrm rot="0">
-            <a:off x="4105427" y="188165"/>
-            <a:ext cx="3981147" cy="819580"/>
-            <a:chOff x="3819245" y="188165"/>
-            <a:chExt cx="3981147" cy="819580"/>
-          </a:xfrm>
-        </p:grpSpPr>
-        <p:sp>
-          <p:nvSpPr>
-            <p:cNvPr id="5" name="직사각형 4"/>
-            <p:cNvSpPr/>
-            <p:nvPr/>
-          </p:nvSpPr>
-          <p:spPr>
-            <a:xfrm>
-              <a:off x="4603102" y="366260"/>
-              <a:ext cx="3197290" cy="470035"/>
-            </a:xfrm>
-            <a:prstGeom prst="rect">
-              <a:avLst/>
-            </a:prstGeom>
-          </p:spPr>
-          <p:txBody>
-            <a:bodyPr wrap="square">
-              <a:spAutoFit/>
-            </a:bodyPr>
-            <a:lstStyle/>
-            <a:p>
-              <a:pPr lvl="0">
-                <a:defRPr/>
-              </a:pPr>
-              <a:r>
-                <a:rPr lang="ko-KR" altLang="en-US" sz="2500">
-                  <a:solidFill>
-                    <a:schemeClr val="tx1">
-                      <a:lumMod val="65000"/>
-                      <a:lumOff val="35000"/>
-                    </a:schemeClr>
-                  </a:solidFill>
-                  <a:latin typeface="KoPubWorld돋움체 Light"/>
-                  <a:ea typeface="KoPubWorld돋움체 Light"/>
-                  <a:cs typeface="KoPubWorld돋움체 Light"/>
-                </a:rPr>
-                <a:t>프로젝트 설계</a:t>
-              </a:r>
-              <a:endParaRPr lang="ko-KR" altLang="en-US" sz="2500">
-                <a:solidFill>
-                  <a:schemeClr val="tx1">
-                    <a:lumMod val="65000"/>
-                    <a:lumOff val="35000"/>
-                  </a:schemeClr>
-                </a:solidFill>
-                <a:latin typeface="KoPubWorld돋움체 Light"/>
-                <a:ea typeface="KoPubWorld돋움체 Light"/>
-                <a:cs typeface="KoPubWorld돋움체 Light"/>
-              </a:endParaRPr>
-            </a:p>
-          </p:txBody>
-        </p:sp>
-        <p:sp>
-          <p:nvSpPr>
-            <p:cNvPr id="24" name="TextBox 23"/>
-            <p:cNvSpPr txBox="1"/>
-            <p:nvPr/>
-          </p:nvSpPr>
-          <p:spPr>
-            <a:xfrm>
-              <a:off x="3819245" y="188165"/>
-              <a:ext cx="891388" cy="819580"/>
-            </a:xfrm>
-            <a:prstGeom prst="rect">
-              <a:avLst/>
-            </a:prstGeom>
-            <a:noFill/>
-          </p:spPr>
-          <p:txBody>
-            <a:bodyPr wrap="none">
-              <a:spAutoFit/>
-            </a:bodyPr>
-            <a:lstStyle/>
-            <a:p>
-              <a:pPr lvl="0">
-                <a:defRPr/>
-              </a:pPr>
-              <a:r>
-                <a:rPr lang="en-US" altLang="ko-KR" sz="4800" b="1">
-                  <a:solidFill>
-                    <a:srgbClr val="64decf"/>
-                  </a:solidFill>
-                  <a:latin typeface="KoPubWorld돋움체 Bold"/>
-                  <a:ea typeface="KoPubWorld돋움체 Bold"/>
-                  <a:cs typeface="KoPubWorld돋움체 Bold"/>
-                </a:rPr>
-                <a:t>05</a:t>
-              </a:r>
-              <a:endParaRPr lang="en-US" altLang="ko-KR" sz="4800" b="1">
-                <a:solidFill>
-                  <a:srgbClr val="64decf"/>
-                </a:solidFill>
-                <a:latin typeface="KoPubWorld돋움체 Bold"/>
-                <a:ea typeface="KoPubWorld돋움체 Bold"/>
-                <a:cs typeface="KoPubWorld돋움체 Bold"/>
-              </a:endParaRPr>
-            </a:p>
-          </p:txBody>
-        </p:sp>
-      </p:grpSp>
-      <p:pic>
-        <p:nvPicPr>
-          <p:cNvPr id="27" name=""/>
-          <p:cNvPicPr>
-            <a:picLocks noGrp="1" noChangeAspect="1"/>
-          </p:cNvPicPr>
-          <p:nvPr>
-            <p:ph idx="1"/>
-          </p:nvPr>
-        </p:nvPicPr>
-        <p:blipFill rotWithShape="1">
-          <a:blip r:embed="rId2"/>
-          <a:stretch>
-            <a:fillRect/>
-          </a:stretch>
-        </p:blipFill>
-        <p:spPr>
           <a:xfrm>
-            <a:off x="2732454" y="1120069"/>
-            <a:ext cx="5898062" cy="5341808"/>
-          </a:xfrm>
-          <a:prstGeom prst="rect">
-            <a:avLst/>
-          </a:prstGeom>
-        </p:spPr>
-      </p:pic>
-    </p:spTree>
-  </p:cSld>
-  <p:clrMapOvr>
-    <a:masterClrMapping/>
-  </p:clrMapOvr>
-  <mc:AlternateContent xmlns:mc="http://schemas.openxmlformats.org/markup-compatibility/2006">
-    <mc:Choice xmlns:p14="http://schemas.microsoft.com/office/powerpoint/2010/main" Requires="p14">
-      <p:transition xmlns:mc="http://schemas.openxmlformats.org/markup-compatibility/2006" xmlns:p14="http://schemas.microsoft.com/office/powerpoint/2010/main" mc:Ignorable="p14" p14:dur="500"/>
-    </mc:Choice>
-    <mc:Fallback>
-      <p:transition/>
-    </mc:Fallback>
-  </mc:AlternateContent>
-</p:sld>
-</file>
-
-<file path=ppt/slides/slide11.xml><?xml version="1.0" encoding="utf-8"?>
-<p:sld xmlns:r="http://schemas.openxmlformats.org/officeDocument/2006/relationships" xmlns:c="http://schemas.openxmlformats.org/drawingml/2006/chart" xmlns:a="http://schemas.openxmlformats.org/drawingml/2006/main" xmlns:dgm="http://schemas.openxmlformats.org/drawingml/2006/diagram" xmlns:dsp="http://schemas.microsoft.com/office/drawing/2008/diagram" xmlns:p="http://schemas.openxmlformats.org/presentationml/2006/main">
-  <p:cSld>
-    <p:spTree>
-      <p:nvGrpSpPr>
-        <p:cNvPr id="1" name=""/>
-        <p:cNvGrpSpPr/>
-        <p:nvPr/>
-      </p:nvGrpSpPr>
-      <p:grpSpPr>
-        <a:xfrm>
-          <a:off x="0" y="0"/>
-          <a:ext cx="0" cy="0"/>
-          <a:chOff x="0" y="0"/>
-          <a:chExt cx="0" cy="0"/>
-        </a:xfrm>
-      </p:grpSpPr>
-      <p:sp>
-        <p:nvSpPr>
-          <p:cNvPr id="23" name="직사각형 22"/>
-          <p:cNvSpPr/>
-          <p:nvPr/>
-        </p:nvSpPr>
-        <p:spPr>
-          <a:xfrm flipV="1">
-            <a:off x="557400" y="1001162"/>
-            <a:ext cx="11077200" cy="18000"/>
-          </a:xfrm>
-          <a:prstGeom prst="rect">
-            <a:avLst/>
-          </a:prstGeom>
-          <a:solidFill>
-            <a:srgbClr val="64decf"/>
-          </a:solidFill>
-          <a:ln>
-            <a:noFill/>
-          </a:ln>
-        </p:spPr>
-        <p:style>
-          <a:lnRef idx="2">
-            <a:schemeClr val="accent1">
-              <a:shade val="50000"/>
-            </a:schemeClr>
-          </a:lnRef>
-          <a:fillRef idx="1">
-            <a:schemeClr val="accent1"/>
-          </a:fillRef>
-          <a:effectRef idx="0">
-            <a:schemeClr val="accent1"/>
-          </a:effectRef>
-          <a:fontRef idx="minor">
-            <a:schemeClr val="lt1"/>
-          </a:fontRef>
-        </p:style>
-        <p:txBody>
-          <a:bodyPr anchor="ctr"/>
-          <a:lstStyle/>
-          <a:p>
-            <a:pPr algn="ctr">
-              <a:defRPr/>
-            </a:pPr>
-            <a:endParaRPr lang="ko-KR" altLang="en-US"/>
-          </a:p>
-        </p:txBody>
-      </p:sp>
-      <p:grpSp>
-        <p:nvGrpSpPr>
-          <p:cNvPr id="6" name="그룹 5"/>
-          <p:cNvGrpSpPr/>
-          <p:nvPr/>
-        </p:nvGrpSpPr>
-        <p:grpSpPr>
-          <a:xfrm rot="0">
             <a:off x="4105427" y="188165"/>
             <a:ext cx="3981147" cy="819580"/>
             <a:chOff x="3819245" y="188165"/>
@@ -4038,17 +4973,6 @@
                 </a:rPr>
                 <a:t>명세서</a:t>
               </a:r>
-              <a:endParaRPr lang="ko-KR" altLang="en-US" sz="2500">
-                <a:solidFill>
-                  <a:schemeClr val="tx1">
-                    <a:lumMod val="65000"/>
-                    <a:lumOff val="35000"/>
-                  </a:schemeClr>
-                </a:solidFill>
-                <a:latin typeface="KoPubWorld돋움체 Light"/>
-                <a:ea typeface="KoPubWorld돋움체 Light"/>
-                <a:cs typeface="KoPubWorld돋움체 Light"/>
-              </a:endParaRPr>
             </a:p>
           </p:txBody>
         </p:sp>
@@ -4080,7 +5004,7 @@
               <a:r>
                 <a:rPr lang="en-US" altLang="ko-KR" sz="4800" b="1">
                   <a:solidFill>
-                    <a:srgbClr val="64decf"/>
+                    <a:srgbClr val="64DECF"/>
                   </a:solidFill>
                   <a:latin typeface="KoPubWorld돋움체 Bold"/>
                   <a:ea typeface="KoPubWorld돋움체 Bold"/>
@@ -4088,21 +5012,13 @@
                 </a:rPr>
                 <a:t>06</a:t>
               </a:r>
-              <a:endParaRPr lang="en-US" altLang="ko-KR" sz="4800" b="1">
-                <a:solidFill>
-                  <a:srgbClr val="64decf"/>
-                </a:solidFill>
-                <a:latin typeface="KoPubWorld돋움체 Bold"/>
-                <a:ea typeface="KoPubWorld돋움체 Bold"/>
-                <a:cs typeface="KoPubWorld돋움체 Bold"/>
-              </a:endParaRPr>
             </a:p>
           </p:txBody>
         </p:sp>
       </p:grpSp>
       <p:pic>
         <p:nvPicPr>
-          <p:cNvPr id="28" name=""/>
+          <p:cNvPr id="28" name="내용 개체 틀 27"/>
           <p:cNvPicPr>
             <a:picLocks noGrp="1" noChangeAspect="1"/>
           </p:cNvPicPr>
@@ -4131,19 +5047,19 @@
   <p:clrMapOvr>
     <a:masterClrMapping/>
   </p:clrMapOvr>
-  <mc:AlternateContent xmlns:mc="http://schemas.openxmlformats.org/markup-compatibility/2006">
-    <mc:Choice xmlns:p14="http://schemas.microsoft.com/office/powerpoint/2010/main" Requires="p14">
-      <p:transition xmlns:mc="http://schemas.openxmlformats.org/markup-compatibility/2006" xmlns:p14="http://schemas.microsoft.com/office/powerpoint/2010/main" mc:Ignorable="p14" p14:dur="500"/>
+  <mc:AlternateContent xmlns:mc="http://schemas.openxmlformats.org/markup-compatibility/2006" xmlns:p14="http://schemas.microsoft.com/office/powerpoint/2010/main">
+    <mc:Choice Requires="p14">
+      <p:transition/>
     </mc:Choice>
-    <mc:Fallback>
+    <mc:Fallback xmlns:dsp="http://schemas.microsoft.com/office/drawing/2008/diagram" xmlns:dgm="http://schemas.openxmlformats.org/drawingml/2006/diagram" xmlns:c="http://schemas.openxmlformats.org/drawingml/2006/chart" xmlns="">
       <p:transition/>
     </mc:Fallback>
   </mc:AlternateContent>
 </p:sld>
 </file>
 
-<file path=ppt/slides/slide12.xml><?xml version="1.0" encoding="utf-8"?>
-<p:sld xmlns:r="http://schemas.openxmlformats.org/officeDocument/2006/relationships" xmlns:c="http://schemas.openxmlformats.org/drawingml/2006/chart" xmlns:a="http://schemas.openxmlformats.org/drawingml/2006/main" xmlns:dgm="http://schemas.openxmlformats.org/drawingml/2006/diagram" xmlns:dsp="http://schemas.microsoft.com/office/drawing/2008/diagram" xmlns:p="http://schemas.openxmlformats.org/presentationml/2006/main">
+<file path=ppt/slides/slide11.xml><?xml version="1.0" encoding="utf-8"?>
+<p:sld xmlns:a="http://schemas.openxmlformats.org/drawingml/2006/main" xmlns:r="http://schemas.openxmlformats.org/officeDocument/2006/relationships" xmlns:p="http://schemas.openxmlformats.org/presentationml/2006/main">
   <p:cSld>
     <p:spTree>
       <p:nvGrpSpPr>
@@ -4174,7 +5090,7 @@
             <a:avLst/>
           </a:prstGeom>
           <a:solidFill>
-            <a:srgbClr val="64decf"/>
+            <a:srgbClr val="64DECF"/>
           </a:solidFill>
           <a:ln>
             <a:noFill/>
@@ -4214,7 +5130,7 @@
           <p:nvPr/>
         </p:nvGrpSpPr>
         <p:grpSpPr>
-          <a:xfrm rot="0">
+          <a:xfrm>
             <a:off x="4105427" y="188165"/>
             <a:ext cx="3981147" cy="819580"/>
             <a:chOff x="3819245" y="188165"/>
@@ -4273,17 +5189,6 @@
                 </a:rPr>
                 <a:t>명세서</a:t>
               </a:r>
-              <a:endParaRPr lang="ko-KR" altLang="en-US" sz="2500">
-                <a:solidFill>
-                  <a:schemeClr val="tx1">
-                    <a:lumMod val="65000"/>
-                    <a:lumOff val="35000"/>
-                  </a:schemeClr>
-                </a:solidFill>
-                <a:latin typeface="KoPubWorld돋움체 Light"/>
-                <a:ea typeface="KoPubWorld돋움체 Light"/>
-                <a:cs typeface="KoPubWorld돋움체 Light"/>
-              </a:endParaRPr>
             </a:p>
           </p:txBody>
         </p:sp>
@@ -4315,7 +5220,7 @@
               <a:r>
                 <a:rPr lang="en-US" altLang="ko-KR" sz="4800" b="1">
                   <a:solidFill>
-                    <a:srgbClr val="64decf"/>
+                    <a:srgbClr val="64DECF"/>
                   </a:solidFill>
                   <a:latin typeface="KoPubWorld돋움체 Bold"/>
                   <a:ea typeface="KoPubWorld돋움체 Bold"/>
@@ -4323,21 +5228,13 @@
                 </a:rPr>
                 <a:t>06</a:t>
               </a:r>
-              <a:endParaRPr lang="en-US" altLang="ko-KR" sz="4800" b="1">
-                <a:solidFill>
-                  <a:srgbClr val="64decf"/>
-                </a:solidFill>
-                <a:latin typeface="KoPubWorld돋움체 Bold"/>
-                <a:ea typeface="KoPubWorld돋움체 Bold"/>
-                <a:cs typeface="KoPubWorld돋움체 Bold"/>
-              </a:endParaRPr>
             </a:p>
           </p:txBody>
         </p:sp>
       </p:grpSp>
       <p:pic>
         <p:nvPicPr>
-          <p:cNvPr id="28" name=""/>
+          <p:cNvPr id="28" name="내용 개체 틀 27"/>
           <p:cNvPicPr>
             <a:picLocks noGrp="1" noChangeAspect="1"/>
           </p:cNvPicPr>
@@ -4366,19 +5263,19 @@
   <p:clrMapOvr>
     <a:masterClrMapping/>
   </p:clrMapOvr>
-  <mc:AlternateContent xmlns:mc="http://schemas.openxmlformats.org/markup-compatibility/2006">
-    <mc:Choice xmlns:p14="http://schemas.microsoft.com/office/powerpoint/2010/main" Requires="p14">
-      <p:transition xmlns:mc="http://schemas.openxmlformats.org/markup-compatibility/2006" xmlns:p14="http://schemas.microsoft.com/office/powerpoint/2010/main" mc:Ignorable="p14" p14:dur="500"/>
+  <mc:AlternateContent xmlns:mc="http://schemas.openxmlformats.org/markup-compatibility/2006" xmlns:p14="http://schemas.microsoft.com/office/powerpoint/2010/main">
+    <mc:Choice Requires="p14">
+      <p:transition/>
     </mc:Choice>
-    <mc:Fallback>
+    <mc:Fallback xmlns:dsp="http://schemas.microsoft.com/office/drawing/2008/diagram" xmlns:dgm="http://schemas.openxmlformats.org/drawingml/2006/diagram" xmlns:c="http://schemas.openxmlformats.org/drawingml/2006/chart" xmlns="">
       <p:transition/>
     </mc:Fallback>
   </mc:AlternateContent>
 </p:sld>
 </file>
 
-<file path=ppt/slides/slide13.xml><?xml version="1.0" encoding="utf-8"?>
-<p:sld xmlns:r="http://schemas.openxmlformats.org/officeDocument/2006/relationships" xmlns:c="http://schemas.openxmlformats.org/drawingml/2006/chart" xmlns:a="http://schemas.openxmlformats.org/drawingml/2006/main" xmlns:dgm="http://schemas.openxmlformats.org/drawingml/2006/diagram" xmlns:dsp="http://schemas.microsoft.com/office/drawing/2008/diagram" xmlns:p="http://schemas.openxmlformats.org/presentationml/2006/main">
+<file path=ppt/slides/slide12.xml><?xml version="1.0" encoding="utf-8"?>
+<p:sld xmlns:a="http://schemas.openxmlformats.org/drawingml/2006/main" xmlns:r="http://schemas.openxmlformats.org/officeDocument/2006/relationships" xmlns:p="http://schemas.openxmlformats.org/presentationml/2006/main">
   <p:cSld>
     <p:spTree>
       <p:nvGrpSpPr>
@@ -4409,7 +5306,7 @@
             <a:avLst/>
           </a:prstGeom>
           <a:solidFill>
-            <a:srgbClr val="64decf"/>
+            <a:srgbClr val="64DECF"/>
           </a:solidFill>
           <a:ln>
             <a:noFill/>
@@ -4449,7 +5346,7 @@
           <p:nvPr/>
         </p:nvGrpSpPr>
         <p:grpSpPr>
-          <a:xfrm rot="0">
+          <a:xfrm>
             <a:off x="4105427" y="188165"/>
             <a:ext cx="3981147" cy="819580"/>
             <a:chOff x="3819245" y="188165"/>
@@ -4508,17 +5405,6 @@
                 </a:rPr>
                 <a:t>명세서</a:t>
               </a:r>
-              <a:endParaRPr lang="ko-KR" altLang="en-US" sz="2500">
-                <a:solidFill>
-                  <a:schemeClr val="tx1">
-                    <a:lumMod val="65000"/>
-                    <a:lumOff val="35000"/>
-                  </a:schemeClr>
-                </a:solidFill>
-                <a:latin typeface="KoPubWorld돋움체 Light"/>
-                <a:ea typeface="KoPubWorld돋움체 Light"/>
-                <a:cs typeface="KoPubWorld돋움체 Light"/>
-              </a:endParaRPr>
             </a:p>
           </p:txBody>
         </p:sp>
@@ -4550,7 +5436,7 @@
               <a:r>
                 <a:rPr lang="en-US" altLang="ko-KR" sz="4800" b="1">
                   <a:solidFill>
-                    <a:srgbClr val="64decf"/>
+                    <a:srgbClr val="64DECF"/>
                   </a:solidFill>
                   <a:latin typeface="KoPubWorld돋움체 Bold"/>
                   <a:ea typeface="KoPubWorld돋움체 Bold"/>
@@ -4558,21 +5444,13 @@
                 </a:rPr>
                 <a:t>06</a:t>
               </a:r>
-              <a:endParaRPr lang="en-US" altLang="ko-KR" sz="4800" b="1">
-                <a:solidFill>
-                  <a:srgbClr val="64decf"/>
-                </a:solidFill>
-                <a:latin typeface="KoPubWorld돋움체 Bold"/>
-                <a:ea typeface="KoPubWorld돋움체 Bold"/>
-                <a:cs typeface="KoPubWorld돋움체 Bold"/>
-              </a:endParaRPr>
             </a:p>
           </p:txBody>
         </p:sp>
       </p:grpSp>
       <p:pic>
         <p:nvPicPr>
-          <p:cNvPr id="28" name=""/>
+          <p:cNvPr id="28" name="내용 개체 틀 27"/>
           <p:cNvPicPr>
             <a:picLocks noGrp="1" noChangeAspect="1"/>
           </p:cNvPicPr>
@@ -4601,19 +5479,19 @@
   <p:clrMapOvr>
     <a:masterClrMapping/>
   </p:clrMapOvr>
-  <mc:AlternateContent xmlns:mc="http://schemas.openxmlformats.org/markup-compatibility/2006">
-    <mc:Choice xmlns:p14="http://schemas.microsoft.com/office/powerpoint/2010/main" Requires="p14">
-      <p:transition xmlns:mc="http://schemas.openxmlformats.org/markup-compatibility/2006" xmlns:p14="http://schemas.microsoft.com/office/powerpoint/2010/main" mc:Ignorable="p14" p14:dur="500"/>
+  <mc:AlternateContent xmlns:mc="http://schemas.openxmlformats.org/markup-compatibility/2006" xmlns:p14="http://schemas.microsoft.com/office/powerpoint/2010/main">
+    <mc:Choice Requires="p14">
+      <p:transition/>
     </mc:Choice>
-    <mc:Fallback>
+    <mc:Fallback xmlns:dsp="http://schemas.microsoft.com/office/drawing/2008/diagram" xmlns:dgm="http://schemas.openxmlformats.org/drawingml/2006/diagram" xmlns:c="http://schemas.openxmlformats.org/drawingml/2006/chart" xmlns="">
       <p:transition/>
     </mc:Fallback>
   </mc:AlternateContent>
 </p:sld>
 </file>
 
-<file path=ppt/slides/slide14.xml><?xml version="1.0" encoding="utf-8"?>
-<p:sld xmlns:r="http://schemas.openxmlformats.org/officeDocument/2006/relationships" xmlns:c="http://schemas.openxmlformats.org/drawingml/2006/chart" xmlns:a="http://schemas.openxmlformats.org/drawingml/2006/main" xmlns:dgm="http://schemas.openxmlformats.org/drawingml/2006/diagram" xmlns:dsp="http://schemas.microsoft.com/office/drawing/2008/diagram" xmlns:p="http://schemas.openxmlformats.org/presentationml/2006/main">
+<file path=ppt/slides/slide13.xml><?xml version="1.0" encoding="utf-8"?>
+<p:sld xmlns:a="http://schemas.openxmlformats.org/drawingml/2006/main" xmlns:r="http://schemas.openxmlformats.org/officeDocument/2006/relationships" xmlns:p="http://schemas.openxmlformats.org/presentationml/2006/main">
   <p:cSld>
     <p:spTree>
       <p:nvGrpSpPr>
@@ -4644,7 +5522,7 @@
             <a:avLst/>
           </a:prstGeom>
           <a:solidFill>
-            <a:srgbClr val="64decf"/>
+            <a:srgbClr val="64DECF"/>
           </a:solidFill>
           <a:ln>
             <a:noFill/>
@@ -4684,7 +5562,7 @@
           <p:nvPr/>
         </p:nvGrpSpPr>
         <p:grpSpPr>
-          <a:xfrm rot="0">
+          <a:xfrm>
             <a:off x="4105427" y="188165"/>
             <a:ext cx="3981147" cy="819580"/>
             <a:chOff x="3819245" y="188165"/>
@@ -4743,17 +5621,6 @@
                 </a:rPr>
                 <a:t>명세서</a:t>
               </a:r>
-              <a:endParaRPr lang="ko-KR" altLang="en-US" sz="2500">
-                <a:solidFill>
-                  <a:schemeClr val="tx1">
-                    <a:lumMod val="65000"/>
-                    <a:lumOff val="35000"/>
-                  </a:schemeClr>
-                </a:solidFill>
-                <a:latin typeface="KoPubWorld돋움체 Light"/>
-                <a:ea typeface="KoPubWorld돋움체 Light"/>
-                <a:cs typeface="KoPubWorld돋움체 Light"/>
-              </a:endParaRPr>
             </a:p>
           </p:txBody>
         </p:sp>
@@ -4785,7 +5652,7 @@
               <a:r>
                 <a:rPr lang="en-US" altLang="ko-KR" sz="4800" b="1">
                   <a:solidFill>
-                    <a:srgbClr val="64decf"/>
+                    <a:srgbClr val="64DECF"/>
                   </a:solidFill>
                   <a:latin typeface="KoPubWorld돋움체 Bold"/>
                   <a:ea typeface="KoPubWorld돋움체 Bold"/>
@@ -4793,21 +5660,13 @@
                 </a:rPr>
                 <a:t>06</a:t>
               </a:r>
-              <a:endParaRPr lang="en-US" altLang="ko-KR" sz="4800" b="1">
-                <a:solidFill>
-                  <a:srgbClr val="64decf"/>
-                </a:solidFill>
-                <a:latin typeface="KoPubWorld돋움체 Bold"/>
-                <a:ea typeface="KoPubWorld돋움체 Bold"/>
-                <a:cs typeface="KoPubWorld돋움체 Bold"/>
-              </a:endParaRPr>
             </a:p>
           </p:txBody>
         </p:sp>
       </p:grpSp>
       <p:pic>
         <p:nvPicPr>
-          <p:cNvPr id="28" name=""/>
+          <p:cNvPr id="28" name="내용 개체 틀 27"/>
           <p:cNvPicPr>
             <a:picLocks noGrp="1" noChangeAspect="1"/>
           </p:cNvPicPr>
@@ -4836,19 +5695,19 @@
   <p:clrMapOvr>
     <a:masterClrMapping/>
   </p:clrMapOvr>
-  <mc:AlternateContent xmlns:mc="http://schemas.openxmlformats.org/markup-compatibility/2006">
-    <mc:Choice xmlns:p14="http://schemas.microsoft.com/office/powerpoint/2010/main" Requires="p14">
-      <p:transition xmlns:mc="http://schemas.openxmlformats.org/markup-compatibility/2006" xmlns:p14="http://schemas.microsoft.com/office/powerpoint/2010/main" mc:Ignorable="p14" p14:dur="500"/>
+  <mc:AlternateContent xmlns:mc="http://schemas.openxmlformats.org/markup-compatibility/2006" xmlns:p14="http://schemas.microsoft.com/office/powerpoint/2010/main">
+    <mc:Choice Requires="p14">
+      <p:transition/>
     </mc:Choice>
-    <mc:Fallback>
+    <mc:Fallback xmlns:dsp="http://schemas.microsoft.com/office/drawing/2008/diagram" xmlns:dgm="http://schemas.openxmlformats.org/drawingml/2006/diagram" xmlns:c="http://schemas.openxmlformats.org/drawingml/2006/chart" xmlns="">
       <p:transition/>
     </mc:Fallback>
   </mc:AlternateContent>
 </p:sld>
 </file>
 
-<file path=ppt/slides/slide15.xml><?xml version="1.0" encoding="utf-8"?>
-<p:sld xmlns:r="http://schemas.openxmlformats.org/officeDocument/2006/relationships" xmlns:c="http://schemas.openxmlformats.org/drawingml/2006/chart" xmlns:a="http://schemas.openxmlformats.org/drawingml/2006/main" xmlns:dgm="http://schemas.openxmlformats.org/drawingml/2006/diagram" xmlns:dsp="http://schemas.microsoft.com/office/drawing/2008/diagram" xmlns:p="http://schemas.openxmlformats.org/presentationml/2006/main">
+<file path=ppt/slides/slide14.xml><?xml version="1.0" encoding="utf-8"?>
+<p:sld xmlns:a="http://schemas.openxmlformats.org/drawingml/2006/main" xmlns:r="http://schemas.openxmlformats.org/officeDocument/2006/relationships" xmlns:p="http://schemas.openxmlformats.org/presentationml/2006/main">
   <p:cSld>
     <p:spTree>
       <p:nvGrpSpPr>
@@ -4879,7 +5738,7 @@
             <a:avLst/>
           </a:prstGeom>
           <a:solidFill>
-            <a:srgbClr val="64decf"/>
+            <a:srgbClr val="64DECF"/>
           </a:solidFill>
           <a:ln>
             <a:noFill/>
@@ -4919,7 +5778,181 @@
           <p:nvPr/>
         </p:nvGrpSpPr>
         <p:grpSpPr>
-          <a:xfrm rot="0">
+          <a:xfrm>
+            <a:off x="4105427" y="188165"/>
+            <a:ext cx="3981147" cy="819580"/>
+            <a:chOff x="3819245" y="188165"/>
+            <a:chExt cx="3981147" cy="819580"/>
+          </a:xfrm>
+        </p:grpSpPr>
+        <p:sp>
+          <p:nvSpPr>
+            <p:cNvPr id="5" name="직사각형 4"/>
+            <p:cNvSpPr/>
+            <p:nvPr/>
+          </p:nvSpPr>
+          <p:spPr>
+            <a:xfrm>
+              <a:off x="4603102" y="366260"/>
+              <a:ext cx="3197290" cy="477054"/>
+            </a:xfrm>
+            <a:prstGeom prst="rect">
+              <a:avLst/>
+            </a:prstGeom>
+          </p:spPr>
+          <p:txBody>
+            <a:bodyPr wrap="square">
+              <a:spAutoFit/>
+            </a:bodyPr>
+            <a:lstStyle/>
+            <a:p>
+              <a:pPr lvl="0">
+                <a:defRPr/>
+              </a:pPr>
+              <a:r>
+                <a:rPr lang="ko-KR" altLang="en-US" sz="2500" dirty="0">
+                  <a:solidFill>
+                    <a:schemeClr val="tx1">
+                      <a:lumMod val="65000"/>
+                      <a:lumOff val="35000"/>
+                    </a:schemeClr>
+                  </a:solidFill>
+                  <a:latin typeface="KoPubWorld돋움체 Light"/>
+                  <a:ea typeface="KoPubWorld돋움체 Light"/>
+                  <a:cs typeface="KoPubWorld돋움체 Light"/>
+                </a:rPr>
+                <a:t>프로젝트 시연</a:t>
+              </a:r>
+            </a:p>
+          </p:txBody>
+        </p:sp>
+        <p:sp>
+          <p:nvSpPr>
+            <p:cNvPr id="24" name="TextBox 23"/>
+            <p:cNvSpPr txBox="1"/>
+            <p:nvPr/>
+          </p:nvSpPr>
+          <p:spPr>
+            <a:xfrm>
+              <a:off x="3819245" y="188165"/>
+              <a:ext cx="891388" cy="819580"/>
+            </a:xfrm>
+            <a:prstGeom prst="rect">
+              <a:avLst/>
+            </a:prstGeom>
+            <a:noFill/>
+          </p:spPr>
+          <p:txBody>
+            <a:bodyPr wrap="none">
+              <a:spAutoFit/>
+            </a:bodyPr>
+            <a:lstStyle/>
+            <a:p>
+              <a:pPr lvl="0">
+                <a:defRPr/>
+              </a:pPr>
+              <a:r>
+                <a:rPr lang="en-US" altLang="ko-KR" sz="4800" b="1">
+                  <a:solidFill>
+                    <a:srgbClr val="64DECF"/>
+                  </a:solidFill>
+                  <a:latin typeface="KoPubWorld돋움체 Bold"/>
+                  <a:ea typeface="KoPubWorld돋움체 Bold"/>
+                  <a:cs typeface="KoPubWorld돋움체 Bold"/>
+                </a:rPr>
+                <a:t>06</a:t>
+              </a:r>
+            </a:p>
+          </p:txBody>
+        </p:sp>
+      </p:grpSp>
+    </p:spTree>
+    <p:extLst>
+      <p:ext uri="{BB962C8B-B14F-4D97-AF65-F5344CB8AC3E}">
+        <p14:creationId xmlns:p14="http://schemas.microsoft.com/office/powerpoint/2010/main" val="2341586349"/>
+      </p:ext>
+    </p:extLst>
+  </p:cSld>
+  <p:clrMapOvr>
+    <a:masterClrMapping/>
+  </p:clrMapOvr>
+  <p:transition/>
+</p:sld>
+</file>
+
+<file path=ppt/slides/slide15.xml><?xml version="1.0" encoding="utf-8"?>
+<p:sld xmlns:a="http://schemas.openxmlformats.org/drawingml/2006/main" xmlns:r="http://schemas.openxmlformats.org/officeDocument/2006/relationships" xmlns:p="http://schemas.openxmlformats.org/presentationml/2006/main">
+  <p:cSld>
+    <p:spTree>
+      <p:nvGrpSpPr>
+        <p:cNvPr id="1" name=""/>
+        <p:cNvGrpSpPr/>
+        <p:nvPr/>
+      </p:nvGrpSpPr>
+      <p:grpSpPr>
+        <a:xfrm>
+          <a:off x="0" y="0"/>
+          <a:ext cx="0" cy="0"/>
+          <a:chOff x="0" y="0"/>
+          <a:chExt cx="0" cy="0"/>
+        </a:xfrm>
+      </p:grpSpPr>
+      <p:sp>
+        <p:nvSpPr>
+          <p:cNvPr id="23" name="직사각형 22"/>
+          <p:cNvSpPr/>
+          <p:nvPr/>
+        </p:nvSpPr>
+        <p:spPr>
+          <a:xfrm flipV="1">
+            <a:off x="557400" y="1001162"/>
+            <a:ext cx="11077200" cy="18000"/>
+          </a:xfrm>
+          <a:prstGeom prst="rect">
+            <a:avLst/>
+          </a:prstGeom>
+          <a:solidFill>
+            <a:srgbClr val="64DECF"/>
+          </a:solidFill>
+          <a:ln>
+            <a:noFill/>
+          </a:ln>
+        </p:spPr>
+        <p:style>
+          <a:lnRef idx="2">
+            <a:schemeClr val="accent1">
+              <a:shade val="50000"/>
+            </a:schemeClr>
+          </a:lnRef>
+          <a:fillRef idx="1">
+            <a:schemeClr val="accent1"/>
+          </a:fillRef>
+          <a:effectRef idx="0">
+            <a:schemeClr val="accent1"/>
+          </a:effectRef>
+          <a:fontRef idx="minor">
+            <a:schemeClr val="lt1"/>
+          </a:fontRef>
+        </p:style>
+        <p:txBody>
+          <a:bodyPr anchor="ctr"/>
+          <a:lstStyle/>
+          <a:p>
+            <a:pPr algn="ctr">
+              <a:defRPr/>
+            </a:pPr>
+            <a:endParaRPr lang="ko-KR" altLang="en-US"/>
+          </a:p>
+        </p:txBody>
+      </p:sp>
+      <p:grpSp>
+        <p:nvGrpSpPr>
+          <p:cNvPr id="6" name="그룹 5"/>
+          <p:cNvGrpSpPr/>
+          <p:nvPr/>
+        </p:nvGrpSpPr>
+        <p:grpSpPr>
+          <a:xfrm>
             <a:off x="4105427" y="188165"/>
             <a:ext cx="3981147" cy="819580"/>
             <a:chOff x="3819245" y="188165"/>
@@ -4964,17 +5997,6 @@
                 </a:rPr>
                 <a:t>기대효과</a:t>
               </a:r>
-              <a:endParaRPr lang="ko-KR" altLang="en-US" sz="2500">
-                <a:solidFill>
-                  <a:schemeClr val="tx1">
-                    <a:lumMod val="65000"/>
-                    <a:lumOff val="35000"/>
-                  </a:schemeClr>
-                </a:solidFill>
-                <a:latin typeface="KoPubWorld돋움체 Light"/>
-                <a:ea typeface="KoPubWorld돋움체 Light"/>
-                <a:cs typeface="KoPubWorld돋움체 Light"/>
-              </a:endParaRPr>
             </a:p>
           </p:txBody>
         </p:sp>
@@ -5006,7 +6028,7 @@
               <a:r>
                 <a:rPr lang="en-US" altLang="ko-KR" sz="4800" b="1">
                   <a:solidFill>
-                    <a:srgbClr val="64decf"/>
+                    <a:srgbClr val="64DECF"/>
                   </a:solidFill>
                   <a:latin typeface="KoPubWorld돋움체 Bold"/>
                   <a:ea typeface="KoPubWorld돋움체 Bold"/>
@@ -5014,54 +6036,448 @@
                 </a:rPr>
                 <a:t>07</a:t>
               </a:r>
-              <a:endParaRPr lang="en-US" altLang="ko-KR" sz="4800" b="1">
-                <a:solidFill>
-                  <a:srgbClr val="64decf"/>
-                </a:solidFill>
-                <a:latin typeface="KoPubWorld돋움체 Bold"/>
-                <a:ea typeface="KoPubWorld돋움체 Bold"/>
-                <a:cs typeface="KoPubWorld돋움체 Bold"/>
-              </a:endParaRPr>
             </a:p>
           </p:txBody>
         </p:sp>
       </p:grpSp>
       <p:sp>
         <p:nvSpPr>
-          <p:cNvPr id="28" name="내용 개체 틀 2"/>
-          <p:cNvSpPr>
-            <a:spLocks noGrp="1"/>
-          </p:cNvSpPr>
-          <p:nvPr>
-            <p:ph idx="1"/>
-          </p:nvPr>
-        </p:nvSpPr>
-        <p:spPr/>
-        <p:txBody>
-          <a:bodyPr/>
+          <p:cNvPr id="7" name="직사각형 6">
+            <a:extLst>
+              <a:ext uri="{FF2B5EF4-FFF2-40B4-BE49-F238E27FC236}">
+                <a16:creationId xmlns:a16="http://schemas.microsoft.com/office/drawing/2014/main" id="{4E64B74B-2B42-4C98-A2EE-E13D1544C8EE}"/>
+              </a:ext>
+            </a:extLst>
+          </p:cNvPr>
+          <p:cNvSpPr/>
+          <p:nvPr/>
+        </p:nvSpPr>
+        <p:spPr>
+          <a:xfrm>
+            <a:off x="2921787" y="2591899"/>
+            <a:ext cx="6577445" cy="1007917"/>
+          </a:xfrm>
+          <a:prstGeom prst="rect">
+            <a:avLst/>
+          </a:prstGeom>
+          <a:solidFill>
+            <a:schemeClr val="bg1"/>
+          </a:solidFill>
+          <a:ln>
+            <a:noFill/>
+          </a:ln>
+        </p:spPr>
+        <p:style>
+          <a:lnRef idx="2">
+            <a:schemeClr val="accent1">
+              <a:shade val="50000"/>
+            </a:schemeClr>
+          </a:lnRef>
+          <a:fillRef idx="1">
+            <a:schemeClr val="accent1"/>
+          </a:fillRef>
+          <a:effectRef idx="0">
+            <a:schemeClr val="accent1"/>
+          </a:effectRef>
+          <a:fontRef idx="minor">
+            <a:schemeClr val="lt1"/>
+          </a:fontRef>
+        </p:style>
+        <p:txBody>
+          <a:bodyPr anchor="ctr"/>
           <a:lstStyle/>
           <a:p>
-            <a:pPr>
+            <a:pPr algn="ctr">
+              <a:defRPr/>
+            </a:pPr>
+            <a:endParaRPr lang="ko-KR" altLang="en-US"/>
+          </a:p>
+        </p:txBody>
+      </p:sp>
+      <p:sp>
+        <p:nvSpPr>
+          <p:cNvPr id="8" name="타원 7">
+            <a:extLst>
+              <a:ext uri="{FF2B5EF4-FFF2-40B4-BE49-F238E27FC236}">
+                <a16:creationId xmlns:a16="http://schemas.microsoft.com/office/drawing/2014/main" id="{248E4B3F-638E-48C2-9C73-7BC5CFFD852B}"/>
+              </a:ext>
+            </a:extLst>
+          </p:cNvPr>
+          <p:cNvSpPr/>
+          <p:nvPr/>
+        </p:nvSpPr>
+        <p:spPr>
+          <a:xfrm>
+            <a:off x="2372587" y="2532588"/>
+            <a:ext cx="1098401" cy="1098401"/>
+          </a:xfrm>
+          <a:prstGeom prst="ellipse">
+            <a:avLst/>
+          </a:prstGeom>
+          <a:solidFill>
+            <a:srgbClr val="64DECF"/>
+          </a:solidFill>
+          <a:ln>
+            <a:noFill/>
+          </a:ln>
+        </p:spPr>
+        <p:style>
+          <a:lnRef idx="2">
+            <a:schemeClr val="accent1">
+              <a:shade val="50000"/>
+            </a:schemeClr>
+          </a:lnRef>
+          <a:fillRef idx="1">
+            <a:schemeClr val="accent1"/>
+          </a:fillRef>
+          <a:effectRef idx="0">
+            <a:schemeClr val="accent1"/>
+          </a:effectRef>
+          <a:fontRef idx="minor">
+            <a:schemeClr val="lt1"/>
+          </a:fontRef>
+        </p:style>
+        <p:txBody>
+          <a:bodyPr anchor="ctr"/>
+          <a:lstStyle/>
+          <a:p>
+            <a:pPr algn="ctr">
+              <a:defRPr/>
+            </a:pPr>
+            <a:endParaRPr lang="ko-KR" altLang="en-US">
+              <a:highlight>
+                <a:srgbClr val="FFFF00"/>
+              </a:highlight>
+            </a:endParaRPr>
+          </a:p>
+        </p:txBody>
+      </p:sp>
+      <p:sp>
+        <p:nvSpPr>
+          <p:cNvPr id="9" name="직사각형 8">
+            <a:extLst>
+              <a:ext uri="{FF2B5EF4-FFF2-40B4-BE49-F238E27FC236}">
+                <a16:creationId xmlns:a16="http://schemas.microsoft.com/office/drawing/2014/main" id="{8C94CE95-B055-4BB4-BCD7-9350C1CD4D21}"/>
+              </a:ext>
+            </a:extLst>
+          </p:cNvPr>
+          <p:cNvSpPr/>
+          <p:nvPr/>
+        </p:nvSpPr>
+        <p:spPr>
+          <a:xfrm>
+            <a:off x="2921787" y="3914375"/>
+            <a:ext cx="6577445" cy="1007917"/>
+          </a:xfrm>
+          <a:prstGeom prst="rect">
+            <a:avLst/>
+          </a:prstGeom>
+          <a:solidFill>
+            <a:schemeClr val="bg1"/>
+          </a:solidFill>
+          <a:ln>
+            <a:noFill/>
+          </a:ln>
+        </p:spPr>
+        <p:style>
+          <a:lnRef idx="2">
+            <a:schemeClr val="accent1">
+              <a:shade val="50000"/>
+            </a:schemeClr>
+          </a:lnRef>
+          <a:fillRef idx="1">
+            <a:schemeClr val="accent1"/>
+          </a:fillRef>
+          <a:effectRef idx="0">
+            <a:schemeClr val="accent1"/>
+          </a:effectRef>
+          <a:fontRef idx="minor">
+            <a:schemeClr val="lt1"/>
+          </a:fontRef>
+        </p:style>
+        <p:txBody>
+          <a:bodyPr anchor="ctr"/>
+          <a:lstStyle/>
+          <a:p>
+            <a:pPr algn="ctr">
+              <a:defRPr/>
+            </a:pPr>
+            <a:endParaRPr lang="ko-KR" altLang="en-US"/>
+          </a:p>
+        </p:txBody>
+      </p:sp>
+      <p:sp>
+        <p:nvSpPr>
+          <p:cNvPr id="10" name="TextBox 9">
+            <a:extLst>
+              <a:ext uri="{FF2B5EF4-FFF2-40B4-BE49-F238E27FC236}">
+                <a16:creationId xmlns:a16="http://schemas.microsoft.com/office/drawing/2014/main" id="{86AC2236-FAAC-4366-892B-509A6F7268CD}"/>
+              </a:ext>
+            </a:extLst>
+          </p:cNvPr>
+          <p:cNvSpPr txBox="1"/>
+          <p:nvPr/>
+        </p:nvSpPr>
+        <p:spPr>
+          <a:xfrm>
+            <a:off x="4026887" y="2797955"/>
+            <a:ext cx="4195379" cy="595804"/>
+          </a:xfrm>
+          <a:prstGeom prst="rect">
+            <a:avLst/>
+          </a:prstGeom>
+          <a:noFill/>
+        </p:spPr>
+        <p:txBody>
+          <a:bodyPr wrap="none">
+            <a:spAutoFit/>
+          </a:bodyPr>
+          <a:lstStyle/>
+          <a:p>
+            <a:pPr algn="ctr">
               <a:defRPr/>
             </a:pPr>
             <a:r>
-              <a:rPr lang="ko-KR" altLang="en-US"/>
-              <a:t/>
+              <a:rPr lang="ko-KR" altLang="en-US" sz="1400" dirty="0">
+                <a:solidFill>
+                  <a:schemeClr val="tx1">
+                    <a:lumMod val="65000"/>
+                    <a:lumOff val="35000"/>
+                  </a:schemeClr>
+                </a:solidFill>
+                <a:latin typeface="KoPubWorld돋움체 Light"/>
+                <a:ea typeface="KoPubWorld돋움체 Light"/>
+                <a:cs typeface="KoPubWorld돋움체 Light"/>
+              </a:rPr>
+              <a:t>전국 관광지를 소개함으로 써 여행 사전조사 효율을</a:t>
             </a:r>
+          </a:p>
+          <a:p>
+            <a:pPr algn="ctr">
+              <a:lnSpc>
+                <a:spcPct val="150000"/>
+              </a:lnSpc>
+              <a:defRPr/>
+            </a:pPr>
+            <a:r>
+              <a:rPr lang="ko-KR" altLang="en-US" sz="1400" dirty="0">
+                <a:solidFill>
+                  <a:schemeClr val="tx1">
+                    <a:lumMod val="65000"/>
+                    <a:lumOff val="35000"/>
+                  </a:schemeClr>
+                </a:solidFill>
+                <a:latin typeface="KoPubWorld돋움체 Light"/>
+                <a:ea typeface="KoPubWorld돋움체 Light"/>
+                <a:cs typeface="KoPubWorld돋움체 Light"/>
+              </a:rPr>
+              <a:t>극대화  </a:t>
+            </a:r>
+          </a:p>
+        </p:txBody>
+      </p:sp>
+      <p:sp>
+        <p:nvSpPr>
+          <p:cNvPr id="11" name="타원 10">
+            <a:extLst>
+              <a:ext uri="{FF2B5EF4-FFF2-40B4-BE49-F238E27FC236}">
+                <a16:creationId xmlns:a16="http://schemas.microsoft.com/office/drawing/2014/main" id="{6A8FACB3-2F58-4DC3-A240-9146FE2474B1}"/>
+              </a:ext>
+            </a:extLst>
+          </p:cNvPr>
+          <p:cNvSpPr/>
+          <p:nvPr/>
+        </p:nvSpPr>
+        <p:spPr>
+          <a:xfrm>
+            <a:off x="2372587" y="3865455"/>
+            <a:ext cx="1098401" cy="1098401"/>
+          </a:xfrm>
+          <a:prstGeom prst="ellipse">
+            <a:avLst/>
+          </a:prstGeom>
+          <a:solidFill>
+            <a:srgbClr val="64DECF"/>
+          </a:solidFill>
+          <a:ln>
+            <a:noFill/>
+          </a:ln>
+        </p:spPr>
+        <p:style>
+          <a:lnRef idx="2">
+            <a:schemeClr val="accent1">
+              <a:shade val="50000"/>
+            </a:schemeClr>
+          </a:lnRef>
+          <a:fillRef idx="1">
+            <a:schemeClr val="accent1"/>
+          </a:fillRef>
+          <a:effectRef idx="0">
+            <a:schemeClr val="accent1"/>
+          </a:effectRef>
+          <a:fontRef idx="minor">
+            <a:schemeClr val="lt1"/>
+          </a:fontRef>
+        </p:style>
+        <p:txBody>
+          <a:bodyPr anchor="ctr"/>
+          <a:lstStyle/>
+          <a:p>
+            <a:pPr algn="ctr">
+              <a:defRPr/>
+            </a:pPr>
             <a:endParaRPr lang="ko-KR" altLang="en-US"/>
           </a:p>
         </p:txBody>
       </p:sp>
+      <p:sp>
+        <p:nvSpPr>
+          <p:cNvPr id="12" name="TextBox 11">
+            <a:extLst>
+              <a:ext uri="{FF2B5EF4-FFF2-40B4-BE49-F238E27FC236}">
+                <a16:creationId xmlns:a16="http://schemas.microsoft.com/office/drawing/2014/main" id="{040EDFB7-8B31-47A3-BC76-F5DBC1ED2C95}"/>
+              </a:ext>
+            </a:extLst>
+          </p:cNvPr>
+          <p:cNvSpPr txBox="1"/>
+          <p:nvPr/>
+        </p:nvSpPr>
+        <p:spPr>
+          <a:xfrm>
+            <a:off x="3933281" y="4116753"/>
+            <a:ext cx="4554452" cy="523220"/>
+          </a:xfrm>
+          <a:prstGeom prst="rect">
+            <a:avLst/>
+          </a:prstGeom>
+          <a:noFill/>
+        </p:spPr>
+        <p:txBody>
+          <a:bodyPr wrap="none">
+            <a:spAutoFit/>
+          </a:bodyPr>
+          <a:lstStyle/>
+          <a:p>
+            <a:pPr algn="ctr">
+              <a:defRPr/>
+            </a:pPr>
+            <a:r>
+              <a:rPr lang="ko-KR" altLang="en-US" sz="1400" dirty="0">
+                <a:solidFill>
+                  <a:schemeClr val="tx1">
+                    <a:lumMod val="65000"/>
+                    <a:lumOff val="35000"/>
+                  </a:schemeClr>
+                </a:solidFill>
+                <a:latin typeface="KoPubWorld돋움체 Light"/>
+                <a:ea typeface="KoPubWorld돋움체 Light"/>
+                <a:cs typeface="KoPubWorld돋움체 Light"/>
+              </a:rPr>
+              <a:t>매달 대한민국에 들어오는 외국인 관광객 수를 제공하여</a:t>
+            </a:r>
+          </a:p>
+          <a:p>
+            <a:pPr algn="ctr">
+              <a:defRPr/>
+            </a:pPr>
+            <a:r>
+              <a:rPr lang="ko-KR" altLang="en-US" sz="1400" dirty="0">
+                <a:solidFill>
+                  <a:schemeClr val="tx1">
+                    <a:lumMod val="65000"/>
+                    <a:lumOff val="35000"/>
+                  </a:schemeClr>
+                </a:solidFill>
+                <a:latin typeface="KoPubWorld돋움체 Light"/>
+                <a:ea typeface="KoPubWorld돋움체 Light"/>
+                <a:cs typeface="KoPubWorld돋움체 Light"/>
+              </a:rPr>
+              <a:t>인기있는 계절을 알 수 있게 함</a:t>
+            </a:r>
+            <a:endParaRPr lang="en-US" altLang="ko-KR" sz="1400" dirty="0">
+              <a:solidFill>
+                <a:schemeClr val="tx1">
+                  <a:lumMod val="65000"/>
+                  <a:lumOff val="35000"/>
+                </a:schemeClr>
+              </a:solidFill>
+              <a:latin typeface="KoPubWorld돋움체 Light"/>
+              <a:ea typeface="KoPubWorld돋움체 Light"/>
+              <a:cs typeface="KoPubWorld돋움체 Light"/>
+            </a:endParaRPr>
+          </a:p>
+        </p:txBody>
+      </p:sp>
+      <p:pic>
+        <p:nvPicPr>
+          <p:cNvPr id="13" name="그래픽 17" descr="إضافة 단색으로 채워진">
+            <a:extLst>
+              <a:ext uri="{FF2B5EF4-FFF2-40B4-BE49-F238E27FC236}">
+                <a16:creationId xmlns:a16="http://schemas.microsoft.com/office/drawing/2014/main" id="{AAF441F2-5F52-4558-994C-C145AF719A83}"/>
+              </a:ext>
+            </a:extLst>
+          </p:cNvPr>
+          <p:cNvPicPr>
+            <a:picLocks noChangeAspect="1"/>
+          </p:cNvPicPr>
+          <p:nvPr/>
+        </p:nvPicPr>
+        <p:blipFill rotWithShape="1">
+          <a:blip r:embed="rId2"/>
+          <a:stretch>
+            <a:fillRect/>
+          </a:stretch>
+        </p:blipFill>
+        <p:spPr>
+          <a:xfrm>
+            <a:off x="2577875" y="4070745"/>
+            <a:ext cx="687820" cy="687820"/>
+          </a:xfrm>
+          <a:prstGeom prst="rect">
+            <a:avLst/>
+          </a:prstGeom>
+        </p:spPr>
+      </p:pic>
+      <p:pic>
+        <p:nvPicPr>
+          <p:cNvPr id="14" name="그래픽 41" descr="إضافة 단색으로 채워진">
+            <a:extLst>
+              <a:ext uri="{FF2B5EF4-FFF2-40B4-BE49-F238E27FC236}">
+                <a16:creationId xmlns:a16="http://schemas.microsoft.com/office/drawing/2014/main" id="{EC35058D-4962-4829-9994-9605AE3E21F7}"/>
+              </a:ext>
+            </a:extLst>
+          </p:cNvPr>
+          <p:cNvPicPr>
+            <a:picLocks noChangeAspect="1"/>
+          </p:cNvPicPr>
+          <p:nvPr/>
+        </p:nvPicPr>
+        <p:blipFill rotWithShape="1">
+          <a:blip r:embed="rId2"/>
+          <a:stretch>
+            <a:fillRect/>
+          </a:stretch>
+        </p:blipFill>
+        <p:spPr>
+          <a:xfrm>
+            <a:off x="2577875" y="2751619"/>
+            <a:ext cx="687820" cy="687820"/>
+          </a:xfrm>
+          <a:prstGeom prst="rect">
+            <a:avLst/>
+          </a:prstGeom>
+        </p:spPr>
+      </p:pic>
     </p:spTree>
   </p:cSld>
   <p:clrMapOvr>
     <a:masterClrMapping/>
   </p:clrMapOvr>
-  <mc:AlternateContent xmlns:mc="http://schemas.openxmlformats.org/markup-compatibility/2006">
-    <mc:Choice xmlns:p14="http://schemas.microsoft.com/office/powerpoint/2010/main" Requires="p14">
-      <p:transition xmlns:mc="http://schemas.openxmlformats.org/markup-compatibility/2006" xmlns:p14="http://schemas.microsoft.com/office/powerpoint/2010/main" mc:Ignorable="p14" p14:dur="500"/>
+  <mc:AlternateContent xmlns:mc="http://schemas.openxmlformats.org/markup-compatibility/2006" xmlns:p14="http://schemas.microsoft.com/office/powerpoint/2010/main">
+    <mc:Choice Requires="p14">
+      <p:transition/>
     </mc:Choice>
-    <mc:Fallback>
+    <mc:Fallback xmlns:dsp="http://schemas.microsoft.com/office/drawing/2008/diagram" xmlns:dgm="http://schemas.openxmlformats.org/drawingml/2006/diagram" xmlns:c="http://schemas.openxmlformats.org/drawingml/2006/chart" xmlns="">
       <p:transition/>
     </mc:Fallback>
   </mc:AlternateContent>
@@ -5408,7 +6824,7 @@
     <mc:Choice Requires="p14">
       <p:transition/>
     </mc:Choice>
-    <mc:Fallback xmlns:dsp="http://schemas.microsoft.com/office/drawing/2008/diagram" xmlns:dgm="http://schemas.openxmlformats.org/drawingml/2006/diagram" xmlns:c="http://schemas.openxmlformats.org/drawingml/2006/chart" xmlns="">
+    <mc:Fallback xmlns="" xmlns:c="http://schemas.openxmlformats.org/drawingml/2006/chart" xmlns:dgm="http://schemas.openxmlformats.org/drawingml/2006/diagram" xmlns:dsp="http://schemas.microsoft.com/office/drawing/2008/diagram">
       <p:transition/>
     </mc:Fallback>
   </mc:AlternateContent>
@@ -5416,7 +6832,7 @@
 </file>
 
 <file path=ppt/slides/slide2.xml><?xml version="1.0" encoding="utf-8"?>
-<p:sld xmlns:r="http://schemas.openxmlformats.org/officeDocument/2006/relationships" xmlns:c="http://schemas.openxmlformats.org/drawingml/2006/chart" xmlns:a="http://schemas.openxmlformats.org/drawingml/2006/main" xmlns:dgm="http://schemas.openxmlformats.org/drawingml/2006/diagram" xmlns:dsp="http://schemas.microsoft.com/office/drawing/2008/diagram" xmlns:p="http://schemas.openxmlformats.org/presentationml/2006/main">
+<p:sld xmlns:a="http://schemas.openxmlformats.org/drawingml/2006/main" xmlns:r="http://schemas.openxmlformats.org/officeDocument/2006/relationships" xmlns:p="http://schemas.openxmlformats.org/presentationml/2006/main">
   <p:cSld>
     <p:spTree>
       <p:nvGrpSpPr>
@@ -5447,7 +6863,7 @@
             <a:avLst/>
           </a:prstGeom>
           <a:solidFill>
-            <a:srgbClr val="64decf"/>
+            <a:srgbClr val="64DECF"/>
           </a:solidFill>
           <a:ln>
             <a:noFill/>
@@ -5516,14 +6932,6 @@
               </a:rPr>
               <a:t>목         차</a:t>
             </a:r>
-            <a:endParaRPr lang="ko-KR" altLang="en-US" sz="2800" spc="600">
-              <a:solidFill>
-                <a:schemeClr val="bg1"/>
-              </a:solidFill>
-              <a:latin typeface="KoPubWorld돋움체 Light"/>
-              <a:ea typeface="KoPubWorld돋움체 Light"/>
-              <a:cs typeface="KoPubWorld돋움체 Light"/>
-            </a:endParaRPr>
           </a:p>
         </p:txBody>
       </p:sp>
@@ -5555,7 +6963,7 @@
             <a:r>
               <a:rPr lang="en-US" altLang="ko-KR" sz="6000" b="1">
                 <a:solidFill>
-                  <a:srgbClr val="64decf">
+                  <a:srgbClr val="64DECF">
                     <a:alpha val="16000"/>
                   </a:srgbClr>
                 </a:solidFill>
@@ -5567,7 +6975,7 @@
             </a:r>
             <a:endParaRPr lang="ko-KR" altLang="en-US" sz="6000" b="1">
               <a:solidFill>
-                <a:srgbClr val="64decf">
+                <a:srgbClr val="64DECF">
                   <a:alpha val="16000"/>
                 </a:srgbClr>
               </a:solidFill>
@@ -5585,7 +6993,7 @@
           <p:nvPr/>
         </p:nvGrpSpPr>
         <p:grpSpPr>
-          <a:xfrm rot="0">
+          <a:xfrm>
             <a:off x="3095804" y="1409142"/>
             <a:ext cx="6471247" cy="830997"/>
             <a:chOff x="3403338" y="2598003"/>
@@ -5599,11 +7007,11 @@
             <p:nvPr/>
           </p:nvGrpSpPr>
           <p:grpSpPr>
-            <a:xfrm rot="0">
+            <a:xfrm>
               <a:off x="3403338" y="2598003"/>
-              <a:ext cx="2051647" cy="830997"/>
+              <a:ext cx="2874131" cy="830997"/>
               <a:chOff x="3403338" y="2598003"/>
-              <a:chExt cx="2051647" cy="830997"/>
+              <a:chExt cx="2874131" cy="830997"/>
             </a:xfrm>
           </p:grpSpPr>
           <p:sp>
@@ -5634,7 +7042,7 @@
                 <a:r>
                   <a:rPr lang="en-US" altLang="ko-KR" sz="4800" b="1">
                     <a:solidFill>
-                      <a:srgbClr val="64decf"/>
+                      <a:srgbClr val="64DECF"/>
                     </a:solidFill>
                     <a:latin typeface="KoPubWorld돋움체 Bold"/>
                     <a:ea typeface="KoPubWorld돋움체 Bold"/>
@@ -5644,7 +7052,7 @@
                 </a:r>
                 <a:endParaRPr lang="ko-KR" altLang="en-US" sz="4800" b="1">
                   <a:solidFill>
-                    <a:srgbClr val="64decf"/>
+                    <a:srgbClr val="64DECF"/>
                   </a:solidFill>
                   <a:latin typeface="KoPubWorld돋움체 Bold"/>
                   <a:ea typeface="KoPubWorld돋움체 Bold"/>
@@ -5662,7 +7070,7 @@
             <p:spPr>
               <a:xfrm>
                 <a:off x="4182024" y="2820384"/>
-                <a:ext cx="1272961" cy="387636"/>
+                <a:ext cx="2095445" cy="400110"/>
               </a:xfrm>
               <a:prstGeom prst="rect">
                 <a:avLst/>
@@ -5679,7 +7087,7 @@
                   <a:defRPr/>
                 </a:pPr>
                 <a:r>
-                  <a:rPr lang="ko-KR" altLang="en-US" sz="2000">
+                  <a:rPr lang="ko-KR" altLang="en-US" sz="2000" dirty="0">
                     <a:solidFill>
                       <a:schemeClr val="tx1">
                         <a:lumMod val="65000"/>
@@ -5690,19 +7098,8 @@
                     <a:ea typeface="KoPubWorld돋움체 Bold"/>
                     <a:cs typeface="KoPubWorld돋움체 Bold"/>
                   </a:rPr>
-                  <a:t>주제 소개</a:t>
+                  <a:t>주제 및 선정배경</a:t>
                 </a:r>
-                <a:endParaRPr lang="ko-KR" altLang="en-US" sz="2000">
-                  <a:solidFill>
-                    <a:schemeClr val="tx1">
-                      <a:lumMod val="65000"/>
-                      <a:lumOff val="35000"/>
-                    </a:schemeClr>
-                  </a:solidFill>
-                  <a:latin typeface="KoPubWorld돋움체 Bold"/>
-                  <a:ea typeface="KoPubWorld돋움체 Bold"/>
-                  <a:cs typeface="KoPubWorld돋움체 Bold"/>
-                </a:endParaRPr>
               </a:p>
             </p:txBody>
           </p:sp>
@@ -5714,7 +7111,7 @@
             <p:nvPr/>
           </p:nvGrpSpPr>
           <p:grpSpPr>
-            <a:xfrm rot="0">
+            <a:xfrm>
               <a:off x="6454034" y="2598003"/>
               <a:ext cx="3420551" cy="830997"/>
               <a:chOff x="6454034" y="2598003"/>
@@ -5749,7 +7146,7 @@
                 <a:r>
                   <a:rPr lang="en-US" altLang="ko-KR" sz="4800" b="1">
                     <a:solidFill>
-                      <a:srgbClr val="64decf"/>
+                      <a:srgbClr val="64DECF"/>
                     </a:solidFill>
                     <a:latin typeface="KoPubWorld돋움체 Bold"/>
                     <a:ea typeface="KoPubWorld돋움체 Bold"/>
@@ -5759,7 +7156,7 @@
                 </a:r>
                 <a:endParaRPr lang="ko-KR" altLang="en-US" sz="4800" b="1">
                   <a:solidFill>
-                    <a:srgbClr val="64decf"/>
+                    <a:srgbClr val="64DECF"/>
                   </a:solidFill>
                   <a:latin typeface="KoPubWorld돋움체 Bold"/>
                   <a:ea typeface="KoPubWorld돋움체 Bold"/>
@@ -5807,17 +7204,6 @@
                   </a:rPr>
                   <a:t>조원 소개 및 담당작업</a:t>
                 </a:r>
-                <a:endParaRPr lang="ko-KR" altLang="en-US" sz="2000">
-                  <a:solidFill>
-                    <a:schemeClr val="tx1">
-                      <a:lumMod val="65000"/>
-                      <a:lumOff val="35000"/>
-                    </a:schemeClr>
-                  </a:solidFill>
-                  <a:latin typeface="KoPubWorld돋움체 Light"/>
-                  <a:ea typeface="KoPubWorld돋움체 Light"/>
-                  <a:cs typeface="KoPubWorld돋움체 Light"/>
-                </a:endParaRPr>
               </a:p>
             </p:txBody>
           </p:sp>
@@ -5830,11 +7216,11 @@
           <p:nvPr/>
         </p:nvGrpSpPr>
         <p:grpSpPr>
-          <a:xfrm rot="0">
+          <a:xfrm>
             <a:off x="3122262" y="2804286"/>
-            <a:ext cx="5023447" cy="830997"/>
+            <a:ext cx="5097678" cy="830997"/>
             <a:chOff x="3403338" y="2598003"/>
-            <a:chExt cx="5023447" cy="830997"/>
+            <a:chExt cx="5097678" cy="830997"/>
           </a:xfrm>
         </p:grpSpPr>
         <p:grpSp>
@@ -5844,11 +7230,11 @@
             <p:nvPr/>
           </p:nvGrpSpPr>
           <p:grpSpPr>
-            <a:xfrm rot="0">
+            <a:xfrm>
               <a:off x="3403338" y="2598003"/>
-              <a:ext cx="1975447" cy="830997"/>
+              <a:ext cx="1989274" cy="830997"/>
               <a:chOff x="3403338" y="2598003"/>
-              <a:chExt cx="1975447" cy="830997"/>
+              <a:chExt cx="1989274" cy="830997"/>
             </a:xfrm>
           </p:grpSpPr>
           <p:sp>
@@ -5877,9 +7263,9 @@
                   <a:defRPr/>
                 </a:pPr>
                 <a:r>
-                  <a:rPr lang="en-US" altLang="ko-KR" sz="4800" b="1">
+                  <a:rPr lang="en-US" altLang="ko-KR" sz="4800" b="1" dirty="0">
                     <a:solidFill>
-                      <a:srgbClr val="64decf"/>
+                      <a:srgbClr val="64DECF"/>
                     </a:solidFill>
                     <a:latin typeface="KoPubWorld돋움체 Bold"/>
                     <a:ea typeface="KoPubWorld돋움체 Bold"/>
@@ -5887,9 +7273,9 @@
                   </a:rPr>
                   <a:t>03</a:t>
                 </a:r>
-                <a:endParaRPr lang="ko-KR" altLang="en-US" sz="4800" b="1">
+                <a:endParaRPr lang="ko-KR" altLang="en-US" sz="4800" b="1" dirty="0">
                   <a:solidFill>
-                    <a:srgbClr val="64decf"/>
+                    <a:srgbClr val="64DECF"/>
                   </a:solidFill>
                   <a:latin typeface="KoPubWorld돋움체 Bold"/>
                   <a:ea typeface="KoPubWorld돋움체 Bold"/>
@@ -5907,7 +7293,7 @@
             <p:spPr>
               <a:xfrm>
                 <a:off x="4182024" y="2810859"/>
-                <a:ext cx="1196761" cy="391255"/>
+                <a:ext cx="1210588" cy="400110"/>
               </a:xfrm>
               <a:prstGeom prst="rect">
                 <a:avLst/>
@@ -5924,7 +7310,7 @@
                   <a:defRPr/>
                 </a:pPr>
                 <a:r>
-                  <a:rPr lang="ko-KR" altLang="en-US" sz="2000">
+                  <a:rPr lang="ko-KR" altLang="en-US" sz="2000" dirty="0">
                     <a:solidFill>
                       <a:schemeClr val="tx1">
                         <a:lumMod val="65000"/>
@@ -5935,19 +7321,8 @@
                     <a:ea typeface="KoPubWorld돋움체 Bold"/>
                     <a:cs typeface="KoPubWorld돋움체 Bold"/>
                   </a:rPr>
-                  <a:t>처음화면</a:t>
+                  <a:t>개발환경</a:t>
                 </a:r>
-                <a:endParaRPr lang="ko-KR" altLang="en-US" sz="2000">
-                  <a:solidFill>
-                    <a:schemeClr val="tx1">
-                      <a:lumMod val="65000"/>
-                      <a:lumOff val="35000"/>
-                    </a:schemeClr>
-                  </a:solidFill>
-                  <a:latin typeface="KoPubWorld돋움체 Bold"/>
-                  <a:ea typeface="KoPubWorld돋움체 Bold"/>
-                  <a:cs typeface="KoPubWorld돋움체 Bold"/>
-                </a:endParaRPr>
               </a:p>
             </p:txBody>
           </p:sp>
@@ -5959,11 +7334,11 @@
             <p:nvPr/>
           </p:nvGrpSpPr>
           <p:grpSpPr>
-            <a:xfrm rot="0">
+            <a:xfrm>
               <a:off x="6454034" y="2598003"/>
-              <a:ext cx="1972751" cy="830997"/>
+              <a:ext cx="2046982" cy="830997"/>
               <a:chOff x="6454034" y="2598003"/>
-              <a:chExt cx="1972751" cy="830997"/>
+              <a:chExt cx="2046982" cy="830997"/>
             </a:xfrm>
           </p:grpSpPr>
           <p:sp>
@@ -5994,7 +7369,7 @@
                 <a:r>
                   <a:rPr lang="en-US" altLang="ko-KR" sz="4800" b="1">
                     <a:solidFill>
-                      <a:srgbClr val="64decf"/>
+                      <a:srgbClr val="64DECF"/>
                     </a:solidFill>
                     <a:latin typeface="KoPubWorld돋움체 Bold"/>
                     <a:ea typeface="KoPubWorld돋움체 Bold"/>
@@ -6004,7 +7379,7 @@
                 </a:r>
                 <a:endParaRPr lang="ko-KR" altLang="en-US" sz="4800" b="1">
                   <a:solidFill>
-                    <a:srgbClr val="64decf"/>
+                    <a:srgbClr val="64DECF"/>
                   </a:solidFill>
                   <a:latin typeface="KoPubWorld돋움체 Bold"/>
                   <a:ea typeface="KoPubWorld돋움체 Bold"/>
@@ -6022,7 +7397,7 @@
             <p:spPr>
               <a:xfrm>
                 <a:off x="7232720" y="2810859"/>
-                <a:ext cx="1194065" cy="391255"/>
+                <a:ext cx="1268296" cy="400110"/>
               </a:xfrm>
               <a:prstGeom prst="rect">
                 <a:avLst/>
@@ -6039,7 +7414,7 @@
                   <a:defRPr/>
                 </a:pPr>
                 <a:r>
-                  <a:rPr lang="ko-KR" altLang="en-US" sz="2000">
+                  <a:rPr lang="ko-KR" altLang="en-US" sz="2000" dirty="0">
                     <a:solidFill>
                       <a:schemeClr val="tx1">
                         <a:lumMod val="65000"/>
@@ -6050,19 +7425,8 @@
                     <a:ea typeface="KoPubWorld돋움체 Bold"/>
                     <a:cs typeface="KoPubWorld돋움체 Bold"/>
                   </a:rPr>
-                  <a:t>개발환경</a:t>
+                  <a:t>화면 설계</a:t>
                 </a:r>
-                <a:endParaRPr lang="ko-KR" altLang="en-US" sz="2000">
-                  <a:solidFill>
-                    <a:schemeClr val="tx1">
-                      <a:lumMod val="65000"/>
-                      <a:lumOff val="35000"/>
-                    </a:schemeClr>
-                  </a:solidFill>
-                  <a:latin typeface="KoPubWorld돋움체 Bold"/>
-                  <a:ea typeface="KoPubWorld돋움체 Bold"/>
-                  <a:cs typeface="KoPubWorld돋움체 Bold"/>
-                </a:endParaRPr>
               </a:p>
             </p:txBody>
           </p:sp>
@@ -6075,8 +7439,8 @@
           <p:nvPr/>
         </p:nvGrpSpPr>
         <p:grpSpPr>
-          <a:xfrm rot="0">
-            <a:off x="3132722" y="4176828"/>
+          <a:xfrm>
+            <a:off x="3095804" y="4075671"/>
             <a:ext cx="5238152" cy="830997"/>
             <a:chOff x="3403340" y="2598002"/>
             <a:chExt cx="4869434" cy="830997"/>
@@ -6089,7 +7453,7 @@
             <p:nvPr/>
           </p:nvGrpSpPr>
           <p:grpSpPr>
-            <a:xfrm rot="0">
+            <a:xfrm>
               <a:off x="3403340" y="2598002"/>
               <a:ext cx="2536488" cy="830997"/>
               <a:chOff x="3403338" y="2598002"/>
@@ -6124,7 +7488,7 @@
                 <a:r>
                   <a:rPr lang="en-US" altLang="ko-KR" sz="4800" b="1">
                     <a:solidFill>
-                      <a:srgbClr val="64decf"/>
+                      <a:srgbClr val="64DECF"/>
                     </a:solidFill>
                     <a:latin typeface="KoPubWorld돋움체 Bold"/>
                     <a:ea typeface="KoPubWorld돋움체 Bold"/>
@@ -6132,14 +7496,6 @@
                   </a:rPr>
                   <a:t>05</a:t>
                 </a:r>
-                <a:endParaRPr lang="en-US" altLang="ko-KR" sz="4800" b="1">
-                  <a:solidFill>
-                    <a:srgbClr val="64decf"/>
-                  </a:solidFill>
-                  <a:latin typeface="KoPubWorld돋움체 Bold"/>
-                  <a:ea typeface="KoPubWorld돋움체 Bold"/>
-                  <a:cs typeface="KoPubWorld돋움체 Bold"/>
-                </a:endParaRPr>
               </a:p>
             </p:txBody>
           </p:sp>
@@ -6182,17 +7538,6 @@
                   </a:rPr>
                   <a:t>프로젝트 설계</a:t>
                 </a:r>
-                <a:endParaRPr lang="ko-KR" altLang="en-US" sz="2000">
-                  <a:solidFill>
-                    <a:schemeClr val="tx1">
-                      <a:lumMod val="65000"/>
-                      <a:lumOff val="35000"/>
-                    </a:schemeClr>
-                  </a:solidFill>
-                  <a:latin typeface="KoPubWorld돋움체 Bold"/>
-                  <a:ea typeface="KoPubWorld돋움체 Bold"/>
-                  <a:cs typeface="KoPubWorld돋움체 Bold"/>
-                </a:endParaRPr>
               </a:p>
             </p:txBody>
           </p:sp>
@@ -6204,7 +7549,7 @@
             <p:nvPr/>
           </p:nvGrpSpPr>
           <p:grpSpPr>
-            <a:xfrm rot="0">
+            <a:xfrm>
               <a:off x="6223821" y="2598002"/>
               <a:ext cx="2048952" cy="830997"/>
               <a:chOff x="6223818" y="2598002"/>
@@ -6239,7 +7584,7 @@
                 <a:r>
                   <a:rPr lang="en-US" altLang="ko-KR" sz="4800" b="1">
                     <a:solidFill>
-                      <a:srgbClr val="64decf"/>
+                      <a:srgbClr val="64DECF"/>
                     </a:solidFill>
                     <a:latin typeface="KoPubWorld돋움체 Bold"/>
                     <a:ea typeface="KoPubWorld돋움체 Bold"/>
@@ -6247,14 +7592,6 @@
                   </a:rPr>
                   <a:t>06</a:t>
                 </a:r>
-                <a:endParaRPr lang="en-US" altLang="ko-KR" sz="4800" b="1">
-                  <a:solidFill>
-                    <a:srgbClr val="64decf"/>
-                  </a:solidFill>
-                  <a:latin typeface="KoPubWorld돋움체 Bold"/>
-                  <a:ea typeface="KoPubWorld돋움체 Bold"/>
-                  <a:cs typeface="KoPubWorld돋움체 Bold"/>
-                </a:endParaRPr>
               </a:p>
             </p:txBody>
           </p:sp>
@@ -6311,17 +7648,6 @@
                   </a:rPr>
                   <a:t>명세서</a:t>
                 </a:r>
-                <a:endParaRPr lang="ko-KR" altLang="en-US" sz="2000">
-                  <a:solidFill>
-                    <a:schemeClr val="tx1">
-                      <a:lumMod val="65000"/>
-                      <a:lumOff val="35000"/>
-                    </a:schemeClr>
-                  </a:solidFill>
-                  <a:latin typeface="KoPubWorld돋움체 Bold"/>
-                  <a:ea typeface="KoPubWorld돋움체 Bold"/>
-                  <a:cs typeface="KoPubWorld돋움체 Bold"/>
-                </a:endParaRPr>
               </a:p>
             </p:txBody>
           </p:sp>
@@ -6335,7 +7661,7 @@
         </p:nvSpPr>
         <p:spPr>
           <a:xfrm>
-            <a:off x="3161457" y="5461290"/>
+            <a:off x="3089052" y="5426838"/>
             <a:ext cx="943582" cy="830997"/>
           </a:xfrm>
           <a:prstGeom prst="rect">
@@ -6353,9 +7679,9 @@
               <a:defRPr/>
             </a:pPr>
             <a:r>
-              <a:rPr lang="en-US" altLang="ko-KR" sz="4800" b="1">
+              <a:rPr lang="en-US" altLang="ko-KR" sz="4800" b="1" dirty="0">
                 <a:solidFill>
-                  <a:srgbClr val="64decf"/>
+                  <a:srgbClr val="64DECF"/>
                 </a:solidFill>
                 <a:latin typeface="KoPubWorld돋움체 Bold"/>
                 <a:ea typeface="KoPubWorld돋움체 Bold"/>
@@ -6363,14 +7689,6 @@
               </a:rPr>
               <a:t>07</a:t>
             </a:r>
-            <a:endParaRPr lang="en-US" altLang="ko-KR" sz="4800" b="1">
-              <a:solidFill>
-                <a:srgbClr val="64decf"/>
-              </a:solidFill>
-              <a:latin typeface="KoPubWorld돋움체 Bold"/>
-              <a:ea typeface="KoPubWorld돋움체 Bold"/>
-              <a:cs typeface="KoPubWorld돋움체 Bold"/>
-            </a:endParaRPr>
           </a:p>
         </p:txBody>
       </p:sp>
@@ -6382,7 +7700,100 @@
         </p:nvSpPr>
         <p:spPr>
           <a:xfrm>
-            <a:off x="3999106" y="5674146"/>
+            <a:off x="3933452" y="5696490"/>
+            <a:ext cx="1890904" cy="400110"/>
+          </a:xfrm>
+          <a:prstGeom prst="rect">
+            <a:avLst/>
+          </a:prstGeom>
+          <a:noFill/>
+        </p:spPr>
+        <p:txBody>
+          <a:bodyPr wrap="square">
+            <a:spAutoFit/>
+          </a:bodyPr>
+          <a:lstStyle/>
+          <a:p>
+            <a:pPr lvl="0">
+              <a:defRPr/>
+            </a:pPr>
+            <a:r>
+              <a:rPr lang="ko-KR" altLang="en-US" sz="2000" dirty="0">
+                <a:solidFill>
+                  <a:schemeClr val="tx1">
+                    <a:lumMod val="65000"/>
+                    <a:lumOff val="35000"/>
+                  </a:schemeClr>
+                </a:solidFill>
+                <a:latin typeface="KoPubWorld돋움체 Bold"/>
+                <a:ea typeface="KoPubWorld돋움체 Bold"/>
+                <a:cs typeface="KoPubWorld돋움체 Bold"/>
+              </a:rPr>
+              <a:t>프로젝트 시연</a:t>
+            </a:r>
+          </a:p>
+        </p:txBody>
+      </p:sp>
+      <p:sp>
+        <p:nvSpPr>
+          <p:cNvPr id="47" name="TextBox 18">
+            <a:extLst>
+              <a:ext uri="{FF2B5EF4-FFF2-40B4-BE49-F238E27FC236}">
+                <a16:creationId xmlns:a16="http://schemas.microsoft.com/office/drawing/2014/main" id="{7EFD3C77-621B-4274-9F02-E424E5A0B36C}"/>
+              </a:ext>
+            </a:extLst>
+          </p:cNvPr>
+          <p:cNvSpPr txBox="1"/>
+          <p:nvPr/>
+        </p:nvSpPr>
+        <p:spPr>
+          <a:xfrm>
+            <a:off x="6080081" y="5426838"/>
+            <a:ext cx="943582" cy="830997"/>
+          </a:xfrm>
+          <a:prstGeom prst="rect">
+            <a:avLst/>
+          </a:prstGeom>
+          <a:noFill/>
+        </p:spPr>
+        <p:txBody>
+          <a:bodyPr wrap="square">
+            <a:spAutoFit/>
+          </a:bodyPr>
+          <a:lstStyle/>
+          <a:p>
+            <a:pPr lvl="0">
+              <a:defRPr/>
+            </a:pPr>
+            <a:r>
+              <a:rPr lang="en-US" altLang="ko-KR" sz="4800" b="1" dirty="0">
+                <a:solidFill>
+                  <a:srgbClr val="64DECF"/>
+                </a:solidFill>
+                <a:latin typeface="KoPubWorld돋움체 Bold"/>
+                <a:ea typeface="KoPubWorld돋움체 Bold"/>
+                <a:cs typeface="KoPubWorld돋움체 Bold"/>
+              </a:rPr>
+              <a:t>08</a:t>
+            </a:r>
+          </a:p>
+        </p:txBody>
+      </p:sp>
+      <p:sp>
+        <p:nvSpPr>
+          <p:cNvPr id="48" name="TextBox 19">
+            <a:extLst>
+              <a:ext uri="{FF2B5EF4-FFF2-40B4-BE49-F238E27FC236}">
+                <a16:creationId xmlns:a16="http://schemas.microsoft.com/office/drawing/2014/main" id="{47A866EF-4A00-4238-AF45-AD68252B88E2}"/>
+              </a:ext>
+            </a:extLst>
+          </p:cNvPr>
+          <p:cNvSpPr txBox="1"/>
+          <p:nvPr/>
+        </p:nvSpPr>
+        <p:spPr>
+          <a:xfrm>
+            <a:off x="6924481" y="5696490"/>
             <a:ext cx="1366451" cy="391374"/>
           </a:xfrm>
           <a:prstGeom prst="rect">
@@ -6400,7 +7811,7 @@
               <a:defRPr/>
             </a:pPr>
             <a:r>
-              <a:rPr lang="ko-KR" altLang="en-US" sz="2000">
+              <a:rPr lang="ko-KR" altLang="en-US" sz="2000" dirty="0">
                 <a:solidFill>
                   <a:schemeClr val="tx1">
                     <a:lumMod val="65000"/>
@@ -6413,17 +7824,6 @@
               </a:rPr>
               <a:t>기대효과</a:t>
             </a:r>
-            <a:endParaRPr lang="ko-KR" altLang="en-US" sz="2000">
-              <a:solidFill>
-                <a:schemeClr val="tx1">
-                  <a:lumMod val="65000"/>
-                  <a:lumOff val="35000"/>
-                </a:schemeClr>
-              </a:solidFill>
-              <a:latin typeface="KoPubWorld돋움체 Bold"/>
-              <a:ea typeface="KoPubWorld돋움체 Bold"/>
-              <a:cs typeface="KoPubWorld돋움체 Bold"/>
-            </a:endParaRPr>
           </a:p>
         </p:txBody>
       </p:sp>
@@ -6432,11 +7832,11 @@
   <p:clrMapOvr>
     <a:masterClrMapping/>
   </p:clrMapOvr>
-  <mc:AlternateContent xmlns:mc="http://schemas.openxmlformats.org/markup-compatibility/2006">
-    <mc:Choice xmlns:p14="http://schemas.microsoft.com/office/powerpoint/2010/main" Requires="p14">
-      <p:transition xmlns:mc="http://schemas.openxmlformats.org/markup-compatibility/2006" xmlns:p14="http://schemas.microsoft.com/office/powerpoint/2010/main" mc:Ignorable="p14" p14:dur="500"/>
+  <mc:AlternateContent xmlns:mc="http://schemas.openxmlformats.org/markup-compatibility/2006" xmlns:p14="http://schemas.microsoft.com/office/powerpoint/2010/main">
+    <mc:Choice Requires="p14">
+      <p:transition/>
     </mc:Choice>
-    <mc:Fallback>
+    <mc:Fallback xmlns:dsp="http://schemas.microsoft.com/office/drawing/2008/diagram" xmlns:dgm="http://schemas.openxmlformats.org/drawingml/2006/diagram" xmlns:c="http://schemas.openxmlformats.org/drawingml/2006/chart" xmlns="">
       <p:transition/>
     </mc:Fallback>
   </mc:AlternateContent>
@@ -6444,7 +7844,7 @@
 </file>
 
 <file path=ppt/slides/slide3.xml><?xml version="1.0" encoding="utf-8"?>
-<p:sld xmlns:r="http://schemas.openxmlformats.org/officeDocument/2006/relationships" xmlns:c="http://schemas.openxmlformats.org/drawingml/2006/chart" xmlns:a="http://schemas.openxmlformats.org/drawingml/2006/main" xmlns:dgm="http://schemas.openxmlformats.org/drawingml/2006/diagram" xmlns:dsp="http://schemas.microsoft.com/office/drawing/2008/diagram" xmlns:p="http://schemas.openxmlformats.org/presentationml/2006/main">
+<p:sld xmlns:a="http://schemas.openxmlformats.org/drawingml/2006/main" xmlns:r="http://schemas.openxmlformats.org/officeDocument/2006/relationships" xmlns:p="http://schemas.openxmlformats.org/presentationml/2006/main">
   <p:cSld>
     <p:spTree>
       <p:nvGrpSpPr>
@@ -6523,7 +7923,7 @@
             <a:avLst/>
           </a:prstGeom>
           <a:solidFill>
-            <a:srgbClr val="64decf"/>
+            <a:srgbClr val="64DECF"/>
           </a:solidFill>
           <a:ln>
             <a:noFill/>
@@ -6571,7 +7971,7 @@
             <a:avLst/>
           </a:prstGeom>
           <a:solidFill>
-            <a:srgbClr val="64decf"/>
+            <a:srgbClr val="64DECF"/>
           </a:solidFill>
           <a:ln>
             <a:noFill/>
@@ -6611,7 +8011,7 @@
           <p:nvPr/>
         </p:nvGrpSpPr>
         <p:grpSpPr>
-          <a:xfrm rot="0">
+          <a:xfrm>
             <a:off x="4105427" y="188165"/>
             <a:ext cx="5483057" cy="1238680"/>
             <a:chOff x="3819245" y="188165"/>
@@ -6656,17 +8056,6 @@
                 </a:rPr>
                 <a:t>주제 및 선정배경</a:t>
               </a:r>
-              <a:endParaRPr lang="ko-KR" altLang="en-US" sz="3500">
-                <a:solidFill>
-                  <a:schemeClr val="tx1">
-                    <a:lumMod val="65000"/>
-                    <a:lumOff val="35000"/>
-                  </a:schemeClr>
-                </a:solidFill>
-                <a:latin typeface="KoPubWorld돋움체 Light"/>
-                <a:ea typeface="KoPubWorld돋움체 Light"/>
-                <a:cs typeface="KoPubWorld돋움체 Light"/>
-              </a:endParaRPr>
             </a:p>
           </p:txBody>
         </p:sp>
@@ -6698,7 +8087,7 @@
               <a:r>
                 <a:rPr lang="en-US" altLang="ko-KR" sz="4800" b="1">
                   <a:solidFill>
-                    <a:srgbClr val="64decf"/>
+                    <a:srgbClr val="64DECF"/>
                   </a:solidFill>
                   <a:latin typeface="KoPubWorld돋움체 Bold"/>
                   <a:ea typeface="KoPubWorld돋움체 Bold"/>
@@ -6706,14 +8095,6 @@
                 </a:rPr>
                 <a:t>01</a:t>
               </a:r>
-              <a:endParaRPr lang="en-US" altLang="ko-KR" sz="4800" b="1">
-                <a:solidFill>
-                  <a:srgbClr val="64decf"/>
-                </a:solidFill>
-                <a:latin typeface="KoPubWorld돋움체 Bold"/>
-                <a:ea typeface="KoPubWorld돋움체 Bold"/>
-                <a:cs typeface="KoPubWorld돋움체 Bold"/>
-              </a:endParaRPr>
             </a:p>
           </p:txBody>
         </p:sp>
@@ -6783,17 +8164,6 @@
               </a:rPr>
               <a:t>대한민국 각 지역마다 유명한 관광지 모습을 볼 수 있고</a:t>
             </a:r>
-            <a:endParaRPr lang="ko-KR" altLang="en-US" sz="1400">
-              <a:solidFill>
-                <a:schemeClr val="tx1">
-                  <a:lumMod val="65000"/>
-                  <a:lumOff val="35000"/>
-                </a:schemeClr>
-              </a:solidFill>
-              <a:latin typeface="KoPubWorld돋움체 Light"/>
-              <a:ea typeface="KoPubWorld돋움체 Light"/>
-              <a:cs typeface="KoPubWorld돋움체 Light"/>
-            </a:endParaRPr>
           </a:p>
           <a:p>
             <a:pPr algn="ctr">
@@ -6816,17 +8186,6 @@
               </a:rPr>
               <a:t>하나의 사이트만으로 대한민국을 알아볼 수 있는 사이트 제작</a:t>
             </a:r>
-            <a:endParaRPr lang="ko-KR" altLang="en-US" sz="1400">
-              <a:solidFill>
-                <a:schemeClr val="tx1">
-                  <a:lumMod val="65000"/>
-                  <a:lumOff val="35000"/>
-                </a:schemeClr>
-              </a:solidFill>
-              <a:latin typeface="KoPubWorld돋움체 Light"/>
-              <a:ea typeface="KoPubWorld돋움체 Light"/>
-              <a:cs typeface="KoPubWorld돋움체 Light"/>
-            </a:endParaRPr>
           </a:p>
         </p:txBody>
       </p:sp>
@@ -6893,7 +8252,7 @@
             <a:avLst/>
           </a:prstGeom>
           <a:solidFill>
-            <a:srgbClr val="64decf"/>
+            <a:srgbClr val="64DECF"/>
           </a:solidFill>
           <a:ln>
             <a:noFill/>
@@ -6924,7 +8283,7 @@
             </a:pPr>
             <a:endParaRPr lang="ko-KR" altLang="en-US">
               <a:highlight>
-                <a:srgbClr val="ffff00"/>
+                <a:srgbClr val="FFFF00"/>
               </a:highlight>
             </a:endParaRPr>
           </a:p>
@@ -6986,8 +8345,8 @@
         </p:nvSpPr>
         <p:spPr>
           <a:xfrm>
-            <a:off x="4674587" y="3731405"/>
-            <a:ext cx="4195379" cy="595804"/>
+            <a:off x="4475021" y="3731405"/>
+            <a:ext cx="4594528" cy="307777"/>
           </a:xfrm>
           <a:prstGeom prst="rect">
             <a:avLst/>
@@ -7004,7 +8363,7 @@
               <a:defRPr/>
             </a:pPr>
             <a:r>
-              <a:rPr lang="ko-KR" altLang="en-US" sz="1400">
+              <a:rPr lang="ko-KR" altLang="en-US" sz="1400" dirty="0">
                 <a:solidFill>
                   <a:schemeClr val="tx1">
                     <a:lumMod val="65000"/>
@@ -7015,52 +8374,8 @@
                 <a:ea typeface="KoPubWorld돋움체 Light"/>
                 <a:cs typeface="KoPubWorld돋움체 Light"/>
               </a:rPr>
-              <a:t>전국 관광지를 소개함으로 써 여행 사전조사 효율을</a:t>
+              <a:t>코로나로 인한 외국인 관광객 감소로 외국인 관광객 타겟</a:t>
             </a:r>
-            <a:endParaRPr lang="ko-KR" altLang="en-US" sz="1400">
-              <a:solidFill>
-                <a:schemeClr val="tx1">
-                  <a:lumMod val="65000"/>
-                  <a:lumOff val="35000"/>
-                </a:schemeClr>
-              </a:solidFill>
-              <a:latin typeface="KoPubWorld돋움체 Light"/>
-              <a:ea typeface="KoPubWorld돋움체 Light"/>
-              <a:cs typeface="KoPubWorld돋움체 Light"/>
-            </a:endParaRPr>
-          </a:p>
-          <a:p>
-            <a:pPr algn="ctr">
-              <a:lnSpc>
-                <a:spcPct val="150000"/>
-              </a:lnSpc>
-              <a:defRPr/>
-            </a:pPr>
-            <a:r>
-              <a:rPr lang="ko-KR" altLang="en-US" sz="1400">
-                <a:solidFill>
-                  <a:schemeClr val="tx1">
-                    <a:lumMod val="65000"/>
-                    <a:lumOff val="35000"/>
-                  </a:schemeClr>
-                </a:solidFill>
-                <a:latin typeface="KoPubWorld돋움체 Light"/>
-                <a:ea typeface="KoPubWorld돋움체 Light"/>
-                <a:cs typeface="KoPubWorld돋움체 Light"/>
-              </a:rPr>
-              <a:t>극대화 할 수 있고 </a:t>
-            </a:r>
-            <a:endParaRPr lang="ko-KR" altLang="en-US" sz="1400">
-              <a:solidFill>
-                <a:schemeClr val="tx1">
-                  <a:lumMod val="65000"/>
-                  <a:lumOff val="35000"/>
-                </a:schemeClr>
-              </a:solidFill>
-              <a:latin typeface="KoPubWorld돋움체 Light"/>
-              <a:ea typeface="KoPubWorld돋움체 Light"/>
-              <a:cs typeface="KoPubWorld돋움체 Light"/>
-            </a:endParaRPr>
           </a:p>
         </p:txBody>
       </p:sp>
@@ -7079,7 +8394,7 @@
             <a:avLst/>
           </a:prstGeom>
           <a:solidFill>
-            <a:srgbClr val="64decf"/>
+            <a:srgbClr val="64DECF"/>
           </a:solidFill>
           <a:ln>
             <a:noFill/>
@@ -7138,7 +8453,7 @@
               <a:defRPr/>
             </a:pPr>
             <a:r>
-              <a:rPr lang="ko-KR" altLang="en-US" sz="1400">
+              <a:rPr lang="ko-KR" altLang="en-US" sz="1400" dirty="0">
                 <a:solidFill>
                   <a:schemeClr val="tx1">
                     <a:lumMod val="65000"/>
@@ -7151,24 +8466,13 @@
               </a:rPr>
               <a:t>매달 대한민국에 들어오는 외국인 관광객 수를 제공하여</a:t>
             </a:r>
-            <a:endParaRPr lang="ko-KR" altLang="en-US" sz="1400">
-              <a:solidFill>
-                <a:schemeClr val="tx1">
-                  <a:lumMod val="65000"/>
-                  <a:lumOff val="35000"/>
-                </a:schemeClr>
-              </a:solidFill>
-              <a:latin typeface="KoPubWorld돋움체 Light"/>
-              <a:ea typeface="KoPubWorld돋움체 Light"/>
-              <a:cs typeface="KoPubWorld돋움체 Light"/>
-            </a:endParaRPr>
           </a:p>
           <a:p>
             <a:pPr algn="ctr">
               <a:defRPr/>
             </a:pPr>
             <a:r>
-              <a:rPr lang="ko-KR" altLang="en-US" sz="1400">
+              <a:rPr lang="ko-KR" altLang="en-US" sz="1400" dirty="0">
                 <a:solidFill>
                   <a:schemeClr val="tx1">
                     <a:lumMod val="65000"/>
@@ -7181,7 +8485,7 @@
               </a:rPr>
               <a:t>인기있는 계절을 알 수 있게 함</a:t>
             </a:r>
-            <a:endParaRPr lang="en-US" altLang="ko-KR" sz="1400">
+            <a:endParaRPr lang="en-US" altLang="ko-KR" sz="1400" dirty="0">
               <a:solidFill>
                 <a:schemeClr val="tx1">
                   <a:lumMod val="65000"/>
@@ -7197,22 +8501,30 @@
       </p:sp>
       <p:pic>
         <p:nvPicPr>
-          <p:cNvPr id="18" name="그래픽 17" descr="إضافة 단색으로 채워진"/>
+          <p:cNvPr id="19" name="그림 18">
+            <a:extLst>
+              <a:ext uri="{FF2B5EF4-FFF2-40B4-BE49-F238E27FC236}">
+                <a16:creationId xmlns:a16="http://schemas.microsoft.com/office/drawing/2014/main" id="{B4ADF835-7E6D-48F5-83DF-8011405F63C6}"/>
+              </a:ext>
+            </a:extLst>
+          </p:cNvPr>
           <p:cNvPicPr>
             <a:picLocks noChangeAspect="1"/>
           </p:cNvPicPr>
           <p:nvPr/>
         </p:nvPicPr>
         <p:blipFill rotWithShape="1">
-          <a:blip r:embed="rId3"/>
+          <a:blip r:embed="rId2">
+            <a:lum bright="70000" contrast="-70000"/>
+          </a:blip>
           <a:stretch>
             <a:fillRect/>
           </a:stretch>
         </p:blipFill>
         <p:spPr>
           <a:xfrm>
-            <a:off x="3225575" y="5004195"/>
-            <a:ext cx="687820" cy="687820"/>
+            <a:off x="3306708" y="3731405"/>
+            <a:ext cx="525558" cy="525558"/>
           </a:xfrm>
           <a:prstGeom prst="rect">
             <a:avLst/>
@@ -7221,22 +8533,30 @@
       </p:pic>
       <p:pic>
         <p:nvPicPr>
-          <p:cNvPr id="42" name="그래픽 41" descr="إضافة 단색으로 채워진"/>
+          <p:cNvPr id="20" name="그림 19">
+            <a:extLst>
+              <a:ext uri="{FF2B5EF4-FFF2-40B4-BE49-F238E27FC236}">
+                <a16:creationId xmlns:a16="http://schemas.microsoft.com/office/drawing/2014/main" id="{8CE1F195-978B-461D-97CD-D80FD2149AE0}"/>
+              </a:ext>
+            </a:extLst>
+          </p:cNvPr>
           <p:cNvPicPr>
             <a:picLocks noChangeAspect="1"/>
           </p:cNvPicPr>
           <p:nvPr/>
         </p:nvPicPr>
         <p:blipFill rotWithShape="1">
-          <a:blip r:embed="rId4"/>
+          <a:blip r:embed="rId2">
+            <a:lum bright="70000" contrast="-70000"/>
+          </a:blip>
           <a:stretch>
             <a:fillRect/>
           </a:stretch>
         </p:blipFill>
         <p:spPr>
           <a:xfrm>
-            <a:off x="3225575" y="3685069"/>
-            <a:ext cx="687820" cy="687820"/>
+            <a:off x="3306708" y="5053029"/>
+            <a:ext cx="525558" cy="525558"/>
           </a:xfrm>
           <a:prstGeom prst="rect">
             <a:avLst/>
@@ -7248,11 +8568,11 @@
   <p:clrMapOvr>
     <a:masterClrMapping/>
   </p:clrMapOvr>
-  <mc:AlternateContent xmlns:mc="http://schemas.openxmlformats.org/markup-compatibility/2006">
-    <mc:Choice xmlns:p14="http://schemas.microsoft.com/office/powerpoint/2010/main" Requires="p14">
-      <p:transition xmlns:mc="http://schemas.openxmlformats.org/markup-compatibility/2006" xmlns:p14="http://schemas.microsoft.com/office/powerpoint/2010/main" mc:Ignorable="p14" p14:dur="500"/>
+  <mc:AlternateContent xmlns:mc="http://schemas.openxmlformats.org/markup-compatibility/2006" xmlns:p14="http://schemas.microsoft.com/office/powerpoint/2010/main">
+    <mc:Choice Requires="p14">
+      <p:transition/>
     </mc:Choice>
-    <mc:Fallback>
+    <mc:Fallback xmlns:dsp="http://schemas.microsoft.com/office/drawing/2008/diagram" xmlns:dgm="http://schemas.openxmlformats.org/drawingml/2006/diagram" xmlns:c="http://schemas.openxmlformats.org/drawingml/2006/chart" xmlns="">
       <p:transition/>
     </mc:Fallback>
   </mc:AlternateContent>
@@ -7260,7 +8580,7 @@
 </file>
 
 <file path=ppt/slides/slide4.xml><?xml version="1.0" encoding="utf-8"?>
-<p:sld xmlns:r="http://schemas.openxmlformats.org/officeDocument/2006/relationships" xmlns:c="http://schemas.openxmlformats.org/drawingml/2006/chart" xmlns:a="http://schemas.openxmlformats.org/drawingml/2006/main" xmlns:dgm="http://schemas.openxmlformats.org/drawingml/2006/diagram" xmlns:dsp="http://schemas.microsoft.com/office/drawing/2008/diagram" xmlns:p="http://schemas.openxmlformats.org/presentationml/2006/main">
+<p:sld xmlns:a="http://schemas.openxmlformats.org/drawingml/2006/main" xmlns:r="http://schemas.openxmlformats.org/officeDocument/2006/relationships" xmlns:p="http://schemas.openxmlformats.org/presentationml/2006/main">
   <p:cSld>
     <p:spTree>
       <p:nvGrpSpPr>
@@ -7291,7 +8611,7 @@
             <a:avLst/>
           </a:prstGeom>
           <a:solidFill>
-            <a:srgbClr val="64decf"/>
+            <a:srgbClr val="64DECF"/>
           </a:solidFill>
           <a:ln>
             <a:noFill/>
@@ -7331,7 +8651,7 @@
           <p:nvPr/>
         </p:nvGrpSpPr>
         <p:grpSpPr>
-          <a:xfrm rot="0">
+          <a:xfrm>
             <a:off x="3105302" y="188165"/>
             <a:ext cx="5991981" cy="1238680"/>
             <a:chOff x="3819245" y="188165"/>
@@ -7376,17 +8696,6 @@
                 </a:rPr>
                 <a:t> 조원 소개 및 담당 작업</a:t>
               </a:r>
-              <a:endParaRPr lang="ko-KR" altLang="en-US" sz="3500">
-                <a:solidFill>
-                  <a:schemeClr val="tx1">
-                    <a:lumMod val="65000"/>
-                    <a:lumOff val="35000"/>
-                  </a:schemeClr>
-                </a:solidFill>
-                <a:latin typeface="KoPubWorld돋움체 Bold"/>
-                <a:ea typeface="KoPubWorld돋움체 Bold"/>
-                <a:cs typeface="KoPubWorld돋움체 Bold"/>
-              </a:endParaRPr>
             </a:p>
           </p:txBody>
         </p:sp>
@@ -7418,7 +8727,7 @@
               <a:r>
                 <a:rPr lang="en-US" altLang="ko-KR" sz="4800" b="1">
                   <a:solidFill>
-                    <a:srgbClr val="64decf"/>
+                    <a:srgbClr val="64DECF"/>
                   </a:solidFill>
                   <a:latin typeface="KoPubWorld돋움체 Bold"/>
                   <a:ea typeface="KoPubWorld돋움체 Bold"/>
@@ -7426,14 +8735,6 @@
                 </a:rPr>
                 <a:t>02</a:t>
               </a:r>
-              <a:endParaRPr lang="en-US" altLang="ko-KR" sz="4800" b="1">
-                <a:solidFill>
-                  <a:srgbClr val="64decf"/>
-                </a:solidFill>
-                <a:latin typeface="KoPubWorld돋움체 Bold"/>
-                <a:ea typeface="KoPubWorld돋움체 Bold"/>
-                <a:cs typeface="KoPubWorld돋움체 Bold"/>
-              </a:endParaRPr>
             </a:p>
           </p:txBody>
         </p:sp>
@@ -7445,7 +8746,7 @@
           <p:nvPr/>
         </p:nvGrpSpPr>
         <p:grpSpPr>
-          <a:xfrm rot="0">
+          <a:xfrm>
             <a:off x="2077493" y="2425628"/>
             <a:ext cx="8037014" cy="2669547"/>
             <a:chOff x="2192615" y="2425628"/>
@@ -7467,7 +8768,7 @@
               <a:avLst/>
             </a:prstGeom>
             <a:solidFill>
-              <a:srgbClr val="64decf">
+              <a:srgbClr val="64DECF">
                 <a:alpha val="22000"/>
               </a:srgbClr>
             </a:solidFill>
@@ -7517,7 +8818,7 @@
               <a:avLst/>
             </a:prstGeom>
             <a:solidFill>
-              <a:srgbClr val="64decf"/>
+              <a:srgbClr val="64DECF"/>
             </a:solidFill>
             <a:ln w="31750">
               <a:solidFill>
@@ -7590,14 +8891,6 @@
                 </a:rPr>
                 <a:t>조원</a:t>
               </a:r>
-              <a:endParaRPr lang="ko-KR" altLang="en-US" sz="2000" b="1">
-                <a:solidFill>
-                  <a:schemeClr val="bg1"/>
-                </a:solidFill>
-                <a:latin typeface="KoPubWorld돋움체 Light"/>
-                <a:ea typeface="KoPubWorld돋움체 Light"/>
-                <a:cs typeface="KoPubWorld돋움체 Light"/>
-              </a:endParaRPr>
             </a:p>
           </p:txBody>
         </p:sp>
@@ -7650,14 +8943,6 @@
                 </a:rPr>
                 <a:t>한 승 철</a:t>
               </a:r>
-              <a:endParaRPr lang="ko-KR" altLang="en-US" sz="2500">
-                <a:solidFill>
-                  <a:schemeClr val="bg1"/>
-                </a:solidFill>
-                <a:latin typeface="KoPubWorld돋움체 Light"/>
-                <a:ea typeface="KoPubWorld돋움체 Light"/>
-                <a:cs typeface="KoPubWorld돋움체 Light"/>
-              </a:endParaRPr>
             </a:p>
           </p:txBody>
         </p:sp>
@@ -7697,14 +8982,6 @@
                 </a:rPr>
                 <a:t>…………………………</a:t>
               </a:r>
-              <a:endParaRPr lang="en-US" altLang="ko-KR" sz="1200">
-                <a:solidFill>
-                  <a:schemeClr val="bg1"/>
-                </a:solidFill>
-                <a:latin typeface="KoPubWorld돋움체 Bold"/>
-                <a:ea typeface="KoPubWorld돋움체 Bold"/>
-                <a:cs typeface="KoPubWorld돋움체 Bold"/>
-              </a:endParaRPr>
             </a:p>
             <a:p>
               <a:pPr algn="ctr">
@@ -7736,7 +9013,7 @@
               <a:avLst/>
             </a:prstGeom>
             <a:solidFill>
-              <a:srgbClr val="64decf">
+              <a:srgbClr val="64DECF">
                 <a:alpha val="22000"/>
               </a:srgbClr>
             </a:solidFill>
@@ -7786,7 +9063,7 @@
               <a:avLst/>
             </a:prstGeom>
             <a:solidFill>
-              <a:srgbClr val="64decf"/>
+              <a:srgbClr val="64DECF"/>
             </a:solidFill>
             <a:ln w="31750">
               <a:solidFill>
@@ -7859,14 +9136,6 @@
                 </a:rPr>
                 <a:t>조장</a:t>
               </a:r>
-              <a:endParaRPr lang="ko-KR" altLang="en-US" sz="2000" b="1">
-                <a:solidFill>
-                  <a:schemeClr val="bg1"/>
-                </a:solidFill>
-                <a:latin typeface="KoPubWorld돋움체 Bold"/>
-                <a:ea typeface="KoPubWorld돋움체 Bold"/>
-                <a:cs typeface="KoPubWorld돋움체 Bold"/>
-              </a:endParaRPr>
             </a:p>
           </p:txBody>
         </p:sp>
@@ -7919,14 +9188,6 @@
                 </a:rPr>
                 <a:t>고 명 수</a:t>
               </a:r>
-              <a:endParaRPr lang="ko-KR" altLang="en-US" sz="2500">
-                <a:solidFill>
-                  <a:schemeClr val="bg1"/>
-                </a:solidFill>
-                <a:latin typeface="KoPubWorld돋움체 Light"/>
-                <a:ea typeface="KoPubWorld돋움체 Light"/>
-                <a:cs typeface="KoPubWorld돋움체 Light"/>
-              </a:endParaRPr>
             </a:p>
           </p:txBody>
         </p:sp>
@@ -7966,14 +9227,6 @@
                 </a:rPr>
                 <a:t>…………………………</a:t>
               </a:r>
-              <a:endParaRPr lang="en-US" altLang="ko-KR" sz="1200">
-                <a:solidFill>
-                  <a:schemeClr val="bg1"/>
-                </a:solidFill>
-                <a:latin typeface="KoPubWorld돋움체 Bold"/>
-                <a:ea typeface="KoPubWorld돋움체 Bold"/>
-                <a:cs typeface="KoPubWorld돋움체 Bold"/>
-              </a:endParaRPr>
             </a:p>
             <a:p>
               <a:pPr algn="ctr">
@@ -8005,7 +9258,7 @@
               <a:avLst/>
             </a:prstGeom>
             <a:solidFill>
-              <a:srgbClr val="64decf">
+              <a:srgbClr val="64DECF">
                 <a:alpha val="22000"/>
               </a:srgbClr>
             </a:solidFill>
@@ -8055,7 +9308,7 @@
               <a:avLst/>
             </a:prstGeom>
             <a:solidFill>
-              <a:srgbClr val="64decf"/>
+              <a:srgbClr val="64DECF"/>
             </a:solidFill>
             <a:ln w="31750">
               <a:solidFill>
@@ -8128,14 +9381,6 @@
                 </a:rPr>
                 <a:t>조원</a:t>
               </a:r>
-              <a:endParaRPr lang="ko-KR" altLang="en-US" sz="2000" b="1">
-                <a:solidFill>
-                  <a:schemeClr val="bg1"/>
-                </a:solidFill>
-                <a:latin typeface="KoPubWorld돋움체 Light"/>
-                <a:ea typeface="KoPubWorld돋움체 Light"/>
-                <a:cs typeface="KoPubWorld돋움체 Light"/>
-              </a:endParaRPr>
             </a:p>
           </p:txBody>
         </p:sp>
@@ -8188,14 +9433,6 @@
                 </a:rPr>
                 <a:t>김 승 진</a:t>
               </a:r>
-              <a:endParaRPr lang="ko-KR" altLang="en-US" sz="2500">
-                <a:solidFill>
-                  <a:schemeClr val="bg1"/>
-                </a:solidFill>
-                <a:latin typeface="KoPubWorld돋움체 Light"/>
-                <a:ea typeface="KoPubWorld돋움체 Light"/>
-                <a:cs typeface="KoPubWorld돋움체 Light"/>
-              </a:endParaRPr>
             </a:p>
           </p:txBody>
         </p:sp>
@@ -8235,14 +9472,6 @@
                 </a:rPr>
                 <a:t>…………………………</a:t>
               </a:r>
-              <a:endParaRPr lang="en-US" altLang="ko-KR" sz="1200">
-                <a:solidFill>
-                  <a:schemeClr val="bg1"/>
-                </a:solidFill>
-                <a:latin typeface="KoPubWorld돋움체 Bold"/>
-                <a:ea typeface="KoPubWorld돋움체 Bold"/>
-                <a:cs typeface="KoPubWorld돋움체 Bold"/>
-              </a:endParaRPr>
             </a:p>
             <a:p>
               <a:pPr algn="ctr">
@@ -8265,11 +9494,11 @@
   <p:clrMapOvr>
     <a:masterClrMapping/>
   </p:clrMapOvr>
-  <mc:AlternateContent xmlns:mc="http://schemas.openxmlformats.org/markup-compatibility/2006">
-    <mc:Choice xmlns:p14="http://schemas.microsoft.com/office/powerpoint/2010/main" Requires="p14">
-      <p:transition xmlns:mc="http://schemas.openxmlformats.org/markup-compatibility/2006" xmlns:p14="http://schemas.microsoft.com/office/powerpoint/2010/main" mc:Ignorable="p14" p14:dur="500"/>
+  <mc:AlternateContent xmlns:mc="http://schemas.openxmlformats.org/markup-compatibility/2006" xmlns:p14="http://schemas.microsoft.com/office/powerpoint/2010/main">
+    <mc:Choice Requires="p14">
+      <p:transition/>
     </mc:Choice>
-    <mc:Fallback>
+    <mc:Fallback xmlns:dsp="http://schemas.microsoft.com/office/drawing/2008/diagram" xmlns:dgm="http://schemas.openxmlformats.org/drawingml/2006/diagram" xmlns:c="http://schemas.openxmlformats.org/drawingml/2006/chart" xmlns="">
       <p:transition/>
     </mc:Fallback>
   </mc:AlternateContent>
@@ -8295,13 +9524,572 @@
       </p:grpSpPr>
       <p:sp>
         <p:nvSpPr>
+          <p:cNvPr id="23" name="직사각형 22"/>
+          <p:cNvSpPr/>
+          <p:nvPr/>
+        </p:nvSpPr>
+        <p:spPr>
+          <a:xfrm flipV="1">
+            <a:off x="557400" y="1001162"/>
+            <a:ext cx="11077200" cy="18000"/>
+          </a:xfrm>
+          <a:prstGeom prst="rect">
+            <a:avLst/>
+          </a:prstGeom>
+          <a:solidFill>
+            <a:srgbClr val="64DECF"/>
+          </a:solidFill>
+          <a:ln>
+            <a:noFill/>
+          </a:ln>
+        </p:spPr>
+        <p:style>
+          <a:lnRef idx="2">
+            <a:schemeClr val="accent1">
+              <a:shade val="50000"/>
+            </a:schemeClr>
+          </a:lnRef>
+          <a:fillRef idx="1">
+            <a:schemeClr val="accent1"/>
+          </a:fillRef>
+          <a:effectRef idx="0">
+            <a:schemeClr val="accent1"/>
+          </a:effectRef>
+          <a:fontRef idx="minor">
+            <a:schemeClr val="lt1"/>
+          </a:fontRef>
+        </p:style>
+        <p:txBody>
+          <a:bodyPr anchor="ctr"/>
+          <a:lstStyle/>
+          <a:p>
+            <a:pPr algn="ctr">
+              <a:defRPr/>
+            </a:pPr>
+            <a:endParaRPr lang="ko-KR" altLang="en-US"/>
+          </a:p>
+        </p:txBody>
+      </p:sp>
+      <p:grpSp>
+        <p:nvGrpSpPr>
+          <p:cNvPr id="6" name="그룹 5"/>
+          <p:cNvGrpSpPr/>
+          <p:nvPr/>
+        </p:nvGrpSpPr>
+        <p:grpSpPr>
+          <a:xfrm>
+            <a:off x="3105302" y="188165"/>
+            <a:ext cx="5991981" cy="1238680"/>
+            <a:chOff x="3819245" y="188165"/>
+            <a:chExt cx="3981147" cy="1238680"/>
+          </a:xfrm>
+        </p:grpSpPr>
+        <p:sp>
+          <p:nvSpPr>
+            <p:cNvPr id="5" name="직사각형 4"/>
+            <p:cNvSpPr/>
+            <p:nvPr/>
+          </p:nvSpPr>
+          <p:spPr>
+            <a:xfrm>
+              <a:off x="4603102" y="271010"/>
+              <a:ext cx="3197289" cy="622435"/>
+            </a:xfrm>
+            <a:prstGeom prst="rect">
+              <a:avLst/>
+            </a:prstGeom>
+          </p:spPr>
+          <p:txBody>
+            <a:bodyPr wrap="square">
+              <a:spAutoFit/>
+            </a:bodyPr>
+            <a:lstStyle/>
+            <a:p>
+              <a:pPr lvl="0">
+                <a:defRPr/>
+              </a:pPr>
+              <a:r>
+                <a:rPr lang="ko-KR" altLang="en-US" sz="3500">
+                  <a:solidFill>
+                    <a:schemeClr val="tx1">
+                      <a:lumMod val="65000"/>
+                      <a:lumOff val="35000"/>
+                    </a:schemeClr>
+                  </a:solidFill>
+                  <a:latin typeface="KoPubWorld돋움체 Bold"/>
+                  <a:ea typeface="KoPubWorld돋움체 Bold"/>
+                  <a:cs typeface="KoPubWorld돋움체 Bold"/>
+                </a:rPr>
+                <a:t> 조원 소개 및 담당 작업</a:t>
+              </a:r>
+            </a:p>
+          </p:txBody>
+        </p:sp>
+        <p:sp>
+          <p:nvSpPr>
+            <p:cNvPr id="24" name="TextBox 23"/>
+            <p:cNvSpPr txBox="1"/>
+            <p:nvPr/>
+          </p:nvSpPr>
+          <p:spPr>
+            <a:xfrm>
+              <a:off x="3819245" y="188165"/>
+              <a:ext cx="891387" cy="819580"/>
+            </a:xfrm>
+            <a:prstGeom prst="rect">
+              <a:avLst/>
+            </a:prstGeom>
+            <a:noFill/>
+          </p:spPr>
+          <p:txBody>
+            <a:bodyPr wrap="square">
+              <a:spAutoFit/>
+            </a:bodyPr>
+            <a:lstStyle/>
+            <a:p>
+              <a:pPr lvl="0">
+                <a:defRPr/>
+              </a:pPr>
+              <a:r>
+                <a:rPr lang="en-US" altLang="ko-KR" sz="4800" b="1">
+                  <a:solidFill>
+                    <a:srgbClr val="64DECF"/>
+                  </a:solidFill>
+                  <a:latin typeface="KoPubWorld돋움체 Bold"/>
+                  <a:ea typeface="KoPubWorld돋움체 Bold"/>
+                  <a:cs typeface="KoPubWorld돋움체 Bold"/>
+                </a:rPr>
+                <a:t>02</a:t>
+              </a:r>
+            </a:p>
+          </p:txBody>
+        </p:sp>
+      </p:grpSp>
+      <p:graphicFrame>
+        <p:nvGraphicFramePr>
+          <p:cNvPr id="25" name="표 4">
+            <a:extLst>
+              <a:ext uri="{FF2B5EF4-FFF2-40B4-BE49-F238E27FC236}">
+                <a16:creationId xmlns:a16="http://schemas.microsoft.com/office/drawing/2014/main" id="{1B6FA2CE-22F6-491A-A098-8FC33931AA62}"/>
+              </a:ext>
+            </a:extLst>
+          </p:cNvPr>
+          <p:cNvGraphicFramePr>
+            <a:graphicFrameLocks noGrp="1"/>
+          </p:cNvGraphicFramePr>
+          <p:nvPr>
+            <p:extLst>
+              <p:ext uri="{D42A27DB-BD31-4B8C-83A1-F6EECF244321}">
+                <p14:modId xmlns:p14="http://schemas.microsoft.com/office/powerpoint/2010/main" val="3183942277"/>
+              </p:ext>
+            </p:extLst>
+          </p:nvPr>
+        </p:nvGraphicFramePr>
+        <p:xfrm>
+          <a:off x="1468721" y="2882194"/>
+          <a:ext cx="8992350" cy="2251867"/>
+        </p:xfrm>
+        <a:graphic>
+          <a:graphicData uri="http://schemas.openxmlformats.org/drawingml/2006/table">
+            <a:tbl>
+              <a:tblPr firstRow="1" bandRow="1">
+                <a:tableStyleId>{5C22544A-7EE6-4342-B048-85BDC9FD1C3A}</a:tableStyleId>
+              </a:tblPr>
+              <a:tblGrid>
+                <a:gridCol w="4496175">
+                  <a:extLst>
+                    <a:ext uri="{9D8B030D-6E8A-4147-A177-3AD203B41FA5}">
+                      <a16:colId xmlns:a16="http://schemas.microsoft.com/office/drawing/2014/main" val="3882867741"/>
+                    </a:ext>
+                  </a:extLst>
+                </a:gridCol>
+                <a:gridCol w="4496175">
+                  <a:extLst>
+                    <a:ext uri="{9D8B030D-6E8A-4147-A177-3AD203B41FA5}">
+                      <a16:colId xmlns:a16="http://schemas.microsoft.com/office/drawing/2014/main" val="2686249283"/>
+                    </a:ext>
+                  </a:extLst>
+                </a:gridCol>
+              </a:tblGrid>
+              <a:tr h="718377">
+                <a:tc>
+                  <a:txBody>
+                    <a:bodyPr/>
+                    <a:lstStyle/>
+                    <a:p>
+                      <a:pPr algn="ctr" latinLnBrk="1"/>
+                      <a:r>
+                        <a:rPr lang="ko-KR" altLang="en-US" sz="3200" dirty="0">
+                          <a:latin typeface="HY궁서B" panose="02030600000101010101" pitchFamily="18" charset="-127"/>
+                          <a:ea typeface="HY궁서B" panose="02030600000101010101" pitchFamily="18" charset="-127"/>
+                        </a:rPr>
+                        <a:t>김승진</a:t>
+                      </a:r>
+                    </a:p>
+                  </a:txBody>
+                  <a:tcPr>
+                    <a:solidFill>
+                      <a:srgbClr val="229E8F"/>
+                    </a:solidFill>
+                  </a:tcPr>
+                </a:tc>
+                <a:tc>
+                  <a:txBody>
+                    <a:bodyPr/>
+                    <a:lstStyle/>
+                    <a:p>
+                      <a:pPr algn="ctr" latinLnBrk="1"/>
+                      <a:r>
+                        <a:rPr lang="ko-KR" altLang="en-US" sz="3200" dirty="0">
+                          <a:latin typeface="HY궁서B" panose="02030600000101010101" pitchFamily="18" charset="-127"/>
+                          <a:ea typeface="HY궁서B" panose="02030600000101010101" pitchFamily="18" charset="-127"/>
+                        </a:rPr>
+                        <a:t>한승철</a:t>
+                      </a:r>
+                    </a:p>
+                  </a:txBody>
+                  <a:tcPr>
+                    <a:solidFill>
+                      <a:srgbClr val="229E8F"/>
+                    </a:solidFill>
+                  </a:tcPr>
+                </a:tc>
+                <a:extLst>
+                  <a:ext uri="{0D108BD9-81ED-4DB2-BD59-A6C34878D82A}">
+                    <a16:rowId xmlns:a16="http://schemas.microsoft.com/office/drawing/2014/main" val="1093281731"/>
+                  </a:ext>
+                </a:extLst>
+              </a:tr>
+              <a:tr h="1533490">
+                <a:tc>
+                  <a:txBody>
+                    <a:bodyPr/>
+                    <a:lstStyle/>
+                    <a:p>
+                      <a:pPr latinLnBrk="1"/>
+                      <a:r>
+                        <a:rPr lang="ko-KR" altLang="en-US" dirty="0" err="1">
+                          <a:solidFill>
+                            <a:schemeClr val="bg1"/>
+                          </a:solidFill>
+                          <a:latin typeface="HY궁서B" panose="02030600000101010101" pitchFamily="18" charset="-127"/>
+                          <a:ea typeface="HY궁서B" panose="02030600000101010101" pitchFamily="18" charset="-127"/>
+                        </a:rPr>
+                        <a:t>프론트엔드</a:t>
+                      </a:r>
+                      <a:endParaRPr lang="en-US" altLang="ko-KR" dirty="0">
+                        <a:solidFill>
+                          <a:schemeClr val="bg1"/>
+                        </a:solidFill>
+                        <a:latin typeface="HY궁서B" panose="02030600000101010101" pitchFamily="18" charset="-127"/>
+                        <a:ea typeface="HY궁서B" panose="02030600000101010101" pitchFamily="18" charset="-127"/>
+                      </a:endParaRPr>
+                    </a:p>
+                    <a:p>
+                      <a:pPr marL="285750" indent="-285750" latinLnBrk="1">
+                        <a:buFont typeface="Arial" panose="020B0604020202020204" pitchFamily="34" charset="0"/>
+                        <a:buChar char="•"/>
+                      </a:pPr>
+                      <a:r>
+                        <a:rPr lang="ko-KR" altLang="en-US" dirty="0">
+                          <a:solidFill>
+                            <a:schemeClr val="bg1"/>
+                          </a:solidFill>
+                          <a:latin typeface="HY궁서B" panose="02030600000101010101" pitchFamily="18" charset="-127"/>
+                          <a:ea typeface="HY궁서B" panose="02030600000101010101" pitchFamily="18" charset="-127"/>
+                        </a:rPr>
+                        <a:t>유저 인터페이스</a:t>
+                      </a:r>
+                      <a:endParaRPr lang="en-US" altLang="ko-KR" dirty="0">
+                        <a:solidFill>
+                          <a:schemeClr val="bg1"/>
+                        </a:solidFill>
+                        <a:latin typeface="HY궁서B" panose="02030600000101010101" pitchFamily="18" charset="-127"/>
+                        <a:ea typeface="HY궁서B" panose="02030600000101010101" pitchFamily="18" charset="-127"/>
+                      </a:endParaRPr>
+                    </a:p>
+                    <a:p>
+                      <a:pPr marL="285750" indent="-285750" latinLnBrk="1">
+                        <a:buFont typeface="Arial" panose="020B0604020202020204" pitchFamily="34" charset="0"/>
+                        <a:buChar char="•"/>
+                      </a:pPr>
+                      <a:r>
+                        <a:rPr lang="en-US" altLang="ko-KR" dirty="0" err="1">
+                          <a:solidFill>
+                            <a:schemeClr val="bg1"/>
+                          </a:solidFill>
+                          <a:latin typeface="Arial Rounded MT Bold" panose="020F0704030504030204" pitchFamily="34" charset="0"/>
+                        </a:rPr>
+                        <a:t>Vscode</a:t>
+                      </a:r>
+                      <a:r>
+                        <a:rPr lang="en-US" altLang="ko-KR" dirty="0">
+                          <a:solidFill>
+                            <a:schemeClr val="bg1"/>
+                          </a:solidFill>
+                          <a:latin typeface="Arial Rounded MT Bold" panose="020F0704030504030204" pitchFamily="34" charset="0"/>
+                        </a:rPr>
+                        <a:t> </a:t>
+                      </a:r>
+                      <a:r>
+                        <a:rPr lang="ko-KR" altLang="en-US" dirty="0">
+                          <a:solidFill>
+                            <a:schemeClr val="bg1"/>
+                          </a:solidFill>
+                          <a:latin typeface="Arial Rounded MT Bold" panose="020F0704030504030204" pitchFamily="34" charset="0"/>
+                        </a:rPr>
+                        <a:t>사용</a:t>
+                      </a:r>
+                      <a:endParaRPr lang="en-US" altLang="ko-KR" dirty="0">
+                        <a:solidFill>
+                          <a:schemeClr val="bg1"/>
+                        </a:solidFill>
+                      </a:endParaRPr>
+                    </a:p>
+                    <a:p>
+                      <a:pPr marL="285750" indent="-285750" latinLnBrk="1">
+                        <a:buFont typeface="Arial" panose="020B0604020202020204" pitchFamily="34" charset="0"/>
+                        <a:buChar char="•"/>
+                      </a:pPr>
+                      <a:r>
+                        <a:rPr lang="en-US" altLang="ko-KR" dirty="0">
+                          <a:solidFill>
+                            <a:schemeClr val="bg1"/>
+                          </a:solidFill>
+                          <a:latin typeface="Arial Rounded MT Bold" panose="020F0704030504030204" pitchFamily="34" charset="0"/>
+                        </a:rPr>
+                        <a:t>html, </a:t>
+                      </a:r>
+                      <a:r>
+                        <a:rPr lang="en-US" altLang="ko-KR" dirty="0" err="1">
+                          <a:solidFill>
+                            <a:schemeClr val="bg1"/>
+                          </a:solidFill>
+                          <a:latin typeface="Arial Rounded MT Bold" panose="020F0704030504030204" pitchFamily="34" charset="0"/>
+                        </a:rPr>
+                        <a:t>css</a:t>
+                      </a:r>
+                      <a:r>
+                        <a:rPr lang="en-US" altLang="ko-KR" dirty="0">
+                          <a:solidFill>
+                            <a:schemeClr val="bg1"/>
+                          </a:solidFill>
+                          <a:latin typeface="Arial Rounded MT Bold" panose="020F0704030504030204" pitchFamily="34" charset="0"/>
+                        </a:rPr>
+                        <a:t>, </a:t>
+                      </a:r>
+                      <a:r>
+                        <a:rPr lang="en-US" altLang="ko-KR" dirty="0" err="1">
+                          <a:solidFill>
+                            <a:schemeClr val="bg1"/>
+                          </a:solidFill>
+                          <a:latin typeface="Arial Rounded MT Bold" panose="020F0704030504030204" pitchFamily="34" charset="0"/>
+                        </a:rPr>
+                        <a:t>javascript</a:t>
+                      </a:r>
+                      <a:r>
+                        <a:rPr lang="en-US" altLang="ko-KR" dirty="0">
+                          <a:solidFill>
+                            <a:schemeClr val="bg1"/>
+                          </a:solidFill>
+                          <a:latin typeface="Arial Rounded MT Bold" panose="020F0704030504030204" pitchFamily="34" charset="0"/>
+                        </a:rPr>
+                        <a:t>, </a:t>
+                      </a:r>
+                      <a:r>
+                        <a:rPr lang="en-US" altLang="ko-KR" dirty="0" err="1">
+                          <a:solidFill>
+                            <a:schemeClr val="bg1"/>
+                          </a:solidFill>
+                          <a:latin typeface="Arial Rounded MT Bold" panose="020F0704030504030204" pitchFamily="34" charset="0"/>
+                        </a:rPr>
+                        <a:t>jquery</a:t>
+                      </a:r>
+                      <a:endParaRPr lang="ko-KR" altLang="en-US" dirty="0">
+                        <a:solidFill>
+                          <a:schemeClr val="bg1"/>
+                        </a:solidFill>
+                        <a:latin typeface="Arial Rounded MT Bold" panose="020F0704030504030204" pitchFamily="34" charset="0"/>
+                      </a:endParaRPr>
+                    </a:p>
+                  </a:txBody>
+                  <a:tcPr>
+                    <a:solidFill>
+                      <a:srgbClr val="64DECF"/>
+                    </a:solidFill>
+                  </a:tcPr>
+                </a:tc>
+                <a:tc>
+                  <a:txBody>
+                    <a:bodyPr/>
+                    <a:lstStyle/>
+                    <a:p>
+                      <a:pPr latinLnBrk="1"/>
+                      <a:r>
+                        <a:rPr lang="ko-KR" altLang="en-US" dirty="0" err="1">
+                          <a:solidFill>
+                            <a:schemeClr val="bg1"/>
+                          </a:solidFill>
+                          <a:latin typeface="HY궁서B" panose="02030600000101010101" pitchFamily="18" charset="-127"/>
+                          <a:ea typeface="HY궁서B" panose="02030600000101010101" pitchFamily="18" charset="-127"/>
+                        </a:rPr>
+                        <a:t>빽엔드</a:t>
+                      </a:r>
+                      <a:endParaRPr lang="en-US" altLang="ko-KR" dirty="0">
+                        <a:solidFill>
+                          <a:schemeClr val="bg1"/>
+                        </a:solidFill>
+                        <a:latin typeface="HY궁서B" panose="02030600000101010101" pitchFamily="18" charset="-127"/>
+                        <a:ea typeface="HY궁서B" panose="02030600000101010101" pitchFamily="18" charset="-127"/>
+                      </a:endParaRPr>
+                    </a:p>
+                    <a:p>
+                      <a:pPr marL="285750" indent="-285750" latinLnBrk="1">
+                        <a:buFont typeface="Arial" panose="020B0604020202020204" pitchFamily="34" charset="0"/>
+                        <a:buChar char="•"/>
+                      </a:pPr>
+                      <a:r>
+                        <a:rPr lang="ko-KR" altLang="en-US" dirty="0">
+                          <a:solidFill>
+                            <a:schemeClr val="bg1"/>
+                          </a:solidFill>
+                          <a:latin typeface="HY궁서B" panose="02030600000101010101" pitchFamily="18" charset="-127"/>
+                          <a:ea typeface="HY궁서B" panose="02030600000101010101" pitchFamily="18" charset="-127"/>
+                        </a:rPr>
+                        <a:t>데이터베이스 구축</a:t>
+                      </a:r>
+                      <a:endParaRPr lang="en-US" altLang="ko-KR" dirty="0">
+                        <a:solidFill>
+                          <a:schemeClr val="bg1"/>
+                        </a:solidFill>
+                        <a:latin typeface="HY궁서B" panose="02030600000101010101" pitchFamily="18" charset="-127"/>
+                        <a:ea typeface="HY궁서B" panose="02030600000101010101" pitchFamily="18" charset="-127"/>
+                      </a:endParaRPr>
+                    </a:p>
+                    <a:p>
+                      <a:pPr marL="285750" indent="-285750" latinLnBrk="1">
+                        <a:buFont typeface="Arial" panose="020B0604020202020204" pitchFamily="34" charset="0"/>
+                        <a:buChar char="•"/>
+                      </a:pPr>
+                      <a:r>
+                        <a:rPr lang="ko-KR" altLang="en-US" dirty="0">
+                          <a:solidFill>
+                            <a:schemeClr val="bg1"/>
+                          </a:solidFill>
+                          <a:latin typeface="HY궁서B" panose="02030600000101010101" pitchFamily="18" charset="-127"/>
+                          <a:ea typeface="HY궁서B" panose="02030600000101010101" pitchFamily="18" charset="-127"/>
+                        </a:rPr>
+                        <a:t>자료 수집</a:t>
+                      </a:r>
+                      <a:endParaRPr lang="en-US" altLang="ko-KR" dirty="0">
+                        <a:solidFill>
+                          <a:schemeClr val="bg1"/>
+                        </a:solidFill>
+                        <a:latin typeface="HY궁서B" panose="02030600000101010101" pitchFamily="18" charset="-127"/>
+                        <a:ea typeface="HY궁서B" panose="02030600000101010101" pitchFamily="18" charset="-127"/>
+                      </a:endParaRPr>
+                    </a:p>
+                    <a:p>
+                      <a:pPr marL="285750" indent="-285750" latinLnBrk="1">
+                        <a:buFont typeface="Arial" panose="020B0604020202020204" pitchFamily="34" charset="0"/>
+                        <a:buChar char="•"/>
+                      </a:pPr>
+                      <a:r>
+                        <a:rPr lang="en-US" altLang="ko-KR" dirty="0">
+                          <a:solidFill>
+                            <a:schemeClr val="bg1"/>
+                          </a:solidFill>
+                          <a:latin typeface="Arial Rounded MT Bold" panose="020F0704030504030204" pitchFamily="34" charset="0"/>
+                        </a:rPr>
+                        <a:t>Dynamic web project</a:t>
+                      </a:r>
+                    </a:p>
+                    <a:p>
+                      <a:pPr marL="285750" indent="-285750" latinLnBrk="1">
+                        <a:buFont typeface="Arial" panose="020B0604020202020204" pitchFamily="34" charset="0"/>
+                        <a:buChar char="•"/>
+                      </a:pPr>
+                      <a:r>
+                        <a:rPr lang="en-US" altLang="ko-KR" dirty="0">
+                          <a:solidFill>
+                            <a:schemeClr val="bg1"/>
+                          </a:solidFill>
+                          <a:latin typeface="Arial Rounded MT Bold" panose="020F0704030504030204" pitchFamily="34" charset="0"/>
+                        </a:rPr>
+                        <a:t>Eclipse </a:t>
+                      </a:r>
+                      <a:r>
+                        <a:rPr lang="en-US" altLang="ko-KR" dirty="0" err="1">
+                          <a:solidFill>
+                            <a:schemeClr val="bg1"/>
+                          </a:solidFill>
+                          <a:latin typeface="Arial Rounded MT Bold" panose="020F0704030504030204" pitchFamily="34" charset="0"/>
+                        </a:rPr>
+                        <a:t>jsp</a:t>
+                      </a:r>
+                      <a:endParaRPr lang="ko-KR" altLang="en-US" dirty="0">
+                        <a:solidFill>
+                          <a:schemeClr val="bg1"/>
+                        </a:solidFill>
+                      </a:endParaRPr>
+                    </a:p>
+                  </a:txBody>
+                  <a:tcPr>
+                    <a:solidFill>
+                      <a:srgbClr val="64DECF"/>
+                    </a:solidFill>
+                  </a:tcPr>
+                </a:tc>
+                <a:extLst>
+                  <a:ext uri="{0D108BD9-81ED-4DB2-BD59-A6C34878D82A}">
+                    <a16:rowId xmlns:a16="http://schemas.microsoft.com/office/drawing/2014/main" val="474699673"/>
+                  </a:ext>
+                </a:extLst>
+              </a:tr>
+            </a:tbl>
+          </a:graphicData>
+        </a:graphic>
+      </p:graphicFrame>
+    </p:spTree>
+    <p:extLst>
+      <p:ext uri="{BB962C8B-B14F-4D97-AF65-F5344CB8AC3E}">
+        <p14:creationId xmlns:p14="http://schemas.microsoft.com/office/powerpoint/2010/main" val="752749270"/>
+      </p:ext>
+    </p:extLst>
+  </p:cSld>
+  <p:clrMapOvr>
+    <a:masterClrMapping/>
+  </p:clrMapOvr>
+  <p:transition/>
+</p:sld>
+</file>
+
+<file path=ppt/slides/slide6.xml><?xml version="1.0" encoding="utf-8"?>
+<p:sld xmlns:a="http://schemas.openxmlformats.org/drawingml/2006/main" xmlns:r="http://schemas.openxmlformats.org/officeDocument/2006/relationships" xmlns:p="http://schemas.openxmlformats.org/presentationml/2006/main">
+  <p:cSld>
+    <p:spTree>
+      <p:nvGrpSpPr>
+        <p:cNvPr id="1" name=""/>
+        <p:cNvGrpSpPr/>
+        <p:nvPr/>
+      </p:nvGrpSpPr>
+      <p:grpSpPr>
+        <a:xfrm>
+          <a:off x="0" y="0"/>
+          <a:ext cx="0" cy="0"/>
+          <a:chOff x="0" y="0"/>
+          <a:chExt cx="0" cy="0"/>
+        </a:xfrm>
+      </p:grpSpPr>
+      <p:sp>
+        <p:nvSpPr>
           <p:cNvPr id="36" name="직사각형 35"/>
           <p:cNvSpPr/>
           <p:nvPr/>
         </p:nvSpPr>
         <p:spPr>
           <a:xfrm>
-            <a:off x="2056045" y="1975838"/>
+            <a:off x="2295988" y="2422170"/>
             <a:ext cx="8079909" cy="1238152"/>
           </a:xfrm>
           <a:prstGeom prst="rect">
@@ -8349,7 +10137,7 @@
         </p:nvSpPr>
         <p:spPr>
           <a:xfrm>
-            <a:off x="1514994" y="1956891"/>
+            <a:off x="1754937" y="2403223"/>
             <a:ext cx="1349305" cy="1349305"/>
           </a:xfrm>
           <a:prstGeom prst="ellipse">
@@ -8540,7 +10328,7 @@
         </p:nvSpPr>
         <p:spPr>
           <a:xfrm>
-            <a:off x="3347425" y="2501710"/>
+            <a:off x="3587368" y="2948042"/>
             <a:ext cx="5934492" cy="738664"/>
           </a:xfrm>
           <a:prstGeom prst="rect">
@@ -8560,7 +10348,7 @@
               <a:defRPr/>
             </a:pPr>
             <a:r>
-              <a:rPr lang="ko-KR" altLang="en-US" sz="1400">
+              <a:rPr lang="ko-KR" altLang="en-US" sz="1400" dirty="0">
                 <a:solidFill>
                   <a:schemeClr val="tx1">
                     <a:lumMod val="65000"/>
@@ -8571,17 +10359,10 @@
                 <a:ea typeface="KoPubWorld돋움체 Light"/>
                 <a:cs typeface="KoPubWorld돋움체 Light"/>
               </a:rPr>
-              <a:t>전국 지도를 제공</a:t>
+              <a:t>전국 지도를 제공 및 </a:t>
             </a:r>
-          </a:p>
-          <a:p>
-            <a:pPr marL="285750" indent="-285750">
-              <a:buFont typeface="Arial"/>
-              <a:buChar char="•"/>
-              <a:defRPr/>
-            </a:pPr>
             <a:r>
-              <a:rPr lang="ko-KR" altLang="en-US" sz="1400">
+              <a:rPr lang="en-US" altLang="ko-KR" sz="1400" dirty="0">
                 <a:solidFill>
                   <a:schemeClr val="tx1">
                     <a:lumMod val="65000"/>
@@ -8592,7 +10373,21 @@
                 <a:ea typeface="KoPubWorld돋움체 Light"/>
                 <a:cs typeface="KoPubWorld돋움체 Light"/>
               </a:rPr>
-              <a:t>달을 선택 시 그 달에 방문한 외국인수를 그래프로 표시</a:t>
+              <a:t>9</a:t>
+            </a:r>
+            <a:r>
+              <a:rPr lang="ko-KR" altLang="en-US" sz="1400" dirty="0">
+                <a:solidFill>
+                  <a:schemeClr val="tx1">
+                    <a:lumMod val="65000"/>
+                    <a:lumOff val="35000"/>
+                  </a:schemeClr>
+                </a:solidFill>
+                <a:latin typeface="KoPubWorld돋움체 Light"/>
+                <a:ea typeface="KoPubWorld돋움체 Light"/>
+                <a:cs typeface="KoPubWorld돋움체 Light"/>
+              </a:rPr>
+              <a:t>개의 지역으로 구분</a:t>
             </a:r>
           </a:p>
           <a:p>
@@ -8602,7 +10397,28 @@
               <a:defRPr/>
             </a:pPr>
             <a:r>
-              <a:rPr lang="ko-KR" altLang="en-US" sz="1400">
+              <a:rPr lang="ko-KR" altLang="en-US" sz="1400" dirty="0">
+                <a:solidFill>
+                  <a:schemeClr val="tx1">
+                    <a:lumMod val="65000"/>
+                    <a:lumOff val="35000"/>
+                  </a:schemeClr>
+                </a:solidFill>
+                <a:latin typeface="KoPubWorld돋움체 Light"/>
+                <a:ea typeface="KoPubWorld돋움체 Light"/>
+                <a:cs typeface="KoPubWorld돋움체 Light"/>
+              </a:rPr>
+              <a:t>달력을 선택 시 그 달에 방문한 외국인수를 그래프로 표시</a:t>
+            </a:r>
+          </a:p>
+          <a:p>
+            <a:pPr marL="285750" indent="-285750">
+              <a:buFont typeface="Arial"/>
+              <a:buChar char="•"/>
+              <a:defRPr/>
+            </a:pPr>
+            <a:r>
+              <a:rPr lang="ko-KR" altLang="en-US" sz="1400" dirty="0">
                 <a:solidFill>
                   <a:schemeClr val="tx1">
                     <a:lumMod val="65000"/>
@@ -8626,7 +10442,7 @@
         </p:nvSpPr>
         <p:spPr>
           <a:xfrm>
-            <a:off x="2056045" y="3624849"/>
+            <a:off x="2295988" y="4680881"/>
             <a:ext cx="8079909" cy="1238152"/>
           </a:xfrm>
           <a:prstGeom prst="rect">
@@ -8674,7 +10490,7 @@
         </p:nvSpPr>
         <p:spPr>
           <a:xfrm>
-            <a:off x="3362256" y="4153018"/>
+            <a:off x="3602199" y="5209050"/>
             <a:ext cx="6128456" cy="738664"/>
           </a:xfrm>
           <a:prstGeom prst="rect">
@@ -8694,28 +10510,7 @@
               <a:defRPr/>
             </a:pPr>
             <a:r>
-              <a:rPr lang="ko-KR" altLang="en-US" sz="1400">
-                <a:solidFill>
-                  <a:schemeClr val="tx1">
-                    <a:lumMod val="65000"/>
-                    <a:lumOff val="35000"/>
-                  </a:schemeClr>
-                </a:solidFill>
-                <a:latin typeface="KoPubWorld돋움체 Light"/>
-                <a:ea typeface="KoPubWorld돋움체 Light"/>
-                <a:cs typeface="KoPubWorld돋움체 Light"/>
-              </a:rPr>
-              <a:t>지역별 지도를 제공</a:t>
-            </a:r>
-          </a:p>
-          <a:p>
-            <a:pPr marL="285750" indent="-285750">
-              <a:buFont typeface="Arial"/>
-              <a:buChar char="•"/>
-              <a:defRPr/>
-            </a:pPr>
-            <a:r>
-              <a:rPr lang="ko-KR" altLang="en-US" sz="1400">
+              <a:rPr lang="ko-KR" altLang="en-US" sz="1400" dirty="0">
                 <a:solidFill>
                   <a:schemeClr val="tx1">
                     <a:lumMod val="65000"/>
@@ -8729,7 +10524,7 @@
               <a:t>지역별 유명한 관광지를 미식</a:t>
             </a:r>
             <a:r>
-              <a:rPr lang="en-US" altLang="ko-KR" sz="1400">
+              <a:rPr lang="en-US" altLang="ko-KR" sz="1400" dirty="0">
                 <a:solidFill>
                   <a:schemeClr val="tx1">
                     <a:lumMod val="65000"/>
@@ -8743,7 +10538,7 @@
               <a:t>, </a:t>
             </a:r>
             <a:r>
-              <a:rPr lang="ko-KR" altLang="en-US" sz="1400">
+              <a:rPr lang="ko-KR" altLang="en-US" sz="1400" dirty="0">
                 <a:solidFill>
                   <a:schemeClr val="tx1">
                     <a:lumMod val="65000"/>
@@ -8754,10 +10549,10 @@
                 <a:ea typeface="KoPubWorld돋움체 Light"/>
                 <a:cs typeface="KoPubWorld돋움체 Light"/>
               </a:rPr>
-              <a:t>어드벤처</a:t>
+              <a:t>액티비티 </a:t>
             </a:r>
             <a:r>
-              <a:rPr lang="en-US" altLang="ko-KR" sz="1400">
+              <a:rPr lang="en-US" altLang="ko-KR" sz="1400" dirty="0">
                 <a:solidFill>
                   <a:schemeClr val="tx1">
                     <a:lumMod val="65000"/>
@@ -8771,7 +10566,7 @@
               <a:t>, </a:t>
             </a:r>
             <a:r>
-              <a:rPr lang="ko-KR" altLang="en-US" sz="1400">
+              <a:rPr lang="ko-KR" altLang="en-US" sz="1400" dirty="0">
                 <a:solidFill>
                   <a:schemeClr val="tx1">
                     <a:lumMod val="65000"/>
@@ -8782,10 +10577,63 @@
                 <a:ea typeface="KoPubWorld돋움체 Light"/>
                 <a:cs typeface="KoPubWorld돋움체 Light"/>
               </a:rPr>
-              <a:t>자연</a:t>
+              <a:t>힐링 으로 구분</a:t>
+            </a:r>
+          </a:p>
+          <a:p>
+            <a:pPr marL="285750" indent="-285750">
+              <a:buFont typeface="Arial"/>
+              <a:buChar char="•"/>
+              <a:defRPr/>
+            </a:pPr>
+            <a:r>
+              <a:rPr lang="ko-KR" altLang="en-US" sz="1400" dirty="0">
+                <a:solidFill>
+                  <a:schemeClr val="tx1">
+                    <a:lumMod val="65000"/>
+                    <a:lumOff val="35000"/>
+                  </a:schemeClr>
+                </a:solidFill>
+                <a:latin typeface="KoPubWorld돋움체 Light"/>
+                <a:ea typeface="KoPubWorld돋움체 Light"/>
+                <a:cs typeface="KoPubWorld돋움체 Light"/>
+              </a:rPr>
+              <a:t>메뉴 클릭 시 해당 소개 구역으로 이동</a:t>
+            </a:r>
+            <a:endParaRPr lang="en-US" altLang="ko-KR" sz="1400" dirty="0">
+              <a:solidFill>
+                <a:schemeClr val="tx1">
+                  <a:lumMod val="65000"/>
+                  <a:lumOff val="35000"/>
+                </a:schemeClr>
+              </a:solidFill>
+              <a:latin typeface="KoPubWorld돋움체 Light"/>
+              <a:ea typeface="KoPubWorld돋움체 Light"/>
+              <a:cs typeface="KoPubWorld돋움체 Light"/>
+            </a:endParaRPr>
+          </a:p>
+          <a:p>
+            <a:pPr marL="285750" indent="-285750">
+              <a:buFont typeface="Arial"/>
+              <a:buChar char="•"/>
+              <a:defRPr/>
+            </a:pPr>
+            <a:r>
+              <a:rPr lang="ko-KR" altLang="en-US" sz="1400" dirty="0">
+                <a:solidFill>
+                  <a:schemeClr val="tx1">
+                    <a:lumMod val="65000"/>
+                    <a:lumOff val="35000"/>
+                  </a:schemeClr>
+                </a:solidFill>
+                <a:latin typeface="KoPubWorld돋움체 Light"/>
+                <a:ea typeface="KoPubWorld돋움체 Light"/>
+                <a:cs typeface="KoPubWorld돋움체 Light"/>
+              </a:rPr>
+              <a:t>식당</a:t>
             </a:r>
             <a:r>
-              <a:rPr lang="en-US" altLang="ko-KR" sz="1400">
+              <a:rPr lang="en-US" altLang="ko-KR" sz="1400" dirty="0">
                 <a:solidFill>
                   <a:schemeClr val="tx1">
                     <a:lumMod val="65000"/>
@@ -8799,7 +10647,7 @@
               <a:t>, </a:t>
             </a:r>
             <a:r>
-              <a:rPr lang="ko-KR" altLang="en-US" sz="1400">
+              <a:rPr lang="ko-KR" altLang="en-US" sz="1400" dirty="0">
                 <a:solidFill>
                   <a:schemeClr val="tx1">
                     <a:lumMod val="65000"/>
@@ -8810,17 +10658,10 @@
                 <a:ea typeface="KoPubWorld돋움체 Light"/>
                 <a:cs typeface="KoPubWorld돋움체 Light"/>
               </a:rPr>
-              <a:t>힐링 으로 구분</a:t>
+              <a:t>액티비티</a:t>
             </a:r>
-          </a:p>
-          <a:p>
-            <a:pPr marL="285750" indent="-285750">
-              <a:buFont typeface="Arial"/>
-              <a:buChar char="•"/>
-              <a:defRPr/>
-            </a:pPr>
             <a:r>
-              <a:rPr lang="ko-KR" altLang="en-US" sz="1400">
+              <a:rPr lang="en-US" altLang="ko-KR" sz="1400" dirty="0">
                 <a:solidFill>
                   <a:schemeClr val="tx1">
                     <a:lumMod val="65000"/>
@@ -8831,7 +10672,21 @@
                 <a:ea typeface="KoPubWorld돋움체 Light"/>
                 <a:cs typeface="KoPubWorld돋움체 Light"/>
               </a:rPr>
-              <a:t>메뉴 클릭 시 해당 소개 구역으로 이동</a:t>
+              <a:t>, </a:t>
+            </a:r>
+            <a:r>
+              <a:rPr lang="ko-KR" altLang="en-US" sz="1400" dirty="0">
+                <a:solidFill>
+                  <a:schemeClr val="tx1">
+                    <a:lumMod val="65000"/>
+                    <a:lumOff val="35000"/>
+                  </a:schemeClr>
+                </a:solidFill>
+                <a:latin typeface="KoPubWorld돋움체 Light"/>
+                <a:ea typeface="KoPubWorld돋움체 Light"/>
+                <a:cs typeface="KoPubWorld돋움체 Light"/>
+              </a:rPr>
+              <a:t>힐링을 소개하고 사진 클릭 시 상세소개 </a:t>
             </a:r>
           </a:p>
         </p:txBody>
@@ -8844,7 +10699,7 @@
         </p:nvSpPr>
         <p:spPr>
           <a:xfrm>
-            <a:off x="1506845" y="3532897"/>
+            <a:off x="1746788" y="4588929"/>
             <a:ext cx="1349305" cy="1349305"/>
           </a:xfrm>
           <a:prstGeom prst="ellipse">
@@ -8900,7 +10755,7 @@
         </p:blipFill>
         <p:spPr>
           <a:xfrm>
-            <a:off x="1762790" y="2192799"/>
+            <a:off x="2002733" y="2639131"/>
             <a:ext cx="849938" cy="849938"/>
           </a:xfrm>
           <a:prstGeom prst="rect">
@@ -8924,7 +10779,7 @@
         </p:blipFill>
         <p:spPr>
           <a:xfrm>
-            <a:off x="1816103" y="3872543"/>
+            <a:off x="2056046" y="4928575"/>
             <a:ext cx="790929" cy="790929"/>
           </a:xfrm>
           <a:prstGeom prst="rect">
@@ -8940,7 +10795,7 @@
         </p:nvSpPr>
         <p:spPr>
           <a:xfrm>
-            <a:off x="3347425" y="2101204"/>
+            <a:off x="3587368" y="2547536"/>
             <a:ext cx="1869986" cy="369332"/>
           </a:xfrm>
           <a:prstGeom prst="rect">
@@ -8972,7 +10827,7 @@
         </p:nvSpPr>
         <p:spPr>
           <a:xfrm>
-            <a:off x="3441826" y="3704267"/>
+            <a:off x="3681769" y="4760299"/>
             <a:ext cx="1431971" cy="369332"/>
           </a:xfrm>
           <a:prstGeom prst="rect">
@@ -8992,223 +10847,6 @@
             <a:r>
               <a:rPr lang="ko-KR" altLang="en-US"/>
               <a:t>지역 페이지</a:t>
-            </a:r>
-          </a:p>
-        </p:txBody>
-      </p:sp>
-      <p:sp>
-        <p:nvSpPr>
-          <p:cNvPr id="16" name="직사각형 15"/>
-          <p:cNvSpPr/>
-          <p:nvPr/>
-        </p:nvSpPr>
-        <p:spPr>
-          <a:xfrm>
-            <a:off x="2056045" y="5221848"/>
-            <a:ext cx="8079909" cy="1238152"/>
-          </a:xfrm>
-          <a:prstGeom prst="rect">
-            <a:avLst/>
-          </a:prstGeom>
-          <a:solidFill>
-            <a:schemeClr val="bg1"/>
-          </a:solidFill>
-          <a:ln>
-            <a:noFill/>
-          </a:ln>
-        </p:spPr>
-        <p:style>
-          <a:lnRef idx="2">
-            <a:schemeClr val="accent1">
-              <a:shade val="50000"/>
-            </a:schemeClr>
-          </a:lnRef>
-          <a:fillRef idx="1">
-            <a:schemeClr val="accent1"/>
-          </a:fillRef>
-          <a:effectRef idx="0">
-            <a:schemeClr val="accent1"/>
-          </a:effectRef>
-          <a:fontRef idx="minor">
-            <a:schemeClr val="lt1"/>
-          </a:fontRef>
-        </p:style>
-        <p:txBody>
-          <a:bodyPr anchor="ctr"/>
-          <a:lstStyle/>
-          <a:p>
-            <a:pPr algn="ctr">
-              <a:defRPr/>
-            </a:pPr>
-            <a:endParaRPr lang="ko-KR" altLang="en-US"/>
-          </a:p>
-        </p:txBody>
-      </p:sp>
-      <p:sp>
-        <p:nvSpPr>
-          <p:cNvPr id="17" name="TextBox 16"/>
-          <p:cNvSpPr txBox="1"/>
-          <p:nvPr/>
-        </p:nvSpPr>
-        <p:spPr>
-          <a:xfrm>
-            <a:off x="3362256" y="5750017"/>
-            <a:ext cx="6128456" cy="523220"/>
-          </a:xfrm>
-          <a:prstGeom prst="rect">
-            <a:avLst/>
-          </a:prstGeom>
-          <a:noFill/>
-        </p:spPr>
-        <p:txBody>
-          <a:bodyPr wrap="square">
-            <a:spAutoFit/>
-          </a:bodyPr>
-          <a:lstStyle/>
-          <a:p>
-            <a:pPr marL="285750" indent="-285750">
-              <a:buFont typeface="Arial"/>
-              <a:buChar char="•"/>
-              <a:defRPr/>
-            </a:pPr>
-            <a:r>
-              <a:rPr lang="ko-KR" altLang="en-US" sz="1400">
-                <a:solidFill>
-                  <a:schemeClr val="tx1">
-                    <a:lumMod val="65000"/>
-                    <a:lumOff val="35000"/>
-                  </a:schemeClr>
-                </a:solidFill>
-                <a:latin typeface="KoPubWorld돋움체 Light"/>
-                <a:ea typeface="KoPubWorld돋움체 Light"/>
-                <a:cs typeface="KoPubWorld돋움체 Light"/>
-              </a:rPr>
-              <a:t>회원 로그인과 관리자 로그인 구별</a:t>
-            </a:r>
-          </a:p>
-          <a:p>
-            <a:pPr marL="285750" indent="-285750">
-              <a:buFont typeface="Arial"/>
-              <a:buChar char="•"/>
-              <a:defRPr/>
-            </a:pPr>
-            <a:r>
-              <a:rPr lang="ko-KR" altLang="en-US" sz="1400">
-                <a:solidFill>
-                  <a:schemeClr val="tx1">
-                    <a:lumMod val="65000"/>
-                    <a:lumOff val="35000"/>
-                  </a:schemeClr>
-                </a:solidFill>
-                <a:latin typeface="KoPubWorld돋움체 Light"/>
-                <a:ea typeface="KoPubWorld돋움체 Light"/>
-                <a:cs typeface="KoPubWorld돋움체 Light"/>
-              </a:rPr>
-              <a:t>관리자는 관광지를 등록할 수 있음</a:t>
-            </a:r>
-          </a:p>
-        </p:txBody>
-      </p:sp>
-      <p:sp>
-        <p:nvSpPr>
-          <p:cNvPr id="18" name="타원 17"/>
-          <p:cNvSpPr/>
-          <p:nvPr/>
-        </p:nvSpPr>
-        <p:spPr>
-          <a:xfrm>
-            <a:off x="1506845" y="5129896"/>
-            <a:ext cx="1349305" cy="1349305"/>
-          </a:xfrm>
-          <a:prstGeom prst="ellipse">
-            <a:avLst/>
-          </a:prstGeom>
-          <a:solidFill>
-            <a:srgbClr val="64DECF"/>
-          </a:solidFill>
-          <a:ln>
-            <a:noFill/>
-          </a:ln>
-        </p:spPr>
-        <p:style>
-          <a:lnRef idx="2">
-            <a:schemeClr val="accent1">
-              <a:shade val="50000"/>
-            </a:schemeClr>
-          </a:lnRef>
-          <a:fillRef idx="1">
-            <a:schemeClr val="accent1"/>
-          </a:fillRef>
-          <a:effectRef idx="0">
-            <a:schemeClr val="accent1"/>
-          </a:effectRef>
-          <a:fontRef idx="minor">
-            <a:schemeClr val="lt1"/>
-          </a:fontRef>
-        </p:style>
-        <p:txBody>
-          <a:bodyPr anchor="ctr"/>
-          <a:lstStyle/>
-          <a:p>
-            <a:pPr algn="ctr">
-              <a:defRPr/>
-            </a:pPr>
-            <a:endParaRPr lang="ko-KR" altLang="en-US"/>
-          </a:p>
-        </p:txBody>
-      </p:sp>
-      <p:pic>
-        <p:nvPicPr>
-          <p:cNvPr id="19" name="그래픽 18" descr="펜 단색으로 채워진"/>
-          <p:cNvPicPr>
-            <a:picLocks noChangeAspect="1"/>
-          </p:cNvPicPr>
-          <p:nvPr/>
-        </p:nvPicPr>
-        <p:blipFill rotWithShape="1">
-          <a:blip r:embed="rId3"/>
-          <a:stretch>
-            <a:fillRect/>
-          </a:stretch>
-        </p:blipFill>
-        <p:spPr>
-          <a:xfrm>
-            <a:off x="1816103" y="5469542"/>
-            <a:ext cx="790929" cy="790929"/>
-          </a:xfrm>
-          <a:prstGeom prst="rect">
-            <a:avLst/>
-          </a:prstGeom>
-        </p:spPr>
-      </p:pic>
-      <p:sp>
-        <p:nvSpPr>
-          <p:cNvPr id="20" name="TextBox 19"/>
-          <p:cNvSpPr txBox="1"/>
-          <p:nvPr/>
-        </p:nvSpPr>
-        <p:spPr>
-          <a:xfrm>
-            <a:off x="3441826" y="5301266"/>
-            <a:ext cx="1885183" cy="369332"/>
-          </a:xfrm>
-          <a:prstGeom prst="rect">
-            <a:avLst/>
-          </a:prstGeom>
-          <a:noFill/>
-        </p:spPr>
-        <p:txBody>
-          <a:bodyPr wrap="square">
-            <a:spAutoFit/>
-          </a:bodyPr>
-          <a:lstStyle/>
-          <a:p>
-            <a:pPr lvl="0">
-              <a:defRPr/>
-            </a:pPr>
-            <a:r>
-              <a:rPr lang="ko-KR" altLang="en-US"/>
-              <a:t>로그인 페이지</a:t>
             </a:r>
           </a:p>
         </p:txBody>
@@ -9222,14 +10860,14 @@
     <mc:Choice Requires="p14">
       <p:transition/>
     </mc:Choice>
-    <mc:Fallback xmlns:dsp="http://schemas.microsoft.com/office/drawing/2008/diagram" xmlns:dgm="http://schemas.openxmlformats.org/drawingml/2006/diagram" xmlns:c="http://schemas.openxmlformats.org/drawingml/2006/chart" xmlns="">
+    <mc:Fallback xmlns="" xmlns:c="http://schemas.openxmlformats.org/drawingml/2006/chart" xmlns:dgm="http://schemas.openxmlformats.org/drawingml/2006/diagram" xmlns:dsp="http://schemas.microsoft.com/office/drawing/2008/diagram">
       <p:transition/>
     </mc:Fallback>
   </mc:AlternateContent>
 </p:sld>
 </file>
 
-<file path=ppt/slides/slide6.xml><?xml version="1.0" encoding="utf-8"?>
+<file path=ppt/slides/slide7.xml><?xml version="1.0" encoding="utf-8"?>
 <p:sld xmlns:a="http://schemas.openxmlformats.org/drawingml/2006/main" xmlns:r="http://schemas.openxmlformats.org/officeDocument/2006/relationships" xmlns:p="http://schemas.openxmlformats.org/presentationml/2006/main">
   <p:cSld>
     <p:spTree>
@@ -9303,9 +10941,858 @@
         <p:grpSpPr>
           <a:xfrm>
             <a:off x="4105427" y="188165"/>
-            <a:ext cx="3981147" cy="819580"/>
+            <a:ext cx="3981147" cy="830997"/>
             <a:chOff x="3819245" y="188165"/>
-            <a:chExt cx="3981147" cy="819580"/>
+            <a:chExt cx="3981147" cy="830997"/>
+          </a:xfrm>
+        </p:grpSpPr>
+        <p:sp>
+          <p:nvSpPr>
+            <p:cNvPr id="5" name="직사각형 4"/>
+            <p:cNvSpPr/>
+            <p:nvPr/>
+          </p:nvSpPr>
+          <p:spPr>
+            <a:xfrm>
+              <a:off x="4603102" y="366260"/>
+              <a:ext cx="3197290" cy="470035"/>
+            </a:xfrm>
+            <a:prstGeom prst="rect">
+              <a:avLst/>
+            </a:prstGeom>
+          </p:spPr>
+          <p:txBody>
+            <a:bodyPr wrap="square">
+              <a:spAutoFit/>
+            </a:bodyPr>
+            <a:lstStyle/>
+            <a:p>
+              <a:pPr lvl="0">
+                <a:defRPr/>
+              </a:pPr>
+              <a:r>
+                <a:rPr lang="ko-KR" altLang="en-US" sz="2500">
+                  <a:solidFill>
+                    <a:schemeClr val="tx1">
+                      <a:lumMod val="65000"/>
+                      <a:lumOff val="35000"/>
+                    </a:schemeClr>
+                  </a:solidFill>
+                  <a:latin typeface="KoPubWorld돋움체 Light"/>
+                  <a:ea typeface="KoPubWorld돋움체 Light"/>
+                  <a:cs typeface="KoPubWorld돋움체 Light"/>
+                </a:rPr>
+                <a:t>개발 환경</a:t>
+              </a:r>
+            </a:p>
+          </p:txBody>
+        </p:sp>
+        <p:sp>
+          <p:nvSpPr>
+            <p:cNvPr id="24" name="TextBox 23"/>
+            <p:cNvSpPr txBox="1"/>
+            <p:nvPr/>
+          </p:nvSpPr>
+          <p:spPr>
+            <a:xfrm>
+              <a:off x="3819245" y="188165"/>
+              <a:ext cx="809837" cy="830997"/>
+            </a:xfrm>
+            <a:prstGeom prst="rect">
+              <a:avLst/>
+            </a:prstGeom>
+            <a:noFill/>
+          </p:spPr>
+          <p:txBody>
+            <a:bodyPr wrap="none">
+              <a:spAutoFit/>
+            </a:bodyPr>
+            <a:lstStyle/>
+            <a:p>
+              <a:pPr lvl="0">
+                <a:defRPr/>
+              </a:pPr>
+              <a:r>
+                <a:rPr lang="en-US" altLang="ko-KR" sz="4800" b="1" dirty="0">
+                  <a:solidFill>
+                    <a:srgbClr val="64DECF"/>
+                  </a:solidFill>
+                  <a:latin typeface="KoPubWorld돋움체 Bold"/>
+                  <a:ea typeface="KoPubWorld돋움체 Bold"/>
+                  <a:cs typeface="KoPubWorld돋움체 Bold"/>
+                </a:rPr>
+                <a:t>03</a:t>
+              </a:r>
+            </a:p>
+          </p:txBody>
+        </p:sp>
+      </p:grpSp>
+      <p:sp>
+        <p:nvSpPr>
+          <p:cNvPr id="74" name="직사각형 73">
+            <a:extLst>
+              <a:ext uri="{FF2B5EF4-FFF2-40B4-BE49-F238E27FC236}">
+                <a16:creationId xmlns:a16="http://schemas.microsoft.com/office/drawing/2014/main" id="{38F32B9D-DC4A-4EA0-B602-71FD80ABCA40}"/>
+              </a:ext>
+            </a:extLst>
+          </p:cNvPr>
+          <p:cNvSpPr/>
+          <p:nvPr/>
+        </p:nvSpPr>
+        <p:spPr>
+          <a:xfrm>
+            <a:off x="7385940" y="2531697"/>
+            <a:ext cx="1401268" cy="1401268"/>
+          </a:xfrm>
+          <a:prstGeom prst="rect">
+            <a:avLst/>
+          </a:prstGeom>
+          <a:blipFill dpi="0" rotWithShape="1">
+            <a:blip r:embed="rId2"/>
+            <a:srcRect/>
+            <a:stretch>
+              <a:fillRect l="10000" r="10000"/>
+            </a:stretch>
+          </a:blipFill>
+          <a:ln w="28575">
+            <a:solidFill>
+              <a:schemeClr val="tx1"/>
+            </a:solidFill>
+          </a:ln>
+          <a:effectLst>
+            <a:outerShdw dist="165100" dir="3000000" algn="ctr" rotWithShape="0">
+              <a:schemeClr val="tx1">
+                <a:alpha val="25000"/>
+              </a:schemeClr>
+            </a:outerShdw>
+          </a:effectLst>
+        </p:spPr>
+        <p:style>
+          <a:lnRef idx="2">
+            <a:schemeClr val="accent1">
+              <a:shade val="50000"/>
+            </a:schemeClr>
+          </a:lnRef>
+          <a:fillRef idx="1">
+            <a:schemeClr val="accent1"/>
+          </a:fillRef>
+          <a:effectRef idx="0">
+            <a:schemeClr val="accent1"/>
+          </a:effectRef>
+          <a:fontRef idx="minor">
+            <a:schemeClr val="lt1"/>
+          </a:fontRef>
+        </p:style>
+        <p:txBody>
+          <a:bodyPr rtlCol="0" anchor="ctr"/>
+          <a:lstStyle/>
+          <a:p>
+            <a:pPr algn="ctr"/>
+            <a:endParaRPr lang="ko-KR" altLang="en-US"/>
+          </a:p>
+        </p:txBody>
+      </p:sp>
+      <p:sp>
+        <p:nvSpPr>
+          <p:cNvPr id="75" name="직사각형 74">
+            <a:extLst>
+              <a:ext uri="{FF2B5EF4-FFF2-40B4-BE49-F238E27FC236}">
+                <a16:creationId xmlns:a16="http://schemas.microsoft.com/office/drawing/2014/main" id="{D0F73127-1C5A-4227-9653-25F19BB09BDE}"/>
+              </a:ext>
+            </a:extLst>
+          </p:cNvPr>
+          <p:cNvSpPr/>
+          <p:nvPr/>
+        </p:nvSpPr>
+        <p:spPr>
+          <a:xfrm>
+            <a:off x="643350" y="2502326"/>
+            <a:ext cx="1401268" cy="1401268"/>
+          </a:xfrm>
+          <a:prstGeom prst="rect">
+            <a:avLst/>
+          </a:prstGeom>
+          <a:blipFill dpi="0" rotWithShape="1">
+            <a:blip r:embed="rId3"/>
+            <a:srcRect/>
+            <a:stretch>
+              <a:fillRect l="10000" t="10000" r="10000" b="10000"/>
+            </a:stretch>
+          </a:blipFill>
+          <a:ln w="28575">
+            <a:solidFill>
+              <a:schemeClr val="tx1"/>
+            </a:solidFill>
+          </a:ln>
+          <a:effectLst>
+            <a:outerShdw dist="165100" dir="3000000" algn="ctr" rotWithShape="0">
+              <a:schemeClr val="tx1">
+                <a:alpha val="25000"/>
+              </a:schemeClr>
+            </a:outerShdw>
+          </a:effectLst>
+        </p:spPr>
+        <p:style>
+          <a:lnRef idx="2">
+            <a:schemeClr val="accent1">
+              <a:shade val="50000"/>
+            </a:schemeClr>
+          </a:lnRef>
+          <a:fillRef idx="1">
+            <a:schemeClr val="accent1"/>
+          </a:fillRef>
+          <a:effectRef idx="0">
+            <a:schemeClr val="accent1"/>
+          </a:effectRef>
+          <a:fontRef idx="minor">
+            <a:schemeClr val="lt1"/>
+          </a:fontRef>
+        </p:style>
+        <p:txBody>
+          <a:bodyPr rtlCol="0" anchor="ctr"/>
+          <a:lstStyle/>
+          <a:p>
+            <a:pPr algn="ctr"/>
+            <a:endParaRPr lang="ko-KR" altLang="en-US"/>
+          </a:p>
+        </p:txBody>
+      </p:sp>
+      <p:sp>
+        <p:nvSpPr>
+          <p:cNvPr id="76" name="직사각형 75">
+            <a:extLst>
+              <a:ext uri="{FF2B5EF4-FFF2-40B4-BE49-F238E27FC236}">
+                <a16:creationId xmlns:a16="http://schemas.microsoft.com/office/drawing/2014/main" id="{EBC1F91F-8721-4A09-8B4A-D5682EEF444F}"/>
+              </a:ext>
+            </a:extLst>
+          </p:cNvPr>
+          <p:cNvSpPr/>
+          <p:nvPr/>
+        </p:nvSpPr>
+        <p:spPr>
+          <a:xfrm>
+            <a:off x="2280401" y="3031510"/>
+            <a:ext cx="1401268" cy="1401268"/>
+          </a:xfrm>
+          <a:prstGeom prst="rect">
+            <a:avLst/>
+          </a:prstGeom>
+          <a:blipFill dpi="0" rotWithShape="1">
+            <a:blip r:embed="rId4"/>
+            <a:srcRect/>
+            <a:stretch>
+              <a:fillRect l="20000" t="10000" r="20000" b="10000"/>
+            </a:stretch>
+          </a:blipFill>
+          <a:ln w="28575">
+            <a:solidFill>
+              <a:schemeClr val="tx1"/>
+            </a:solidFill>
+          </a:ln>
+          <a:effectLst>
+            <a:outerShdw dist="165100" dir="3000000" algn="ctr" rotWithShape="0">
+              <a:schemeClr val="tx1">
+                <a:alpha val="25000"/>
+              </a:schemeClr>
+            </a:outerShdw>
+          </a:effectLst>
+        </p:spPr>
+        <p:style>
+          <a:lnRef idx="2">
+            <a:schemeClr val="accent1">
+              <a:shade val="50000"/>
+            </a:schemeClr>
+          </a:lnRef>
+          <a:fillRef idx="1">
+            <a:schemeClr val="accent1"/>
+          </a:fillRef>
+          <a:effectRef idx="0">
+            <a:schemeClr val="accent1"/>
+          </a:effectRef>
+          <a:fontRef idx="minor">
+            <a:schemeClr val="lt1"/>
+          </a:fontRef>
+        </p:style>
+        <p:txBody>
+          <a:bodyPr rtlCol="0" anchor="ctr"/>
+          <a:lstStyle/>
+          <a:p>
+            <a:pPr algn="ctr"/>
+            <a:endParaRPr lang="ko-KR" altLang="en-US"/>
+          </a:p>
+        </p:txBody>
+      </p:sp>
+      <p:sp>
+        <p:nvSpPr>
+          <p:cNvPr id="77" name="직사각형 76">
+            <a:extLst>
+              <a:ext uri="{FF2B5EF4-FFF2-40B4-BE49-F238E27FC236}">
+                <a16:creationId xmlns:a16="http://schemas.microsoft.com/office/drawing/2014/main" id="{1ED78EB4-8A30-434A-8924-761D963CC9FA}"/>
+              </a:ext>
+            </a:extLst>
+          </p:cNvPr>
+          <p:cNvSpPr/>
+          <p:nvPr/>
+        </p:nvSpPr>
+        <p:spPr>
+          <a:xfrm>
+            <a:off x="3917452" y="2502326"/>
+            <a:ext cx="1401268" cy="1401268"/>
+          </a:xfrm>
+          <a:prstGeom prst="rect">
+            <a:avLst/>
+          </a:prstGeom>
+          <a:blipFill dpi="0" rotWithShape="1">
+            <a:blip r:embed="rId5"/>
+            <a:srcRect/>
+            <a:stretch>
+              <a:fillRect l="-20000" t="10000" r="-20000" b="10000"/>
+            </a:stretch>
+          </a:blipFill>
+          <a:ln w="28575">
+            <a:solidFill>
+              <a:schemeClr val="tx1"/>
+            </a:solidFill>
+          </a:ln>
+          <a:effectLst>
+            <a:outerShdw dist="165100" dir="3000000" algn="ctr" rotWithShape="0">
+              <a:schemeClr val="tx1">
+                <a:alpha val="25000"/>
+              </a:schemeClr>
+            </a:outerShdw>
+          </a:effectLst>
+        </p:spPr>
+        <p:style>
+          <a:lnRef idx="2">
+            <a:schemeClr val="accent1">
+              <a:shade val="50000"/>
+            </a:schemeClr>
+          </a:lnRef>
+          <a:fillRef idx="1">
+            <a:schemeClr val="accent1"/>
+          </a:fillRef>
+          <a:effectRef idx="0">
+            <a:schemeClr val="accent1"/>
+          </a:effectRef>
+          <a:fontRef idx="minor">
+            <a:schemeClr val="lt1"/>
+          </a:fontRef>
+        </p:style>
+        <p:txBody>
+          <a:bodyPr rtlCol="0" anchor="ctr"/>
+          <a:lstStyle/>
+          <a:p>
+            <a:pPr algn="ctr"/>
+            <a:endParaRPr lang="ko-KR" altLang="en-US"/>
+          </a:p>
+        </p:txBody>
+      </p:sp>
+      <p:sp>
+        <p:nvSpPr>
+          <p:cNvPr id="78" name="직사각형 77">
+            <a:extLst>
+              <a:ext uri="{FF2B5EF4-FFF2-40B4-BE49-F238E27FC236}">
+                <a16:creationId xmlns:a16="http://schemas.microsoft.com/office/drawing/2014/main" id="{AD70ED4A-AA7A-4CA0-BD5D-9E32E0FB21D3}"/>
+              </a:ext>
+            </a:extLst>
+          </p:cNvPr>
+          <p:cNvSpPr/>
+          <p:nvPr/>
+        </p:nvSpPr>
+        <p:spPr>
+          <a:xfrm>
+            <a:off x="3291706" y="4788464"/>
+            <a:ext cx="1401268" cy="1401268"/>
+          </a:xfrm>
+          <a:prstGeom prst="rect">
+            <a:avLst/>
+          </a:prstGeom>
+          <a:blipFill dpi="0" rotWithShape="1">
+            <a:blip r:embed="rId6"/>
+            <a:srcRect/>
+            <a:stretch>
+              <a:fillRect/>
+            </a:stretch>
+          </a:blipFill>
+          <a:ln w="28575">
+            <a:solidFill>
+              <a:schemeClr val="tx1"/>
+            </a:solidFill>
+          </a:ln>
+          <a:effectLst>
+            <a:outerShdw dist="165100" dir="3000000" algn="ctr" rotWithShape="0">
+              <a:schemeClr val="tx1">
+                <a:alpha val="25000"/>
+              </a:schemeClr>
+            </a:outerShdw>
+          </a:effectLst>
+        </p:spPr>
+        <p:style>
+          <a:lnRef idx="2">
+            <a:schemeClr val="accent1">
+              <a:shade val="50000"/>
+            </a:schemeClr>
+          </a:lnRef>
+          <a:fillRef idx="1">
+            <a:schemeClr val="accent1"/>
+          </a:fillRef>
+          <a:effectRef idx="0">
+            <a:schemeClr val="accent1"/>
+          </a:effectRef>
+          <a:fontRef idx="minor">
+            <a:schemeClr val="lt1"/>
+          </a:fontRef>
+        </p:style>
+        <p:txBody>
+          <a:bodyPr rtlCol="0" anchor="ctr"/>
+          <a:lstStyle/>
+          <a:p>
+            <a:pPr algn="ctr"/>
+            <a:endParaRPr lang="ko-KR" altLang="en-US"/>
+          </a:p>
+        </p:txBody>
+      </p:sp>
+      <p:sp>
+        <p:nvSpPr>
+          <p:cNvPr id="79" name="직사각형 78">
+            <a:extLst>
+              <a:ext uri="{FF2B5EF4-FFF2-40B4-BE49-F238E27FC236}">
+                <a16:creationId xmlns:a16="http://schemas.microsoft.com/office/drawing/2014/main" id="{04EFEAD2-B072-4ABF-B368-12977B19D804}"/>
+              </a:ext>
+            </a:extLst>
+          </p:cNvPr>
+          <p:cNvSpPr/>
+          <p:nvPr/>
+        </p:nvSpPr>
+        <p:spPr>
+          <a:xfrm>
+            <a:off x="1343984" y="4788464"/>
+            <a:ext cx="1401268" cy="1401268"/>
+          </a:xfrm>
+          <a:prstGeom prst="rect">
+            <a:avLst/>
+          </a:prstGeom>
+          <a:blipFill dpi="0" rotWithShape="1">
+            <a:blip r:embed="rId7"/>
+            <a:srcRect/>
+            <a:stretch>
+              <a:fillRect l="10000" r="10000"/>
+            </a:stretch>
+          </a:blipFill>
+          <a:ln w="28575">
+            <a:solidFill>
+              <a:schemeClr val="tx1"/>
+            </a:solidFill>
+          </a:ln>
+          <a:effectLst>
+            <a:outerShdw dist="165100" dir="3000000" algn="ctr" rotWithShape="0">
+              <a:schemeClr val="tx1">
+                <a:alpha val="25000"/>
+              </a:schemeClr>
+            </a:outerShdw>
+          </a:effectLst>
+        </p:spPr>
+        <p:style>
+          <a:lnRef idx="2">
+            <a:schemeClr val="accent1">
+              <a:shade val="50000"/>
+            </a:schemeClr>
+          </a:lnRef>
+          <a:fillRef idx="1">
+            <a:schemeClr val="accent1"/>
+          </a:fillRef>
+          <a:effectRef idx="0">
+            <a:schemeClr val="accent1"/>
+          </a:effectRef>
+          <a:fontRef idx="minor">
+            <a:schemeClr val="lt1"/>
+          </a:fontRef>
+        </p:style>
+        <p:txBody>
+          <a:bodyPr rtlCol="0" anchor="ctr"/>
+          <a:lstStyle/>
+          <a:p>
+            <a:pPr algn="ctr"/>
+            <a:endParaRPr lang="ko-KR" altLang="en-US"/>
+          </a:p>
+        </p:txBody>
+      </p:sp>
+      <p:sp>
+        <p:nvSpPr>
+          <p:cNvPr id="80" name="직사각형 79">
+            <a:extLst>
+              <a:ext uri="{FF2B5EF4-FFF2-40B4-BE49-F238E27FC236}">
+                <a16:creationId xmlns:a16="http://schemas.microsoft.com/office/drawing/2014/main" id="{8945FA30-4C0B-469B-BF7D-6A89D9B5DBF6}"/>
+              </a:ext>
+            </a:extLst>
+          </p:cNvPr>
+          <p:cNvSpPr/>
+          <p:nvPr/>
+        </p:nvSpPr>
+        <p:spPr>
+          <a:xfrm>
+            <a:off x="9446748" y="3031510"/>
+            <a:ext cx="1401268" cy="1401268"/>
+          </a:xfrm>
+          <a:prstGeom prst="rect">
+            <a:avLst/>
+          </a:prstGeom>
+          <a:blipFill dpi="0" rotWithShape="1">
+            <a:blip r:embed="rId8"/>
+            <a:srcRect/>
+            <a:stretch>
+              <a:fillRect/>
+            </a:stretch>
+          </a:blipFill>
+          <a:ln w="28575">
+            <a:solidFill>
+              <a:schemeClr val="tx1"/>
+            </a:solidFill>
+          </a:ln>
+          <a:effectLst>
+            <a:outerShdw dist="165100" dir="3000000" algn="ctr" rotWithShape="0">
+              <a:schemeClr val="tx1">
+                <a:alpha val="25000"/>
+              </a:schemeClr>
+            </a:outerShdw>
+          </a:effectLst>
+        </p:spPr>
+        <p:style>
+          <a:lnRef idx="2">
+            <a:schemeClr val="accent1">
+              <a:shade val="50000"/>
+            </a:schemeClr>
+          </a:lnRef>
+          <a:fillRef idx="1">
+            <a:schemeClr val="accent1"/>
+          </a:fillRef>
+          <a:effectRef idx="0">
+            <a:schemeClr val="accent1"/>
+          </a:effectRef>
+          <a:fontRef idx="minor">
+            <a:schemeClr val="lt1"/>
+          </a:fontRef>
+        </p:style>
+        <p:txBody>
+          <a:bodyPr rtlCol="0" anchor="ctr"/>
+          <a:lstStyle/>
+          <a:p>
+            <a:pPr algn="ctr"/>
+            <a:endParaRPr lang="ko-KR" altLang="en-US"/>
+          </a:p>
+        </p:txBody>
+      </p:sp>
+      <p:sp>
+        <p:nvSpPr>
+          <p:cNvPr id="81" name="직사각형 80">
+            <a:extLst>
+              <a:ext uri="{FF2B5EF4-FFF2-40B4-BE49-F238E27FC236}">
+                <a16:creationId xmlns:a16="http://schemas.microsoft.com/office/drawing/2014/main" id="{6571A95D-6DEB-4D8A-B19A-D5AC7A7CE76D}"/>
+              </a:ext>
+            </a:extLst>
+          </p:cNvPr>
+          <p:cNvSpPr/>
+          <p:nvPr/>
+        </p:nvSpPr>
+        <p:spPr>
+          <a:xfrm>
+            <a:off x="7385940" y="4432778"/>
+            <a:ext cx="1401268" cy="1401268"/>
+          </a:xfrm>
+          <a:prstGeom prst="rect">
+            <a:avLst/>
+          </a:prstGeom>
+          <a:blipFill dpi="0" rotWithShape="1">
+            <a:blip r:embed="rId9"/>
+            <a:srcRect/>
+            <a:stretch>
+              <a:fillRect l="-10000" r="-10000"/>
+            </a:stretch>
+          </a:blipFill>
+          <a:ln w="28575">
+            <a:solidFill>
+              <a:schemeClr val="tx1"/>
+            </a:solidFill>
+          </a:ln>
+          <a:effectLst>
+            <a:outerShdw dist="165100" dir="3000000" algn="ctr" rotWithShape="0">
+              <a:schemeClr val="tx1">
+                <a:alpha val="25000"/>
+              </a:schemeClr>
+            </a:outerShdw>
+          </a:effectLst>
+        </p:spPr>
+        <p:style>
+          <a:lnRef idx="2">
+            <a:schemeClr val="accent1">
+              <a:shade val="50000"/>
+            </a:schemeClr>
+          </a:lnRef>
+          <a:fillRef idx="1">
+            <a:schemeClr val="accent1"/>
+          </a:fillRef>
+          <a:effectRef idx="0">
+            <a:schemeClr val="accent1"/>
+          </a:effectRef>
+          <a:fontRef idx="minor">
+            <a:schemeClr val="lt1"/>
+          </a:fontRef>
+        </p:style>
+        <p:txBody>
+          <a:bodyPr rtlCol="0" anchor="ctr"/>
+          <a:lstStyle/>
+          <a:p>
+            <a:pPr algn="ctr"/>
+            <a:endParaRPr lang="ko-KR" altLang="en-US"/>
+          </a:p>
+        </p:txBody>
+      </p:sp>
+      <p:sp>
+        <p:nvSpPr>
+          <p:cNvPr id="82" name="직사각형 81">
+            <a:extLst>
+              <a:ext uri="{FF2B5EF4-FFF2-40B4-BE49-F238E27FC236}">
+                <a16:creationId xmlns:a16="http://schemas.microsoft.com/office/drawing/2014/main" id="{8D464676-6A40-41FC-B32F-16C11B0E1EEC}"/>
+              </a:ext>
+            </a:extLst>
+          </p:cNvPr>
+          <p:cNvSpPr/>
+          <p:nvPr/>
+        </p:nvSpPr>
+        <p:spPr>
+          <a:xfrm>
+            <a:off x="9446748" y="4990377"/>
+            <a:ext cx="1401268" cy="1401268"/>
+          </a:xfrm>
+          <a:prstGeom prst="rect">
+            <a:avLst/>
+          </a:prstGeom>
+          <a:blipFill dpi="0" rotWithShape="1">
+            <a:blip r:embed="rId10"/>
+            <a:srcRect/>
+            <a:stretch>
+              <a:fillRect/>
+            </a:stretch>
+          </a:blipFill>
+          <a:ln w="28575">
+            <a:solidFill>
+              <a:schemeClr val="tx1"/>
+            </a:solidFill>
+          </a:ln>
+          <a:effectLst>
+            <a:outerShdw dist="165100" dir="3000000" algn="ctr" rotWithShape="0">
+              <a:schemeClr val="tx1">
+                <a:alpha val="25000"/>
+              </a:schemeClr>
+            </a:outerShdw>
+          </a:effectLst>
+        </p:spPr>
+        <p:style>
+          <a:lnRef idx="2">
+            <a:schemeClr val="accent1">
+              <a:shade val="50000"/>
+            </a:schemeClr>
+          </a:lnRef>
+          <a:fillRef idx="1">
+            <a:schemeClr val="accent1"/>
+          </a:fillRef>
+          <a:effectRef idx="0">
+            <a:schemeClr val="accent1"/>
+          </a:effectRef>
+          <a:fontRef idx="minor">
+            <a:schemeClr val="lt1"/>
+          </a:fontRef>
+        </p:style>
+        <p:txBody>
+          <a:bodyPr rtlCol="0" anchor="ctr"/>
+          <a:lstStyle/>
+          <a:p>
+            <a:pPr algn="ctr"/>
+            <a:endParaRPr lang="ko-KR" altLang="en-US"/>
+          </a:p>
+        </p:txBody>
+      </p:sp>
+      <p:sp>
+        <p:nvSpPr>
+          <p:cNvPr id="83" name="TextBox 82">
+            <a:extLst>
+              <a:ext uri="{FF2B5EF4-FFF2-40B4-BE49-F238E27FC236}">
+                <a16:creationId xmlns:a16="http://schemas.microsoft.com/office/drawing/2014/main" id="{332E2401-24D1-4C3D-BA2E-056FB88FC470}"/>
+              </a:ext>
+            </a:extLst>
+          </p:cNvPr>
+          <p:cNvSpPr txBox="1"/>
+          <p:nvPr/>
+        </p:nvSpPr>
+        <p:spPr>
+          <a:xfrm>
+            <a:off x="1934979" y="1550089"/>
+            <a:ext cx="2379846" cy="707886"/>
+          </a:xfrm>
+          <a:prstGeom prst="rect">
+            <a:avLst/>
+          </a:prstGeom>
+          <a:noFill/>
+        </p:spPr>
+        <p:txBody>
+          <a:bodyPr wrap="square" rtlCol="0">
+            <a:spAutoFit/>
+          </a:bodyPr>
+          <a:lstStyle/>
+          <a:p>
+            <a:r>
+              <a:rPr lang="en-US" altLang="ko-KR" sz="4000" b="1" dirty="0">
+                <a:solidFill>
+                  <a:srgbClr val="64DECF"/>
+                </a:solidFill>
+              </a:rPr>
+              <a:t>Frontend</a:t>
+            </a:r>
+            <a:endParaRPr lang="ko-KR" altLang="en-US" sz="4000" b="1" dirty="0">
+              <a:solidFill>
+                <a:srgbClr val="64DECF"/>
+              </a:solidFill>
+            </a:endParaRPr>
+          </a:p>
+        </p:txBody>
+      </p:sp>
+      <p:sp>
+        <p:nvSpPr>
+          <p:cNvPr id="84" name="TextBox 83">
+            <a:extLst>
+              <a:ext uri="{FF2B5EF4-FFF2-40B4-BE49-F238E27FC236}">
+                <a16:creationId xmlns:a16="http://schemas.microsoft.com/office/drawing/2014/main" id="{D7B08B17-200F-4159-B080-60D847765235}"/>
+              </a:ext>
+            </a:extLst>
+          </p:cNvPr>
+          <p:cNvSpPr txBox="1"/>
+          <p:nvPr/>
+        </p:nvSpPr>
+        <p:spPr>
+          <a:xfrm>
+            <a:off x="8086574" y="1573905"/>
+            <a:ext cx="3821312" cy="707886"/>
+          </a:xfrm>
+          <a:prstGeom prst="rect">
+            <a:avLst/>
+          </a:prstGeom>
+          <a:noFill/>
+        </p:spPr>
+        <p:txBody>
+          <a:bodyPr wrap="square" rtlCol="0">
+            <a:spAutoFit/>
+          </a:bodyPr>
+          <a:lstStyle/>
+          <a:p>
+            <a:r>
+              <a:rPr lang="en-US" altLang="ko-KR" sz="4000" b="1" dirty="0">
+                <a:solidFill>
+                  <a:srgbClr val="64DECF"/>
+                </a:solidFill>
+              </a:rPr>
+              <a:t>Backend</a:t>
+            </a:r>
+            <a:endParaRPr lang="ko-KR" altLang="en-US" sz="4000" b="1" dirty="0">
+              <a:solidFill>
+                <a:srgbClr val="64DECF"/>
+              </a:solidFill>
+            </a:endParaRPr>
+          </a:p>
+        </p:txBody>
+      </p:sp>
+    </p:spTree>
+  </p:cSld>
+  <p:clrMapOvr>
+    <a:masterClrMapping/>
+  </p:clrMapOvr>
+  <mc:AlternateContent xmlns:mc="http://schemas.openxmlformats.org/markup-compatibility/2006" xmlns:p14="http://schemas.microsoft.com/office/powerpoint/2010/main">
+    <mc:Choice Requires="p14">
+      <p:transition/>
+    </mc:Choice>
+    <mc:Fallback xmlns:dsp="http://schemas.microsoft.com/office/drawing/2008/diagram" xmlns:dgm="http://schemas.openxmlformats.org/drawingml/2006/diagram" xmlns:c="http://schemas.openxmlformats.org/drawingml/2006/chart" xmlns="">
+      <p:transition/>
+    </mc:Fallback>
+  </mc:AlternateContent>
+</p:sld>
+</file>
+
+<file path=ppt/slides/slide8.xml><?xml version="1.0" encoding="utf-8"?>
+<p:sld xmlns:a="http://schemas.openxmlformats.org/drawingml/2006/main" xmlns:r="http://schemas.openxmlformats.org/officeDocument/2006/relationships" xmlns:p="http://schemas.openxmlformats.org/presentationml/2006/main">
+  <p:cSld>
+    <p:spTree>
+      <p:nvGrpSpPr>
+        <p:cNvPr id="1" name=""/>
+        <p:cNvGrpSpPr/>
+        <p:nvPr/>
+      </p:nvGrpSpPr>
+      <p:grpSpPr>
+        <a:xfrm>
+          <a:off x="0" y="0"/>
+          <a:ext cx="0" cy="0"/>
+          <a:chOff x="0" y="0"/>
+          <a:chExt cx="0" cy="0"/>
+        </a:xfrm>
+      </p:grpSpPr>
+      <p:sp>
+        <p:nvSpPr>
+          <p:cNvPr id="23" name="직사각형 22"/>
+          <p:cNvSpPr/>
+          <p:nvPr/>
+        </p:nvSpPr>
+        <p:spPr>
+          <a:xfrm flipV="1">
+            <a:off x="557400" y="1001162"/>
+            <a:ext cx="11077200" cy="18000"/>
+          </a:xfrm>
+          <a:prstGeom prst="rect">
+            <a:avLst/>
+          </a:prstGeom>
+          <a:solidFill>
+            <a:srgbClr val="64DECF"/>
+          </a:solidFill>
+          <a:ln>
+            <a:noFill/>
+          </a:ln>
+        </p:spPr>
+        <p:style>
+          <a:lnRef idx="2">
+            <a:schemeClr val="accent1">
+              <a:shade val="50000"/>
+            </a:schemeClr>
+          </a:lnRef>
+          <a:fillRef idx="1">
+            <a:schemeClr val="accent1"/>
+          </a:fillRef>
+          <a:effectRef idx="0">
+            <a:schemeClr val="accent1"/>
+          </a:effectRef>
+          <a:fontRef idx="minor">
+            <a:schemeClr val="lt1"/>
+          </a:fontRef>
+        </p:style>
+        <p:txBody>
+          <a:bodyPr anchor="ctr"/>
+          <a:lstStyle/>
+          <a:p>
+            <a:pPr algn="ctr">
+              <a:defRPr/>
+            </a:pPr>
+            <a:endParaRPr lang="ko-KR" altLang="en-US"/>
+          </a:p>
+        </p:txBody>
+      </p:sp>
+      <p:grpSp>
+        <p:nvGrpSpPr>
+          <p:cNvPr id="6" name="그룹 5"/>
+          <p:cNvGrpSpPr/>
+          <p:nvPr/>
+        </p:nvGrpSpPr>
+        <p:grpSpPr>
+          <a:xfrm>
+            <a:off x="4105427" y="188165"/>
+            <a:ext cx="3981147" cy="830997"/>
+            <a:chOff x="3819245" y="188165"/>
+            <a:chExt cx="3981147" cy="830997"/>
           </a:xfrm>
         </p:grpSpPr>
         <p:sp>
@@ -9358,7 +11845,7 @@
           <p:spPr>
             <a:xfrm>
               <a:off x="3819245" y="188165"/>
-              <a:ext cx="891388" cy="819580"/>
+              <a:ext cx="809837" cy="830997"/>
             </a:xfrm>
             <a:prstGeom prst="rect">
               <a:avLst/>
@@ -9375,7 +11862,7 @@
                 <a:defRPr/>
               </a:pPr>
               <a:r>
-                <a:rPr lang="en-US" altLang="ko-KR" sz="4800" b="1">
+                <a:rPr lang="en-US" altLang="ko-KR" sz="4800" b="1" dirty="0">
                   <a:solidFill>
                     <a:srgbClr val="64DECF"/>
                   </a:solidFill>
@@ -9383,7 +11870,7 @@
                   <a:ea typeface="KoPubWorld돋움체 Bold"/>
                   <a:cs typeface="KoPubWorld돋움체 Bold"/>
                 </a:rPr>
-                <a:t>03</a:t>
+                <a:t>04</a:t>
               </a:r>
             </a:p>
           </p:txBody>
@@ -9397,8 +11884,8 @@
         </p:nvSpPr>
         <p:spPr>
           <a:xfrm>
-            <a:off x="4640790" y="1096257"/>
-            <a:ext cx="1887362" cy="367277"/>
+            <a:off x="1810524" y="1503613"/>
+            <a:ext cx="2193922" cy="461665"/>
           </a:xfrm>
           <a:prstGeom prst="rect">
             <a:avLst/>
@@ -9414,23 +11901,46 @@
               <a:defRPr/>
             </a:pPr>
             <a:r>
-              <a:rPr lang="en-US" altLang="ko-KR"/>
+              <a:rPr lang="en-US" altLang="ko-KR" sz="2400" b="1" dirty="0">
+                <a:solidFill>
+                  <a:srgbClr val="64DECF"/>
+                </a:solidFill>
+              </a:rPr>
               <a:t>-</a:t>
             </a:r>
             <a:r>
-              <a:rPr lang="ko-KR" altLang="en-US"/>
-              <a:t>메인화면</a:t>
+              <a:rPr lang="ko-KR" altLang="en-US" sz="2400" b="1" dirty="0">
+                <a:solidFill>
+                  <a:srgbClr val="64DECF"/>
+                </a:solidFill>
+              </a:rPr>
+              <a:t>메인 페이지</a:t>
             </a:r>
             <a:r>
-              <a:rPr lang="en-US" altLang="ko-KR"/>
+              <a:rPr lang="en-US" altLang="ko-KR" sz="2400" b="1" dirty="0">
+                <a:solidFill>
+                  <a:srgbClr val="64DECF"/>
+                </a:solidFill>
+              </a:rPr>
               <a:t>-</a:t>
             </a:r>
+            <a:endParaRPr lang="en-US" altLang="ko-KR" dirty="0">
+              <a:solidFill>
+                <a:srgbClr val="64DECF"/>
+              </a:solidFill>
+            </a:endParaRPr>
           </a:p>
         </p:txBody>
       </p:sp>
       <p:pic>
         <p:nvPicPr>
-          <p:cNvPr id="3" name="그림 2"/>
+          <p:cNvPr id="4" name="그림 3">
+            <a:extLst>
+              <a:ext uri="{FF2B5EF4-FFF2-40B4-BE49-F238E27FC236}">
+                <a16:creationId xmlns:a16="http://schemas.microsoft.com/office/drawing/2014/main" id="{BD32BBAF-3372-465D-83AA-B6B45F343B9A}"/>
+              </a:ext>
+            </a:extLst>
+          </p:cNvPr>
           <p:cNvPicPr>
             <a:picLocks noChangeAspect="1"/>
           </p:cNvPicPr>
@@ -9444,8 +11954,160 @@
         </p:blipFill>
         <p:spPr>
           <a:xfrm>
-            <a:off x="889460" y="1649292"/>
-            <a:ext cx="9770015" cy="4671498"/>
+            <a:off x="688120" y="2111331"/>
+            <a:ext cx="4154389" cy="2336844"/>
+          </a:xfrm>
+          <a:prstGeom prst="rect">
+            <a:avLst/>
+          </a:prstGeom>
+        </p:spPr>
+      </p:pic>
+      <p:sp>
+        <p:nvSpPr>
+          <p:cNvPr id="14" name="TextBox 13">
+            <a:extLst>
+              <a:ext uri="{FF2B5EF4-FFF2-40B4-BE49-F238E27FC236}">
+                <a16:creationId xmlns:a16="http://schemas.microsoft.com/office/drawing/2014/main" id="{F34C6690-5A8F-46E7-AE9D-51A08C569BEB}"/>
+              </a:ext>
+            </a:extLst>
+          </p:cNvPr>
+          <p:cNvSpPr txBox="1"/>
+          <p:nvPr/>
+        </p:nvSpPr>
+        <p:spPr>
+          <a:xfrm>
+            <a:off x="8187555" y="1580513"/>
+            <a:ext cx="2337570" cy="523220"/>
+          </a:xfrm>
+          <a:prstGeom prst="rect">
+            <a:avLst/>
+          </a:prstGeom>
+        </p:spPr>
+        <p:txBody>
+          <a:bodyPr wrap="square">
+            <a:spAutoFit/>
+          </a:bodyPr>
+          <a:lstStyle/>
+          <a:p>
+            <a:pPr>
+              <a:defRPr/>
+            </a:pPr>
+            <a:r>
+              <a:rPr lang="en-US" altLang="ko-KR" sz="2000" b="1" dirty="0">
+                <a:solidFill>
+                  <a:srgbClr val="64DECF"/>
+                </a:solidFill>
+              </a:rPr>
+              <a:t>-</a:t>
+            </a:r>
+            <a:r>
+              <a:rPr lang="ko-KR" altLang="en-US" sz="2800" b="1" dirty="0">
+                <a:solidFill>
+                  <a:srgbClr val="64DECF"/>
+                </a:solidFill>
+              </a:rPr>
+              <a:t>지역 페이지</a:t>
+            </a:r>
+            <a:r>
+              <a:rPr lang="en-US" altLang="ko-KR" sz="2000" b="1" dirty="0">
+                <a:solidFill>
+                  <a:srgbClr val="64DECF"/>
+                </a:solidFill>
+              </a:rPr>
+              <a:t>-</a:t>
+            </a:r>
+            <a:endParaRPr lang="en-US" altLang="ko-KR" sz="2000" dirty="0">
+              <a:solidFill>
+                <a:srgbClr val="64DECF"/>
+              </a:solidFill>
+            </a:endParaRPr>
+          </a:p>
+        </p:txBody>
+      </p:sp>
+      <p:pic>
+        <p:nvPicPr>
+          <p:cNvPr id="15" name="그림 14">
+            <a:extLst>
+              <a:ext uri="{FF2B5EF4-FFF2-40B4-BE49-F238E27FC236}">
+                <a16:creationId xmlns:a16="http://schemas.microsoft.com/office/drawing/2014/main" id="{7D901869-CE42-4141-B84F-C0C8713645B5}"/>
+              </a:ext>
+            </a:extLst>
+          </p:cNvPr>
+          <p:cNvPicPr>
+            <a:picLocks noChangeAspect="1"/>
+          </p:cNvPicPr>
+          <p:nvPr/>
+        </p:nvPicPr>
+        <p:blipFill rotWithShape="1">
+          <a:blip r:embed="rId3"/>
+          <a:stretch>
+            <a:fillRect/>
+          </a:stretch>
+        </p:blipFill>
+        <p:spPr>
+          <a:xfrm>
+            <a:off x="5599763" y="2111331"/>
+            <a:ext cx="2999298" cy="1841744"/>
+          </a:xfrm>
+          <a:prstGeom prst="rect">
+            <a:avLst/>
+          </a:prstGeom>
+        </p:spPr>
+      </p:pic>
+      <p:pic>
+        <p:nvPicPr>
+          <p:cNvPr id="16" name="그림 15">
+            <a:extLst>
+              <a:ext uri="{FF2B5EF4-FFF2-40B4-BE49-F238E27FC236}">
+                <a16:creationId xmlns:a16="http://schemas.microsoft.com/office/drawing/2014/main" id="{970F4935-E96B-4D30-9439-D0F886E81208}"/>
+              </a:ext>
+            </a:extLst>
+          </p:cNvPr>
+          <p:cNvPicPr>
+            <a:picLocks noChangeAspect="1"/>
+          </p:cNvPicPr>
+          <p:nvPr/>
+        </p:nvPicPr>
+        <p:blipFill rotWithShape="1">
+          <a:blip r:embed="rId4"/>
+          <a:stretch>
+            <a:fillRect/>
+          </a:stretch>
+        </p:blipFill>
+        <p:spPr>
+          <a:xfrm>
+            <a:off x="8980526" y="2111331"/>
+            <a:ext cx="3063455" cy="1841744"/>
+          </a:xfrm>
+          <a:prstGeom prst="rect">
+            <a:avLst/>
+          </a:prstGeom>
+        </p:spPr>
+      </p:pic>
+      <p:pic>
+        <p:nvPicPr>
+          <p:cNvPr id="17" name="그림 16">
+            <a:extLst>
+              <a:ext uri="{FF2B5EF4-FFF2-40B4-BE49-F238E27FC236}">
+                <a16:creationId xmlns:a16="http://schemas.microsoft.com/office/drawing/2014/main" id="{7F1E1999-80AF-4545-B148-C52E74557387}"/>
+              </a:ext>
+            </a:extLst>
+          </p:cNvPr>
+          <p:cNvPicPr>
+            <a:picLocks noChangeAspect="1"/>
+          </p:cNvPicPr>
+          <p:nvPr/>
+        </p:nvPicPr>
+        <p:blipFill rotWithShape="1">
+          <a:blip r:embed="rId5"/>
+          <a:stretch>
+            <a:fillRect/>
+          </a:stretch>
+        </p:blipFill>
+        <p:spPr>
+          <a:xfrm>
+            <a:off x="6753798" y="4143165"/>
+            <a:ext cx="3690526" cy="2268645"/>
           </a:xfrm>
           <a:prstGeom prst="rect">
             <a:avLst/>
@@ -9461,14 +12123,14 @@
     <mc:Choice Requires="p14">
       <p:transition/>
     </mc:Choice>
-    <mc:Fallback xmlns:dsp="http://schemas.microsoft.com/office/drawing/2008/diagram" xmlns:dgm="http://schemas.openxmlformats.org/drawingml/2006/diagram" xmlns:c="http://schemas.openxmlformats.org/drawingml/2006/chart" xmlns="">
+    <mc:Fallback xmlns="" xmlns:c="http://schemas.openxmlformats.org/drawingml/2006/chart" xmlns:dgm="http://schemas.openxmlformats.org/drawingml/2006/diagram" xmlns:dsp="http://schemas.microsoft.com/office/drawing/2008/diagram">
       <p:transition/>
     </mc:Fallback>
   </mc:AlternateContent>
 </p:sld>
 </file>
 
-<file path=ppt/slides/slide7.xml><?xml version="1.0" encoding="utf-8"?>
+<file path=ppt/slides/slide9.xml><?xml version="1.0" encoding="utf-8"?>
 <p:sld xmlns:a="http://schemas.openxmlformats.org/drawingml/2006/main" xmlns:r="http://schemas.openxmlformats.org/officeDocument/2006/relationships" xmlns:p="http://schemas.openxmlformats.org/presentationml/2006/main">
   <p:cSld>
     <p:spTree>
@@ -9583,7 +12245,7 @@
                   <a:ea typeface="KoPubWorld돋움체 Light"/>
                   <a:cs typeface="KoPubWorld돋움체 Light"/>
                 </a:rPr>
-                <a:t>화면 설계</a:t>
+                <a:t>프로젝트 설계</a:t>
               </a:r>
             </a:p>
           </p:txBody>
@@ -9622,58 +12284,21 @@
                   <a:ea typeface="KoPubWorld돋움체 Bold"/>
                   <a:cs typeface="KoPubWorld돋움체 Bold"/>
                 </a:rPr>
-                <a:t>03</a:t>
+                <a:t>05</a:t>
               </a:r>
             </a:p>
           </p:txBody>
         </p:sp>
       </p:grpSp>
-      <p:sp>
-        <p:nvSpPr>
-          <p:cNvPr id="29" name="TextBox 28"/>
-          <p:cNvSpPr txBox="1"/>
-          <p:nvPr/>
-        </p:nvSpPr>
-        <p:spPr>
-          <a:xfrm>
-            <a:off x="4640790" y="1096257"/>
-            <a:ext cx="1887362" cy="367277"/>
-          </a:xfrm>
-          <a:prstGeom prst="rect">
-            <a:avLst/>
-          </a:prstGeom>
-        </p:spPr>
-        <p:txBody>
-          <a:bodyPr wrap="square">
-            <a:spAutoFit/>
-          </a:bodyPr>
-          <a:lstStyle/>
-          <a:p>
-            <a:pPr>
-              <a:defRPr/>
-            </a:pPr>
-            <a:r>
-              <a:rPr lang="en-US" altLang="ko-KR"/>
-              <a:t>-</a:t>
-            </a:r>
-            <a:r>
-              <a:rPr lang="ko-KR" altLang="en-US"/>
-              <a:t>경기도 화면</a:t>
-            </a:r>
-            <a:r>
-              <a:rPr lang="en-US" altLang="ko-KR"/>
-              <a:t>-</a:t>
-            </a:r>
-          </a:p>
-        </p:txBody>
-      </p:sp>
       <p:pic>
         <p:nvPicPr>
-          <p:cNvPr id="30" name="그림 29"/>
+          <p:cNvPr id="27" name="내용 개체 틀 26"/>
           <p:cNvPicPr>
-            <a:picLocks noChangeAspect="1"/>
+            <a:picLocks noGrp="1" noChangeAspect="1"/>
           </p:cNvPicPr>
-          <p:nvPr/>
+          <p:nvPr>
+            <p:ph idx="1"/>
+          </p:nvPr>
         </p:nvPicPr>
         <p:blipFill rotWithShape="1">
           <a:blip r:embed="rId2"/>
@@ -9683,8 +12308,8 @@
         </p:blipFill>
         <p:spPr>
           <a:xfrm>
-            <a:off x="1878855" y="1572727"/>
-            <a:ext cx="7702278" cy="4729648"/>
+            <a:off x="2732454" y="1120069"/>
+            <a:ext cx="5898062" cy="5341808"/>
           </a:xfrm>
           <a:prstGeom prst="rect">
             <a:avLst/>
@@ -9707,599 +12332,45 @@
 </p:sld>
 </file>
 
-<file path=ppt/slides/slide8.xml><?xml version="1.0" encoding="utf-8"?>
-<p:sld xmlns:a="http://schemas.openxmlformats.org/drawingml/2006/main" xmlns:r="http://schemas.openxmlformats.org/officeDocument/2006/relationships" xmlns:p="http://schemas.openxmlformats.org/presentationml/2006/main">
-  <p:cSld>
-    <p:spTree>
-      <p:nvGrpSpPr>
-        <p:cNvPr id="1" name=""/>
-        <p:cNvGrpSpPr/>
-        <p:nvPr/>
-      </p:nvGrpSpPr>
-      <p:grpSpPr>
-        <a:xfrm>
-          <a:off x="0" y="0"/>
-          <a:ext cx="0" cy="0"/>
-          <a:chOff x="0" y="0"/>
-          <a:chExt cx="0" cy="0"/>
-        </a:xfrm>
-      </p:grpSpPr>
-      <p:sp>
-        <p:nvSpPr>
-          <p:cNvPr id="23" name="직사각형 22"/>
-          <p:cNvSpPr/>
-          <p:nvPr/>
-        </p:nvSpPr>
-        <p:spPr>
-          <a:xfrm flipV="1">
-            <a:off x="557400" y="1001162"/>
-            <a:ext cx="11077200" cy="18000"/>
-          </a:xfrm>
-          <a:prstGeom prst="rect">
-            <a:avLst/>
-          </a:prstGeom>
-          <a:solidFill>
-            <a:srgbClr val="64DECF"/>
-          </a:solidFill>
-          <a:ln>
-            <a:noFill/>
-          </a:ln>
-        </p:spPr>
-        <p:style>
-          <a:lnRef idx="2">
-            <a:schemeClr val="accent1">
-              <a:shade val="50000"/>
-            </a:schemeClr>
-          </a:lnRef>
-          <a:fillRef idx="1">
-            <a:schemeClr val="accent1"/>
-          </a:fillRef>
-          <a:effectRef idx="0">
-            <a:schemeClr val="accent1"/>
-          </a:effectRef>
-          <a:fontRef idx="minor">
-            <a:schemeClr val="lt1"/>
-          </a:fontRef>
-        </p:style>
-        <p:txBody>
-          <a:bodyPr anchor="ctr"/>
-          <a:lstStyle/>
-          <a:p>
-            <a:pPr algn="ctr">
-              <a:defRPr/>
-            </a:pPr>
-            <a:endParaRPr lang="ko-KR" altLang="en-US"/>
-          </a:p>
-        </p:txBody>
-      </p:sp>
-      <p:grpSp>
-        <p:nvGrpSpPr>
-          <p:cNvPr id="6" name="그룹 5"/>
-          <p:cNvGrpSpPr/>
-          <p:nvPr/>
-        </p:nvGrpSpPr>
-        <p:grpSpPr>
-          <a:xfrm>
-            <a:off x="4105427" y="188165"/>
-            <a:ext cx="3981147" cy="819580"/>
-            <a:chOff x="3819245" y="188165"/>
-            <a:chExt cx="3981147" cy="819580"/>
-          </a:xfrm>
-        </p:grpSpPr>
-        <p:sp>
-          <p:nvSpPr>
-            <p:cNvPr id="5" name="직사각형 4"/>
-            <p:cNvSpPr/>
-            <p:nvPr/>
-          </p:nvSpPr>
-          <p:spPr>
-            <a:xfrm>
-              <a:off x="4603102" y="366260"/>
-              <a:ext cx="3197290" cy="470035"/>
-            </a:xfrm>
-            <a:prstGeom prst="rect">
-              <a:avLst/>
-            </a:prstGeom>
-          </p:spPr>
-          <p:txBody>
-            <a:bodyPr wrap="square">
-              <a:spAutoFit/>
-            </a:bodyPr>
-            <a:lstStyle/>
-            <a:p>
-              <a:pPr lvl="0">
-                <a:defRPr/>
-              </a:pPr>
-              <a:r>
-                <a:rPr lang="ko-KR" altLang="en-US" sz="2500">
-                  <a:solidFill>
-                    <a:schemeClr val="tx1">
-                      <a:lumMod val="65000"/>
-                      <a:lumOff val="35000"/>
-                    </a:schemeClr>
-                  </a:solidFill>
-                  <a:latin typeface="KoPubWorld돋움체 Light"/>
-                  <a:ea typeface="KoPubWorld돋움체 Light"/>
-                  <a:cs typeface="KoPubWorld돋움체 Light"/>
-                </a:rPr>
-                <a:t>화면 설계</a:t>
-              </a:r>
-            </a:p>
-          </p:txBody>
-        </p:sp>
-        <p:sp>
-          <p:nvSpPr>
-            <p:cNvPr id="24" name="TextBox 23"/>
-            <p:cNvSpPr txBox="1"/>
-            <p:nvPr/>
-          </p:nvSpPr>
-          <p:spPr>
-            <a:xfrm>
-              <a:off x="3819245" y="188165"/>
-              <a:ext cx="891388" cy="819580"/>
-            </a:xfrm>
-            <a:prstGeom prst="rect">
-              <a:avLst/>
-            </a:prstGeom>
-            <a:noFill/>
-          </p:spPr>
-          <p:txBody>
-            <a:bodyPr wrap="none">
-              <a:spAutoFit/>
-            </a:bodyPr>
-            <a:lstStyle/>
-            <a:p>
-              <a:pPr lvl="0">
-                <a:defRPr/>
-              </a:pPr>
-              <a:r>
-                <a:rPr lang="en-US" altLang="ko-KR" sz="4800" b="1">
-                  <a:solidFill>
-                    <a:srgbClr val="64DECF"/>
-                  </a:solidFill>
-                  <a:latin typeface="KoPubWorld돋움체 Bold"/>
-                  <a:ea typeface="KoPubWorld돋움체 Bold"/>
-                  <a:cs typeface="KoPubWorld돋움체 Bold"/>
-                </a:rPr>
-                <a:t>03</a:t>
-              </a:r>
-            </a:p>
-          </p:txBody>
-        </p:sp>
-      </p:grpSp>
-      <p:sp>
-        <p:nvSpPr>
-          <p:cNvPr id="29" name="TextBox 28"/>
-          <p:cNvSpPr txBox="1"/>
-          <p:nvPr/>
-        </p:nvSpPr>
-        <p:spPr>
-          <a:xfrm>
-            <a:off x="4640790" y="1096257"/>
-            <a:ext cx="1887362" cy="367277"/>
-          </a:xfrm>
-          <a:prstGeom prst="rect">
-            <a:avLst/>
-          </a:prstGeom>
-        </p:spPr>
-        <p:txBody>
-          <a:bodyPr wrap="square">
-            <a:spAutoFit/>
-          </a:bodyPr>
-          <a:lstStyle/>
-          <a:p>
-            <a:pPr>
-              <a:defRPr/>
-            </a:pPr>
-            <a:r>
-              <a:rPr lang="en-US" altLang="ko-KR"/>
-              <a:t>-</a:t>
-            </a:r>
-            <a:r>
-              <a:rPr lang="ko-KR" altLang="en-US"/>
-              <a:t>경기도 화면</a:t>
-            </a:r>
-            <a:r>
-              <a:rPr lang="en-US" altLang="ko-KR"/>
-              <a:t>-</a:t>
-            </a:r>
-          </a:p>
-        </p:txBody>
-      </p:sp>
-      <p:pic>
-        <p:nvPicPr>
-          <p:cNvPr id="31" name="그림 30"/>
-          <p:cNvPicPr>
-            <a:picLocks noChangeAspect="1"/>
-          </p:cNvPicPr>
-          <p:nvPr/>
-        </p:nvPicPr>
-        <p:blipFill rotWithShape="1">
-          <a:blip r:embed="rId2"/>
-          <a:stretch>
-            <a:fillRect/>
-          </a:stretch>
-        </p:blipFill>
-        <p:spPr>
-          <a:xfrm>
-            <a:off x="302372" y="2074213"/>
-            <a:ext cx="5636915" cy="3388904"/>
-          </a:xfrm>
-          <a:prstGeom prst="rect">
-            <a:avLst/>
-          </a:prstGeom>
-        </p:spPr>
-      </p:pic>
-      <p:pic>
-        <p:nvPicPr>
-          <p:cNvPr id="32" name="그림 31"/>
-          <p:cNvPicPr>
-            <a:picLocks noChangeAspect="1"/>
-          </p:cNvPicPr>
-          <p:nvPr/>
-        </p:nvPicPr>
-        <p:blipFill rotWithShape="1">
-          <a:blip r:embed="rId3"/>
-          <a:stretch>
-            <a:fillRect/>
-          </a:stretch>
-        </p:blipFill>
-        <p:spPr>
-          <a:xfrm>
-            <a:off x="6219472" y="2061461"/>
-            <a:ext cx="5527250" cy="3397719"/>
-          </a:xfrm>
-          <a:prstGeom prst="rect">
-            <a:avLst/>
-          </a:prstGeom>
-        </p:spPr>
-      </p:pic>
-    </p:spTree>
-  </p:cSld>
-  <p:clrMapOvr>
-    <a:masterClrMapping/>
-  </p:clrMapOvr>
-  <mc:AlternateContent xmlns:mc="http://schemas.openxmlformats.org/markup-compatibility/2006" xmlns:p14="http://schemas.microsoft.com/office/powerpoint/2010/main">
-    <mc:Choice Requires="p14">
-      <p:transition/>
-    </mc:Choice>
-    <mc:Fallback xmlns:dsp="http://schemas.microsoft.com/office/drawing/2008/diagram" xmlns:dgm="http://schemas.openxmlformats.org/drawingml/2006/diagram" xmlns:c="http://schemas.openxmlformats.org/drawingml/2006/chart" xmlns="">
-      <p:transition/>
-    </mc:Fallback>
-  </mc:AlternateContent>
-</p:sld>
-</file>
-
-<file path=ppt/slides/slide9.xml><?xml version="1.0" encoding="utf-8"?>
-<p:sld xmlns:r="http://schemas.openxmlformats.org/officeDocument/2006/relationships" xmlns:c="http://schemas.openxmlformats.org/drawingml/2006/chart" xmlns:a="http://schemas.openxmlformats.org/drawingml/2006/main" xmlns:dgm="http://schemas.openxmlformats.org/drawingml/2006/diagram" xmlns:dsp="http://schemas.microsoft.com/office/drawing/2008/diagram" xmlns:p="http://schemas.openxmlformats.org/presentationml/2006/main">
-  <p:cSld>
-    <p:spTree>
-      <p:nvGrpSpPr>
-        <p:cNvPr id="1" name=""/>
-        <p:cNvGrpSpPr/>
-        <p:nvPr/>
-      </p:nvGrpSpPr>
-      <p:grpSpPr>
-        <a:xfrm>
-          <a:off x="0" y="0"/>
-          <a:ext cx="0" cy="0"/>
-          <a:chOff x="0" y="0"/>
-          <a:chExt cx="0" cy="0"/>
-        </a:xfrm>
-      </p:grpSpPr>
-      <p:sp>
-        <p:nvSpPr>
-          <p:cNvPr id="23" name="직사각형 22"/>
-          <p:cNvSpPr/>
-          <p:nvPr/>
-        </p:nvSpPr>
-        <p:spPr>
-          <a:xfrm flipV="1">
-            <a:off x="557400" y="1001162"/>
-            <a:ext cx="11077200" cy="18000"/>
-          </a:xfrm>
-          <a:prstGeom prst="rect">
-            <a:avLst/>
-          </a:prstGeom>
-          <a:solidFill>
-            <a:srgbClr val="64decf"/>
-          </a:solidFill>
-          <a:ln>
-            <a:noFill/>
-          </a:ln>
-        </p:spPr>
-        <p:style>
-          <a:lnRef idx="2">
-            <a:schemeClr val="accent1">
-              <a:shade val="50000"/>
-            </a:schemeClr>
-          </a:lnRef>
-          <a:fillRef idx="1">
-            <a:schemeClr val="accent1"/>
-          </a:fillRef>
-          <a:effectRef idx="0">
-            <a:schemeClr val="accent1"/>
-          </a:effectRef>
-          <a:fontRef idx="minor">
-            <a:schemeClr val="lt1"/>
-          </a:fontRef>
-        </p:style>
-        <p:txBody>
-          <a:bodyPr anchor="ctr"/>
-          <a:lstStyle/>
-          <a:p>
-            <a:pPr algn="ctr">
-              <a:defRPr/>
-            </a:pPr>
-            <a:endParaRPr lang="ko-KR" altLang="en-US"/>
-          </a:p>
-        </p:txBody>
-      </p:sp>
-      <p:grpSp>
-        <p:nvGrpSpPr>
-          <p:cNvPr id="6" name="그룹 5"/>
-          <p:cNvGrpSpPr/>
-          <p:nvPr/>
-        </p:nvGrpSpPr>
-        <p:grpSpPr>
-          <a:xfrm rot="0">
-            <a:off x="4105427" y="188165"/>
-            <a:ext cx="3981147" cy="819580"/>
-            <a:chOff x="3819245" y="188165"/>
-            <a:chExt cx="3981147" cy="819580"/>
-          </a:xfrm>
-        </p:grpSpPr>
-        <p:sp>
-          <p:nvSpPr>
-            <p:cNvPr id="5" name="직사각형 4"/>
-            <p:cNvSpPr/>
-            <p:nvPr/>
-          </p:nvSpPr>
-          <p:spPr>
-            <a:xfrm>
-              <a:off x="4603102" y="366260"/>
-              <a:ext cx="3197290" cy="470035"/>
-            </a:xfrm>
-            <a:prstGeom prst="rect">
-              <a:avLst/>
-            </a:prstGeom>
-          </p:spPr>
-          <p:txBody>
-            <a:bodyPr wrap="square">
-              <a:spAutoFit/>
-            </a:bodyPr>
-            <a:lstStyle/>
-            <a:p>
-              <a:pPr lvl="0">
-                <a:defRPr/>
-              </a:pPr>
-              <a:r>
-                <a:rPr lang="ko-KR" altLang="en-US" sz="2500">
-                  <a:solidFill>
-                    <a:schemeClr val="tx1">
-                      <a:lumMod val="65000"/>
-                      <a:lumOff val="35000"/>
-                    </a:schemeClr>
-                  </a:solidFill>
-                  <a:latin typeface="KoPubWorld돋움체 Light"/>
-                  <a:ea typeface="KoPubWorld돋움체 Light"/>
-                  <a:cs typeface="KoPubWorld돋움체 Light"/>
-                </a:rPr>
-                <a:t>개발 환경</a:t>
-              </a:r>
-              <a:endParaRPr lang="ko-KR" altLang="en-US" sz="2500">
-                <a:solidFill>
-                  <a:schemeClr val="tx1">
-                    <a:lumMod val="65000"/>
-                    <a:lumOff val="35000"/>
-                  </a:schemeClr>
-                </a:solidFill>
-                <a:latin typeface="KoPubWorld돋움체 Light"/>
-                <a:ea typeface="KoPubWorld돋움체 Light"/>
-                <a:cs typeface="KoPubWorld돋움체 Light"/>
-              </a:endParaRPr>
-            </a:p>
-          </p:txBody>
-        </p:sp>
-        <p:sp>
-          <p:nvSpPr>
-            <p:cNvPr id="24" name="TextBox 23"/>
-            <p:cNvSpPr txBox="1"/>
-            <p:nvPr/>
-          </p:nvSpPr>
-          <p:spPr>
-            <a:xfrm>
-              <a:off x="3819245" y="188165"/>
-              <a:ext cx="891388" cy="819580"/>
-            </a:xfrm>
-            <a:prstGeom prst="rect">
-              <a:avLst/>
-            </a:prstGeom>
-            <a:noFill/>
-          </p:spPr>
-          <p:txBody>
-            <a:bodyPr wrap="none">
-              <a:spAutoFit/>
-            </a:bodyPr>
-            <a:lstStyle/>
-            <a:p>
-              <a:pPr lvl="0">
-                <a:defRPr/>
-              </a:pPr>
-              <a:r>
-                <a:rPr lang="en-US" altLang="ko-KR" sz="4800" b="1">
-                  <a:solidFill>
-                    <a:srgbClr val="64decf"/>
-                  </a:solidFill>
-                  <a:latin typeface="KoPubWorld돋움체 Bold"/>
-                  <a:ea typeface="KoPubWorld돋움체 Bold"/>
-                  <a:cs typeface="KoPubWorld돋움체 Bold"/>
-                </a:rPr>
-                <a:t>04</a:t>
-              </a:r>
-              <a:endParaRPr lang="en-US" altLang="ko-KR" sz="4800" b="1">
-                <a:solidFill>
-                  <a:srgbClr val="64decf"/>
-                </a:solidFill>
-                <a:latin typeface="KoPubWorld돋움체 Bold"/>
-                <a:ea typeface="KoPubWorld돋움체 Bold"/>
-                <a:cs typeface="KoPubWorld돋움체 Bold"/>
-              </a:endParaRPr>
-            </a:p>
-          </p:txBody>
-        </p:sp>
-      </p:grpSp>
-      <p:pic>
-        <p:nvPicPr>
-          <p:cNvPr id="33" name=""/>
-          <p:cNvPicPr>
-            <a:picLocks noChangeAspect="1"/>
-          </p:cNvPicPr>
-          <p:nvPr/>
-        </p:nvPicPr>
-        <p:blipFill rotWithShape="1">
-          <a:blip r:embed="rId2"/>
-          <a:stretch>
-            <a:fillRect/>
-          </a:stretch>
-        </p:blipFill>
-        <p:spPr>
-          <a:xfrm>
-            <a:off x="1711998" y="1588911"/>
-            <a:ext cx="3028950" cy="1504950"/>
-          </a:xfrm>
-          <a:prstGeom prst="rect">
-            <a:avLst/>
-          </a:prstGeom>
-        </p:spPr>
-      </p:pic>
-      <p:pic>
-        <p:nvPicPr>
-          <p:cNvPr id="34" name=""/>
-          <p:cNvPicPr>
-            <a:picLocks noChangeAspect="1"/>
-          </p:cNvPicPr>
-          <p:nvPr/>
-        </p:nvPicPr>
-        <p:blipFill rotWithShape="1">
-          <a:blip r:embed="rId3"/>
-          <a:stretch>
-            <a:fillRect/>
-          </a:stretch>
-        </p:blipFill>
-        <p:spPr>
-          <a:xfrm>
-            <a:off x="6371631" y="1636183"/>
-            <a:ext cx="2886075" cy="1581150"/>
-          </a:xfrm>
-          <a:prstGeom prst="rect">
-            <a:avLst/>
-          </a:prstGeom>
-        </p:spPr>
-      </p:pic>
-      <p:pic>
-        <p:nvPicPr>
-          <p:cNvPr id="35" name=""/>
-          <p:cNvPicPr>
-            <a:picLocks noChangeAspect="1"/>
-          </p:cNvPicPr>
-          <p:nvPr/>
-        </p:nvPicPr>
-        <p:blipFill rotWithShape="1">
-          <a:blip r:embed="rId4"/>
-          <a:stretch>
-            <a:fillRect/>
-          </a:stretch>
-        </p:blipFill>
-        <p:spPr>
-          <a:xfrm>
-            <a:off x="2200980" y="3429000"/>
-            <a:ext cx="1581150" cy="2895600"/>
-          </a:xfrm>
-          <a:prstGeom prst="rect">
-            <a:avLst/>
-          </a:prstGeom>
-        </p:spPr>
-      </p:pic>
-      <p:pic>
-        <p:nvPicPr>
-          <p:cNvPr id="36" name=""/>
-          <p:cNvPicPr>
-            <a:picLocks noChangeAspect="1"/>
-          </p:cNvPicPr>
-          <p:nvPr/>
-        </p:nvPicPr>
-        <p:blipFill rotWithShape="1">
-          <a:blip r:embed="rId5"/>
-          <a:stretch>
-            <a:fillRect/>
-          </a:stretch>
-        </p:blipFill>
-        <p:spPr>
-          <a:xfrm>
-            <a:off x="6535385" y="4121150"/>
-            <a:ext cx="2543175" cy="1790700"/>
-          </a:xfrm>
-          <a:prstGeom prst="rect">
-            <a:avLst/>
-          </a:prstGeom>
-        </p:spPr>
-      </p:pic>
-    </p:spTree>
-  </p:cSld>
-  <p:clrMapOvr>
-    <a:masterClrMapping/>
-  </p:clrMapOvr>
-  <mc:AlternateContent xmlns:mc="http://schemas.openxmlformats.org/markup-compatibility/2006">
-    <mc:Choice xmlns:p14="http://schemas.microsoft.com/office/powerpoint/2010/main" Requires="p14">
-      <p:transition xmlns:mc="http://schemas.openxmlformats.org/markup-compatibility/2006" xmlns:p14="http://schemas.microsoft.com/office/powerpoint/2010/main" mc:Ignorable="p14" p14:dur="500"/>
-    </mc:Choice>
-    <mc:Fallback>
-      <p:transition/>
-    </mc:Fallback>
-  </mc:AlternateContent>
-</p:sld>
-</file>
-
 <file path=ppt/theme/theme1.xml><?xml version="1.0" encoding="utf-8"?>
-<a:theme xmlns:r="http://schemas.openxmlformats.org/officeDocument/2006/relationships" xmlns:c="http://schemas.openxmlformats.org/drawingml/2006/chart" xmlns:dgm="http://schemas.openxmlformats.org/drawingml/2006/diagram" xmlns:dsp="http://schemas.microsoft.com/office/drawing/2008/diagram" xmlns:a="http://schemas.openxmlformats.org/drawingml/2006/main" xmlns:pic="http://schemas.openxmlformats.org/drawingml/2006/picture" xmlns:wp="http://schemas.openxmlformats.org/drawingml/2006/wordprocessingDrawing" xmlns:xdr="http://schemas.openxmlformats.org/drawingml/2006/spreadsheetDrawing" xmlns:lc="http://schemas.openxmlformats.org/drawingml/2006/lockedCanvas" xmlns:p="http://schemas.openxmlformats.org/presentationml/2006/main" name="Office 테마">
+<a:theme xmlns:a="http://schemas.openxmlformats.org/drawingml/2006/main" name="Office 테마">
   <a:themeElements>
     <a:clrScheme name="Office">
       <a:dk1>
         <a:sysClr val="windowText" lastClr="000000"/>
       </a:dk1>
       <a:lt1>
-        <a:sysClr val="window" lastClr="ffffff"/>
+        <a:sysClr val="window" lastClr="FFFFFF"/>
       </a:lt1>
       <a:dk2>
-        <a:srgbClr val="44546a"/>
+        <a:srgbClr val="44546A"/>
       </a:dk2>
       <a:lt2>
-        <a:srgbClr val="e7e6e6"/>
+        <a:srgbClr val="E7E6E6"/>
       </a:lt2>
       <a:accent1>
-        <a:srgbClr val="4472c4"/>
+        <a:srgbClr val="4472C4"/>
       </a:accent1>
       <a:accent2>
-        <a:srgbClr val="ed7d31"/>
+        <a:srgbClr val="ED7D31"/>
       </a:accent2>
       <a:accent3>
-        <a:srgbClr val="a5a5a5"/>
+        <a:srgbClr val="A5A5A5"/>
       </a:accent3>
       <a:accent4>
-        <a:srgbClr val="ffc000"/>
+        <a:srgbClr val="FFC000"/>
       </a:accent4>
       <a:accent5>
-        <a:srgbClr val="5b9bd5"/>
+        <a:srgbClr val="5B9BD5"/>
       </a:accent5>
       <a:accent6>
-        <a:srgbClr val="70ad47"/>
+        <a:srgbClr val="70AD47"/>
       </a:accent6>
       <a:hlink>
-        <a:srgbClr val="0563c1"/>
+        <a:srgbClr val="0563C1"/>
       </a:hlink>
       <a:folHlink>
-        <a:srgbClr val="954f72"/>
+        <a:srgbClr val="954F72"/>
       </a:folHlink>
     </a:clrScheme>
     <a:fontScheme name="Office">
@@ -10546,5 +12617,7 @@
       </a:bgFillStyleLst>
     </a:fmtScheme>
   </a:themeElements>
+  <a:objectDefaults/>
+  <a:extraClrSchemeLst/>
 </a:theme>
 </file>
--- a/발표자료/발표자료.pptx
+++ b/발표자료/발표자료.pptx
@@ -12,8 +12,8 @@
     <p:sldId id="286" r:id="rId6"/>
     <p:sldId id="272" r:id="rId7"/>
     <p:sldId id="280" r:id="rId8"/>
-    <p:sldId id="273" r:id="rId9"/>
-    <p:sldId id="274" r:id="rId10"/>
+    <p:sldId id="274" r:id="rId9"/>
+    <p:sldId id="273" r:id="rId10"/>
     <p:sldId id="281" r:id="rId11"/>
     <p:sldId id="282" r:id="rId12"/>
     <p:sldId id="283" r:id="rId13"/>
@@ -1425,7 +1425,7 @@
           <a:p>
             <a:fld id="{B441A2CC-AD33-4BEB-BEDF-7117FCB0AF3A}" type="datetimeFigureOut">
               <a:rPr lang="ko-KR" altLang="en-US" smtClean="0"/>
-              <a:t>2021-12-20</a:t>
+              <a:t>2021-12-21</a:t>
             </a:fld>
             <a:endParaRPr lang="ko-KR" altLang="en-US"/>
           </a:p>
@@ -1623,7 +1623,7 @@
           <a:p>
             <a:fld id="{B441A2CC-AD33-4BEB-BEDF-7117FCB0AF3A}" type="datetimeFigureOut">
               <a:rPr lang="ko-KR" altLang="en-US" smtClean="0"/>
-              <a:t>2021-12-20</a:t>
+              <a:t>2021-12-21</a:t>
             </a:fld>
             <a:endParaRPr lang="ko-KR" altLang="en-US"/>
           </a:p>
@@ -1831,7 +1831,7 @@
           <a:p>
             <a:fld id="{B441A2CC-AD33-4BEB-BEDF-7117FCB0AF3A}" type="datetimeFigureOut">
               <a:rPr lang="ko-KR" altLang="en-US" smtClean="0"/>
-              <a:t>2021-12-20</a:t>
+              <a:t>2021-12-21</a:t>
             </a:fld>
             <a:endParaRPr lang="ko-KR" altLang="en-US"/>
           </a:p>
@@ -2029,7 +2029,7 @@
           <a:p>
             <a:fld id="{B441A2CC-AD33-4BEB-BEDF-7117FCB0AF3A}" type="datetimeFigureOut">
               <a:rPr lang="ko-KR" altLang="en-US" smtClean="0"/>
-              <a:t>2021-12-20</a:t>
+              <a:t>2021-12-21</a:t>
             </a:fld>
             <a:endParaRPr lang="ko-KR" altLang="en-US"/>
           </a:p>
@@ -2304,7 +2304,7 @@
           <a:p>
             <a:fld id="{B441A2CC-AD33-4BEB-BEDF-7117FCB0AF3A}" type="datetimeFigureOut">
               <a:rPr lang="ko-KR" altLang="en-US" smtClean="0"/>
-              <a:t>2021-12-20</a:t>
+              <a:t>2021-12-21</a:t>
             </a:fld>
             <a:endParaRPr lang="ko-KR" altLang="en-US"/>
           </a:p>
@@ -2569,7 +2569,7 @@
           <a:p>
             <a:fld id="{B441A2CC-AD33-4BEB-BEDF-7117FCB0AF3A}" type="datetimeFigureOut">
               <a:rPr lang="ko-KR" altLang="en-US" smtClean="0"/>
-              <a:t>2021-12-20</a:t>
+              <a:t>2021-12-21</a:t>
             </a:fld>
             <a:endParaRPr lang="ko-KR" altLang="en-US"/>
           </a:p>
@@ -2981,7 +2981,7 @@
           <a:p>
             <a:fld id="{B441A2CC-AD33-4BEB-BEDF-7117FCB0AF3A}" type="datetimeFigureOut">
               <a:rPr lang="ko-KR" altLang="en-US" smtClean="0"/>
-              <a:t>2021-12-20</a:t>
+              <a:t>2021-12-21</a:t>
             </a:fld>
             <a:endParaRPr lang="ko-KR" altLang="en-US"/>
           </a:p>
@@ -3122,7 +3122,7 @@
           <a:p>
             <a:fld id="{B441A2CC-AD33-4BEB-BEDF-7117FCB0AF3A}" type="datetimeFigureOut">
               <a:rPr lang="ko-KR" altLang="en-US" smtClean="0"/>
-              <a:t>2021-12-20</a:t>
+              <a:t>2021-12-21</a:t>
             </a:fld>
             <a:endParaRPr lang="ko-KR" altLang="en-US"/>
           </a:p>
@@ -3235,7 +3235,7 @@
           <a:p>
             <a:fld id="{B441A2CC-AD33-4BEB-BEDF-7117FCB0AF3A}" type="datetimeFigureOut">
               <a:rPr lang="ko-KR" altLang="en-US" smtClean="0"/>
-              <a:t>2021-12-20</a:t>
+              <a:t>2021-12-21</a:t>
             </a:fld>
             <a:endParaRPr lang="ko-KR" altLang="en-US"/>
           </a:p>
@@ -3546,7 +3546,7 @@
           <a:p>
             <a:fld id="{B441A2CC-AD33-4BEB-BEDF-7117FCB0AF3A}" type="datetimeFigureOut">
               <a:rPr lang="ko-KR" altLang="en-US" smtClean="0"/>
-              <a:t>2021-12-20</a:t>
+              <a:t>2021-12-21</a:t>
             </a:fld>
             <a:endParaRPr lang="ko-KR" altLang="en-US"/>
           </a:p>
@@ -3834,7 +3834,7 @@
           <a:p>
             <a:fld id="{B441A2CC-AD33-4BEB-BEDF-7117FCB0AF3A}" type="datetimeFigureOut">
               <a:rPr lang="ko-KR" altLang="en-US" smtClean="0"/>
-              <a:t>2021-12-20</a:t>
+              <a:t>2021-12-21</a:t>
             </a:fld>
             <a:endParaRPr lang="ko-KR" altLang="en-US"/>
           </a:p>
@@ -4081,7 +4081,7 @@
           <a:p>
             <a:fld id="{B441A2CC-AD33-4BEB-BEDF-7117FCB0AF3A}" type="datetimeFigureOut">
               <a:rPr lang="ko-KR" altLang="en-US" smtClean="0"/>
-              <a:t>2021-12-20</a:t>
+              <a:t>2021-12-21</a:t>
             </a:fld>
             <a:endParaRPr lang="ko-KR" altLang="en-US"/>
           </a:p>
@@ -4835,7 +4835,7 @@
     <mc:Choice Requires="p14">
       <p:transition/>
     </mc:Choice>
-    <mc:Fallback xmlns="" xmlns:c="http://schemas.openxmlformats.org/drawingml/2006/chart" xmlns:dgm="http://schemas.openxmlformats.org/drawingml/2006/diagram" xmlns:dsp="http://schemas.microsoft.com/office/drawing/2008/diagram">
+    <mc:Fallback xmlns:dsp="http://schemas.microsoft.com/office/drawing/2008/diagram" xmlns:dgm="http://schemas.openxmlformats.org/drawingml/2006/diagram" xmlns:c="http://schemas.openxmlformats.org/drawingml/2006/chart" xmlns="">
       <p:transition/>
     </mc:Fallback>
   </mc:AlternateContent>
@@ -5051,7 +5051,7 @@
     <mc:Choice Requires="p14">
       <p:transition/>
     </mc:Choice>
-    <mc:Fallback xmlns:dsp="http://schemas.microsoft.com/office/drawing/2008/diagram" xmlns:dgm="http://schemas.openxmlformats.org/drawingml/2006/diagram" xmlns:c="http://schemas.openxmlformats.org/drawingml/2006/chart" xmlns="">
+    <mc:Fallback xmlns="" xmlns:c="http://schemas.openxmlformats.org/drawingml/2006/chart" xmlns:dgm="http://schemas.openxmlformats.org/drawingml/2006/diagram" xmlns:dsp="http://schemas.microsoft.com/office/drawing/2008/diagram">
       <p:transition/>
     </mc:Fallback>
   </mc:AlternateContent>
@@ -5267,7 +5267,7 @@
     <mc:Choice Requires="p14">
       <p:transition/>
     </mc:Choice>
-    <mc:Fallback xmlns:dsp="http://schemas.microsoft.com/office/drawing/2008/diagram" xmlns:dgm="http://schemas.openxmlformats.org/drawingml/2006/diagram" xmlns:c="http://schemas.openxmlformats.org/drawingml/2006/chart" xmlns="">
+    <mc:Fallback xmlns="" xmlns:c="http://schemas.openxmlformats.org/drawingml/2006/chart" xmlns:dgm="http://schemas.openxmlformats.org/drawingml/2006/diagram" xmlns:dsp="http://schemas.microsoft.com/office/drawing/2008/diagram">
       <p:transition/>
     </mc:Fallback>
   </mc:AlternateContent>
@@ -5483,7 +5483,7 @@
     <mc:Choice Requires="p14">
       <p:transition/>
     </mc:Choice>
-    <mc:Fallback xmlns:dsp="http://schemas.microsoft.com/office/drawing/2008/diagram" xmlns:dgm="http://schemas.openxmlformats.org/drawingml/2006/diagram" xmlns:c="http://schemas.openxmlformats.org/drawingml/2006/chart" xmlns="">
+    <mc:Fallback xmlns="" xmlns:c="http://schemas.openxmlformats.org/drawingml/2006/chart" xmlns:dgm="http://schemas.openxmlformats.org/drawingml/2006/diagram" xmlns:dsp="http://schemas.microsoft.com/office/drawing/2008/diagram">
       <p:transition/>
     </mc:Fallback>
   </mc:AlternateContent>
@@ -5699,7 +5699,7 @@
     <mc:Choice Requires="p14">
       <p:transition/>
     </mc:Choice>
-    <mc:Fallback xmlns:dsp="http://schemas.microsoft.com/office/drawing/2008/diagram" xmlns:dgm="http://schemas.openxmlformats.org/drawingml/2006/diagram" xmlns:c="http://schemas.openxmlformats.org/drawingml/2006/chart" xmlns="">
+    <mc:Fallback xmlns="" xmlns:c="http://schemas.openxmlformats.org/drawingml/2006/chart" xmlns:dgm="http://schemas.openxmlformats.org/drawingml/2006/diagram" xmlns:dsp="http://schemas.microsoft.com/office/drawing/2008/diagram">
       <p:transition/>
     </mc:Fallback>
   </mc:AlternateContent>
@@ -5866,6 +5866,36 @@
           </p:txBody>
         </p:sp>
       </p:grpSp>
+      <p:pic>
+        <p:nvPicPr>
+          <p:cNvPr id="7" name="그림 6">
+            <a:extLst>
+              <a:ext uri="{FF2B5EF4-FFF2-40B4-BE49-F238E27FC236}">
+                <a16:creationId xmlns:a16="http://schemas.microsoft.com/office/drawing/2014/main" id="{14678074-C169-4E2F-8362-3941179AF44B}"/>
+              </a:ext>
+            </a:extLst>
+          </p:cNvPr>
+          <p:cNvPicPr>
+            <a:picLocks noChangeAspect="1"/>
+          </p:cNvPicPr>
+          <p:nvPr/>
+        </p:nvPicPr>
+        <p:blipFill>
+          <a:blip r:embed="rId2"/>
+          <a:stretch>
+            <a:fillRect/>
+          </a:stretch>
+        </p:blipFill>
+        <p:spPr>
+          <a:xfrm>
+            <a:off x="1284051" y="1919116"/>
+            <a:ext cx="9150065" cy="4047330"/>
+          </a:xfrm>
+          <a:prstGeom prst="rect">
+            <a:avLst/>
+          </a:prstGeom>
+        </p:spPr>
+      </p:pic>
     </p:spTree>
     <p:extLst>
       <p:ext uri="{BB962C8B-B14F-4D97-AF65-F5344CB8AC3E}">
@@ -6477,7 +6507,7 @@
     <mc:Choice Requires="p14">
       <p:transition/>
     </mc:Choice>
-    <mc:Fallback xmlns:dsp="http://schemas.microsoft.com/office/drawing/2008/diagram" xmlns:dgm="http://schemas.openxmlformats.org/drawingml/2006/diagram" xmlns:c="http://schemas.openxmlformats.org/drawingml/2006/chart" xmlns="">
+    <mc:Fallback xmlns="" xmlns:c="http://schemas.openxmlformats.org/drawingml/2006/chart" xmlns:dgm="http://schemas.openxmlformats.org/drawingml/2006/diagram" xmlns:dsp="http://schemas.microsoft.com/office/drawing/2008/diagram">
       <p:transition/>
     </mc:Fallback>
   </mc:AlternateContent>
@@ -6824,7 +6854,7 @@
     <mc:Choice Requires="p14">
       <p:transition/>
     </mc:Choice>
-    <mc:Fallback xmlns="" xmlns:c="http://schemas.openxmlformats.org/drawingml/2006/chart" xmlns:dgm="http://schemas.openxmlformats.org/drawingml/2006/diagram" xmlns:dsp="http://schemas.microsoft.com/office/drawing/2008/diagram">
+    <mc:Fallback xmlns:dsp="http://schemas.microsoft.com/office/drawing/2008/diagram" xmlns:dgm="http://schemas.openxmlformats.org/drawingml/2006/diagram" xmlns:c="http://schemas.openxmlformats.org/drawingml/2006/chart" xmlns="">
       <p:transition/>
     </mc:Fallback>
   </mc:AlternateContent>
@@ -7218,9 +7248,9 @@
         <p:grpSpPr>
           <a:xfrm>
             <a:off x="3122262" y="2804286"/>
-            <a:ext cx="5097678" cy="830997"/>
+            <a:ext cx="5610639" cy="830997"/>
             <a:chOff x="3403338" y="2598003"/>
-            <a:chExt cx="5097678" cy="830997"/>
+            <a:chExt cx="5610639" cy="830997"/>
           </a:xfrm>
         </p:grpSpPr>
         <p:grpSp>
@@ -7336,9 +7366,9 @@
           <p:grpSpPr>
             <a:xfrm>
               <a:off x="6454034" y="2598003"/>
-              <a:ext cx="2046982" cy="830997"/>
+              <a:ext cx="2559943" cy="830997"/>
               <a:chOff x="6454034" y="2598003"/>
-              <a:chExt cx="2046982" cy="830997"/>
+              <a:chExt cx="2559943" cy="830997"/>
             </a:xfrm>
           </p:grpSpPr>
           <p:sp>
@@ -7367,7 +7397,7 @@
                   <a:defRPr/>
                 </a:pPr>
                 <a:r>
-                  <a:rPr lang="en-US" altLang="ko-KR" sz="4800" b="1">
+                  <a:rPr lang="en-US" altLang="ko-KR" sz="4800" b="1" dirty="0">
                     <a:solidFill>
                       <a:srgbClr val="64DECF"/>
                     </a:solidFill>
@@ -7377,7 +7407,7 @@
                   </a:rPr>
                   <a:t>04</a:t>
                 </a:r>
-                <a:endParaRPr lang="ko-KR" altLang="en-US" sz="4800" b="1">
+                <a:endParaRPr lang="ko-KR" altLang="en-US" sz="4800" b="1" dirty="0">
                   <a:solidFill>
                     <a:srgbClr val="64DECF"/>
                   </a:solidFill>
@@ -7397,7 +7427,7 @@
             <p:spPr>
               <a:xfrm>
                 <a:off x="7232720" y="2810859"/>
-                <a:ext cx="1268296" cy="400110"/>
+                <a:ext cx="1781257" cy="400110"/>
               </a:xfrm>
               <a:prstGeom prst="rect">
                 <a:avLst/>
@@ -7425,7 +7455,7 @@
                     <a:ea typeface="KoPubWorld돋움체 Bold"/>
                     <a:cs typeface="KoPubWorld돋움체 Bold"/>
                   </a:rPr>
-                  <a:t>화면 설계</a:t>
+                  <a:t>프로젝트 설계</a:t>
                 </a:r>
               </a:p>
             </p:txBody>
@@ -7441,9 +7471,9 @@
         <p:grpSpPr>
           <a:xfrm>
             <a:off x="3095804" y="4075671"/>
-            <a:ext cx="5238152" cy="830997"/>
+            <a:ext cx="5238151" cy="830997"/>
             <a:chOff x="3403340" y="2598002"/>
-            <a:chExt cx="4869434" cy="830997"/>
+            <a:chExt cx="4869433" cy="830997"/>
           </a:xfrm>
         </p:grpSpPr>
         <p:grpSp>
@@ -7455,9 +7485,9 @@
           <p:grpSpPr>
             <a:xfrm>
               <a:off x="3403340" y="2598002"/>
-              <a:ext cx="2536488" cy="830997"/>
+              <a:ext cx="2536487" cy="830997"/>
               <a:chOff x="3403338" y="2598002"/>
-              <a:chExt cx="2536488" cy="830997"/>
+              <a:chExt cx="2536487" cy="830997"/>
             </a:xfrm>
           </p:grpSpPr>
           <p:sp>
@@ -7508,7 +7538,7 @@
             <p:spPr>
               <a:xfrm>
                 <a:off x="4182023" y="2810858"/>
-                <a:ext cx="1757802" cy="391255"/>
+                <a:ext cx="1757802" cy="400110"/>
               </a:xfrm>
               <a:prstGeom prst="rect">
                 <a:avLst/>
@@ -7525,7 +7555,7 @@
                   <a:defRPr/>
                 </a:pPr>
                 <a:r>
-                  <a:rPr lang="ko-KR" altLang="en-US" sz="2000">
+                  <a:rPr lang="ko-KR" altLang="en-US" sz="2000" dirty="0">
                     <a:solidFill>
                       <a:schemeClr val="tx1">
                         <a:lumMod val="65000"/>
@@ -7536,7 +7566,7 @@
                     <a:ea typeface="KoPubWorld돋움체 Bold"/>
                     <a:cs typeface="KoPubWorld돋움체 Bold"/>
                   </a:rPr>
-                  <a:t>프로젝트 설계</a:t>
+                  <a:t>화면 설계</a:t>
                 </a:r>
               </a:p>
             </p:txBody>
@@ -7836,7 +7866,7 @@
     <mc:Choice Requires="p14">
       <p:transition/>
     </mc:Choice>
-    <mc:Fallback xmlns:dsp="http://schemas.microsoft.com/office/drawing/2008/diagram" xmlns:dgm="http://schemas.openxmlformats.org/drawingml/2006/diagram" xmlns:c="http://schemas.openxmlformats.org/drawingml/2006/chart" xmlns="">
+    <mc:Fallback xmlns="" xmlns:c="http://schemas.openxmlformats.org/drawingml/2006/chart" xmlns:dgm="http://schemas.openxmlformats.org/drawingml/2006/diagram" xmlns:dsp="http://schemas.microsoft.com/office/drawing/2008/diagram">
       <p:transition/>
     </mc:Fallback>
   </mc:AlternateContent>
@@ -8345,8 +8375,8 @@
         </p:nvSpPr>
         <p:spPr>
           <a:xfrm>
-            <a:off x="4475021" y="3731405"/>
-            <a:ext cx="4594528" cy="307777"/>
+            <a:off x="4295475" y="3875418"/>
+            <a:ext cx="4953600" cy="307777"/>
           </a:xfrm>
           <a:prstGeom prst="rect">
             <a:avLst/>
@@ -8374,7 +8404,7 @@
                 <a:ea typeface="KoPubWorld돋움체 Light"/>
                 <a:cs typeface="KoPubWorld돋움체 Light"/>
               </a:rPr>
-              <a:t>코로나로 인한 외국인 관광객 감소로 외국인 관광객 타겟</a:t>
+              <a:t>코로나로 인한 외국인 관광객 감소로 외국인 관광객을 타겟팅</a:t>
             </a:r>
           </a:p>
         </p:txBody>
@@ -8435,8 +8465,8 @@
         </p:nvSpPr>
         <p:spPr>
           <a:xfrm>
-            <a:off x="4580981" y="5050203"/>
-            <a:ext cx="4554452" cy="523220"/>
+            <a:off x="4780561" y="5050203"/>
+            <a:ext cx="4155304" cy="523220"/>
           </a:xfrm>
           <a:prstGeom prst="rect">
             <a:avLst/>
@@ -8464,8 +8494,19 @@
                 <a:ea typeface="KoPubWorld돋움체 Light"/>
                 <a:cs typeface="KoPubWorld돋움체 Light"/>
               </a:rPr>
-              <a:t>매달 대한민국에 들어오는 외국인 관광객 수를 제공하여</a:t>
+              <a:t>달마다 방문하는 외국인 관광객수가 달라 나라별로</a:t>
             </a:r>
+            <a:endParaRPr lang="en-US" altLang="ko-KR" sz="1400" dirty="0">
+              <a:solidFill>
+                <a:schemeClr val="tx1">
+                  <a:lumMod val="65000"/>
+                  <a:lumOff val="35000"/>
+                </a:schemeClr>
+              </a:solidFill>
+              <a:latin typeface="KoPubWorld돋움체 Light"/>
+              <a:ea typeface="KoPubWorld돋움체 Light"/>
+              <a:cs typeface="KoPubWorld돋움체 Light"/>
+            </a:endParaRPr>
           </a:p>
           <a:p>
             <a:pPr algn="ctr">
@@ -8483,7 +8524,7 @@
                 <a:ea typeface="KoPubWorld돋움체 Light"/>
                 <a:cs typeface="KoPubWorld돋움체 Light"/>
               </a:rPr>
-              <a:t>인기있는 계절을 알 수 있게 함</a:t>
+              <a:t>선호하는 계절이 다르다고 생각</a:t>
             </a:r>
             <a:endParaRPr lang="en-US" altLang="ko-KR" sz="1400" dirty="0">
               <a:solidFill>
@@ -8572,7 +8613,7 @@
     <mc:Choice Requires="p14">
       <p:transition/>
     </mc:Choice>
-    <mc:Fallback xmlns:dsp="http://schemas.microsoft.com/office/drawing/2008/diagram" xmlns:dgm="http://schemas.openxmlformats.org/drawingml/2006/diagram" xmlns:c="http://schemas.openxmlformats.org/drawingml/2006/chart" xmlns="">
+    <mc:Fallback xmlns="" xmlns:c="http://schemas.openxmlformats.org/drawingml/2006/chart" xmlns:dgm="http://schemas.openxmlformats.org/drawingml/2006/diagram" xmlns:dsp="http://schemas.microsoft.com/office/drawing/2008/diagram">
       <p:transition/>
     </mc:Fallback>
   </mc:AlternateContent>
@@ -9498,7 +9539,7 @@
     <mc:Choice Requires="p14">
       <p:transition/>
     </mc:Choice>
-    <mc:Fallback xmlns:dsp="http://schemas.microsoft.com/office/drawing/2008/diagram" xmlns:dgm="http://schemas.openxmlformats.org/drawingml/2006/diagram" xmlns:c="http://schemas.openxmlformats.org/drawingml/2006/chart" xmlns="">
+    <mc:Fallback xmlns="" xmlns:c="http://schemas.openxmlformats.org/drawingml/2006/chart" xmlns:dgm="http://schemas.openxmlformats.org/drawingml/2006/diagram" xmlns:dsp="http://schemas.microsoft.com/office/drawing/2008/diagram">
       <p:transition/>
     </mc:Fallback>
   </mc:AlternateContent>
@@ -10860,7 +10901,7 @@
     <mc:Choice Requires="p14">
       <p:transition/>
     </mc:Choice>
-    <mc:Fallback xmlns="" xmlns:c="http://schemas.openxmlformats.org/drawingml/2006/chart" xmlns:dgm="http://schemas.openxmlformats.org/drawingml/2006/diagram" xmlns:dsp="http://schemas.microsoft.com/office/drawing/2008/diagram">
+    <mc:Fallback xmlns:dsp="http://schemas.microsoft.com/office/drawing/2008/diagram" xmlns:dgm="http://schemas.openxmlformats.org/drawingml/2006/diagram" xmlns:c="http://schemas.openxmlformats.org/drawingml/2006/chart" xmlns="">
       <p:transition/>
     </mc:Fallback>
   </mc:AlternateContent>
@@ -11041,7 +11082,7 @@
         </p:nvSpPr>
         <p:spPr>
           <a:xfrm>
-            <a:off x="7385940" y="2531697"/>
+            <a:off x="7040587" y="2526645"/>
             <a:ext cx="1401268" cy="1401268"/>
           </a:xfrm>
           <a:prstGeom prst="rect">
@@ -11431,7 +11472,7 @@
         </p:nvSpPr>
         <p:spPr>
           <a:xfrm>
-            <a:off x="9446748" y="3031510"/>
+            <a:off x="8641861" y="2935450"/>
             <a:ext cx="1401268" cy="1401268"/>
           </a:xfrm>
           <a:prstGeom prst="rect">
@@ -11496,7 +11537,7 @@
         </p:nvSpPr>
         <p:spPr>
           <a:xfrm>
-            <a:off x="7385940" y="4432778"/>
+            <a:off x="10243135" y="2526645"/>
             <a:ext cx="1401268" cy="1401268"/>
           </a:xfrm>
           <a:prstGeom prst="rect">
@@ -11561,7 +11602,7 @@
         </p:nvSpPr>
         <p:spPr>
           <a:xfrm>
-            <a:off x="9446748" y="4990377"/>
+            <a:off x="9903948" y="4734762"/>
             <a:ext cx="1401268" cy="1401268"/>
           </a:xfrm>
           <a:prstGeom prst="rect">
@@ -11700,6 +11741,71 @@
           </a:p>
         </p:txBody>
       </p:sp>
+      <p:sp>
+        <p:nvSpPr>
+          <p:cNvPr id="17" name="직사각형 16">
+            <a:extLst>
+              <a:ext uri="{FF2B5EF4-FFF2-40B4-BE49-F238E27FC236}">
+                <a16:creationId xmlns:a16="http://schemas.microsoft.com/office/drawing/2014/main" id="{425A8EC2-7A0D-451E-AE4B-F22C4B2BCF77}"/>
+              </a:ext>
+            </a:extLst>
+          </p:cNvPr>
+          <p:cNvSpPr/>
+          <p:nvPr/>
+        </p:nvSpPr>
+        <p:spPr>
+          <a:xfrm>
+            <a:off x="7741221" y="4734762"/>
+            <a:ext cx="1401268" cy="1401268"/>
+          </a:xfrm>
+          <a:prstGeom prst="rect">
+            <a:avLst/>
+          </a:prstGeom>
+          <a:blipFill dpi="0" rotWithShape="1">
+            <a:blip r:embed="rId11"/>
+            <a:srcRect/>
+            <a:stretch>
+              <a:fillRect/>
+            </a:stretch>
+          </a:blipFill>
+          <a:ln w="28575">
+            <a:solidFill>
+              <a:schemeClr val="tx1"/>
+            </a:solidFill>
+          </a:ln>
+          <a:effectLst>
+            <a:outerShdw dist="165100" dir="3000000" algn="ctr" rotWithShape="0">
+              <a:schemeClr val="tx1">
+                <a:alpha val="25000"/>
+              </a:schemeClr>
+            </a:outerShdw>
+          </a:effectLst>
+        </p:spPr>
+        <p:style>
+          <a:lnRef idx="2">
+            <a:schemeClr val="accent1">
+              <a:shade val="50000"/>
+            </a:schemeClr>
+          </a:lnRef>
+          <a:fillRef idx="1">
+            <a:schemeClr val="accent1"/>
+          </a:fillRef>
+          <a:effectRef idx="0">
+            <a:schemeClr val="accent1"/>
+          </a:effectRef>
+          <a:fontRef idx="minor">
+            <a:schemeClr val="lt1"/>
+          </a:fontRef>
+        </p:style>
+        <p:txBody>
+          <a:bodyPr rtlCol="0" anchor="ctr"/>
+          <a:lstStyle/>
+          <a:p>
+            <a:pPr algn="ctr"/>
+            <a:endParaRPr lang="ko-KR" altLang="en-US"/>
+          </a:p>
+        </p:txBody>
+      </p:sp>
     </p:spTree>
   </p:cSld>
   <p:clrMapOvr>
@@ -11709,7 +11815,7 @@
     <mc:Choice Requires="p14">
       <p:transition/>
     </mc:Choice>
-    <mc:Fallback xmlns:dsp="http://schemas.microsoft.com/office/drawing/2008/diagram" xmlns:dgm="http://schemas.openxmlformats.org/drawingml/2006/diagram" xmlns:c="http://schemas.openxmlformats.org/drawingml/2006/chart" xmlns="">
+    <mc:Fallback xmlns="" xmlns:c="http://schemas.openxmlformats.org/drawingml/2006/chart" xmlns:dgm="http://schemas.openxmlformats.org/drawingml/2006/diagram" xmlns:dsp="http://schemas.microsoft.com/office/drawing/2008/diagram">
       <p:transition/>
     </mc:Fallback>
   </mc:AlternateContent>
@@ -11717,6 +11823,208 @@
 </file>
 
 <file path=ppt/slides/slide8.xml><?xml version="1.0" encoding="utf-8"?>
+<p:sld xmlns:a="http://schemas.openxmlformats.org/drawingml/2006/main" xmlns:r="http://schemas.openxmlformats.org/officeDocument/2006/relationships" xmlns:p="http://schemas.openxmlformats.org/presentationml/2006/main">
+  <p:cSld>
+    <p:spTree>
+      <p:nvGrpSpPr>
+        <p:cNvPr id="1" name=""/>
+        <p:cNvGrpSpPr/>
+        <p:nvPr/>
+      </p:nvGrpSpPr>
+      <p:grpSpPr>
+        <a:xfrm>
+          <a:off x="0" y="0"/>
+          <a:ext cx="0" cy="0"/>
+          <a:chOff x="0" y="0"/>
+          <a:chExt cx="0" cy="0"/>
+        </a:xfrm>
+      </p:grpSpPr>
+      <p:sp>
+        <p:nvSpPr>
+          <p:cNvPr id="23" name="직사각형 22"/>
+          <p:cNvSpPr/>
+          <p:nvPr/>
+        </p:nvSpPr>
+        <p:spPr>
+          <a:xfrm flipV="1">
+            <a:off x="557400" y="1001162"/>
+            <a:ext cx="11077200" cy="18000"/>
+          </a:xfrm>
+          <a:prstGeom prst="rect">
+            <a:avLst/>
+          </a:prstGeom>
+          <a:solidFill>
+            <a:srgbClr val="64DECF"/>
+          </a:solidFill>
+          <a:ln>
+            <a:noFill/>
+          </a:ln>
+        </p:spPr>
+        <p:style>
+          <a:lnRef idx="2">
+            <a:schemeClr val="accent1">
+              <a:shade val="50000"/>
+            </a:schemeClr>
+          </a:lnRef>
+          <a:fillRef idx="1">
+            <a:schemeClr val="accent1"/>
+          </a:fillRef>
+          <a:effectRef idx="0">
+            <a:schemeClr val="accent1"/>
+          </a:effectRef>
+          <a:fontRef idx="minor">
+            <a:schemeClr val="lt1"/>
+          </a:fontRef>
+        </p:style>
+        <p:txBody>
+          <a:bodyPr anchor="ctr"/>
+          <a:lstStyle/>
+          <a:p>
+            <a:pPr algn="ctr">
+              <a:defRPr/>
+            </a:pPr>
+            <a:endParaRPr lang="ko-KR" altLang="en-US"/>
+          </a:p>
+        </p:txBody>
+      </p:sp>
+      <p:grpSp>
+        <p:nvGrpSpPr>
+          <p:cNvPr id="6" name="그룹 5"/>
+          <p:cNvGrpSpPr/>
+          <p:nvPr/>
+        </p:nvGrpSpPr>
+        <p:grpSpPr>
+          <a:xfrm>
+            <a:off x="4105427" y="188165"/>
+            <a:ext cx="3981147" cy="830997"/>
+            <a:chOff x="3819245" y="188165"/>
+            <a:chExt cx="3981147" cy="830997"/>
+          </a:xfrm>
+        </p:grpSpPr>
+        <p:sp>
+          <p:nvSpPr>
+            <p:cNvPr id="5" name="직사각형 4"/>
+            <p:cNvSpPr/>
+            <p:nvPr/>
+          </p:nvSpPr>
+          <p:spPr>
+            <a:xfrm>
+              <a:off x="4603102" y="366260"/>
+              <a:ext cx="3197290" cy="470035"/>
+            </a:xfrm>
+            <a:prstGeom prst="rect">
+              <a:avLst/>
+            </a:prstGeom>
+          </p:spPr>
+          <p:txBody>
+            <a:bodyPr wrap="square">
+              <a:spAutoFit/>
+            </a:bodyPr>
+            <a:lstStyle/>
+            <a:p>
+              <a:pPr lvl="0">
+                <a:defRPr/>
+              </a:pPr>
+              <a:r>
+                <a:rPr lang="ko-KR" altLang="en-US" sz="2500">
+                  <a:solidFill>
+                    <a:schemeClr val="tx1">
+                      <a:lumMod val="65000"/>
+                      <a:lumOff val="35000"/>
+                    </a:schemeClr>
+                  </a:solidFill>
+                  <a:latin typeface="KoPubWorld돋움체 Light"/>
+                  <a:ea typeface="KoPubWorld돋움체 Light"/>
+                  <a:cs typeface="KoPubWorld돋움체 Light"/>
+                </a:rPr>
+                <a:t>프로젝트 설계</a:t>
+              </a:r>
+            </a:p>
+          </p:txBody>
+        </p:sp>
+        <p:sp>
+          <p:nvSpPr>
+            <p:cNvPr id="24" name="TextBox 23"/>
+            <p:cNvSpPr txBox="1"/>
+            <p:nvPr/>
+          </p:nvSpPr>
+          <p:spPr>
+            <a:xfrm>
+              <a:off x="3819245" y="188165"/>
+              <a:ext cx="809837" cy="830997"/>
+            </a:xfrm>
+            <a:prstGeom prst="rect">
+              <a:avLst/>
+            </a:prstGeom>
+            <a:noFill/>
+          </p:spPr>
+          <p:txBody>
+            <a:bodyPr wrap="none">
+              <a:spAutoFit/>
+            </a:bodyPr>
+            <a:lstStyle/>
+            <a:p>
+              <a:pPr lvl="0">
+                <a:defRPr/>
+              </a:pPr>
+              <a:r>
+                <a:rPr lang="en-US" altLang="ko-KR" sz="4800" b="1" dirty="0">
+                  <a:solidFill>
+                    <a:srgbClr val="64DECF"/>
+                  </a:solidFill>
+                  <a:latin typeface="KoPubWorld돋움체 Bold"/>
+                  <a:ea typeface="KoPubWorld돋움체 Bold"/>
+                  <a:cs typeface="KoPubWorld돋움체 Bold"/>
+                </a:rPr>
+                <a:t>04</a:t>
+              </a:r>
+            </a:p>
+          </p:txBody>
+        </p:sp>
+      </p:grpSp>
+      <p:pic>
+        <p:nvPicPr>
+          <p:cNvPr id="27" name="내용 개체 틀 26"/>
+          <p:cNvPicPr>
+            <a:picLocks noGrp="1" noChangeAspect="1"/>
+          </p:cNvPicPr>
+          <p:nvPr>
+            <p:ph idx="1"/>
+          </p:nvPr>
+        </p:nvPicPr>
+        <p:blipFill rotWithShape="1">
+          <a:blip r:embed="rId2"/>
+          <a:stretch>
+            <a:fillRect/>
+          </a:stretch>
+        </p:blipFill>
+        <p:spPr>
+          <a:xfrm>
+            <a:off x="2732454" y="1120069"/>
+            <a:ext cx="5898062" cy="5341808"/>
+          </a:xfrm>
+          <a:prstGeom prst="rect">
+            <a:avLst/>
+          </a:prstGeom>
+        </p:spPr>
+      </p:pic>
+    </p:spTree>
+  </p:cSld>
+  <p:clrMapOvr>
+    <a:masterClrMapping/>
+  </p:clrMapOvr>
+  <mc:AlternateContent xmlns:mc="http://schemas.openxmlformats.org/markup-compatibility/2006" xmlns:p14="http://schemas.microsoft.com/office/powerpoint/2010/main">
+    <mc:Choice Requires="p14">
+      <p:transition/>
+    </mc:Choice>
+    <mc:Fallback xmlns="" xmlns:c="http://schemas.openxmlformats.org/drawingml/2006/chart" xmlns:dgm="http://schemas.openxmlformats.org/drawingml/2006/diagram" xmlns:dsp="http://schemas.microsoft.com/office/drawing/2008/diagram">
+      <p:transition/>
+    </mc:Fallback>
+  </mc:AlternateContent>
+</p:sld>
+</file>
+
+<file path=ppt/slides/slide9.xml><?xml version="1.0" encoding="utf-8"?>
 <p:sld xmlns:a="http://schemas.openxmlformats.org/drawingml/2006/main" xmlns:r="http://schemas.openxmlformats.org/officeDocument/2006/relationships" xmlns:p="http://schemas.openxmlformats.org/presentationml/2006/main">
   <p:cSld>
     <p:spTree>
@@ -11870,7 +12178,7 @@
                   <a:ea typeface="KoPubWorld돋움체 Bold"/>
                   <a:cs typeface="KoPubWorld돋움체 Bold"/>
                 </a:rPr>
-                <a:t>04</a:t>
+                <a:t>05</a:t>
               </a:r>
             </a:p>
           </p:txBody>
@@ -12108,208 +12416,6 @@
           <a:xfrm>
             <a:off x="6753798" y="4143165"/>
             <a:ext cx="3690526" cy="2268645"/>
-          </a:xfrm>
-          <a:prstGeom prst="rect">
-            <a:avLst/>
-          </a:prstGeom>
-        </p:spPr>
-      </p:pic>
-    </p:spTree>
-  </p:cSld>
-  <p:clrMapOvr>
-    <a:masterClrMapping/>
-  </p:clrMapOvr>
-  <mc:AlternateContent xmlns:mc="http://schemas.openxmlformats.org/markup-compatibility/2006" xmlns:p14="http://schemas.microsoft.com/office/powerpoint/2010/main">
-    <mc:Choice Requires="p14">
-      <p:transition/>
-    </mc:Choice>
-    <mc:Fallback xmlns="" xmlns:c="http://schemas.openxmlformats.org/drawingml/2006/chart" xmlns:dgm="http://schemas.openxmlformats.org/drawingml/2006/diagram" xmlns:dsp="http://schemas.microsoft.com/office/drawing/2008/diagram">
-      <p:transition/>
-    </mc:Fallback>
-  </mc:AlternateContent>
-</p:sld>
-</file>
-
-<file path=ppt/slides/slide9.xml><?xml version="1.0" encoding="utf-8"?>
-<p:sld xmlns:a="http://schemas.openxmlformats.org/drawingml/2006/main" xmlns:r="http://schemas.openxmlformats.org/officeDocument/2006/relationships" xmlns:p="http://schemas.openxmlformats.org/presentationml/2006/main">
-  <p:cSld>
-    <p:spTree>
-      <p:nvGrpSpPr>
-        <p:cNvPr id="1" name=""/>
-        <p:cNvGrpSpPr/>
-        <p:nvPr/>
-      </p:nvGrpSpPr>
-      <p:grpSpPr>
-        <a:xfrm>
-          <a:off x="0" y="0"/>
-          <a:ext cx="0" cy="0"/>
-          <a:chOff x="0" y="0"/>
-          <a:chExt cx="0" cy="0"/>
-        </a:xfrm>
-      </p:grpSpPr>
-      <p:sp>
-        <p:nvSpPr>
-          <p:cNvPr id="23" name="직사각형 22"/>
-          <p:cNvSpPr/>
-          <p:nvPr/>
-        </p:nvSpPr>
-        <p:spPr>
-          <a:xfrm flipV="1">
-            <a:off x="557400" y="1001162"/>
-            <a:ext cx="11077200" cy="18000"/>
-          </a:xfrm>
-          <a:prstGeom prst="rect">
-            <a:avLst/>
-          </a:prstGeom>
-          <a:solidFill>
-            <a:srgbClr val="64DECF"/>
-          </a:solidFill>
-          <a:ln>
-            <a:noFill/>
-          </a:ln>
-        </p:spPr>
-        <p:style>
-          <a:lnRef idx="2">
-            <a:schemeClr val="accent1">
-              <a:shade val="50000"/>
-            </a:schemeClr>
-          </a:lnRef>
-          <a:fillRef idx="1">
-            <a:schemeClr val="accent1"/>
-          </a:fillRef>
-          <a:effectRef idx="0">
-            <a:schemeClr val="accent1"/>
-          </a:effectRef>
-          <a:fontRef idx="minor">
-            <a:schemeClr val="lt1"/>
-          </a:fontRef>
-        </p:style>
-        <p:txBody>
-          <a:bodyPr anchor="ctr"/>
-          <a:lstStyle/>
-          <a:p>
-            <a:pPr algn="ctr">
-              <a:defRPr/>
-            </a:pPr>
-            <a:endParaRPr lang="ko-KR" altLang="en-US"/>
-          </a:p>
-        </p:txBody>
-      </p:sp>
-      <p:grpSp>
-        <p:nvGrpSpPr>
-          <p:cNvPr id="6" name="그룹 5"/>
-          <p:cNvGrpSpPr/>
-          <p:nvPr/>
-        </p:nvGrpSpPr>
-        <p:grpSpPr>
-          <a:xfrm>
-            <a:off x="4105427" y="188165"/>
-            <a:ext cx="3981147" cy="819580"/>
-            <a:chOff x="3819245" y="188165"/>
-            <a:chExt cx="3981147" cy="819580"/>
-          </a:xfrm>
-        </p:grpSpPr>
-        <p:sp>
-          <p:nvSpPr>
-            <p:cNvPr id="5" name="직사각형 4"/>
-            <p:cNvSpPr/>
-            <p:nvPr/>
-          </p:nvSpPr>
-          <p:spPr>
-            <a:xfrm>
-              <a:off x="4603102" y="366260"/>
-              <a:ext cx="3197290" cy="470035"/>
-            </a:xfrm>
-            <a:prstGeom prst="rect">
-              <a:avLst/>
-            </a:prstGeom>
-          </p:spPr>
-          <p:txBody>
-            <a:bodyPr wrap="square">
-              <a:spAutoFit/>
-            </a:bodyPr>
-            <a:lstStyle/>
-            <a:p>
-              <a:pPr lvl="0">
-                <a:defRPr/>
-              </a:pPr>
-              <a:r>
-                <a:rPr lang="ko-KR" altLang="en-US" sz="2500">
-                  <a:solidFill>
-                    <a:schemeClr val="tx1">
-                      <a:lumMod val="65000"/>
-                      <a:lumOff val="35000"/>
-                    </a:schemeClr>
-                  </a:solidFill>
-                  <a:latin typeface="KoPubWorld돋움체 Light"/>
-                  <a:ea typeface="KoPubWorld돋움체 Light"/>
-                  <a:cs typeface="KoPubWorld돋움체 Light"/>
-                </a:rPr>
-                <a:t>프로젝트 설계</a:t>
-              </a:r>
-            </a:p>
-          </p:txBody>
-        </p:sp>
-        <p:sp>
-          <p:nvSpPr>
-            <p:cNvPr id="24" name="TextBox 23"/>
-            <p:cNvSpPr txBox="1"/>
-            <p:nvPr/>
-          </p:nvSpPr>
-          <p:spPr>
-            <a:xfrm>
-              <a:off x="3819245" y="188165"/>
-              <a:ext cx="891388" cy="819580"/>
-            </a:xfrm>
-            <a:prstGeom prst="rect">
-              <a:avLst/>
-            </a:prstGeom>
-            <a:noFill/>
-          </p:spPr>
-          <p:txBody>
-            <a:bodyPr wrap="none">
-              <a:spAutoFit/>
-            </a:bodyPr>
-            <a:lstStyle/>
-            <a:p>
-              <a:pPr lvl="0">
-                <a:defRPr/>
-              </a:pPr>
-              <a:r>
-                <a:rPr lang="en-US" altLang="ko-KR" sz="4800" b="1">
-                  <a:solidFill>
-                    <a:srgbClr val="64DECF"/>
-                  </a:solidFill>
-                  <a:latin typeface="KoPubWorld돋움체 Bold"/>
-                  <a:ea typeface="KoPubWorld돋움체 Bold"/>
-                  <a:cs typeface="KoPubWorld돋움체 Bold"/>
-                </a:rPr>
-                <a:t>05</a:t>
-              </a:r>
-            </a:p>
-          </p:txBody>
-        </p:sp>
-      </p:grpSp>
-      <p:pic>
-        <p:nvPicPr>
-          <p:cNvPr id="27" name="내용 개체 틀 26"/>
-          <p:cNvPicPr>
-            <a:picLocks noGrp="1" noChangeAspect="1"/>
-          </p:cNvPicPr>
-          <p:nvPr>
-            <p:ph idx="1"/>
-          </p:nvPr>
-        </p:nvPicPr>
-        <p:blipFill rotWithShape="1">
-          <a:blip r:embed="rId2"/>
-          <a:stretch>
-            <a:fillRect/>
-          </a:stretch>
-        </p:blipFill>
-        <p:spPr>
-          <a:xfrm>
-            <a:off x="2732454" y="1120069"/>
-            <a:ext cx="5898062" cy="5341808"/>
           </a:xfrm>
           <a:prstGeom prst="rect">
             <a:avLst/>

--- a/발표자료/발표자료.pptx
+++ b/발표자료/발표자료.pptx
@@ -4835,7 +4835,7 @@
     <mc:Choice Requires="p14">
       <p:transition/>
     </mc:Choice>
-    <mc:Fallback xmlns:dsp="http://schemas.microsoft.com/office/drawing/2008/diagram" xmlns:dgm="http://schemas.openxmlformats.org/drawingml/2006/diagram" xmlns:c="http://schemas.openxmlformats.org/drawingml/2006/chart" xmlns="">
+    <mc:Fallback xmlns="" xmlns:c="http://schemas.openxmlformats.org/drawingml/2006/chart" xmlns:dgm="http://schemas.openxmlformats.org/drawingml/2006/diagram" xmlns:dsp="http://schemas.microsoft.com/office/drawing/2008/diagram">
       <p:transition/>
     </mc:Fallback>
   </mc:AlternateContent>
@@ -5051,7 +5051,7 @@
     <mc:Choice Requires="p14">
       <p:transition/>
     </mc:Choice>
-    <mc:Fallback xmlns="" xmlns:c="http://schemas.openxmlformats.org/drawingml/2006/chart" xmlns:dgm="http://schemas.openxmlformats.org/drawingml/2006/diagram" xmlns:dsp="http://schemas.microsoft.com/office/drawing/2008/diagram">
+    <mc:Fallback xmlns:dsp="http://schemas.microsoft.com/office/drawing/2008/diagram" xmlns:dgm="http://schemas.openxmlformats.org/drawingml/2006/diagram" xmlns:c="http://schemas.openxmlformats.org/drawingml/2006/chart" xmlns="">
       <p:transition/>
     </mc:Fallback>
   </mc:AlternateContent>
@@ -5267,7 +5267,7 @@
     <mc:Choice Requires="p14">
       <p:transition/>
     </mc:Choice>
-    <mc:Fallback xmlns="" xmlns:c="http://schemas.openxmlformats.org/drawingml/2006/chart" xmlns:dgm="http://schemas.openxmlformats.org/drawingml/2006/diagram" xmlns:dsp="http://schemas.microsoft.com/office/drawing/2008/diagram">
+    <mc:Fallback xmlns:dsp="http://schemas.microsoft.com/office/drawing/2008/diagram" xmlns:dgm="http://schemas.openxmlformats.org/drawingml/2006/diagram" xmlns:c="http://schemas.openxmlformats.org/drawingml/2006/chart" xmlns="">
       <p:transition/>
     </mc:Fallback>
   </mc:AlternateContent>
@@ -5483,7 +5483,7 @@
     <mc:Choice Requires="p14">
       <p:transition/>
     </mc:Choice>
-    <mc:Fallback xmlns="" xmlns:c="http://schemas.openxmlformats.org/drawingml/2006/chart" xmlns:dgm="http://schemas.openxmlformats.org/drawingml/2006/diagram" xmlns:dsp="http://schemas.microsoft.com/office/drawing/2008/diagram">
+    <mc:Fallback xmlns:dsp="http://schemas.microsoft.com/office/drawing/2008/diagram" xmlns:dgm="http://schemas.openxmlformats.org/drawingml/2006/diagram" xmlns:c="http://schemas.openxmlformats.org/drawingml/2006/chart" xmlns="">
       <p:transition/>
     </mc:Fallback>
   </mc:AlternateContent>
@@ -5666,7 +5666,13 @@
       </p:grpSp>
       <p:pic>
         <p:nvPicPr>
-          <p:cNvPr id="28" name="내용 개체 틀 27"/>
+          <p:cNvPr id="7" name="내용 개체 틀 6">
+            <a:extLst>
+              <a:ext uri="{FF2B5EF4-FFF2-40B4-BE49-F238E27FC236}">
+                <a16:creationId xmlns:a16="http://schemas.microsoft.com/office/drawing/2014/main" id="{A6AD201B-64A8-4B33-9352-FBB7FF44DB93}"/>
+              </a:ext>
+            </a:extLst>
+          </p:cNvPr>
           <p:cNvPicPr>
             <a:picLocks noGrp="1" noChangeAspect="1"/>
           </p:cNvPicPr>
@@ -5674,20 +5680,23 @@
             <p:ph idx="1"/>
           </p:nvPr>
         </p:nvPicPr>
-        <p:blipFill rotWithShape="1">
-          <a:blip r:embed="rId2"/>
+        <p:blipFill>
+          <a:blip r:embed="rId2">
+            <a:extLst>
+              <a:ext uri="{28A0092B-C50C-407E-A947-70E740481C1C}">
+                <a14:useLocalDpi xmlns:a14="http://schemas.microsoft.com/office/drawing/2010/main" val="0"/>
+              </a:ext>
+            </a:extLst>
+          </a:blip>
           <a:stretch>
             <a:fillRect/>
           </a:stretch>
         </p:blipFill>
         <p:spPr>
           <a:xfrm>
-            <a:off x="2110189" y="1733313"/>
-            <a:ext cx="7951208" cy="3920540"/>
+            <a:off x="2142921" y="1756265"/>
+            <a:ext cx="7918700" cy="3862566"/>
           </a:xfrm>
-          <a:prstGeom prst="rect">
-            <a:avLst/>
-          </a:prstGeom>
         </p:spPr>
       </p:pic>
     </p:spTree>
@@ -5699,7 +5708,7 @@
     <mc:Choice Requires="p14">
       <p:transition/>
     </mc:Choice>
-    <mc:Fallback xmlns="" xmlns:c="http://schemas.openxmlformats.org/drawingml/2006/chart" xmlns:dgm="http://schemas.openxmlformats.org/drawingml/2006/diagram" xmlns:dsp="http://schemas.microsoft.com/office/drawing/2008/diagram">
+    <mc:Fallback xmlns:dsp="http://schemas.microsoft.com/office/drawing/2008/diagram" xmlns:dgm="http://schemas.openxmlformats.org/drawingml/2006/diagram" xmlns:c="http://schemas.openxmlformats.org/drawingml/2006/chart" xmlns="">
       <p:transition/>
     </mc:Fallback>
   </mc:AlternateContent>
@@ -6507,7 +6516,7 @@
     <mc:Choice Requires="p14">
       <p:transition/>
     </mc:Choice>
-    <mc:Fallback xmlns="" xmlns:c="http://schemas.openxmlformats.org/drawingml/2006/chart" xmlns:dgm="http://schemas.openxmlformats.org/drawingml/2006/diagram" xmlns:dsp="http://schemas.microsoft.com/office/drawing/2008/diagram">
+    <mc:Fallback xmlns:dsp="http://schemas.microsoft.com/office/drawing/2008/diagram" xmlns:dgm="http://schemas.openxmlformats.org/drawingml/2006/diagram" xmlns:c="http://schemas.openxmlformats.org/drawingml/2006/chart" xmlns="">
       <p:transition/>
     </mc:Fallback>
   </mc:AlternateContent>
@@ -6854,7 +6863,7 @@
     <mc:Choice Requires="p14">
       <p:transition/>
     </mc:Choice>
-    <mc:Fallback xmlns:dsp="http://schemas.microsoft.com/office/drawing/2008/diagram" xmlns:dgm="http://schemas.openxmlformats.org/drawingml/2006/diagram" xmlns:c="http://schemas.openxmlformats.org/drawingml/2006/chart" xmlns="">
+    <mc:Fallback xmlns="" xmlns:c="http://schemas.openxmlformats.org/drawingml/2006/chart" xmlns:dgm="http://schemas.openxmlformats.org/drawingml/2006/diagram" xmlns:dsp="http://schemas.microsoft.com/office/drawing/2008/diagram">
       <p:transition/>
     </mc:Fallback>
   </mc:AlternateContent>
@@ -7866,7 +7875,7 @@
     <mc:Choice Requires="p14">
       <p:transition/>
     </mc:Choice>
-    <mc:Fallback xmlns="" xmlns:c="http://schemas.openxmlformats.org/drawingml/2006/chart" xmlns:dgm="http://schemas.openxmlformats.org/drawingml/2006/diagram" xmlns:dsp="http://schemas.microsoft.com/office/drawing/2008/diagram">
+    <mc:Fallback xmlns:dsp="http://schemas.microsoft.com/office/drawing/2008/diagram" xmlns:dgm="http://schemas.openxmlformats.org/drawingml/2006/diagram" xmlns:c="http://schemas.openxmlformats.org/drawingml/2006/chart" xmlns="">
       <p:transition/>
     </mc:Fallback>
   </mc:AlternateContent>
@@ -8613,7 +8622,7 @@
     <mc:Choice Requires="p14">
       <p:transition/>
     </mc:Choice>
-    <mc:Fallback xmlns="" xmlns:c="http://schemas.openxmlformats.org/drawingml/2006/chart" xmlns:dgm="http://schemas.openxmlformats.org/drawingml/2006/diagram" xmlns:dsp="http://schemas.microsoft.com/office/drawing/2008/diagram">
+    <mc:Fallback xmlns:dsp="http://schemas.microsoft.com/office/drawing/2008/diagram" xmlns:dgm="http://schemas.openxmlformats.org/drawingml/2006/diagram" xmlns:c="http://schemas.openxmlformats.org/drawingml/2006/chart" xmlns="">
       <p:transition/>
     </mc:Fallback>
   </mc:AlternateContent>
@@ -9539,7 +9548,7 @@
     <mc:Choice Requires="p14">
       <p:transition/>
     </mc:Choice>
-    <mc:Fallback xmlns="" xmlns:c="http://schemas.openxmlformats.org/drawingml/2006/chart" xmlns:dgm="http://schemas.openxmlformats.org/drawingml/2006/diagram" xmlns:dsp="http://schemas.microsoft.com/office/drawing/2008/diagram">
+    <mc:Fallback xmlns:dsp="http://schemas.microsoft.com/office/drawing/2008/diagram" xmlns:dgm="http://schemas.openxmlformats.org/drawingml/2006/diagram" xmlns:c="http://schemas.openxmlformats.org/drawingml/2006/chart" xmlns="">
       <p:transition/>
     </mc:Fallback>
   </mc:AlternateContent>
@@ -10901,7 +10910,7 @@
     <mc:Choice Requires="p14">
       <p:transition/>
     </mc:Choice>
-    <mc:Fallback xmlns:dsp="http://schemas.microsoft.com/office/drawing/2008/diagram" xmlns:dgm="http://schemas.openxmlformats.org/drawingml/2006/diagram" xmlns:c="http://schemas.openxmlformats.org/drawingml/2006/chart" xmlns="">
+    <mc:Fallback xmlns="" xmlns:c="http://schemas.openxmlformats.org/drawingml/2006/chart" xmlns:dgm="http://schemas.openxmlformats.org/drawingml/2006/diagram" xmlns:dsp="http://schemas.microsoft.com/office/drawing/2008/diagram">
       <p:transition/>
     </mc:Fallback>
   </mc:AlternateContent>
@@ -11815,7 +11824,7 @@
     <mc:Choice Requires="p14">
       <p:transition/>
     </mc:Choice>
-    <mc:Fallback xmlns="" xmlns:c="http://schemas.openxmlformats.org/drawingml/2006/chart" xmlns:dgm="http://schemas.openxmlformats.org/drawingml/2006/diagram" xmlns:dsp="http://schemas.microsoft.com/office/drawing/2008/diagram">
+    <mc:Fallback xmlns:dsp="http://schemas.microsoft.com/office/drawing/2008/diagram" xmlns:dgm="http://schemas.openxmlformats.org/drawingml/2006/diagram" xmlns:c="http://schemas.openxmlformats.org/drawingml/2006/chart" xmlns="">
       <p:transition/>
     </mc:Fallback>
   </mc:AlternateContent>
@@ -12017,7 +12026,7 @@
     <mc:Choice Requires="p14">
       <p:transition/>
     </mc:Choice>
-    <mc:Fallback xmlns="" xmlns:c="http://schemas.openxmlformats.org/drawingml/2006/chart" xmlns:dgm="http://schemas.openxmlformats.org/drawingml/2006/diagram" xmlns:dsp="http://schemas.microsoft.com/office/drawing/2008/diagram">
+    <mc:Fallback xmlns:dsp="http://schemas.microsoft.com/office/drawing/2008/diagram" xmlns:dgm="http://schemas.openxmlformats.org/drawingml/2006/diagram" xmlns:c="http://schemas.openxmlformats.org/drawingml/2006/chart" xmlns="">
       <p:transition/>
     </mc:Fallback>
   </mc:AlternateContent>
@@ -12431,7 +12440,7 @@
     <mc:Choice Requires="p14">
       <p:transition/>
     </mc:Choice>
-    <mc:Fallback xmlns:dsp="http://schemas.microsoft.com/office/drawing/2008/diagram" xmlns:dgm="http://schemas.openxmlformats.org/drawingml/2006/diagram" xmlns:c="http://schemas.openxmlformats.org/drawingml/2006/chart" xmlns="">
+    <mc:Fallback xmlns="" xmlns:c="http://schemas.openxmlformats.org/drawingml/2006/chart" xmlns:dgm="http://schemas.openxmlformats.org/drawingml/2006/diagram" xmlns:dsp="http://schemas.microsoft.com/office/drawing/2008/diagram">
       <p:transition/>
     </mc:Fallback>
   </mc:AlternateContent>
